--- a/materials/slides/ch04.pptx
+++ b/materials/slides/ch04.pptx
@@ -8,7 +8,7 @@
     <p:notesMasterId r:id="rId15"/>
   </p:notesMasterIdLst>
   <p:handoutMasterIdLst>
-    <p:handoutMasterId r:id="rId75"/>
+    <p:handoutMasterId r:id="rId76"/>
   </p:handoutMasterIdLst>
   <p:sldIdLst>
     <p:sldId id="256" r:id="rId3"/>
@@ -18,7 +18,7 @@
     <p:sldId id="433" r:id="rId7"/>
     <p:sldId id="328" r:id="rId8"/>
     <p:sldId id="354" r:id="rId9"/>
-    <p:sldId id="434" r:id="rId10"/>
+    <p:sldId id="551" r:id="rId10"/>
     <p:sldId id="435" r:id="rId11"/>
     <p:sldId id="333" r:id="rId12"/>
     <p:sldId id="432" r:id="rId13"/>
@@ -26,62 +26,63 @@
     <p:sldId id="357" r:id="rId16"/>
     <p:sldId id="491" r:id="rId17"/>
     <p:sldId id="492" r:id="rId18"/>
-    <p:sldId id="336" r:id="rId19"/>
-    <p:sldId id="436" r:id="rId20"/>
-    <p:sldId id="438" r:id="rId21"/>
-    <p:sldId id="474" r:id="rId22"/>
-    <p:sldId id="475" r:id="rId23"/>
-    <p:sldId id="476" r:id="rId24"/>
-    <p:sldId id="477" r:id="rId25"/>
-    <p:sldId id="478" r:id="rId26"/>
-    <p:sldId id="479" r:id="rId27"/>
-    <p:sldId id="480" r:id="rId28"/>
-    <p:sldId id="481" r:id="rId29"/>
-    <p:sldId id="482" r:id="rId30"/>
-    <p:sldId id="483" r:id="rId31"/>
-    <p:sldId id="484" r:id="rId32"/>
-    <p:sldId id="485" r:id="rId33"/>
-    <p:sldId id="486" r:id="rId34"/>
-    <p:sldId id="487" r:id="rId35"/>
-    <p:sldId id="488" r:id="rId36"/>
-    <p:sldId id="489" r:id="rId37"/>
-    <p:sldId id="450" r:id="rId38"/>
-    <p:sldId id="448" r:id="rId39"/>
-    <p:sldId id="467" r:id="rId40"/>
-    <p:sldId id="490" r:id="rId41"/>
-    <p:sldId id="449" r:id="rId42"/>
-    <p:sldId id="440" r:id="rId43"/>
-    <p:sldId id="441" r:id="rId44"/>
-    <p:sldId id="442" r:id="rId45"/>
-    <p:sldId id="443" r:id="rId46"/>
-    <p:sldId id="445" r:id="rId47"/>
-    <p:sldId id="446" r:id="rId48"/>
-    <p:sldId id="468" r:id="rId49"/>
-    <p:sldId id="469" r:id="rId50"/>
-    <p:sldId id="470" r:id="rId51"/>
-    <p:sldId id="471" r:id="rId52"/>
-    <p:sldId id="472" r:id="rId53"/>
-    <p:sldId id="342" r:id="rId54"/>
-    <p:sldId id="420" r:id="rId55"/>
-    <p:sldId id="413" r:id="rId56"/>
-    <p:sldId id="414" r:id="rId57"/>
-    <p:sldId id="415" r:id="rId58"/>
-    <p:sldId id="416" r:id="rId59"/>
-    <p:sldId id="343" r:id="rId60"/>
-    <p:sldId id="344" r:id="rId61"/>
-    <p:sldId id="345" r:id="rId62"/>
-    <p:sldId id="346" r:id="rId63"/>
-    <p:sldId id="347" r:id="rId64"/>
-    <p:sldId id="348" r:id="rId65"/>
-    <p:sldId id="404" r:id="rId66"/>
-    <p:sldId id="405" r:id="rId67"/>
-    <p:sldId id="350" r:id="rId68"/>
-    <p:sldId id="473" r:id="rId69"/>
-    <p:sldId id="393" r:id="rId70"/>
-    <p:sldId id="394" r:id="rId71"/>
-    <p:sldId id="396" r:id="rId72"/>
-    <p:sldId id="411" r:id="rId73"/>
-    <p:sldId id="316" r:id="rId74"/>
+    <p:sldId id="549" r:id="rId19"/>
+    <p:sldId id="550" r:id="rId20"/>
+    <p:sldId id="436" r:id="rId21"/>
+    <p:sldId id="438" r:id="rId22"/>
+    <p:sldId id="474" r:id="rId23"/>
+    <p:sldId id="475" r:id="rId24"/>
+    <p:sldId id="476" r:id="rId25"/>
+    <p:sldId id="477" r:id="rId26"/>
+    <p:sldId id="478" r:id="rId27"/>
+    <p:sldId id="479" r:id="rId28"/>
+    <p:sldId id="480" r:id="rId29"/>
+    <p:sldId id="481" r:id="rId30"/>
+    <p:sldId id="482" r:id="rId31"/>
+    <p:sldId id="483" r:id="rId32"/>
+    <p:sldId id="484" r:id="rId33"/>
+    <p:sldId id="485" r:id="rId34"/>
+    <p:sldId id="486" r:id="rId35"/>
+    <p:sldId id="487" r:id="rId36"/>
+    <p:sldId id="488" r:id="rId37"/>
+    <p:sldId id="489" r:id="rId38"/>
+    <p:sldId id="450" r:id="rId39"/>
+    <p:sldId id="448" r:id="rId40"/>
+    <p:sldId id="467" r:id="rId41"/>
+    <p:sldId id="490" r:id="rId42"/>
+    <p:sldId id="449" r:id="rId43"/>
+    <p:sldId id="440" r:id="rId44"/>
+    <p:sldId id="441" r:id="rId45"/>
+    <p:sldId id="442" r:id="rId46"/>
+    <p:sldId id="443" r:id="rId47"/>
+    <p:sldId id="445" r:id="rId48"/>
+    <p:sldId id="446" r:id="rId49"/>
+    <p:sldId id="468" r:id="rId50"/>
+    <p:sldId id="469" r:id="rId51"/>
+    <p:sldId id="470" r:id="rId52"/>
+    <p:sldId id="471" r:id="rId53"/>
+    <p:sldId id="472" r:id="rId54"/>
+    <p:sldId id="342" r:id="rId55"/>
+    <p:sldId id="420" r:id="rId56"/>
+    <p:sldId id="413" r:id="rId57"/>
+    <p:sldId id="414" r:id="rId58"/>
+    <p:sldId id="415" r:id="rId59"/>
+    <p:sldId id="416" r:id="rId60"/>
+    <p:sldId id="343" r:id="rId61"/>
+    <p:sldId id="344" r:id="rId62"/>
+    <p:sldId id="345" r:id="rId63"/>
+    <p:sldId id="346" r:id="rId64"/>
+    <p:sldId id="347" r:id="rId65"/>
+    <p:sldId id="348" r:id="rId66"/>
+    <p:sldId id="404" r:id="rId67"/>
+    <p:sldId id="405" r:id="rId68"/>
+    <p:sldId id="350" r:id="rId69"/>
+    <p:sldId id="473" r:id="rId70"/>
+    <p:sldId id="393" r:id="rId71"/>
+    <p:sldId id="394" r:id="rId72"/>
+    <p:sldId id="396" r:id="rId73"/>
+    <p:sldId id="411" r:id="rId74"/>
+    <p:sldId id="316" r:id="rId75"/>
   </p:sldIdLst>
   <p:sldSz cx="12192000" cy="6858000"/>
   <p:notesSz cx="6858000" cy="9144000"/>
@@ -1116,7 +1117,11 @@
           </a:bodyPr>
           <a:lstStyle/>
           <a:p>
-            <a:endParaRPr lang="zh-CN" altLang="en-US" dirty="0"/>
+            <a:r>
+              <a:rPr lang="en-US" altLang="zh-CN" dirty="0"/>
+              <a:t>D</a:t>
+            </a:r>
+            <a:endParaRPr lang="en-US" altLang="zh-CN" dirty="0"/>
           </a:p>
         </p:txBody>
       </p:sp>
@@ -1138,18 +1143,10 @@
             <a:pPr>
               <a:defRPr/>
             </a:pPr>
-            <a:fld id="{AD744E2D-6CE4-438C-B9A0-AF7F3BF83E59}" type="slidenum">
-              <a:rPr lang="de-DE" altLang="zh-CN" smtClean="0">
-                <a:solidFill>
-                  <a:prstClr val="black"/>
-                </a:solidFill>
-              </a:rPr>
+            <a:fld id="{7A726D29-2219-4ADE-820E-909A7145D812}" type="slidenum">
+              <a:rPr lang="en-US" altLang="zh-CN" smtClean="0"/>
             </a:fld>
-            <a:endParaRPr lang="de-DE" altLang="zh-CN">
-              <a:solidFill>
-                <a:prstClr val="black"/>
-              </a:solidFill>
-            </a:endParaRPr>
+            <a:endParaRPr lang="en-US" altLang="zh-CN"/>
           </a:p>
         </p:txBody>
       </p:sp>
@@ -1230,9 +1227,17 @@
               <a:defRPr/>
             </a:pPr>
             <a:fld id="{AD744E2D-6CE4-438C-B9A0-AF7F3BF83E59}" type="slidenum">
-              <a:rPr lang="de-DE" altLang="zh-CN" smtClean="0"/>
+              <a:rPr lang="de-DE" altLang="zh-CN" smtClean="0">
+                <a:solidFill>
+                  <a:prstClr val="black"/>
+                </a:solidFill>
+              </a:rPr>
             </a:fld>
-            <a:endParaRPr lang="de-DE" altLang="zh-CN"/>
+            <a:endParaRPr lang="de-DE" altLang="zh-CN">
+              <a:solidFill>
+                <a:prstClr val="black"/>
+              </a:solidFill>
+            </a:endParaRPr>
           </a:p>
         </p:txBody>
       </p:sp>
@@ -1373,6 +1378,89 @@
           </a:bodyPr>
           <a:lstStyle/>
           <a:p>
+            <a:endParaRPr lang="zh-CN" altLang="en-US" dirty="0"/>
+          </a:p>
+        </p:txBody>
+      </p:sp>
+      <p:sp>
+        <p:nvSpPr>
+          <p:cNvPr id="4" name="灯片编号占位符 3"/>
+          <p:cNvSpPr>
+            <a:spLocks noGrp="1"/>
+          </p:cNvSpPr>
+          <p:nvPr>
+            <p:ph type="sldNum" sz="quarter" idx="10"/>
+          </p:nvPr>
+        </p:nvSpPr>
+        <p:spPr/>
+        <p:txBody>
+          <a:bodyPr/>
+          <a:lstStyle/>
+          <a:p>
+            <a:pPr>
+              <a:defRPr/>
+            </a:pPr>
+            <a:fld id="{AD744E2D-6CE4-438C-B9A0-AF7F3BF83E59}" type="slidenum">
+              <a:rPr lang="de-DE" altLang="zh-CN" smtClean="0"/>
+            </a:fld>
+            <a:endParaRPr lang="de-DE" altLang="zh-CN"/>
+          </a:p>
+        </p:txBody>
+      </p:sp>
+    </p:spTree>
+  </p:cSld>
+  <p:clrMapOvr>
+    <a:masterClrMapping/>
+  </p:clrMapOvr>
+</p:notes>
+</file>
+
+<file path=ppt/notesSlides/notesSlide14.xml><?xml version="1.0" encoding="utf-8"?>
+<p:notes xmlns:a="http://schemas.openxmlformats.org/drawingml/2006/main" xmlns:r="http://schemas.openxmlformats.org/officeDocument/2006/relationships" xmlns:p="http://schemas.openxmlformats.org/presentationml/2006/main">
+  <p:cSld>
+    <p:spTree>
+      <p:nvGrpSpPr>
+        <p:cNvPr id="1" name=""/>
+        <p:cNvGrpSpPr/>
+        <p:nvPr/>
+      </p:nvGrpSpPr>
+      <p:grpSpPr>
+        <a:xfrm>
+          <a:off x="0" y="0"/>
+          <a:ext cx="0" cy="0"/>
+          <a:chOff x="0" y="0"/>
+          <a:chExt cx="0" cy="0"/>
+        </a:xfrm>
+      </p:grpSpPr>
+      <p:sp>
+        <p:nvSpPr>
+          <p:cNvPr id="2" name="幻灯片图像占位符 1"/>
+          <p:cNvSpPr>
+            <a:spLocks noGrp="1" noRot="1" noChangeAspect="1"/>
+          </p:cNvSpPr>
+          <p:nvPr>
+            <p:ph type="sldImg"/>
+          </p:nvPr>
+        </p:nvSpPr>
+        <p:spPr/>
+      </p:sp>
+      <p:sp>
+        <p:nvSpPr>
+          <p:cNvPr id="3" name="备注占位符 2"/>
+          <p:cNvSpPr>
+            <a:spLocks noGrp="1"/>
+          </p:cNvSpPr>
+          <p:nvPr>
+            <p:ph type="body" idx="1"/>
+          </p:nvPr>
+        </p:nvSpPr>
+        <p:spPr/>
+        <p:txBody>
+          <a:bodyPr>
+            <a:normAutofit/>
+          </a:bodyPr>
+          <a:lstStyle/>
+          <a:p>
             <a:r>
               <a:rPr lang="zh-CN" altLang="en-US" sz="1200" dirty="0"/>
               <a:t>风险审计。检查并记录风险应对措施在处理已识别风险及其根源方面的有效性，以及风险管理过程的有效性。既可以在日常的项目审查会中进行风险审计，也可单独召开风险审计会议；</a:t>
@@ -1506,7 +1594,7 @@
                 <a:ea typeface="+mn-ea"/>
                 <a:cs typeface="+mn-cs"/>
               </a:rPr>
-              <a:t>每日构建工作一般由测试团队负责，并最好能够实现自动化。</a:t>
+              <a:t>每日构建工作最好能够实现自动化。</a:t>
             </a:r>
             <a:endParaRPr lang="zh-CN" altLang="en-US" sz="1200" kern="1200" dirty="0">
               <a:solidFill>
@@ -1584,6 +1672,17 @@
                 <a:cs typeface="+mn-cs"/>
               </a:rPr>
               <a:t>BVT</a:t>
+            </a:r>
+            <a:r>
+              <a:rPr lang="zh-CN" altLang="en-US" sz="1200" kern="1200" dirty="0">
+                <a:solidFill>
+                  <a:schemeClr val="tx1"/>
+                </a:solidFill>
+                <a:latin typeface="Arial" panose="020B0604020202020204" pitchFamily="34" charset="0"/>
+                <a:ea typeface="+mn-ea"/>
+                <a:cs typeface="+mn-cs"/>
+              </a:rPr>
+              <a:t>（构建验收测试）</a:t>
             </a:r>
             <a:r>
               <a:rPr lang="zh-CN" altLang="en-US" sz="1200" kern="1200" dirty="0">
@@ -1652,231 +1751,34 @@
         <p:cNvGrpSpPr/>
         <p:nvPr/>
       </p:nvGrpSpPr>
-      <p:grpSpPr>
-        <a:xfrm>
-          <a:off x="0" y="0"/>
-          <a:ext cx="0" cy="0"/>
-          <a:chOff x="0" y="0"/>
-          <a:chExt cx="0" cy="0"/>
-        </a:xfrm>
-      </p:grpSpPr>
+      <p:grpSpPr/>
       <p:sp>
         <p:nvSpPr>
           <p:cNvPr id="2" name="幻灯片图像占位符 1"/>
-          <p:cNvSpPr>
-            <a:spLocks noGrp="1" noRot="1" noChangeAspect="1"/>
-          </p:cNvSpPr>
+          <p:cNvSpPr/>
           <p:nvPr>
-            <p:ph type="sldImg"/>
+            <p:ph type="sldImg" idx="2"/>
           </p:nvPr>
         </p:nvSpPr>
         <p:spPr/>
       </p:sp>
       <p:sp>
         <p:nvSpPr>
-          <p:cNvPr id="3" name="备注占位符 2"/>
-          <p:cNvSpPr>
-            <a:spLocks noGrp="1"/>
-          </p:cNvSpPr>
+          <p:cNvPr id="3" name="文本占位符 2"/>
+          <p:cNvSpPr/>
           <p:nvPr>
-            <p:ph type="body" idx="1"/>
+            <p:ph type="body" idx="3"/>
           </p:nvPr>
         </p:nvSpPr>
         <p:spPr/>
         <p:txBody>
           <a:bodyPr/>
-          <a:lstStyle/>
-          <a:p>
-            <a:pPr lvl="2"/>
-            <a:r>
-              <a:rPr lang="zh-CN" altLang="en-US" dirty="0"/>
-              <a:t>例如：总预算</a:t>
-            </a:r>
-            <a:r>
-              <a:rPr lang="en-US" altLang="zh-CN" dirty="0"/>
-              <a:t>10</a:t>
-            </a:r>
-            <a:r>
-              <a:rPr lang="zh-CN" altLang="en-US" dirty="0"/>
-              <a:t>万，为期</a:t>
-            </a:r>
-            <a:r>
-              <a:rPr lang="en-US" altLang="zh-CN" dirty="0"/>
-              <a:t>10</a:t>
-            </a:r>
-            <a:r>
-              <a:rPr lang="zh-CN" altLang="en-US" dirty="0"/>
-              <a:t>天的项目</a:t>
-            </a:r>
-            <a:r>
-              <a:rPr lang="en-US" altLang="zh-CN" dirty="0"/>
-              <a:t>(</a:t>
-            </a:r>
-            <a:r>
-              <a:rPr lang="zh-CN" altLang="en-US" dirty="0">
-                <a:solidFill>
-                  <a:srgbClr val="FF0000"/>
-                </a:solidFill>
-              </a:rPr>
-              <a:t>每日成本</a:t>
-            </a:r>
-            <a:r>
-              <a:rPr lang="en-US" altLang="zh-CN" dirty="0">
-                <a:solidFill>
-                  <a:srgbClr val="FF0000"/>
-                </a:solidFill>
-              </a:rPr>
-              <a:t>1</a:t>
-            </a:r>
-            <a:r>
-              <a:rPr lang="zh-CN" altLang="en-US" dirty="0">
-                <a:solidFill>
-                  <a:srgbClr val="FF0000"/>
-                </a:solidFill>
-              </a:rPr>
-              <a:t>万</a:t>
-            </a:r>
-            <a:r>
-              <a:rPr lang="en-US" altLang="zh-CN" dirty="0">
-                <a:solidFill>
-                  <a:srgbClr val="FF0000"/>
-                </a:solidFill>
-              </a:rPr>
-              <a:t>,</a:t>
-            </a:r>
-            <a:r>
-              <a:rPr lang="zh-CN" altLang="en-US" dirty="0">
-                <a:solidFill>
-                  <a:srgbClr val="FF0000"/>
-                </a:solidFill>
-              </a:rPr>
-              <a:t>每日完成总任务的</a:t>
-            </a:r>
-            <a:r>
-              <a:rPr lang="en-US" altLang="zh-CN" dirty="0">
-                <a:solidFill>
-                  <a:srgbClr val="FF0000"/>
-                </a:solidFill>
-              </a:rPr>
-              <a:t>10%</a:t>
-            </a:r>
-            <a:r>
-              <a:rPr lang="en-US" altLang="zh-CN" dirty="0"/>
-              <a:t>)</a:t>
-            </a:r>
-            <a:r>
-              <a:rPr lang="zh-CN" altLang="en-US" dirty="0"/>
-              <a:t>，在第</a:t>
-            </a:r>
-            <a:r>
-              <a:rPr lang="en-US" altLang="zh-CN" dirty="0"/>
-              <a:t>3</a:t>
-            </a:r>
-            <a:r>
-              <a:rPr lang="zh-CN" altLang="en-US" dirty="0"/>
-              <a:t>天的时候，成本支出为</a:t>
-            </a:r>
-            <a:r>
-              <a:rPr lang="en-US" altLang="zh-CN" dirty="0"/>
-              <a:t>2</a:t>
-            </a:r>
-            <a:r>
-              <a:rPr lang="zh-CN" altLang="en-US" dirty="0"/>
-              <a:t>万，但任务只完成了</a:t>
-            </a:r>
-            <a:r>
-              <a:rPr lang="en-US" altLang="zh-CN" dirty="0"/>
-              <a:t>10%</a:t>
-            </a:r>
-            <a:r>
-              <a:rPr lang="zh-CN" altLang="en-US" dirty="0"/>
-              <a:t>，也不能简单地说项目成本良好，因为按计划完成这些任务只需要</a:t>
-            </a:r>
-            <a:r>
-              <a:rPr lang="en-US" altLang="zh-CN" dirty="0"/>
-              <a:t>1</a:t>
-            </a:r>
-            <a:r>
-              <a:rPr lang="zh-CN" altLang="en-US" dirty="0"/>
-              <a:t>万，而不是</a:t>
-            </a:r>
-            <a:r>
-              <a:rPr lang="en-US" altLang="zh-CN" dirty="0"/>
-              <a:t>2</a:t>
-            </a:r>
-            <a:r>
-              <a:rPr lang="zh-CN" altLang="en-US" dirty="0"/>
-              <a:t>万；</a:t>
-            </a:r>
-            <a:endParaRPr lang="en-US" altLang="zh-CN" dirty="0"/>
-          </a:p>
-          <a:p>
-            <a:pPr lvl="2"/>
-            <a:r>
-              <a:rPr lang="zh-CN" altLang="en-US" dirty="0"/>
-              <a:t>同样，如果第</a:t>
-            </a:r>
-            <a:r>
-              <a:rPr lang="en-US" altLang="zh-CN" dirty="0"/>
-              <a:t>3</a:t>
-            </a:r>
-            <a:r>
-              <a:rPr lang="zh-CN" altLang="en-US" dirty="0"/>
-              <a:t>天时，任务完成了</a:t>
-            </a:r>
-            <a:r>
-              <a:rPr lang="en-US" altLang="zh-CN" dirty="0"/>
-              <a:t>40%</a:t>
-            </a:r>
-            <a:r>
-              <a:rPr lang="zh-CN" altLang="en-US" dirty="0"/>
-              <a:t>，成本支出为</a:t>
-            </a:r>
-            <a:r>
-              <a:rPr lang="en-US" altLang="zh-CN" dirty="0"/>
-              <a:t>5</a:t>
-            </a:r>
-            <a:r>
-              <a:rPr lang="zh-CN" altLang="en-US" dirty="0"/>
-              <a:t>万，那么就不能简单地说项目进度良好，因为原本用这么多钱是可以完成</a:t>
-            </a:r>
-            <a:r>
-              <a:rPr lang="en-US" altLang="zh-CN" dirty="0"/>
-              <a:t>5</a:t>
-            </a:r>
-            <a:r>
-              <a:rPr lang="zh-CN" altLang="en-US" dirty="0"/>
-              <a:t>天的任务；</a:t>
-            </a:r>
-            <a:endParaRPr lang="zh-CN" altLang="en-US" dirty="0"/>
-          </a:p>
-          <a:p>
-            <a:endParaRPr lang="zh-CN" altLang="en-US" dirty="0"/>
-          </a:p>
-        </p:txBody>
-      </p:sp>
-      <p:sp>
-        <p:nvSpPr>
-          <p:cNvPr id="4" name="灯片编号占位符 3"/>
-          <p:cNvSpPr>
-            <a:spLocks noGrp="1"/>
-          </p:cNvSpPr>
-          <p:nvPr>
-            <p:ph type="sldNum" sz="quarter" idx="10"/>
-          </p:nvPr>
-        </p:nvSpPr>
-        <p:spPr/>
-        <p:txBody>
-          <a:bodyPr/>
-          <a:lstStyle/>
-          <a:p>
-            <a:pPr>
-              <a:defRPr/>
-            </a:pPr>
-            <a:fld id="{AD744E2D-6CE4-438C-B9A0-AF7F3BF83E59}" type="slidenum">
-              <a:rPr lang="de-DE" altLang="zh-CN" smtClean="0"/>
-            </a:fld>
-            <a:endParaRPr lang="de-DE" altLang="zh-CN"/>
+          <a:p>
+            <a:r>
+              <a:rPr lang="zh-CN" altLang="en-US"/>
+              <a:t>这是绩效数据的收集，再加一章，引入后续要进行控制</a:t>
+            </a:r>
+            <a:endParaRPr lang="zh-CN" altLang="en-US"/>
           </a:p>
         </p:txBody>
       </p:sp>
@@ -1932,66 +1834,168 @@
           <a:bodyPr/>
           <a:lstStyle/>
           <a:p>
-            <a:r>
-              <a:rPr lang="zh-CN" altLang="en-US" sz="1200" dirty="0"/>
-              <a:t>完工预算</a:t>
-            </a:r>
-            <a:r>
-              <a:rPr lang="en-US" altLang="zh-CN" sz="1200" dirty="0"/>
-              <a:t>(BAC)</a:t>
-            </a:r>
-            <a:r>
-              <a:rPr lang="zh-CN" altLang="en-US" sz="1200" dirty="0"/>
-              <a:t>。整个项目</a:t>
-            </a:r>
-            <a:r>
-              <a:rPr lang="en-US" altLang="zh-CN" sz="1200" dirty="0"/>
+            <a:pPr lvl="2"/>
+            <a:r>
+              <a:rPr lang="zh-CN" altLang="en-US" dirty="0"/>
+              <a:t>例如：总预算</a:t>
+            </a:r>
+            <a:r>
+              <a:rPr lang="en-US" altLang="zh-CN" dirty="0"/>
+              <a:t>10</a:t>
+            </a:r>
+            <a:r>
+              <a:rPr lang="zh-CN" altLang="en-US" dirty="0"/>
+              <a:t>万，为期</a:t>
+            </a:r>
+            <a:r>
+              <a:rPr lang="en-US" altLang="zh-CN" dirty="0"/>
+              <a:t>10</a:t>
+            </a:r>
+            <a:r>
+              <a:rPr lang="zh-CN" altLang="en-US" dirty="0"/>
+              <a:t>天的项目</a:t>
+            </a:r>
+            <a:r>
+              <a:rPr lang="en-US" altLang="zh-CN" dirty="0"/>
               <a:t>(</a:t>
             </a:r>
             <a:r>
-              <a:rPr lang="zh-CN" altLang="en-US" sz="1200" dirty="0"/>
-              <a:t>或工作包</a:t>
-            </a:r>
-            <a:r>
-              <a:rPr lang="en-US" altLang="zh-CN" sz="1200" dirty="0"/>
+              <a:rPr lang="zh-CN" altLang="en-US" dirty="0">
+                <a:solidFill>
+                  <a:srgbClr val="FF0000"/>
+                </a:solidFill>
+              </a:rPr>
+              <a:t>每日成本</a:t>
+            </a:r>
+            <a:r>
+              <a:rPr lang="en-US" altLang="zh-CN" dirty="0">
+                <a:solidFill>
+                  <a:srgbClr val="FF0000"/>
+                </a:solidFill>
+              </a:rPr>
+              <a:t>1</a:t>
+            </a:r>
+            <a:r>
+              <a:rPr lang="zh-CN" altLang="en-US" dirty="0">
+                <a:solidFill>
+                  <a:srgbClr val="FF0000"/>
+                </a:solidFill>
+              </a:rPr>
+              <a:t>万</a:t>
+            </a:r>
+            <a:r>
+              <a:rPr lang="en-US" altLang="zh-CN" dirty="0">
+                <a:solidFill>
+                  <a:srgbClr val="FF0000"/>
+                </a:solidFill>
+              </a:rPr>
+              <a:t>,</a:t>
+            </a:r>
+            <a:r>
+              <a:rPr lang="zh-CN" altLang="en-US" dirty="0">
+                <a:solidFill>
+                  <a:srgbClr val="FF0000"/>
+                </a:solidFill>
+              </a:rPr>
+              <a:t>每日完成总任务的</a:t>
+            </a:r>
+            <a:r>
+              <a:rPr lang="en-US" altLang="zh-CN" dirty="0">
+                <a:solidFill>
+                  <a:srgbClr val="FF0000"/>
+                </a:solidFill>
+              </a:rPr>
+              <a:t>10%</a:t>
+            </a:r>
+            <a:r>
+              <a:rPr lang="en-US" altLang="zh-CN" dirty="0"/>
               <a:t>)</a:t>
             </a:r>
             <a:r>
-              <a:rPr lang="zh-CN" altLang="en-US" sz="1200" dirty="0"/>
-              <a:t>的成本基准，除非已批准变更，否则不能改变；</a:t>
-            </a:r>
-            <a:endParaRPr lang="en-US" altLang="zh-CN" sz="1200" dirty="0"/>
-          </a:p>
-          <a:p>
-            <a:r>
-              <a:rPr lang="zh-CN" altLang="en-US" sz="1200" dirty="0"/>
-              <a:t>完工工期</a:t>
-            </a:r>
-            <a:r>
-              <a:rPr lang="en-US" altLang="zh-CN" sz="1200" dirty="0"/>
-              <a:t>(BDAC)</a:t>
-            </a:r>
-            <a:r>
-              <a:rPr lang="zh-CN" altLang="en-US" sz="1200" dirty="0"/>
-              <a:t>。整个项目</a:t>
-            </a:r>
-            <a:r>
-              <a:rPr lang="en-US" altLang="zh-CN" sz="1200" dirty="0"/>
-              <a:t>(</a:t>
-            </a:r>
-            <a:r>
-              <a:rPr lang="zh-CN" altLang="en-US" sz="1200" dirty="0"/>
-              <a:t>或工作包</a:t>
-            </a:r>
-            <a:r>
-              <a:rPr lang="en-US" altLang="zh-CN" sz="1200" dirty="0"/>
-              <a:t>)</a:t>
-            </a:r>
-            <a:r>
-              <a:rPr lang="zh-CN" altLang="en-US" sz="1200" dirty="0"/>
-              <a:t>的进度基准，除非已批准变更，否则不能改变；</a:t>
-            </a:r>
-            <a:endParaRPr lang="zh-CN" altLang="en-US" sz="1200" dirty="0"/>
+              <a:rPr lang="zh-CN" altLang="en-US" dirty="0"/>
+              <a:t>，在第</a:t>
+            </a:r>
+            <a:r>
+              <a:rPr lang="en-US" altLang="zh-CN" dirty="0"/>
+              <a:t>3</a:t>
+            </a:r>
+            <a:r>
+              <a:rPr lang="zh-CN" altLang="en-US" dirty="0"/>
+              <a:t>天的时候，成本支出为</a:t>
+            </a:r>
+            <a:r>
+              <a:rPr lang="en-US" altLang="zh-CN" dirty="0"/>
+              <a:t>2</a:t>
+            </a:r>
+            <a:r>
+              <a:rPr lang="zh-CN" altLang="en-US" dirty="0"/>
+              <a:t>万，但任务只完成了</a:t>
+            </a:r>
+            <a:r>
+              <a:rPr lang="en-US" altLang="zh-CN" dirty="0"/>
+              <a:t>10%</a:t>
+            </a:r>
+            <a:r>
+              <a:rPr lang="zh-CN" altLang="en-US" dirty="0"/>
+              <a:t>，也不能简单地说项目成本良好，因为按计划完成这些任务只需要</a:t>
+            </a:r>
+            <a:r>
+              <a:rPr lang="en-US" altLang="zh-CN" dirty="0"/>
+              <a:t>1</a:t>
+            </a:r>
+            <a:r>
+              <a:rPr lang="zh-CN" altLang="en-US" dirty="0"/>
+              <a:t>万，而不是</a:t>
+            </a:r>
+            <a:r>
+              <a:rPr lang="en-US" altLang="zh-CN" dirty="0"/>
+              <a:t>2</a:t>
+            </a:r>
+            <a:r>
+              <a:rPr lang="zh-CN" altLang="en-US" dirty="0"/>
+              <a:t>万；</a:t>
+            </a:r>
+            <a:endParaRPr lang="en-US" altLang="zh-CN" dirty="0"/>
+          </a:p>
+          <a:p>
+            <a:pPr lvl="2"/>
+            <a:r>
+              <a:rPr lang="zh-CN" altLang="en-US" dirty="0"/>
+              <a:t>同样，如果第</a:t>
+            </a:r>
+            <a:r>
+              <a:rPr lang="en-US" altLang="zh-CN" dirty="0"/>
+              <a:t>3</a:t>
+            </a:r>
+            <a:r>
+              <a:rPr lang="zh-CN" altLang="en-US" dirty="0"/>
+              <a:t>天时，任务完成了</a:t>
+            </a:r>
+            <a:r>
+              <a:rPr lang="en-US" altLang="zh-CN" dirty="0"/>
+              <a:t>40%</a:t>
+            </a:r>
+            <a:r>
+              <a:rPr lang="zh-CN" altLang="en-US" dirty="0"/>
+              <a:t>，成本支出为</a:t>
+            </a:r>
+            <a:r>
+              <a:rPr lang="en-US" altLang="zh-CN" dirty="0"/>
+              <a:t>5</a:t>
+            </a:r>
+            <a:r>
+              <a:rPr lang="zh-CN" altLang="en-US" dirty="0"/>
+              <a:t>万，那么就不能简单地说项目进度良好，因为原本用这么多钱是可以完成</a:t>
+            </a:r>
+            <a:r>
+              <a:rPr lang="en-US" altLang="zh-CN" dirty="0"/>
+              <a:t>5</a:t>
+            </a:r>
+            <a:r>
+              <a:rPr lang="zh-CN" altLang="en-US" dirty="0"/>
+              <a:t>天的任务；</a:t>
+            </a:r>
+            <a:endParaRPr lang="zh-CN" altLang="en-US" dirty="0"/>
           </a:p>
           <a:p>
             <a:endParaRPr lang="zh-CN" altLang="en-US" dirty="0"/>
@@ -2072,16 +2076,72 @@
         </p:nvSpPr>
         <p:spPr/>
         <p:txBody>
-          <a:bodyPr>
-            <a:normAutofit/>
-          </a:bodyPr>
+          <a:bodyPr/>
           <a:lstStyle/>
           <a:p>
             <a:r>
-              <a:rPr lang="en-US" altLang="zh-CN" dirty="0"/>
-              <a:t>D</a:t>
-            </a:r>
-            <a:endParaRPr lang="en-US" altLang="zh-CN" dirty="0"/>
+              <a:rPr lang="zh-CN" altLang="en-US" sz="1200" dirty="0"/>
+              <a:t>完工预算</a:t>
+            </a:r>
+            <a:r>
+              <a:rPr lang="en-US" altLang="zh-CN" sz="1200" dirty="0"/>
+              <a:t>(BAC)</a:t>
+            </a:r>
+            <a:r>
+              <a:rPr lang="zh-CN" altLang="en-US" sz="1200" dirty="0"/>
+              <a:t>。整个项目</a:t>
+            </a:r>
+            <a:r>
+              <a:rPr lang="en-US" altLang="zh-CN" sz="1200" dirty="0"/>
+              <a:t>(</a:t>
+            </a:r>
+            <a:r>
+              <a:rPr lang="zh-CN" altLang="en-US" sz="1200" dirty="0"/>
+              <a:t>或工作包</a:t>
+            </a:r>
+            <a:r>
+              <a:rPr lang="en-US" altLang="zh-CN" sz="1200" dirty="0"/>
+              <a:t>)</a:t>
+            </a:r>
+            <a:r>
+              <a:rPr lang="zh-CN" altLang="en-US" sz="1200" dirty="0"/>
+              <a:t>的成本基准，除非已批准变更，否则不能改变；</a:t>
+            </a:r>
+            <a:endParaRPr lang="en-US" altLang="zh-CN" sz="1200" dirty="0"/>
+          </a:p>
+          <a:p>
+            <a:r>
+              <a:rPr lang="zh-CN" altLang="en-US" sz="1200" dirty="0"/>
+              <a:t>完工工期</a:t>
+            </a:r>
+            <a:r>
+              <a:rPr lang="en-US" altLang="zh-CN" sz="1200" dirty="0"/>
+              <a:t>(BDAC)</a:t>
+            </a:r>
+            <a:r>
+              <a:rPr lang="zh-CN" altLang="en-US" sz="1200" dirty="0"/>
+              <a:t>。整个项目</a:t>
+            </a:r>
+            <a:r>
+              <a:rPr lang="en-US" altLang="zh-CN" sz="1200" dirty="0"/>
+              <a:t>(</a:t>
+            </a:r>
+            <a:r>
+              <a:rPr lang="zh-CN" altLang="en-US" sz="1200" dirty="0"/>
+              <a:t>或工作包</a:t>
+            </a:r>
+            <a:r>
+              <a:rPr lang="en-US" altLang="zh-CN" sz="1200" dirty="0"/>
+              <a:t>)</a:t>
+            </a:r>
+            <a:r>
+              <a:rPr lang="zh-CN" altLang="en-US" sz="1200" dirty="0"/>
+              <a:t>的进度基准，除非已批准变更，否则不能改变；</a:t>
+            </a:r>
+            <a:endParaRPr lang="zh-CN" altLang="en-US" sz="1200" dirty="0"/>
+          </a:p>
+          <a:p>
+            <a:endParaRPr lang="zh-CN" altLang="en-US" dirty="0"/>
           </a:p>
         </p:txBody>
       </p:sp>
@@ -2103,10 +2163,10 @@
             <a:pPr>
               <a:defRPr/>
             </a:pPr>
-            <a:fld id="{7A726D29-2219-4ADE-820E-909A7145D812}" type="slidenum">
-              <a:rPr lang="en-US" altLang="zh-CN" smtClean="0"/>
+            <a:fld id="{AD744E2D-6CE4-438C-B9A0-AF7F3BF83E59}" type="slidenum">
+              <a:rPr lang="de-DE" altLang="zh-CN" smtClean="0"/>
             </a:fld>
-            <a:endParaRPr lang="en-US" altLang="zh-CN"/>
+            <a:endParaRPr lang="de-DE" altLang="zh-CN"/>
           </a:p>
         </p:txBody>
       </p:sp>
@@ -2166,7 +2226,7 @@
           <a:p>
             <a:r>
               <a:rPr lang="en-US" altLang="zh-CN" dirty="0"/>
-              <a:t>B</a:t>
+              <a:t>D</a:t>
             </a:r>
             <a:endParaRPr lang="en-US" altLang="zh-CN" dirty="0"/>
           </a:p>
@@ -2253,7 +2313,7 @@
           <a:p>
             <a:r>
               <a:rPr lang="en-US" altLang="zh-CN" dirty="0"/>
-              <a:t>C</a:t>
+              <a:t>B</a:t>
             </a:r>
             <a:endParaRPr lang="en-US" altLang="zh-CN" dirty="0"/>
           </a:p>
@@ -2340,7 +2400,7 @@
           <a:p>
             <a:r>
               <a:rPr lang="en-US" altLang="zh-CN" dirty="0"/>
-              <a:t>D</a:t>
+              <a:t>C</a:t>
             </a:r>
             <a:endParaRPr lang="en-US" altLang="zh-CN" dirty="0"/>
           </a:p>
@@ -5419,42 +5479,66 @@
             <a:r>
               <a:rPr lang="zh-CN" altLang="en-US" dirty="0">
                 <a:solidFill>
+                  <a:schemeClr val="tx1"/>
+                </a:solidFill>
+              </a:rPr>
+              <a:t>现在有时候编译不通过，重新下一版，好不容易通过了，又发现</a:t>
+            </a:r>
+            <a:r>
+              <a:rPr lang="en-US" altLang="zh-CN" dirty="0">
+                <a:solidFill>
+                  <a:schemeClr val="tx1"/>
+                </a:solidFill>
+              </a:rPr>
+              <a:t>exe</a:t>
+            </a:r>
+            <a:r>
+              <a:rPr lang="zh-CN" altLang="en-US" dirty="0">
+                <a:solidFill>
+                  <a:schemeClr val="tx1"/>
+                </a:solidFill>
+              </a:rPr>
+              <a:t>程序起不来！</a:t>
+            </a:r>
+            <a:r>
+              <a:rPr lang="zh-CN" altLang="en-US" dirty="0"/>
+              <a:t>很是让人崩溃，这两天也在这件事情上浪费了不少的时间。这个时候就想到了不知道某本书上写的一段关于项目组中</a:t>
+            </a:r>
+            <a:r>
+              <a:rPr lang="zh-CN" altLang="en-US" dirty="0">
+                <a:solidFill>
                   <a:srgbClr val="FF0000"/>
                 </a:solidFill>
               </a:rPr>
-              <a:t>现在有时候编译不通过</a:t>
+              <a:t>管理代码</a:t>
             </a:r>
             <a:r>
               <a:rPr lang="zh-CN" altLang="en-US" dirty="0"/>
-              <a:t>，</a:t>
+              <a:t>内容。现在一般项目组里通常管理代码的方式是，服务器上有一个版本，然后大家每天从服务器上下载后，进行自己的编码工作，当工作完成后就提交自己的代码。但是可能有的人不小心把代码提交错误，或者漏提交，这样就造成了服务器上的版本有错误，继而在第二天耽误大家的时间！虽然说每个人都会小心的，可是项目组百十号人，每人一年犯上一两次错误，就会造成很多这样的情况。所以还会有另外一个服务器，这个服务器的作用是当每天工作结束之后有一个人负责将第一号服务器上的</a:t>
             </a:r>
             <a:r>
               <a:rPr lang="zh-CN" altLang="en-US" dirty="0">
                 <a:solidFill>
-                  <a:srgbClr val="7030A0"/>
+                  <a:srgbClr val="FF0000"/>
                 </a:solidFill>
               </a:rPr>
-              <a:t>重新下一版，好不容易通过了，又发现</a:t>
-            </a:r>
-            <a:r>
-              <a:rPr lang="en-US" altLang="zh-CN" dirty="0">
+              <a:t>版本进行编译，运行</a:t>
+            </a:r>
+            <a:r>
+              <a:rPr lang="zh-CN" altLang="en-US" dirty="0"/>
+              <a:t>，如果没有错误再将第一号服务器上的</a:t>
+            </a:r>
+            <a:r>
+              <a:rPr lang="zh-CN" altLang="en-US" dirty="0">
                 <a:solidFill>
-                  <a:srgbClr val="7030A0"/>
+                  <a:srgbClr val="FF0000"/>
                 </a:solidFill>
               </a:rPr>
-              <a:t>exe</a:t>
-            </a:r>
-            <a:r>
-              <a:rPr lang="zh-CN" altLang="en-US" dirty="0">
-                <a:solidFill>
-                  <a:srgbClr val="7030A0"/>
-                </a:solidFill>
-              </a:rPr>
-              <a:t>程序起不来</a:t>
+              <a:t>代码上传到新服务器上</a:t>
             </a:r>
             <a:r>
               <a:rPr lang="zh-CN" altLang="en-US" dirty="0"/>
-              <a:t>！很是让人崩溃，这两天也在这件事情上浪费了不少的时间。这个时候就想到了不知道某本书上写的一段关于项目组中管理代码内容。现在一般项目组里通常管理代码的方式是，服务器上有一个版本，然后大家每天从服务器上下载后，进行自己的编码工作，当工作完成后就提交自己的代码。但是可能有的人不小心把代码提交错误，或者漏提交，这样就造成了服务器上的版本有错误，继而在第二天耽误大家的时间！虽然说每个人都会小心的，可是项目组百十号人，每人一年犯上一两次错误，就会造成很多这样的情况。所以还会有另外一个服务器，这个服务器的作用是当每天工作结束之后有一个人负责将第一号服务器上的版本进行编译，运行，如果没有错误再将第一号服务器上的代码上传到新服务器上。这样就能每天从新服务器上下载代码，将提交的代码放到原来的服务器上，这样就能避免因为提交代码失误而造成耽误大家时间的事件发生。</a:t>
+              <a:t>。这样就能每天从新服务器上下载代码，将提交的代码放到原来的服务器上，这样就能避免因为提交代码失误而造成耽误大家时间的事件发生。</a:t>
             </a:r>
             <a:br>
               <a:rPr lang="zh-CN" altLang="en-US" dirty="0"/>
@@ -5605,18 +5689,12 @@
       </p:sp>
       <p:pic>
         <p:nvPicPr>
-          <p:cNvPr id="4" name="图片 3"/>
+          <p:cNvPr id="5" name="图片 4" descr="C:\Users\qile\Desktop\临时图片\图片22.png图片22"/>
           <p:cNvPicPr/>
           <p:nvPr/>
         </p:nvPicPr>
         <p:blipFill>
-          <a:blip r:embed="rId1" cstate="print">
-            <a:extLst>
-              <a:ext uri="{28A0092B-C50C-407E-A947-70E740481C1C}">
-                <a14:useLocalDpi xmlns:a14="http://schemas.microsoft.com/office/drawing/2010/main" val="0"/>
-              </a:ext>
-            </a:extLst>
-          </a:blip>
+          <a:blip r:embed="rId1"/>
           <a:srcRect/>
           <a:stretch>
             <a:fillRect/>
@@ -5624,8 +5702,8 @@
         </p:blipFill>
         <p:spPr bwMode="auto">
           <a:xfrm>
-            <a:off x="1866901" y="1395872"/>
-            <a:ext cx="8626460" cy="4711014"/>
+            <a:off x="1877371" y="1396482"/>
+            <a:ext cx="8605520" cy="4709795"/>
           </a:xfrm>
           <a:prstGeom prst="rect">
             <a:avLst/>
@@ -5927,126 +6005,118 @@
           <a:lstStyle/>
           <a:p>
             <a:r>
-              <a:rPr lang="zh-CN" altLang="en-US" dirty="0"/>
+              <a:rPr lang="en-US" altLang="zh-CN" dirty="0">
+                <a:sym typeface="+mn-ea"/>
+              </a:rPr>
+              <a:t>3.</a:t>
+            </a:r>
+            <a:r>
+              <a:rPr lang="zh-CN" altLang="en-US" dirty="0">
+                <a:sym typeface="+mn-ea"/>
+              </a:rPr>
               <a:t>汇报 </a:t>
             </a:r>
             <a:r>
-              <a:rPr lang="en-US" altLang="zh-CN" dirty="0"/>
+              <a:rPr lang="en-US" altLang="zh-CN" dirty="0">
+                <a:sym typeface="+mn-ea"/>
+              </a:rPr>
               <a:t>&amp; </a:t>
             </a:r>
             <a:r>
-              <a:rPr lang="zh-CN" altLang="en-US" dirty="0"/>
-              <a:t>收集绩效指标</a:t>
+              <a:rPr lang="zh-CN" altLang="en-US" dirty="0">
+                <a:sym typeface="+mn-ea"/>
+              </a:rPr>
+              <a:t>收集绩效指标（为后续的评估和监控做准备）</a:t>
             </a:r>
             <a:endParaRPr lang="zh-CN" altLang="en-US" dirty="0"/>
           </a:p>
         </p:txBody>
       </p:sp>
+      <p:pic>
+        <p:nvPicPr>
+          <p:cNvPr id="4" name="图片 3"/>
+          <p:cNvPicPr>
+            <a:picLocks noChangeAspect="1"/>
+          </p:cNvPicPr>
+          <p:nvPr/>
+        </p:nvPicPr>
+        <p:blipFill>
+          <a:blip r:embed="rId1">
+            <a:extLst>
+              <a:ext uri="{28A0092B-C50C-407E-A947-70E740481C1C}">
+                <a14:useLocalDpi xmlns:a14="http://schemas.microsoft.com/office/drawing/2010/main" val="0"/>
+              </a:ext>
+            </a:extLst>
+          </a:blip>
+          <a:stretch>
+            <a:fillRect/>
+          </a:stretch>
+        </p:blipFill>
+        <p:spPr>
+          <a:xfrm>
+            <a:off x="1524000" y="1607042"/>
+            <a:ext cx="9144000" cy="4525662"/>
+          </a:xfrm>
+          <a:prstGeom prst="rect">
+            <a:avLst/>
+          </a:prstGeom>
+        </p:spPr>
+      </p:pic>
       <p:sp>
         <p:nvSpPr>
-          <p:cNvPr id="3" name="内容占位符 2"/>
-          <p:cNvSpPr>
-            <a:spLocks noGrp="1"/>
-          </p:cNvSpPr>
-          <p:nvPr>
-            <p:ph idx="1"/>
-          </p:nvPr>
+          <p:cNvPr id="3" name="矩形 2"/>
+          <p:cNvSpPr/>
+          <p:nvPr/>
         </p:nvSpPr>
-        <p:spPr>
+        <p:spPr bwMode="auto">
           <a:xfrm>
-            <a:off x="393700" y="1489075"/>
-            <a:ext cx="11366500" cy="4475480"/>
+            <a:off x="4469130" y="3608705"/>
+            <a:ext cx="810895" cy="2334895"/>
           </a:xfrm>
+          <a:prstGeom prst="rect">
+            <a:avLst/>
+          </a:prstGeom>
+          <a:noFill/>
+          <a:ln w="38100" cap="flat" cmpd="sng" algn="ctr">
+            <a:solidFill>
+              <a:srgbClr val="FF0000"/>
+            </a:solidFill>
+            <a:prstDash val="solid"/>
+            <a:round/>
+            <a:headEnd type="none" w="med" len="med"/>
+            <a:tailEnd type="none" w="med" len="med"/>
+          </a:ln>
+          <a:effectLst/>
         </p:spPr>
         <p:txBody>
-          <a:bodyPr/>
+          <a:bodyPr vert="horz" wrap="none" lIns="90000" tIns="46800" rIns="90000" bIns="46800" numCol="1" rtlCol="0" anchor="ctr" anchorCtr="0" compatLnSpc="1"/>
           <a:lstStyle/>
           <a:p>
-            <a:r>
-              <a:rPr lang="zh-CN" altLang="en-US" sz="2400" dirty="0"/>
-              <a:t>项目经理需要及时收集项目执行的绩效指标，以了解整体项目的进展情况，常见的方式有：</a:t>
-            </a:r>
-            <a:endParaRPr lang="en-US" altLang="zh-CN" sz="2400" dirty="0"/>
-          </a:p>
-          <a:p>
-            <a:pPr lvl="1"/>
-            <a:r>
-              <a:rPr lang="zh-CN" altLang="en-US" sz="2200" dirty="0"/>
-              <a:t>定期项目内部报告（日、周报）</a:t>
-            </a:r>
-            <a:endParaRPr lang="en-US" altLang="zh-CN" sz="2200" dirty="0"/>
-          </a:p>
-          <a:p>
-            <a:pPr lvl="1"/>
-            <a:r>
-              <a:rPr lang="zh-CN" altLang="en-US" sz="2200" dirty="0"/>
-              <a:t>项目例会（避免“会而不议、议而不决、决而不行”，并做好会议记录）</a:t>
-            </a:r>
-            <a:endParaRPr lang="en-US" altLang="zh-CN" sz="2200" dirty="0"/>
-          </a:p>
-          <a:p>
-            <a:pPr lvl="1"/>
-            <a:r>
-              <a:rPr lang="zh-CN" altLang="en-US" sz="2200" dirty="0"/>
-              <a:t>每日“站立式”会议</a:t>
-            </a:r>
-            <a:endParaRPr lang="en-US" altLang="zh-CN" sz="2200" dirty="0"/>
-          </a:p>
-          <a:p>
-            <a:pPr lvl="1"/>
-            <a:r>
-              <a:rPr lang="zh-CN" altLang="en-US" sz="2200" dirty="0"/>
-              <a:t>电话</a:t>
-            </a:r>
-            <a:r>
-              <a:rPr lang="en-US" altLang="zh-CN" sz="2200" dirty="0"/>
-              <a:t>/</a:t>
-            </a:r>
-            <a:r>
-              <a:rPr lang="zh-CN" altLang="en-US" sz="2200" dirty="0"/>
-              <a:t>电子邮件沟通</a:t>
-            </a:r>
-            <a:endParaRPr lang="en-US" altLang="zh-CN" sz="2200" dirty="0"/>
-          </a:p>
-          <a:p>
-            <a:pPr lvl="1"/>
-            <a:r>
-              <a:rPr lang="zh-CN" altLang="en-US" sz="2200" dirty="0"/>
-              <a:t>面谈</a:t>
-            </a:r>
-            <a:endParaRPr lang="en-US" altLang="zh-CN" sz="2200" dirty="0"/>
-          </a:p>
-          <a:p>
-            <a:pPr lvl="1"/>
-            <a:r>
-              <a:rPr lang="zh-CN" altLang="en-US" sz="2200" dirty="0"/>
-              <a:t>现场检查</a:t>
-            </a:r>
-            <a:endParaRPr lang="en-US" altLang="zh-CN" sz="2200" dirty="0"/>
-          </a:p>
-          <a:p>
-            <a:pPr lvl="1"/>
-            <a:r>
-              <a:rPr lang="zh-CN" altLang="en-US" sz="2200" dirty="0"/>
-              <a:t>项目管理信息系统</a:t>
-            </a:r>
-            <a:r>
-              <a:rPr lang="en-US" altLang="zh-CN" sz="2200" dirty="0"/>
-              <a:t>(</a:t>
-            </a:r>
-            <a:r>
-              <a:rPr lang="en-US" altLang="zh-CN" sz="2200" dirty="0" err="1"/>
-              <a:t>Redmine</a:t>
-            </a:r>
-            <a:r>
-              <a:rPr lang="zh-CN" altLang="en-US" sz="2200" dirty="0"/>
-              <a:t>、</a:t>
-            </a:r>
-            <a:r>
-              <a:rPr lang="en-US" altLang="zh-CN" sz="2200" dirty="0"/>
-              <a:t>Project Server…..)</a:t>
-            </a:r>
-            <a:endParaRPr lang="zh-CN" altLang="en-US" sz="2200" dirty="0"/>
+            <a:pPr marL="0" marR="0" indent="0" algn="l" defTabSz="914400" rtl="0" eaLnBrk="1" fontAlgn="base" latinLnBrk="0" hangingPunct="1">
+              <a:lnSpc>
+                <a:spcPct val="100000"/>
+              </a:lnSpc>
+              <a:spcBef>
+                <a:spcPct val="0"/>
+              </a:spcBef>
+              <a:spcAft>
+                <a:spcPct val="0"/>
+              </a:spcAft>
+              <a:buClrTx/>
+              <a:buSzTx/>
+              <a:buFontTx/>
+              <a:buNone/>
+            </a:pPr>
+            <a:endParaRPr kumimoji="0" lang="zh-CN" altLang="en-US" sz="2000" b="0" i="0" u="none" strike="noStrike" cap="none" normalizeH="0" baseline="0">
+              <a:ln>
+                <a:noFill/>
+              </a:ln>
+              <a:solidFill>
+                <a:schemeClr val="tx1"/>
+              </a:solidFill>
+              <a:effectLst/>
+              <a:latin typeface="Arial" panose="020B0604020202020204" pitchFamily="34" charset="0"/>
+            </a:endParaRPr>
           </a:p>
         </p:txBody>
       </p:sp>
@@ -6091,8 +6161,199 @@
           <a:lstStyle/>
           <a:p>
             <a:r>
+              <a:rPr lang="zh-CN" altLang="en-US" dirty="0"/>
+              <a:t>汇报 </a:t>
+            </a:r>
+            <a:r>
+              <a:rPr lang="en-US" altLang="zh-CN" dirty="0"/>
+              <a:t>&amp; </a:t>
+            </a:r>
+            <a:r>
+              <a:rPr lang="zh-CN" altLang="en-US" dirty="0"/>
+              <a:t>收集绩效指标</a:t>
+            </a:r>
+            <a:br>
+              <a:rPr lang="zh-CN" altLang="en-US" dirty="0"/>
+            </a:br>
+            <a:endParaRPr lang="zh-CN" altLang="en-US" dirty="0"/>
+          </a:p>
+        </p:txBody>
+      </p:sp>
+      <p:sp>
+        <p:nvSpPr>
+          <p:cNvPr id="3" name="内容占位符 2"/>
+          <p:cNvSpPr>
+            <a:spLocks noGrp="1"/>
+          </p:cNvSpPr>
+          <p:nvPr>
+            <p:ph idx="1"/>
+          </p:nvPr>
+        </p:nvSpPr>
+        <p:spPr>
+          <a:xfrm>
+            <a:off x="393700" y="1489075"/>
+            <a:ext cx="11366500" cy="4475480"/>
+          </a:xfrm>
+        </p:spPr>
+        <p:txBody>
+          <a:bodyPr/>
+          <a:lstStyle/>
+          <a:p>
+            <a:r>
+              <a:rPr lang="zh-CN" altLang="en-US" sz="2400" dirty="0"/>
+              <a:t>项目经理需要及时收集项目执行的绩效指标，以了解整体项目的进展情况，常见的方式有：</a:t>
+            </a:r>
+            <a:endParaRPr lang="en-US" altLang="zh-CN" sz="2400" dirty="0"/>
+          </a:p>
+          <a:p>
+            <a:pPr lvl="1"/>
+            <a:r>
+              <a:rPr lang="zh-CN" altLang="en-US" sz="2200" dirty="0"/>
+              <a:t>定期收集项目内部报告（</a:t>
+            </a:r>
+            <a:r>
+              <a:rPr lang="zh-CN" altLang="en-US" sz="2200" dirty="0">
+                <a:solidFill>
+                  <a:srgbClr val="FF0000"/>
+                </a:solidFill>
+              </a:rPr>
+              <a:t>日、周报</a:t>
+            </a:r>
+            <a:r>
+              <a:rPr lang="zh-CN" altLang="en-US" sz="2200" dirty="0"/>
+              <a:t>）</a:t>
+            </a:r>
+            <a:endParaRPr lang="en-US" altLang="zh-CN" sz="2200" dirty="0"/>
+          </a:p>
+          <a:p>
+            <a:pPr lvl="1"/>
+            <a:r>
+              <a:rPr lang="zh-CN" altLang="en-US" sz="2200" dirty="0"/>
+              <a:t>项目例会（避免“会而不议、议而不决、决而不行”，并做好</a:t>
+            </a:r>
+            <a:r>
+              <a:rPr lang="zh-CN" altLang="en-US" sz="2200" dirty="0">
+                <a:solidFill>
+                  <a:srgbClr val="FF0000"/>
+                </a:solidFill>
+              </a:rPr>
+              <a:t>会议记录</a:t>
+            </a:r>
+            <a:r>
+              <a:rPr lang="zh-CN" altLang="en-US" sz="2200" dirty="0"/>
+              <a:t>）</a:t>
+            </a:r>
+            <a:endParaRPr lang="en-US" altLang="zh-CN" sz="2200" dirty="0"/>
+          </a:p>
+          <a:p>
+            <a:pPr lvl="1"/>
+            <a:r>
+              <a:rPr lang="zh-CN" altLang="en-US" sz="2200" dirty="0"/>
+              <a:t>每日“站立式”会议</a:t>
+            </a:r>
+            <a:endParaRPr lang="en-US" altLang="zh-CN" sz="2200" dirty="0"/>
+          </a:p>
+          <a:p>
+            <a:pPr lvl="1"/>
+            <a:r>
+              <a:rPr lang="zh-CN" altLang="en-US" sz="2200" dirty="0"/>
+              <a:t>电话</a:t>
+            </a:r>
+            <a:r>
+              <a:rPr lang="en-US" altLang="zh-CN" sz="2200" dirty="0"/>
+              <a:t>/</a:t>
+            </a:r>
+            <a:r>
+              <a:rPr lang="zh-CN" altLang="en-US" sz="2200" dirty="0"/>
+              <a:t>电子邮件沟通</a:t>
+            </a:r>
+            <a:endParaRPr lang="en-US" altLang="zh-CN" sz="2200" dirty="0"/>
+          </a:p>
+          <a:p>
+            <a:pPr lvl="1"/>
+            <a:r>
+              <a:rPr lang="zh-CN" altLang="en-US" sz="2200" dirty="0"/>
+              <a:t>面谈</a:t>
+            </a:r>
+            <a:endParaRPr lang="en-US" altLang="zh-CN" sz="2200" dirty="0"/>
+          </a:p>
+          <a:p>
+            <a:pPr lvl="1"/>
+            <a:r>
+              <a:rPr lang="zh-CN" altLang="en-US" sz="2200" dirty="0"/>
+              <a:t>现场检查</a:t>
+            </a:r>
+            <a:endParaRPr lang="en-US" altLang="zh-CN" sz="2200" dirty="0"/>
+          </a:p>
+          <a:p>
+            <a:pPr lvl="1"/>
+            <a:r>
+              <a:rPr lang="zh-CN" altLang="en-US" sz="2200" dirty="0"/>
+              <a:t>项目管理信息系统</a:t>
+            </a:r>
+            <a:r>
+              <a:rPr lang="en-US" altLang="zh-CN" sz="2200" dirty="0"/>
+              <a:t>(</a:t>
+            </a:r>
+            <a:r>
+              <a:rPr lang="en-US" altLang="zh-CN" sz="2200" dirty="0" err="1"/>
+              <a:t>Redmine</a:t>
+            </a:r>
+            <a:r>
+              <a:rPr lang="zh-CN" altLang="en-US" sz="2200" dirty="0"/>
+              <a:t>、</a:t>
+            </a:r>
+            <a:r>
+              <a:rPr lang="en-US" altLang="zh-CN" sz="2200" dirty="0"/>
+              <a:t>Project Server…..)</a:t>
+            </a:r>
+            <a:endParaRPr lang="zh-CN" altLang="en-US" sz="2200" dirty="0"/>
+          </a:p>
+        </p:txBody>
+      </p:sp>
+    </p:spTree>
+  </p:cSld>
+  <p:clrMapOvr>
+    <a:masterClrMapping/>
+  </p:clrMapOvr>
+</p:sld>
+</file>
+
+<file path=ppt/slides/slide18.xml><?xml version="1.0" encoding="utf-8"?>
+<p:sld xmlns:a="http://schemas.openxmlformats.org/drawingml/2006/main" xmlns:r="http://schemas.openxmlformats.org/officeDocument/2006/relationships" xmlns:p="http://schemas.openxmlformats.org/presentationml/2006/main">
+  <p:cSld>
+    <p:spTree>
+      <p:nvGrpSpPr>
+        <p:cNvPr id="1" name=""/>
+        <p:cNvGrpSpPr/>
+        <p:nvPr/>
+      </p:nvGrpSpPr>
+      <p:grpSpPr>
+        <a:xfrm>
+          <a:off x="0" y="0"/>
+          <a:ext cx="0" cy="0"/>
+          <a:chOff x="0" y="0"/>
+          <a:chExt cx="0" cy="0"/>
+        </a:xfrm>
+      </p:grpSpPr>
+      <p:sp>
+        <p:nvSpPr>
+          <p:cNvPr id="2" name="标题 1"/>
+          <p:cNvSpPr>
+            <a:spLocks noGrp="1"/>
+          </p:cNvSpPr>
+          <p:nvPr>
+            <p:ph type="title"/>
+          </p:nvPr>
+        </p:nvSpPr>
+        <p:spPr/>
+        <p:txBody>
+          <a:bodyPr/>
+          <a:lstStyle/>
+          <a:p>
+            <a:r>
               <a:rPr lang="en-US" altLang="zh-CN" sz="2800" dirty="0"/>
-              <a:t>3. </a:t>
+              <a:t>4. </a:t>
             </a:r>
             <a:r>
               <a:rPr lang="zh-CN" altLang="en-US" sz="2800" dirty="0"/>
@@ -6198,7 +6459,7 @@
 </p:sld>
 </file>
 
-<file path=ppt/slides/slide18.xml><?xml version="1.0" encoding="utf-8"?>
+<file path=ppt/slides/slide19.xml><?xml version="1.0" encoding="utf-8"?>
 <p:sld xmlns:a="http://schemas.openxmlformats.org/drawingml/2006/main" xmlns:r="http://schemas.openxmlformats.org/officeDocument/2006/relationships" xmlns:p="http://schemas.openxmlformats.org/presentationml/2006/main">
   <p:cSld>
     <p:spTree>
@@ -6659,41 +6920,41 @@
           <a:p>
             <a:r>
               <a:rPr lang="en-US" altLang="zh-CN" dirty="0">
-                <a:latin typeface="方正姚体" pitchFamily="2" charset="-122"/>
-                <a:ea typeface="方正姚体" pitchFamily="2" charset="-122"/>
+                <a:latin typeface="方正姚体" panose="02010601030101010101" pitchFamily="2" charset="-122"/>
+                <a:ea typeface="方正姚体" panose="02010601030101010101" pitchFamily="2" charset="-122"/>
               </a:rPr>
               <a:t>B,   Baseline:</a:t>
             </a:r>
             <a:r>
               <a:rPr lang="zh-CN" altLang="en-US" dirty="0">
-                <a:latin typeface="方正姚体" pitchFamily="2" charset="-122"/>
-                <a:ea typeface="方正姚体" pitchFamily="2" charset="-122"/>
+                <a:latin typeface="方正姚体" panose="02010601030101010101" pitchFamily="2" charset="-122"/>
+                <a:ea typeface="方正姚体" panose="02010601030101010101" pitchFamily="2" charset="-122"/>
               </a:rPr>
               <a:t>基准计划；</a:t>
             </a:r>
             <a:endParaRPr lang="en-US" altLang="zh-CN" dirty="0">
-              <a:latin typeface="方正姚体" pitchFamily="2" charset="-122"/>
-              <a:ea typeface="方正姚体" pitchFamily="2" charset="-122"/>
+              <a:latin typeface="方正姚体" panose="02010601030101010101" pitchFamily="2" charset="-122"/>
+              <a:ea typeface="方正姚体" panose="02010601030101010101" pitchFamily="2" charset="-122"/>
             </a:endParaRPr>
           </a:p>
           <a:p>
             <a:r>
               <a:rPr lang="en-US" altLang="zh-CN" dirty="0">
-                <a:latin typeface="方正姚体" pitchFamily="2" charset="-122"/>
-                <a:ea typeface="方正姚体" pitchFamily="2" charset="-122"/>
+                <a:latin typeface="方正姚体" panose="02010601030101010101" pitchFamily="2" charset="-122"/>
+                <a:ea typeface="方正姚体" panose="02010601030101010101" pitchFamily="2" charset="-122"/>
               </a:rPr>
               <a:t>A,   Active:</a:t>
             </a:r>
             <a:r>
               <a:rPr lang="zh-CN" altLang="en-US" dirty="0">
-                <a:latin typeface="方正姚体" pitchFamily="2" charset="-122"/>
-                <a:ea typeface="方正姚体" pitchFamily="2" charset="-122"/>
+                <a:latin typeface="方正姚体" panose="02010601030101010101" pitchFamily="2" charset="-122"/>
+                <a:ea typeface="方正姚体" panose="02010601030101010101" pitchFamily="2" charset="-122"/>
               </a:rPr>
               <a:t>实际执行状况；</a:t>
             </a:r>
             <a:endParaRPr lang="en-US" altLang="zh-CN" dirty="0">
-              <a:latin typeface="方正姚体" pitchFamily="2" charset="-122"/>
-              <a:ea typeface="方正姚体" pitchFamily="2" charset="-122"/>
+              <a:latin typeface="方正姚体" panose="02010601030101010101" pitchFamily="2" charset="-122"/>
+              <a:ea typeface="方正姚体" panose="02010601030101010101" pitchFamily="2" charset="-122"/>
             </a:endParaRPr>
           </a:p>
         </p:txBody>
@@ -7373,710 +7634,6 @@
 </p:sld>
 </file>
 
-<file path=ppt/slides/slide19.xml><?xml version="1.0" encoding="utf-8"?>
-<p:sld xmlns:a="http://schemas.openxmlformats.org/drawingml/2006/main" xmlns:r="http://schemas.openxmlformats.org/officeDocument/2006/relationships" xmlns:p="http://schemas.openxmlformats.org/presentationml/2006/main">
-  <p:cSld>
-    <p:spTree>
-      <p:nvGrpSpPr>
-        <p:cNvPr id="1" name=""/>
-        <p:cNvGrpSpPr/>
-        <p:nvPr/>
-      </p:nvGrpSpPr>
-      <p:grpSpPr>
-        <a:xfrm>
-          <a:off x="0" y="0"/>
-          <a:ext cx="0" cy="0"/>
-          <a:chOff x="0" y="0"/>
-          <a:chExt cx="0" cy="0"/>
-        </a:xfrm>
-      </p:grpSpPr>
-      <p:sp>
-        <p:nvSpPr>
-          <p:cNvPr id="2" name="标题 1"/>
-          <p:cNvSpPr>
-            <a:spLocks noGrp="1"/>
-          </p:cNvSpPr>
-          <p:nvPr>
-            <p:ph type="title"/>
-          </p:nvPr>
-        </p:nvSpPr>
-        <p:spPr/>
-        <p:txBody>
-          <a:bodyPr/>
-          <a:lstStyle/>
-          <a:p>
-            <a:r>
-              <a:rPr lang="zh-CN" altLang="en-US" dirty="0"/>
-              <a:t>分析成本偏差（挣值管理 </a:t>
-            </a:r>
-            <a:r>
-              <a:rPr lang="en-US" altLang="zh-CN" dirty="0"/>
-              <a:t>EVM)</a:t>
-            </a:r>
-            <a:endParaRPr lang="zh-CN" altLang="en-US" dirty="0"/>
-          </a:p>
-        </p:txBody>
-      </p:sp>
-      <p:sp>
-        <p:nvSpPr>
-          <p:cNvPr id="3" name="内容占位符 2"/>
-          <p:cNvSpPr>
-            <a:spLocks noGrp="1"/>
-          </p:cNvSpPr>
-          <p:nvPr>
-            <p:ph idx="1"/>
-          </p:nvPr>
-        </p:nvSpPr>
-        <p:spPr>
-          <a:xfrm>
-            <a:off x="400050" y="1489075"/>
-            <a:ext cx="11062335" cy="2295525"/>
-          </a:xfrm>
-        </p:spPr>
-        <p:txBody>
-          <a:bodyPr/>
-          <a:lstStyle/>
-          <a:p>
-            <a:r>
-              <a:rPr lang="en-US" altLang="zh-CN" sz="2400" dirty="0"/>
-              <a:t>EVM</a:t>
-            </a:r>
-            <a:r>
-              <a:rPr lang="zh-CN" altLang="en-US" sz="2400" dirty="0"/>
-              <a:t>是一种常用的绩效测量方法，综合考虑项目范围、成本与进度指标，就是在既定的范围之下综合考虑进度和成本绩效，以避免单独衡量时间或成本的弊端：</a:t>
-            </a:r>
-            <a:endParaRPr lang="en-US" altLang="zh-CN" sz="2400" dirty="0"/>
-          </a:p>
-          <a:p>
-            <a:pPr lvl="2"/>
-            <a:r>
-              <a:rPr lang="zh-CN" altLang="en-US" sz="2000" dirty="0"/>
-              <a:t>例</a:t>
-            </a:r>
-            <a:r>
-              <a:rPr lang="en-US" altLang="zh-CN" sz="2000" dirty="0"/>
-              <a:t>1</a:t>
-            </a:r>
-            <a:r>
-              <a:rPr lang="zh-CN" altLang="en-US" sz="2000" dirty="0"/>
-              <a:t>：总预算</a:t>
-            </a:r>
-            <a:r>
-              <a:rPr lang="en-US" altLang="zh-CN" sz="2000" dirty="0"/>
-              <a:t>10</a:t>
-            </a:r>
-            <a:r>
-              <a:rPr lang="zh-CN" altLang="en-US" sz="2000" dirty="0"/>
-              <a:t>万，为期</a:t>
-            </a:r>
-            <a:r>
-              <a:rPr lang="en-US" altLang="zh-CN" sz="2000" dirty="0"/>
-              <a:t>10</a:t>
-            </a:r>
-            <a:r>
-              <a:rPr lang="zh-CN" altLang="en-US" sz="2000" dirty="0"/>
-              <a:t>天的项目</a:t>
-            </a:r>
-            <a:r>
-              <a:rPr lang="en-US" altLang="zh-CN" sz="2000" dirty="0"/>
-              <a:t>(</a:t>
-            </a:r>
-            <a:r>
-              <a:rPr lang="zh-CN" altLang="en-US" sz="2000" dirty="0">
-                <a:solidFill>
-                  <a:srgbClr val="FF0000"/>
-                </a:solidFill>
-              </a:rPr>
-              <a:t>每日成本</a:t>
-            </a:r>
-            <a:r>
-              <a:rPr lang="en-US" altLang="zh-CN" sz="2000" dirty="0">
-                <a:solidFill>
-                  <a:srgbClr val="FF0000"/>
-                </a:solidFill>
-              </a:rPr>
-              <a:t>1</a:t>
-            </a:r>
-            <a:r>
-              <a:rPr lang="zh-CN" altLang="en-US" sz="2000" dirty="0">
-                <a:solidFill>
-                  <a:srgbClr val="FF0000"/>
-                </a:solidFill>
-              </a:rPr>
-              <a:t>万</a:t>
-            </a:r>
-            <a:r>
-              <a:rPr lang="en-US" altLang="zh-CN" sz="2000" dirty="0">
-                <a:solidFill>
-                  <a:srgbClr val="FF0000"/>
-                </a:solidFill>
-              </a:rPr>
-              <a:t>,</a:t>
-            </a:r>
-            <a:r>
-              <a:rPr lang="zh-CN" altLang="en-US" sz="2000" dirty="0">
-                <a:solidFill>
-                  <a:srgbClr val="FF0000"/>
-                </a:solidFill>
-              </a:rPr>
-              <a:t>每日完成总任务的</a:t>
-            </a:r>
-            <a:r>
-              <a:rPr lang="en-US" altLang="zh-CN" sz="2000" dirty="0">
-                <a:solidFill>
-                  <a:srgbClr val="FF0000"/>
-                </a:solidFill>
-              </a:rPr>
-              <a:t>10%</a:t>
-            </a:r>
-            <a:r>
-              <a:rPr lang="en-US" altLang="zh-CN" sz="2000" dirty="0"/>
-              <a:t>)</a:t>
-            </a:r>
-            <a:r>
-              <a:rPr lang="zh-CN" altLang="en-US" sz="2000" dirty="0"/>
-              <a:t>，在第</a:t>
-            </a:r>
-            <a:r>
-              <a:rPr lang="en-US" altLang="zh-CN" sz="2000" dirty="0"/>
-              <a:t>3</a:t>
-            </a:r>
-            <a:r>
-              <a:rPr lang="zh-CN" altLang="en-US" sz="2000" dirty="0"/>
-              <a:t>天的时候，成本支出为</a:t>
-            </a:r>
-            <a:r>
-              <a:rPr lang="en-US" altLang="zh-CN" sz="2000" dirty="0"/>
-              <a:t>2</a:t>
-            </a:r>
-            <a:r>
-              <a:rPr lang="zh-CN" altLang="en-US" sz="2000" dirty="0"/>
-              <a:t>万，但任务只完成了</a:t>
-            </a:r>
-            <a:r>
-              <a:rPr lang="en-US" altLang="zh-CN" sz="2000" dirty="0"/>
-              <a:t>10%</a:t>
-            </a:r>
-            <a:r>
-              <a:rPr lang="zh-CN" altLang="en-US" sz="2000" dirty="0"/>
-              <a:t>。这种情况下，成本是节约了还是超支了？</a:t>
-            </a:r>
-            <a:endParaRPr lang="en-US" altLang="zh-CN" sz="2000" dirty="0"/>
-          </a:p>
-          <a:p>
-            <a:pPr lvl="2"/>
-            <a:r>
-              <a:rPr lang="zh-CN" altLang="en-US" sz="2000" dirty="0"/>
-              <a:t>例</a:t>
-            </a:r>
-            <a:r>
-              <a:rPr lang="en-US" altLang="zh-CN" sz="2000" dirty="0"/>
-              <a:t>2</a:t>
-            </a:r>
-            <a:r>
-              <a:rPr lang="zh-CN" altLang="en-US" sz="2000" dirty="0"/>
-              <a:t>：如果第</a:t>
-            </a:r>
-            <a:r>
-              <a:rPr lang="en-US" altLang="zh-CN" sz="2000" dirty="0"/>
-              <a:t>3</a:t>
-            </a:r>
-            <a:r>
-              <a:rPr lang="zh-CN" altLang="en-US" sz="2000" dirty="0"/>
-              <a:t>天时，任务完成了</a:t>
-            </a:r>
-            <a:r>
-              <a:rPr lang="en-US" altLang="zh-CN" sz="2000" dirty="0"/>
-              <a:t>40%</a:t>
-            </a:r>
-            <a:r>
-              <a:rPr lang="zh-CN" altLang="en-US" sz="2000" dirty="0"/>
-              <a:t>，成本支出</a:t>
-            </a:r>
-            <a:r>
-              <a:rPr lang="en-US" altLang="zh-CN" sz="2000" dirty="0"/>
-              <a:t>5</a:t>
-            </a:r>
-            <a:r>
-              <a:rPr lang="zh-CN" altLang="en-US" sz="2000" dirty="0"/>
-              <a:t>万。这种情况下，进度是快了还是慢了？</a:t>
-            </a:r>
-            <a:endParaRPr lang="zh-CN" altLang="en-US" sz="2000" dirty="0"/>
-          </a:p>
-        </p:txBody>
-      </p:sp>
-      <p:graphicFrame>
-        <p:nvGraphicFramePr>
-          <p:cNvPr id="4" name="表格 3"/>
-          <p:cNvGraphicFramePr>
-            <a:graphicFrameLocks noGrp="1"/>
-          </p:cNvGraphicFramePr>
-          <p:nvPr/>
-        </p:nvGraphicFramePr>
-        <p:xfrm>
-          <a:off x="1787525" y="4196080"/>
-          <a:ext cx="8157210" cy="1518285"/>
-        </p:xfrm>
-        <a:graphic>
-          <a:graphicData uri="http://schemas.openxmlformats.org/drawingml/2006/table">
-            <a:tbl>
-              <a:tblPr firstRow="1" bandRow="1">
-                <a:tableStyleId>{5940675A-B579-460E-94D1-54222C63F5DA}</a:tableStyleId>
-              </a:tblPr>
-              <a:tblGrid>
-                <a:gridCol w="1614170"/>
-                <a:gridCol w="1915795"/>
-                <a:gridCol w="1847215"/>
-                <a:gridCol w="2780030"/>
-              </a:tblGrid>
-              <a:tr h="640080">
-                <a:tc>
-                  <a:txBody>
-                    <a:bodyPr/>
-                    <a:lstStyle/>
-                    <a:p>
-                      <a:endParaRPr lang="zh-CN" altLang="en-US" dirty="0">
-                        <a:latin typeface="黑体" panose="02010609060101010101" pitchFamily="49" charset="-122"/>
-                        <a:ea typeface="黑体" panose="02010609060101010101" pitchFamily="49" charset="-122"/>
-                      </a:endParaRPr>
-                    </a:p>
-                  </a:txBody>
-                  <a:tcPr/>
-                </a:tc>
-                <a:tc>
-                  <a:txBody>
-                    <a:bodyPr/>
-                    <a:lstStyle/>
-                    <a:p>
-                      <a:r>
-                        <a:rPr lang="zh-CN" altLang="en-US" dirty="0">
-                          <a:latin typeface="黑体" panose="02010609060101010101" pitchFamily="49" charset="-122"/>
-                          <a:ea typeface="黑体" panose="02010609060101010101" pitchFamily="49" charset="-122"/>
-                        </a:rPr>
-                        <a:t>第</a:t>
-                      </a:r>
-                      <a:r>
-                        <a:rPr lang="en-US" altLang="zh-CN" dirty="0">
-                          <a:latin typeface="黑体" panose="02010609060101010101" pitchFamily="49" charset="-122"/>
-                          <a:ea typeface="黑体" panose="02010609060101010101" pitchFamily="49" charset="-122"/>
-                        </a:rPr>
-                        <a:t>3</a:t>
-                      </a:r>
-                      <a:r>
-                        <a:rPr lang="en-US" altLang="zh-CN" baseline="0" dirty="0">
-                          <a:latin typeface="黑体" panose="02010609060101010101" pitchFamily="49" charset="-122"/>
-                          <a:ea typeface="黑体" panose="02010609060101010101" pitchFamily="49" charset="-122"/>
-                        </a:rPr>
-                        <a:t> </a:t>
-                      </a:r>
-                      <a:r>
-                        <a:rPr lang="zh-CN" altLang="en-US" baseline="0" dirty="0">
-                          <a:latin typeface="黑体" panose="02010609060101010101" pitchFamily="49" charset="-122"/>
-                          <a:ea typeface="黑体" panose="02010609060101010101" pitchFamily="49" charset="-122"/>
-                        </a:rPr>
-                        <a:t>天计划支出</a:t>
-                      </a:r>
-                      <a:endParaRPr lang="zh-CN" altLang="en-US" dirty="0">
-                        <a:latin typeface="黑体" panose="02010609060101010101" pitchFamily="49" charset="-122"/>
-                        <a:ea typeface="黑体" panose="02010609060101010101" pitchFamily="49" charset="-122"/>
-                      </a:endParaRPr>
-                    </a:p>
-                  </a:txBody>
-                  <a:tcPr/>
-                </a:tc>
-                <a:tc>
-                  <a:txBody>
-                    <a:bodyPr/>
-                    <a:lstStyle/>
-                    <a:p>
-                      <a:r>
-                        <a:rPr lang="zh-CN" altLang="en-US" dirty="0">
-                          <a:latin typeface="黑体" panose="02010609060101010101" pitchFamily="49" charset="-122"/>
-                          <a:ea typeface="黑体" panose="02010609060101010101" pitchFamily="49" charset="-122"/>
-                        </a:rPr>
-                        <a:t>第</a:t>
-                      </a:r>
-                      <a:r>
-                        <a:rPr lang="en-US" altLang="zh-CN" dirty="0">
-                          <a:latin typeface="黑体" panose="02010609060101010101" pitchFamily="49" charset="-122"/>
-                          <a:ea typeface="黑体" panose="02010609060101010101" pitchFamily="49" charset="-122"/>
-                        </a:rPr>
-                        <a:t>3</a:t>
-                      </a:r>
-                      <a:r>
-                        <a:rPr lang="zh-CN" altLang="en-US" dirty="0">
-                          <a:latin typeface="黑体" panose="02010609060101010101" pitchFamily="49" charset="-122"/>
-                          <a:ea typeface="黑体" panose="02010609060101010101" pitchFamily="49" charset="-122"/>
-                        </a:rPr>
-                        <a:t>天实际支出</a:t>
-                      </a:r>
-                      <a:endParaRPr lang="zh-CN" altLang="en-US" dirty="0">
-                        <a:latin typeface="黑体" panose="02010609060101010101" pitchFamily="49" charset="-122"/>
-                        <a:ea typeface="黑体" panose="02010609060101010101" pitchFamily="49" charset="-122"/>
-                      </a:endParaRPr>
-                    </a:p>
-                  </a:txBody>
-                  <a:tcPr/>
-                </a:tc>
-                <a:tc>
-                  <a:txBody>
-                    <a:bodyPr/>
-                    <a:lstStyle/>
-                    <a:p>
-                      <a:r>
-                        <a:rPr lang="zh-CN" altLang="en-US" dirty="0">
-                          <a:latin typeface="黑体" panose="02010609060101010101" pitchFamily="49" charset="-122"/>
-                          <a:ea typeface="黑体" panose="02010609060101010101" pitchFamily="49" charset="-122"/>
-                        </a:rPr>
-                        <a:t>第</a:t>
-                      </a:r>
-                      <a:r>
-                        <a:rPr lang="en-US" altLang="zh-CN" dirty="0">
-                          <a:latin typeface="黑体" panose="02010609060101010101" pitchFamily="49" charset="-122"/>
-                          <a:ea typeface="黑体" panose="02010609060101010101" pitchFamily="49" charset="-122"/>
-                        </a:rPr>
-                        <a:t>3 </a:t>
-                      </a:r>
-                      <a:r>
-                        <a:rPr lang="zh-CN" altLang="en-US" dirty="0">
-                          <a:latin typeface="黑体" panose="02010609060101010101" pitchFamily="49" charset="-122"/>
-                          <a:ea typeface="黑体" panose="02010609060101010101" pitchFamily="49" charset="-122"/>
-                        </a:rPr>
-                        <a:t>天实际完成任务</a:t>
-                      </a:r>
-                      <a:endParaRPr lang="en-US" altLang="zh-CN" dirty="0">
-                        <a:latin typeface="黑体" panose="02010609060101010101" pitchFamily="49" charset="-122"/>
-                        <a:ea typeface="黑体" panose="02010609060101010101" pitchFamily="49" charset="-122"/>
-                      </a:endParaRPr>
-                    </a:p>
-                    <a:p>
-                      <a:r>
-                        <a:rPr lang="zh-CN" altLang="en-US" dirty="0">
-                          <a:latin typeface="黑体" panose="02010609060101010101" pitchFamily="49" charset="-122"/>
-                          <a:ea typeface="黑体" panose="02010609060101010101" pitchFamily="49" charset="-122"/>
-                        </a:rPr>
-                        <a:t>计划支出</a:t>
-                      </a:r>
-                      <a:endParaRPr lang="zh-CN" altLang="en-US" dirty="0">
-                        <a:latin typeface="黑体" panose="02010609060101010101" pitchFamily="49" charset="-122"/>
-                        <a:ea typeface="黑体" panose="02010609060101010101" pitchFamily="49" charset="-122"/>
-                      </a:endParaRPr>
-                    </a:p>
-                  </a:txBody>
-                  <a:tcPr/>
-                </a:tc>
-              </a:tr>
-              <a:tr h="439420">
-                <a:tc>
-                  <a:txBody>
-                    <a:bodyPr/>
-                    <a:lstStyle/>
-                    <a:p>
-                      <a:r>
-                        <a:rPr lang="zh-CN" altLang="en-US" dirty="0">
-                          <a:latin typeface="黑体" panose="02010609060101010101" pitchFamily="49" charset="-122"/>
-                          <a:ea typeface="黑体" panose="02010609060101010101" pitchFamily="49" charset="-122"/>
-                        </a:rPr>
-                        <a:t>例</a:t>
-                      </a:r>
-                      <a:r>
-                        <a:rPr lang="en-US" altLang="zh-CN" dirty="0">
-                          <a:latin typeface="黑体" panose="02010609060101010101" pitchFamily="49" charset="-122"/>
-                          <a:ea typeface="黑体" panose="02010609060101010101" pitchFamily="49" charset="-122"/>
-                        </a:rPr>
-                        <a:t>1</a:t>
-                      </a:r>
-                      <a:endParaRPr lang="zh-CN" altLang="en-US" dirty="0">
-                        <a:latin typeface="黑体" panose="02010609060101010101" pitchFamily="49" charset="-122"/>
-                        <a:ea typeface="黑体" panose="02010609060101010101" pitchFamily="49" charset="-122"/>
-                      </a:endParaRPr>
-                    </a:p>
-                  </a:txBody>
-                  <a:tcPr/>
-                </a:tc>
-                <a:tc>
-                  <a:txBody>
-                    <a:bodyPr/>
-                    <a:lstStyle/>
-                    <a:p>
-                      <a:r>
-                        <a:rPr lang="en-US" altLang="zh-CN" dirty="0">
-                          <a:latin typeface="黑体" panose="02010609060101010101" pitchFamily="49" charset="-122"/>
-                          <a:ea typeface="黑体" panose="02010609060101010101" pitchFamily="49" charset="-122"/>
-                        </a:rPr>
-                        <a:t>3</a:t>
-                      </a:r>
-                      <a:endParaRPr lang="zh-CN" altLang="en-US" dirty="0">
-                        <a:latin typeface="黑体" panose="02010609060101010101" pitchFamily="49" charset="-122"/>
-                        <a:ea typeface="黑体" panose="02010609060101010101" pitchFamily="49" charset="-122"/>
-                      </a:endParaRPr>
-                    </a:p>
-                  </a:txBody>
-                  <a:tcPr/>
-                </a:tc>
-                <a:tc>
-                  <a:txBody>
-                    <a:bodyPr/>
-                    <a:lstStyle/>
-                    <a:p>
-                      <a:r>
-                        <a:rPr lang="en-US" altLang="zh-CN" dirty="0">
-                          <a:latin typeface="黑体" panose="02010609060101010101" pitchFamily="49" charset="-122"/>
-                          <a:ea typeface="黑体" panose="02010609060101010101" pitchFamily="49" charset="-122"/>
-                        </a:rPr>
-                        <a:t>2</a:t>
-                      </a:r>
-                      <a:endParaRPr lang="zh-CN" altLang="en-US" dirty="0">
-                        <a:latin typeface="黑体" panose="02010609060101010101" pitchFamily="49" charset="-122"/>
-                        <a:ea typeface="黑体" panose="02010609060101010101" pitchFamily="49" charset="-122"/>
-                      </a:endParaRPr>
-                    </a:p>
-                  </a:txBody>
-                  <a:tcPr/>
-                </a:tc>
-                <a:tc>
-                  <a:txBody>
-                    <a:bodyPr/>
-                    <a:lstStyle/>
-                    <a:p>
-                      <a:r>
-                        <a:rPr lang="en-US" altLang="zh-CN" dirty="0">
-                          <a:latin typeface="黑体" panose="02010609060101010101" pitchFamily="49" charset="-122"/>
-                          <a:ea typeface="黑体" panose="02010609060101010101" pitchFamily="49" charset="-122"/>
-                        </a:rPr>
-                        <a:t>1</a:t>
-                      </a:r>
-                      <a:endParaRPr lang="zh-CN" altLang="en-US" dirty="0">
-                        <a:latin typeface="黑体" panose="02010609060101010101" pitchFamily="49" charset="-122"/>
-                        <a:ea typeface="黑体" panose="02010609060101010101" pitchFamily="49" charset="-122"/>
-                      </a:endParaRPr>
-                    </a:p>
-                  </a:txBody>
-                  <a:tcPr/>
-                </a:tc>
-              </a:tr>
-              <a:tr h="438785">
-                <a:tc>
-                  <a:txBody>
-                    <a:bodyPr/>
-                    <a:lstStyle/>
-                    <a:p>
-                      <a:r>
-                        <a:rPr lang="zh-CN" altLang="en-US" dirty="0">
-                          <a:latin typeface="黑体" panose="02010609060101010101" pitchFamily="49" charset="-122"/>
-                          <a:ea typeface="黑体" panose="02010609060101010101" pitchFamily="49" charset="-122"/>
-                        </a:rPr>
-                        <a:t>例</a:t>
-                      </a:r>
-                      <a:r>
-                        <a:rPr lang="en-US" altLang="zh-CN" dirty="0">
-                          <a:latin typeface="黑体" panose="02010609060101010101" pitchFamily="49" charset="-122"/>
-                          <a:ea typeface="黑体" panose="02010609060101010101" pitchFamily="49" charset="-122"/>
-                        </a:rPr>
-                        <a:t>2</a:t>
-                      </a:r>
-                      <a:endParaRPr lang="zh-CN" altLang="en-US" dirty="0">
-                        <a:latin typeface="黑体" panose="02010609060101010101" pitchFamily="49" charset="-122"/>
-                        <a:ea typeface="黑体" panose="02010609060101010101" pitchFamily="49" charset="-122"/>
-                      </a:endParaRPr>
-                    </a:p>
-                  </a:txBody>
-                  <a:tcPr/>
-                </a:tc>
-                <a:tc>
-                  <a:txBody>
-                    <a:bodyPr/>
-                    <a:lstStyle/>
-                    <a:p>
-                      <a:r>
-                        <a:rPr lang="en-US" altLang="zh-CN" dirty="0">
-                          <a:latin typeface="黑体" panose="02010609060101010101" pitchFamily="49" charset="-122"/>
-                          <a:ea typeface="黑体" panose="02010609060101010101" pitchFamily="49" charset="-122"/>
-                        </a:rPr>
-                        <a:t>3</a:t>
-                      </a:r>
-                      <a:endParaRPr lang="zh-CN" altLang="en-US" dirty="0">
-                        <a:latin typeface="黑体" panose="02010609060101010101" pitchFamily="49" charset="-122"/>
-                        <a:ea typeface="黑体" panose="02010609060101010101" pitchFamily="49" charset="-122"/>
-                      </a:endParaRPr>
-                    </a:p>
-                  </a:txBody>
-                  <a:tcPr/>
-                </a:tc>
-                <a:tc>
-                  <a:txBody>
-                    <a:bodyPr/>
-                    <a:lstStyle/>
-                    <a:p>
-                      <a:r>
-                        <a:rPr lang="en-US" altLang="zh-CN" dirty="0">
-                          <a:latin typeface="黑体" panose="02010609060101010101" pitchFamily="49" charset="-122"/>
-                          <a:ea typeface="黑体" panose="02010609060101010101" pitchFamily="49" charset="-122"/>
-                        </a:rPr>
-                        <a:t>5</a:t>
-                      </a:r>
-                      <a:endParaRPr lang="zh-CN" altLang="en-US" dirty="0">
-                        <a:latin typeface="黑体" panose="02010609060101010101" pitchFamily="49" charset="-122"/>
-                        <a:ea typeface="黑体" panose="02010609060101010101" pitchFamily="49" charset="-122"/>
-                      </a:endParaRPr>
-                    </a:p>
-                  </a:txBody>
-                  <a:tcPr/>
-                </a:tc>
-                <a:tc>
-                  <a:txBody>
-                    <a:bodyPr/>
-                    <a:lstStyle/>
-                    <a:p>
-                      <a:r>
-                        <a:rPr lang="en-US" altLang="zh-CN" dirty="0">
-                          <a:latin typeface="黑体" panose="02010609060101010101" pitchFamily="49" charset="-122"/>
-                          <a:ea typeface="黑体" panose="02010609060101010101" pitchFamily="49" charset="-122"/>
-                        </a:rPr>
-                        <a:t>4</a:t>
-                      </a:r>
-                      <a:endParaRPr lang="zh-CN" altLang="en-US" dirty="0">
-                        <a:latin typeface="黑体" panose="02010609060101010101" pitchFamily="49" charset="-122"/>
-                        <a:ea typeface="黑体" panose="02010609060101010101" pitchFamily="49" charset="-122"/>
-                      </a:endParaRPr>
-                    </a:p>
-                  </a:txBody>
-                  <a:tcPr/>
-                </a:tc>
-              </a:tr>
-            </a:tbl>
-          </a:graphicData>
-        </a:graphic>
-      </p:graphicFrame>
-    </p:spTree>
-  </p:cSld>
-  <p:clrMapOvr>
-    <a:masterClrMapping/>
-  </p:clrMapOvr>
-  <p:timing>
-    <p:tnLst>
-      <p:par>
-        <p:cTn id="1" dur="indefinite" restart="never" nodeType="tmRoot">
-          <p:childTnLst>
-            <p:seq concurrent="1" nextAc="seek">
-              <p:cTn id="2" dur="indefinite" nodeType="mainSeq">
-                <p:childTnLst>
-                  <p:par>
-                    <p:cTn id="3" fill="hold">
-                      <p:stCondLst>
-                        <p:cond delay="indefinite"/>
-                      </p:stCondLst>
-                      <p:childTnLst>
-                        <p:par>
-                          <p:cTn id="4" fill="hold">
-                            <p:stCondLst>
-                              <p:cond delay="0"/>
-                            </p:stCondLst>
-                            <p:childTnLst>
-                              <p:par>
-                                <p:cTn id="5" presetID="2" presetClass="entr" presetSubtype="4" fill="hold" nodeType="clickEffect">
-                                  <p:stCondLst>
-                                    <p:cond delay="0"/>
-                                  </p:stCondLst>
-                                  <p:childTnLst>
-                                    <p:set>
-                                      <p:cBhvr>
-                                        <p:cTn id="6" dur="1" fill="hold">
-                                          <p:stCondLst>
-                                            <p:cond delay="0"/>
-                                          </p:stCondLst>
-                                        </p:cTn>
-                                        <p:tgtEl>
-                                          <p:spTgt spid="4"/>
-                                        </p:tgtEl>
-                                        <p:attrNameLst>
-                                          <p:attrName>style.visibility</p:attrName>
-                                        </p:attrNameLst>
-                                      </p:cBhvr>
-                                      <p:to>
-                                        <p:strVal val="visible"/>
-                                      </p:to>
-                                    </p:set>
-                                    <p:anim calcmode="lin" valueType="num">
-                                      <p:cBhvr additive="base">
-                                        <p:cTn id="7" dur="500" fill="hold"/>
-                                        <p:tgtEl>
-                                          <p:spTgt spid="4"/>
-                                        </p:tgtEl>
-                                        <p:attrNameLst>
-                                          <p:attrName>ppt_x</p:attrName>
-                                        </p:attrNameLst>
-                                      </p:cBhvr>
-                                      <p:tavLst>
-                                        <p:tav tm="0">
-                                          <p:val>
-                                            <p:strVal val="#ppt_x"/>
-                                          </p:val>
-                                        </p:tav>
-                                        <p:tav tm="100000">
-                                          <p:val>
-                                            <p:strVal val="#ppt_x"/>
-                                          </p:val>
-                                        </p:tav>
-                                      </p:tavLst>
-                                    </p:anim>
-                                    <p:anim calcmode="lin" valueType="num">
-                                      <p:cBhvr additive="base">
-                                        <p:cTn id="8" dur="500" fill="hold"/>
-                                        <p:tgtEl>
-                                          <p:spTgt spid="4"/>
-                                        </p:tgtEl>
-                                        <p:attrNameLst>
-                                          <p:attrName>ppt_y</p:attrName>
-                                        </p:attrNameLst>
-                                      </p:cBhvr>
-                                      <p:tavLst>
-                                        <p:tav tm="0">
-                                          <p:val>
-                                            <p:strVal val="1+#ppt_h/2"/>
-                                          </p:val>
-                                        </p:tav>
-                                        <p:tav tm="100000">
-                                          <p:val>
-                                            <p:strVal val="#ppt_y"/>
-                                          </p:val>
-                                        </p:tav>
-                                      </p:tavLst>
-                                    </p:anim>
-                                  </p:childTnLst>
-                                </p:cTn>
-                              </p:par>
-                            </p:childTnLst>
-                          </p:cTn>
-                        </p:par>
-                      </p:childTnLst>
-                    </p:cTn>
-                  </p:par>
-                </p:childTnLst>
-              </p:cTn>
-              <p:prevCondLst>
-                <p:cond evt="onPrev" delay="0">
-                  <p:tgtEl>
-                    <p:sldTgt/>
-                  </p:tgtEl>
-                </p:cond>
-              </p:prevCondLst>
-              <p:nextCondLst>
-                <p:cond evt="onNext" delay="0">
-                  <p:tgtEl>
-                    <p:sldTgt/>
-                  </p:tgtEl>
-                </p:cond>
-              </p:nextCondLst>
-            </p:seq>
-          </p:childTnLst>
-        </p:cTn>
-      </p:par>
-    </p:tnLst>
-  </p:timing>
-</p:sld>
-</file>
-
 <file path=ppt/slides/slide2.xml><?xml version="1.0" encoding="utf-8"?>
 <p:sld xmlns:a="http://schemas.openxmlformats.org/drawingml/2006/main" xmlns:r="http://schemas.openxmlformats.org/officeDocument/2006/relationships" xmlns:p="http://schemas.openxmlformats.org/presentationml/2006/main">
   <p:cSld>
@@ -8528,6 +8085,710 @@
           <a:lstStyle/>
           <a:p>
             <a:r>
+              <a:rPr lang="zh-CN" altLang="en-US" dirty="0"/>
+              <a:t>分析成本偏差（挣值管理 </a:t>
+            </a:r>
+            <a:r>
+              <a:rPr lang="en-US" altLang="zh-CN" dirty="0"/>
+              <a:t>EVM)</a:t>
+            </a:r>
+            <a:endParaRPr lang="zh-CN" altLang="en-US" dirty="0"/>
+          </a:p>
+        </p:txBody>
+      </p:sp>
+      <p:sp>
+        <p:nvSpPr>
+          <p:cNvPr id="3" name="内容占位符 2"/>
+          <p:cNvSpPr>
+            <a:spLocks noGrp="1"/>
+          </p:cNvSpPr>
+          <p:nvPr>
+            <p:ph idx="1"/>
+          </p:nvPr>
+        </p:nvSpPr>
+        <p:spPr>
+          <a:xfrm>
+            <a:off x="400050" y="1489075"/>
+            <a:ext cx="11062335" cy="2295525"/>
+          </a:xfrm>
+        </p:spPr>
+        <p:txBody>
+          <a:bodyPr/>
+          <a:lstStyle/>
+          <a:p>
+            <a:r>
+              <a:rPr lang="en-US" altLang="zh-CN" sz="2400" dirty="0"/>
+              <a:t>EVM</a:t>
+            </a:r>
+            <a:r>
+              <a:rPr lang="zh-CN" altLang="en-US" sz="2400" dirty="0"/>
+              <a:t>是一种常用的绩效测量方法，综合考虑项目范围、成本与进度指标，就是在既定的范围之下综合考虑进度和成本绩效，以避免单独衡量时间或成本的弊端：</a:t>
+            </a:r>
+            <a:endParaRPr lang="en-US" altLang="zh-CN" sz="2400" dirty="0"/>
+          </a:p>
+          <a:p>
+            <a:pPr lvl="2"/>
+            <a:r>
+              <a:rPr lang="zh-CN" altLang="en-US" sz="2000" dirty="0"/>
+              <a:t>例</a:t>
+            </a:r>
+            <a:r>
+              <a:rPr lang="en-US" altLang="zh-CN" sz="2000" dirty="0"/>
+              <a:t>1</a:t>
+            </a:r>
+            <a:r>
+              <a:rPr lang="zh-CN" altLang="en-US" sz="2000" dirty="0"/>
+              <a:t>：总预算</a:t>
+            </a:r>
+            <a:r>
+              <a:rPr lang="en-US" altLang="zh-CN" sz="2000" dirty="0"/>
+              <a:t>10</a:t>
+            </a:r>
+            <a:r>
+              <a:rPr lang="zh-CN" altLang="en-US" sz="2000" dirty="0"/>
+              <a:t>万，为期</a:t>
+            </a:r>
+            <a:r>
+              <a:rPr lang="en-US" altLang="zh-CN" sz="2000" dirty="0"/>
+              <a:t>10</a:t>
+            </a:r>
+            <a:r>
+              <a:rPr lang="zh-CN" altLang="en-US" sz="2000" dirty="0"/>
+              <a:t>天的项目</a:t>
+            </a:r>
+            <a:r>
+              <a:rPr lang="en-US" altLang="zh-CN" sz="2000" dirty="0"/>
+              <a:t>(</a:t>
+            </a:r>
+            <a:r>
+              <a:rPr lang="zh-CN" altLang="en-US" sz="2000" dirty="0">
+                <a:solidFill>
+                  <a:srgbClr val="FF0000"/>
+                </a:solidFill>
+              </a:rPr>
+              <a:t>每日成本</a:t>
+            </a:r>
+            <a:r>
+              <a:rPr lang="en-US" altLang="zh-CN" sz="2000" dirty="0">
+                <a:solidFill>
+                  <a:srgbClr val="FF0000"/>
+                </a:solidFill>
+              </a:rPr>
+              <a:t>1</a:t>
+            </a:r>
+            <a:r>
+              <a:rPr lang="zh-CN" altLang="en-US" sz="2000" dirty="0">
+                <a:solidFill>
+                  <a:srgbClr val="FF0000"/>
+                </a:solidFill>
+              </a:rPr>
+              <a:t>万</a:t>
+            </a:r>
+            <a:r>
+              <a:rPr lang="en-US" altLang="zh-CN" sz="2000" dirty="0">
+                <a:solidFill>
+                  <a:srgbClr val="FF0000"/>
+                </a:solidFill>
+              </a:rPr>
+              <a:t>,</a:t>
+            </a:r>
+            <a:r>
+              <a:rPr lang="zh-CN" altLang="en-US" sz="2000" dirty="0">
+                <a:solidFill>
+                  <a:srgbClr val="FF0000"/>
+                </a:solidFill>
+              </a:rPr>
+              <a:t>每日完成总任务的</a:t>
+            </a:r>
+            <a:r>
+              <a:rPr lang="en-US" altLang="zh-CN" sz="2000" dirty="0">
+                <a:solidFill>
+                  <a:srgbClr val="FF0000"/>
+                </a:solidFill>
+              </a:rPr>
+              <a:t>10%</a:t>
+            </a:r>
+            <a:r>
+              <a:rPr lang="en-US" altLang="zh-CN" sz="2000" dirty="0"/>
+              <a:t>)</a:t>
+            </a:r>
+            <a:r>
+              <a:rPr lang="zh-CN" altLang="en-US" sz="2000" dirty="0"/>
+              <a:t>，在第</a:t>
+            </a:r>
+            <a:r>
+              <a:rPr lang="en-US" altLang="zh-CN" sz="2000" dirty="0"/>
+              <a:t>3</a:t>
+            </a:r>
+            <a:r>
+              <a:rPr lang="zh-CN" altLang="en-US" sz="2000" dirty="0"/>
+              <a:t>天的时候，成本支出为</a:t>
+            </a:r>
+            <a:r>
+              <a:rPr lang="en-US" altLang="zh-CN" sz="2000" dirty="0"/>
+              <a:t>2</a:t>
+            </a:r>
+            <a:r>
+              <a:rPr lang="zh-CN" altLang="en-US" sz="2000" dirty="0"/>
+              <a:t>万，但任务只完成了</a:t>
+            </a:r>
+            <a:r>
+              <a:rPr lang="en-US" altLang="zh-CN" sz="2000" dirty="0"/>
+              <a:t>10%</a:t>
+            </a:r>
+            <a:r>
+              <a:rPr lang="zh-CN" altLang="en-US" sz="2000" dirty="0"/>
+              <a:t>。这种情况下，成本是节约了还是超支了？</a:t>
+            </a:r>
+            <a:endParaRPr lang="en-US" altLang="zh-CN" sz="2000" dirty="0"/>
+          </a:p>
+          <a:p>
+            <a:pPr lvl="2"/>
+            <a:r>
+              <a:rPr lang="zh-CN" altLang="en-US" sz="2000" dirty="0"/>
+              <a:t>例</a:t>
+            </a:r>
+            <a:r>
+              <a:rPr lang="en-US" altLang="zh-CN" sz="2000" dirty="0"/>
+              <a:t>2</a:t>
+            </a:r>
+            <a:r>
+              <a:rPr lang="zh-CN" altLang="en-US" sz="2000" dirty="0"/>
+              <a:t>：如果第</a:t>
+            </a:r>
+            <a:r>
+              <a:rPr lang="en-US" altLang="zh-CN" sz="2000" dirty="0"/>
+              <a:t>3</a:t>
+            </a:r>
+            <a:r>
+              <a:rPr lang="zh-CN" altLang="en-US" sz="2000" dirty="0"/>
+              <a:t>天时，任务完成了</a:t>
+            </a:r>
+            <a:r>
+              <a:rPr lang="en-US" altLang="zh-CN" sz="2000" dirty="0"/>
+              <a:t>40%</a:t>
+            </a:r>
+            <a:r>
+              <a:rPr lang="zh-CN" altLang="en-US" sz="2000" dirty="0"/>
+              <a:t>，成本支出</a:t>
+            </a:r>
+            <a:r>
+              <a:rPr lang="en-US" altLang="zh-CN" sz="2000" dirty="0"/>
+              <a:t>5</a:t>
+            </a:r>
+            <a:r>
+              <a:rPr lang="zh-CN" altLang="en-US" sz="2000" dirty="0"/>
+              <a:t>万。这种情况下，进度是快了还是慢了？</a:t>
+            </a:r>
+            <a:endParaRPr lang="zh-CN" altLang="en-US" sz="2000" dirty="0"/>
+          </a:p>
+        </p:txBody>
+      </p:sp>
+      <p:graphicFrame>
+        <p:nvGraphicFramePr>
+          <p:cNvPr id="4" name="表格 3"/>
+          <p:cNvGraphicFramePr>
+            <a:graphicFrameLocks noGrp="1"/>
+          </p:cNvGraphicFramePr>
+          <p:nvPr/>
+        </p:nvGraphicFramePr>
+        <p:xfrm>
+          <a:off x="1787525" y="4196080"/>
+          <a:ext cx="8157210" cy="1518285"/>
+        </p:xfrm>
+        <a:graphic>
+          <a:graphicData uri="http://schemas.openxmlformats.org/drawingml/2006/table">
+            <a:tbl>
+              <a:tblPr firstRow="1" bandRow="1">
+                <a:tableStyleId>{5940675A-B579-460E-94D1-54222C63F5DA}</a:tableStyleId>
+              </a:tblPr>
+              <a:tblGrid>
+                <a:gridCol w="1614170"/>
+                <a:gridCol w="1915795"/>
+                <a:gridCol w="1847215"/>
+                <a:gridCol w="2780030"/>
+              </a:tblGrid>
+              <a:tr h="640080">
+                <a:tc>
+                  <a:txBody>
+                    <a:bodyPr/>
+                    <a:lstStyle/>
+                    <a:p>
+                      <a:endParaRPr lang="zh-CN" altLang="en-US" dirty="0">
+                        <a:latin typeface="黑体" panose="02010609060101010101" pitchFamily="49" charset="-122"/>
+                        <a:ea typeface="黑体" panose="02010609060101010101" pitchFamily="49" charset="-122"/>
+                      </a:endParaRPr>
+                    </a:p>
+                  </a:txBody>
+                  <a:tcPr/>
+                </a:tc>
+                <a:tc>
+                  <a:txBody>
+                    <a:bodyPr/>
+                    <a:lstStyle/>
+                    <a:p>
+                      <a:r>
+                        <a:rPr lang="zh-CN" altLang="en-US" dirty="0">
+                          <a:latin typeface="黑体" panose="02010609060101010101" pitchFamily="49" charset="-122"/>
+                          <a:ea typeface="黑体" panose="02010609060101010101" pitchFamily="49" charset="-122"/>
+                        </a:rPr>
+                        <a:t>第</a:t>
+                      </a:r>
+                      <a:r>
+                        <a:rPr lang="en-US" altLang="zh-CN" dirty="0">
+                          <a:latin typeface="黑体" panose="02010609060101010101" pitchFamily="49" charset="-122"/>
+                          <a:ea typeface="黑体" panose="02010609060101010101" pitchFamily="49" charset="-122"/>
+                        </a:rPr>
+                        <a:t>3</a:t>
+                      </a:r>
+                      <a:r>
+                        <a:rPr lang="en-US" altLang="zh-CN" baseline="0" dirty="0">
+                          <a:latin typeface="黑体" panose="02010609060101010101" pitchFamily="49" charset="-122"/>
+                          <a:ea typeface="黑体" panose="02010609060101010101" pitchFamily="49" charset="-122"/>
+                        </a:rPr>
+                        <a:t> </a:t>
+                      </a:r>
+                      <a:r>
+                        <a:rPr lang="zh-CN" altLang="en-US" baseline="0" dirty="0">
+                          <a:latin typeface="黑体" panose="02010609060101010101" pitchFamily="49" charset="-122"/>
+                          <a:ea typeface="黑体" panose="02010609060101010101" pitchFamily="49" charset="-122"/>
+                        </a:rPr>
+                        <a:t>天计划支出</a:t>
+                      </a:r>
+                      <a:endParaRPr lang="zh-CN" altLang="en-US" dirty="0">
+                        <a:latin typeface="黑体" panose="02010609060101010101" pitchFamily="49" charset="-122"/>
+                        <a:ea typeface="黑体" panose="02010609060101010101" pitchFamily="49" charset="-122"/>
+                      </a:endParaRPr>
+                    </a:p>
+                  </a:txBody>
+                  <a:tcPr/>
+                </a:tc>
+                <a:tc>
+                  <a:txBody>
+                    <a:bodyPr/>
+                    <a:lstStyle/>
+                    <a:p>
+                      <a:r>
+                        <a:rPr lang="zh-CN" altLang="en-US" dirty="0">
+                          <a:latin typeface="黑体" panose="02010609060101010101" pitchFamily="49" charset="-122"/>
+                          <a:ea typeface="黑体" panose="02010609060101010101" pitchFamily="49" charset="-122"/>
+                        </a:rPr>
+                        <a:t>第</a:t>
+                      </a:r>
+                      <a:r>
+                        <a:rPr lang="en-US" altLang="zh-CN" dirty="0">
+                          <a:latin typeface="黑体" panose="02010609060101010101" pitchFamily="49" charset="-122"/>
+                          <a:ea typeface="黑体" panose="02010609060101010101" pitchFamily="49" charset="-122"/>
+                        </a:rPr>
+                        <a:t>3</a:t>
+                      </a:r>
+                      <a:r>
+                        <a:rPr lang="zh-CN" altLang="en-US" dirty="0">
+                          <a:latin typeface="黑体" panose="02010609060101010101" pitchFamily="49" charset="-122"/>
+                          <a:ea typeface="黑体" panose="02010609060101010101" pitchFamily="49" charset="-122"/>
+                        </a:rPr>
+                        <a:t>天实际支出</a:t>
+                      </a:r>
+                      <a:endParaRPr lang="zh-CN" altLang="en-US" dirty="0">
+                        <a:latin typeface="黑体" panose="02010609060101010101" pitchFamily="49" charset="-122"/>
+                        <a:ea typeface="黑体" panose="02010609060101010101" pitchFamily="49" charset="-122"/>
+                      </a:endParaRPr>
+                    </a:p>
+                  </a:txBody>
+                  <a:tcPr/>
+                </a:tc>
+                <a:tc>
+                  <a:txBody>
+                    <a:bodyPr/>
+                    <a:lstStyle/>
+                    <a:p>
+                      <a:r>
+                        <a:rPr lang="zh-CN" altLang="en-US" dirty="0">
+                          <a:latin typeface="黑体" panose="02010609060101010101" pitchFamily="49" charset="-122"/>
+                          <a:ea typeface="黑体" panose="02010609060101010101" pitchFamily="49" charset="-122"/>
+                        </a:rPr>
+                        <a:t>第</a:t>
+                      </a:r>
+                      <a:r>
+                        <a:rPr lang="en-US" altLang="zh-CN" dirty="0">
+                          <a:latin typeface="黑体" panose="02010609060101010101" pitchFamily="49" charset="-122"/>
+                          <a:ea typeface="黑体" panose="02010609060101010101" pitchFamily="49" charset="-122"/>
+                        </a:rPr>
+                        <a:t>3 </a:t>
+                      </a:r>
+                      <a:r>
+                        <a:rPr lang="zh-CN" altLang="en-US" dirty="0">
+                          <a:latin typeface="黑体" panose="02010609060101010101" pitchFamily="49" charset="-122"/>
+                          <a:ea typeface="黑体" panose="02010609060101010101" pitchFamily="49" charset="-122"/>
+                        </a:rPr>
+                        <a:t>天实际完成任务</a:t>
+                      </a:r>
+                      <a:endParaRPr lang="en-US" altLang="zh-CN" dirty="0">
+                        <a:latin typeface="黑体" panose="02010609060101010101" pitchFamily="49" charset="-122"/>
+                        <a:ea typeface="黑体" panose="02010609060101010101" pitchFamily="49" charset="-122"/>
+                      </a:endParaRPr>
+                    </a:p>
+                    <a:p>
+                      <a:r>
+                        <a:rPr lang="zh-CN" altLang="en-US" dirty="0">
+                          <a:latin typeface="黑体" panose="02010609060101010101" pitchFamily="49" charset="-122"/>
+                          <a:ea typeface="黑体" panose="02010609060101010101" pitchFamily="49" charset="-122"/>
+                        </a:rPr>
+                        <a:t>计划支出</a:t>
+                      </a:r>
+                      <a:endParaRPr lang="zh-CN" altLang="en-US" dirty="0">
+                        <a:latin typeface="黑体" panose="02010609060101010101" pitchFamily="49" charset="-122"/>
+                        <a:ea typeface="黑体" panose="02010609060101010101" pitchFamily="49" charset="-122"/>
+                      </a:endParaRPr>
+                    </a:p>
+                  </a:txBody>
+                  <a:tcPr/>
+                </a:tc>
+              </a:tr>
+              <a:tr h="439420">
+                <a:tc>
+                  <a:txBody>
+                    <a:bodyPr/>
+                    <a:lstStyle/>
+                    <a:p>
+                      <a:r>
+                        <a:rPr lang="zh-CN" altLang="en-US" dirty="0">
+                          <a:latin typeface="黑体" panose="02010609060101010101" pitchFamily="49" charset="-122"/>
+                          <a:ea typeface="黑体" panose="02010609060101010101" pitchFamily="49" charset="-122"/>
+                        </a:rPr>
+                        <a:t>例</a:t>
+                      </a:r>
+                      <a:r>
+                        <a:rPr lang="en-US" altLang="zh-CN" dirty="0">
+                          <a:latin typeface="黑体" panose="02010609060101010101" pitchFamily="49" charset="-122"/>
+                          <a:ea typeface="黑体" panose="02010609060101010101" pitchFamily="49" charset="-122"/>
+                        </a:rPr>
+                        <a:t>1</a:t>
+                      </a:r>
+                      <a:endParaRPr lang="zh-CN" altLang="en-US" dirty="0">
+                        <a:latin typeface="黑体" panose="02010609060101010101" pitchFamily="49" charset="-122"/>
+                        <a:ea typeface="黑体" panose="02010609060101010101" pitchFamily="49" charset="-122"/>
+                      </a:endParaRPr>
+                    </a:p>
+                  </a:txBody>
+                  <a:tcPr/>
+                </a:tc>
+                <a:tc>
+                  <a:txBody>
+                    <a:bodyPr/>
+                    <a:lstStyle/>
+                    <a:p>
+                      <a:r>
+                        <a:rPr lang="en-US" altLang="zh-CN" dirty="0">
+                          <a:latin typeface="黑体" panose="02010609060101010101" pitchFamily="49" charset="-122"/>
+                          <a:ea typeface="黑体" panose="02010609060101010101" pitchFamily="49" charset="-122"/>
+                        </a:rPr>
+                        <a:t>3</a:t>
+                      </a:r>
+                      <a:endParaRPr lang="zh-CN" altLang="en-US" dirty="0">
+                        <a:latin typeface="黑体" panose="02010609060101010101" pitchFamily="49" charset="-122"/>
+                        <a:ea typeface="黑体" panose="02010609060101010101" pitchFamily="49" charset="-122"/>
+                      </a:endParaRPr>
+                    </a:p>
+                  </a:txBody>
+                  <a:tcPr/>
+                </a:tc>
+                <a:tc>
+                  <a:txBody>
+                    <a:bodyPr/>
+                    <a:lstStyle/>
+                    <a:p>
+                      <a:r>
+                        <a:rPr lang="en-US" altLang="zh-CN" dirty="0">
+                          <a:latin typeface="黑体" panose="02010609060101010101" pitchFamily="49" charset="-122"/>
+                          <a:ea typeface="黑体" panose="02010609060101010101" pitchFamily="49" charset="-122"/>
+                        </a:rPr>
+                        <a:t>2</a:t>
+                      </a:r>
+                      <a:endParaRPr lang="zh-CN" altLang="en-US" dirty="0">
+                        <a:latin typeface="黑体" panose="02010609060101010101" pitchFamily="49" charset="-122"/>
+                        <a:ea typeface="黑体" panose="02010609060101010101" pitchFamily="49" charset="-122"/>
+                      </a:endParaRPr>
+                    </a:p>
+                  </a:txBody>
+                  <a:tcPr/>
+                </a:tc>
+                <a:tc>
+                  <a:txBody>
+                    <a:bodyPr/>
+                    <a:lstStyle/>
+                    <a:p>
+                      <a:r>
+                        <a:rPr lang="en-US" altLang="zh-CN" dirty="0">
+                          <a:latin typeface="黑体" panose="02010609060101010101" pitchFamily="49" charset="-122"/>
+                          <a:ea typeface="黑体" panose="02010609060101010101" pitchFamily="49" charset="-122"/>
+                        </a:rPr>
+                        <a:t>1</a:t>
+                      </a:r>
+                      <a:endParaRPr lang="zh-CN" altLang="en-US" dirty="0">
+                        <a:latin typeface="黑体" panose="02010609060101010101" pitchFamily="49" charset="-122"/>
+                        <a:ea typeface="黑体" panose="02010609060101010101" pitchFamily="49" charset="-122"/>
+                      </a:endParaRPr>
+                    </a:p>
+                  </a:txBody>
+                  <a:tcPr/>
+                </a:tc>
+              </a:tr>
+              <a:tr h="438785">
+                <a:tc>
+                  <a:txBody>
+                    <a:bodyPr/>
+                    <a:lstStyle/>
+                    <a:p>
+                      <a:r>
+                        <a:rPr lang="zh-CN" altLang="en-US" dirty="0">
+                          <a:latin typeface="黑体" panose="02010609060101010101" pitchFamily="49" charset="-122"/>
+                          <a:ea typeface="黑体" panose="02010609060101010101" pitchFamily="49" charset="-122"/>
+                        </a:rPr>
+                        <a:t>例</a:t>
+                      </a:r>
+                      <a:r>
+                        <a:rPr lang="en-US" altLang="zh-CN" dirty="0">
+                          <a:latin typeface="黑体" panose="02010609060101010101" pitchFamily="49" charset="-122"/>
+                          <a:ea typeface="黑体" panose="02010609060101010101" pitchFamily="49" charset="-122"/>
+                        </a:rPr>
+                        <a:t>2</a:t>
+                      </a:r>
+                      <a:endParaRPr lang="zh-CN" altLang="en-US" dirty="0">
+                        <a:latin typeface="黑体" panose="02010609060101010101" pitchFamily="49" charset="-122"/>
+                        <a:ea typeface="黑体" panose="02010609060101010101" pitchFamily="49" charset="-122"/>
+                      </a:endParaRPr>
+                    </a:p>
+                  </a:txBody>
+                  <a:tcPr/>
+                </a:tc>
+                <a:tc>
+                  <a:txBody>
+                    <a:bodyPr/>
+                    <a:lstStyle/>
+                    <a:p>
+                      <a:r>
+                        <a:rPr lang="en-US" altLang="zh-CN" dirty="0">
+                          <a:latin typeface="黑体" panose="02010609060101010101" pitchFamily="49" charset="-122"/>
+                          <a:ea typeface="黑体" panose="02010609060101010101" pitchFamily="49" charset="-122"/>
+                        </a:rPr>
+                        <a:t>3</a:t>
+                      </a:r>
+                      <a:endParaRPr lang="zh-CN" altLang="en-US" dirty="0">
+                        <a:latin typeface="黑体" panose="02010609060101010101" pitchFamily="49" charset="-122"/>
+                        <a:ea typeface="黑体" panose="02010609060101010101" pitchFamily="49" charset="-122"/>
+                      </a:endParaRPr>
+                    </a:p>
+                  </a:txBody>
+                  <a:tcPr/>
+                </a:tc>
+                <a:tc>
+                  <a:txBody>
+                    <a:bodyPr/>
+                    <a:lstStyle/>
+                    <a:p>
+                      <a:r>
+                        <a:rPr lang="en-US" altLang="zh-CN" dirty="0">
+                          <a:latin typeface="黑体" panose="02010609060101010101" pitchFamily="49" charset="-122"/>
+                          <a:ea typeface="黑体" panose="02010609060101010101" pitchFamily="49" charset="-122"/>
+                        </a:rPr>
+                        <a:t>5</a:t>
+                      </a:r>
+                      <a:endParaRPr lang="zh-CN" altLang="en-US" dirty="0">
+                        <a:latin typeface="黑体" panose="02010609060101010101" pitchFamily="49" charset="-122"/>
+                        <a:ea typeface="黑体" panose="02010609060101010101" pitchFamily="49" charset="-122"/>
+                      </a:endParaRPr>
+                    </a:p>
+                  </a:txBody>
+                  <a:tcPr/>
+                </a:tc>
+                <a:tc>
+                  <a:txBody>
+                    <a:bodyPr/>
+                    <a:lstStyle/>
+                    <a:p>
+                      <a:r>
+                        <a:rPr lang="en-US" altLang="zh-CN" dirty="0">
+                          <a:latin typeface="黑体" panose="02010609060101010101" pitchFamily="49" charset="-122"/>
+                          <a:ea typeface="黑体" panose="02010609060101010101" pitchFamily="49" charset="-122"/>
+                        </a:rPr>
+                        <a:t>4</a:t>
+                      </a:r>
+                      <a:endParaRPr lang="zh-CN" altLang="en-US" dirty="0">
+                        <a:latin typeface="黑体" panose="02010609060101010101" pitchFamily="49" charset="-122"/>
+                        <a:ea typeface="黑体" panose="02010609060101010101" pitchFamily="49" charset="-122"/>
+                      </a:endParaRPr>
+                    </a:p>
+                  </a:txBody>
+                  <a:tcPr/>
+                </a:tc>
+              </a:tr>
+            </a:tbl>
+          </a:graphicData>
+        </a:graphic>
+      </p:graphicFrame>
+    </p:spTree>
+  </p:cSld>
+  <p:clrMapOvr>
+    <a:masterClrMapping/>
+  </p:clrMapOvr>
+  <p:timing>
+    <p:tnLst>
+      <p:par>
+        <p:cTn id="1" dur="indefinite" restart="never" nodeType="tmRoot">
+          <p:childTnLst>
+            <p:seq concurrent="1" nextAc="seek">
+              <p:cTn id="2" dur="indefinite" nodeType="mainSeq">
+                <p:childTnLst>
+                  <p:par>
+                    <p:cTn id="3" fill="hold">
+                      <p:stCondLst>
+                        <p:cond delay="indefinite"/>
+                      </p:stCondLst>
+                      <p:childTnLst>
+                        <p:par>
+                          <p:cTn id="4" fill="hold">
+                            <p:stCondLst>
+                              <p:cond delay="0"/>
+                            </p:stCondLst>
+                            <p:childTnLst>
+                              <p:par>
+                                <p:cTn id="5" presetID="2" presetClass="entr" presetSubtype="4" fill="hold" nodeType="clickEffect">
+                                  <p:stCondLst>
+                                    <p:cond delay="0"/>
+                                  </p:stCondLst>
+                                  <p:childTnLst>
+                                    <p:set>
+                                      <p:cBhvr>
+                                        <p:cTn id="6" dur="1" fill="hold">
+                                          <p:stCondLst>
+                                            <p:cond delay="0"/>
+                                          </p:stCondLst>
+                                        </p:cTn>
+                                        <p:tgtEl>
+                                          <p:spTgt spid="4"/>
+                                        </p:tgtEl>
+                                        <p:attrNameLst>
+                                          <p:attrName>style.visibility</p:attrName>
+                                        </p:attrNameLst>
+                                      </p:cBhvr>
+                                      <p:to>
+                                        <p:strVal val="visible"/>
+                                      </p:to>
+                                    </p:set>
+                                    <p:anim calcmode="lin" valueType="num">
+                                      <p:cBhvr additive="base">
+                                        <p:cTn id="7" dur="500" fill="hold"/>
+                                        <p:tgtEl>
+                                          <p:spTgt spid="4"/>
+                                        </p:tgtEl>
+                                        <p:attrNameLst>
+                                          <p:attrName>ppt_x</p:attrName>
+                                        </p:attrNameLst>
+                                      </p:cBhvr>
+                                      <p:tavLst>
+                                        <p:tav tm="0">
+                                          <p:val>
+                                            <p:strVal val="#ppt_x"/>
+                                          </p:val>
+                                        </p:tav>
+                                        <p:tav tm="100000">
+                                          <p:val>
+                                            <p:strVal val="#ppt_x"/>
+                                          </p:val>
+                                        </p:tav>
+                                      </p:tavLst>
+                                    </p:anim>
+                                    <p:anim calcmode="lin" valueType="num">
+                                      <p:cBhvr additive="base">
+                                        <p:cTn id="8" dur="500" fill="hold"/>
+                                        <p:tgtEl>
+                                          <p:spTgt spid="4"/>
+                                        </p:tgtEl>
+                                        <p:attrNameLst>
+                                          <p:attrName>ppt_y</p:attrName>
+                                        </p:attrNameLst>
+                                      </p:cBhvr>
+                                      <p:tavLst>
+                                        <p:tav tm="0">
+                                          <p:val>
+                                            <p:strVal val="1+#ppt_h/2"/>
+                                          </p:val>
+                                        </p:tav>
+                                        <p:tav tm="100000">
+                                          <p:val>
+                                            <p:strVal val="#ppt_y"/>
+                                          </p:val>
+                                        </p:tav>
+                                      </p:tavLst>
+                                    </p:anim>
+                                  </p:childTnLst>
+                                </p:cTn>
+                              </p:par>
+                            </p:childTnLst>
+                          </p:cTn>
+                        </p:par>
+                      </p:childTnLst>
+                    </p:cTn>
+                  </p:par>
+                </p:childTnLst>
+              </p:cTn>
+              <p:prevCondLst>
+                <p:cond evt="onPrev" delay="0">
+                  <p:tgtEl>
+                    <p:sldTgt/>
+                  </p:tgtEl>
+                </p:cond>
+              </p:prevCondLst>
+              <p:nextCondLst>
+                <p:cond evt="onNext" delay="0">
+                  <p:tgtEl>
+                    <p:sldTgt/>
+                  </p:tgtEl>
+                </p:cond>
+              </p:nextCondLst>
+            </p:seq>
+          </p:childTnLst>
+        </p:cTn>
+      </p:par>
+    </p:tnLst>
+  </p:timing>
+</p:sld>
+</file>
+
+<file path=ppt/slides/slide21.xml><?xml version="1.0" encoding="utf-8"?>
+<p:sld xmlns:a="http://schemas.openxmlformats.org/drawingml/2006/main" xmlns:r="http://schemas.openxmlformats.org/officeDocument/2006/relationships" xmlns:p="http://schemas.openxmlformats.org/presentationml/2006/main">
+  <p:cSld>
+    <p:spTree>
+      <p:nvGrpSpPr>
+        <p:cNvPr id="1" name=""/>
+        <p:cNvGrpSpPr/>
+        <p:nvPr/>
+      </p:nvGrpSpPr>
+      <p:grpSpPr>
+        <a:xfrm>
+          <a:off x="0" y="0"/>
+          <a:ext cx="0" cy="0"/>
+          <a:chOff x="0" y="0"/>
+          <a:chExt cx="0" cy="0"/>
+        </a:xfrm>
+      </p:grpSpPr>
+      <p:sp>
+        <p:nvSpPr>
+          <p:cNvPr id="2" name="标题 1"/>
+          <p:cNvSpPr>
+            <a:spLocks noGrp="1"/>
+          </p:cNvSpPr>
+          <p:nvPr>
+            <p:ph type="title"/>
+          </p:nvPr>
+        </p:nvSpPr>
+        <p:spPr/>
+        <p:txBody>
+          <a:bodyPr/>
+          <a:lstStyle/>
+          <a:p>
+            <a:r>
               <a:rPr lang="en-US" altLang="zh-CN" dirty="0"/>
               <a:t>EVM</a:t>
             </a:r>
@@ -9261,7 +9522,7 @@
 </p:sld>
 </file>
 
-<file path=ppt/slides/slide21.xml><?xml version="1.0" encoding="utf-8"?>
+<file path=ppt/slides/slide22.xml><?xml version="1.0" encoding="utf-8"?>
 <p:sld xmlns:a="http://schemas.openxmlformats.org/drawingml/2006/main" xmlns:r="http://schemas.openxmlformats.org/officeDocument/2006/relationships" xmlns:p="http://schemas.openxmlformats.org/presentationml/2006/main">
   <p:cSld>
     <p:spTree>
@@ -9959,7 +10220,7 @@
 </p:sld>
 </file>
 
-<file path=ppt/slides/slide22.xml><?xml version="1.0" encoding="utf-8"?>
+<file path=ppt/slides/slide23.xml><?xml version="1.0" encoding="utf-8"?>
 <p:sld xmlns:a="http://schemas.openxmlformats.org/drawingml/2006/main" xmlns:r="http://schemas.openxmlformats.org/officeDocument/2006/relationships" xmlns:p="http://schemas.openxmlformats.org/presentationml/2006/main">
   <p:cSld>
     <p:spTree>
@@ -10404,7 +10665,7 @@
 </p:sld>
 </file>
 
-<file path=ppt/slides/slide23.xml><?xml version="1.0" encoding="utf-8"?>
+<file path=ppt/slides/slide24.xml><?xml version="1.0" encoding="utf-8"?>
 <p:sld xmlns:a="http://schemas.openxmlformats.org/drawingml/2006/main" xmlns:r="http://schemas.openxmlformats.org/officeDocument/2006/relationships" xmlns:p="http://schemas.openxmlformats.org/presentationml/2006/main">
   <p:cSld>
     <p:spTree>
@@ -11334,7 +11595,7 @@
 </p:sld>
 </file>
 
-<file path=ppt/slides/slide24.xml><?xml version="1.0" encoding="utf-8"?>
+<file path=ppt/slides/slide25.xml><?xml version="1.0" encoding="utf-8"?>
 <p:sld xmlns:a="http://schemas.openxmlformats.org/drawingml/2006/main" xmlns:r="http://schemas.openxmlformats.org/officeDocument/2006/relationships" xmlns:p="http://schemas.openxmlformats.org/presentationml/2006/main">
   <p:cSld>
     <p:spTree>
@@ -11789,7 +12050,7 @@
 </p:sld>
 </file>
 
-<file path=ppt/slides/slide25.xml><?xml version="1.0" encoding="utf-8"?>
+<file path=ppt/slides/slide26.xml><?xml version="1.0" encoding="utf-8"?>
 <p:sld xmlns:a="http://schemas.openxmlformats.org/drawingml/2006/main" xmlns:r="http://schemas.openxmlformats.org/officeDocument/2006/relationships" xmlns:p="http://schemas.openxmlformats.org/presentationml/2006/main">
   <p:cSld>
     <p:spTree>
@@ -11971,211 +12232,6 @@
               <a:t>Information Technology Project Management, Fifth Edition, Copyright 2007</a:t>
             </a:r>
             <a:endParaRPr lang="en-US" dirty="0"/>
-          </a:p>
-        </p:txBody>
-      </p:sp>
-    </p:spTree>
-  </p:cSld>
-  <p:clrMapOvr>
-    <a:masterClrMapping/>
-  </p:clrMapOvr>
-</p:sld>
-</file>
-
-<file path=ppt/slides/slide26.xml><?xml version="1.0" encoding="utf-8"?>
-<p:sld xmlns:a="http://schemas.openxmlformats.org/drawingml/2006/main" xmlns:r="http://schemas.openxmlformats.org/officeDocument/2006/relationships" xmlns:p="http://schemas.openxmlformats.org/presentationml/2006/main">
-  <p:cSld>
-    <p:spTree>
-      <p:nvGrpSpPr>
-        <p:cNvPr id="1" name=""/>
-        <p:cNvGrpSpPr/>
-        <p:nvPr/>
-      </p:nvGrpSpPr>
-      <p:grpSpPr>
-        <a:xfrm>
-          <a:off x="0" y="0"/>
-          <a:ext cx="0" cy="0"/>
-          <a:chOff x="0" y="0"/>
-          <a:chExt cx="0" cy="0"/>
-        </a:xfrm>
-      </p:grpSpPr>
-      <p:pic>
-        <p:nvPicPr>
-          <p:cNvPr id="6" name="Picture 2" descr="http://img.mazystar.cn/pic/20094719502452277801.jpg"/>
-          <p:cNvPicPr>
-            <a:picLocks noChangeAspect="1" noChangeArrowheads="1"/>
-          </p:cNvPicPr>
-          <p:nvPr/>
-        </p:nvPicPr>
-        <p:blipFill>
-          <a:blip r:embed="rId1"/>
-          <a:srcRect/>
-          <a:stretch>
-            <a:fillRect/>
-          </a:stretch>
-        </p:blipFill>
-        <p:spPr bwMode="auto">
-          <a:xfrm>
-            <a:off x="6400800" y="1447800"/>
-            <a:ext cx="3810000" cy="3810000"/>
-          </a:xfrm>
-          <a:prstGeom prst="rect">
-            <a:avLst/>
-          </a:prstGeom>
-          <a:noFill/>
-        </p:spPr>
-      </p:pic>
-      <p:sp>
-        <p:nvSpPr>
-          <p:cNvPr id="3" name="内容占位符 2"/>
-          <p:cNvSpPr>
-            <a:spLocks noGrp="1"/>
-          </p:cNvSpPr>
-          <p:nvPr>
-            <p:ph sz="quarter" idx="1"/>
-          </p:nvPr>
-        </p:nvSpPr>
-        <p:spPr>
-          <a:xfrm>
-            <a:off x="1905000" y="1371600"/>
-            <a:ext cx="4419600" cy="4572000"/>
-          </a:xfrm>
-        </p:spPr>
-        <p:txBody>
-          <a:bodyPr/>
-          <a:lstStyle/>
-          <a:p>
-            <a:r>
-              <a:rPr lang="zh-CN" altLang="en-US" sz="2400" dirty="0">
-                <a:latin typeface="Arial" panose="020B0604020202020204" pitchFamily="34" charset="0"/>
-              </a:rPr>
-              <a:t>在项目进行的第四个月，计划的总费用 是</a:t>
-            </a:r>
-            <a:r>
-              <a:rPr lang="en-US" altLang="zh-CN" sz="2400" dirty="0">
-                <a:latin typeface="Arial" panose="020B0604020202020204" pitchFamily="34" charset="0"/>
-              </a:rPr>
-              <a:t>10</a:t>
-            </a:r>
-            <a:r>
-              <a:rPr lang="zh-CN" altLang="en-US" sz="2400" dirty="0">
-                <a:latin typeface="Arial" panose="020B0604020202020204" pitchFamily="34" charset="0"/>
-              </a:rPr>
-              <a:t>万元，而实际支付是</a:t>
-            </a:r>
-            <a:r>
-              <a:rPr lang="en-US" altLang="zh-CN" sz="2400" dirty="0">
-                <a:latin typeface="Arial" panose="020B0604020202020204" pitchFamily="34" charset="0"/>
-              </a:rPr>
-              <a:t>12</a:t>
-            </a:r>
-            <a:r>
-              <a:rPr lang="zh-CN" altLang="en-US" sz="2400" dirty="0">
-                <a:latin typeface="Arial" panose="020B0604020202020204" pitchFamily="34" charset="0"/>
-              </a:rPr>
-              <a:t>万元，这个项目的进度如何？</a:t>
-            </a:r>
-            <a:endParaRPr lang="en-US" altLang="zh-CN" sz="2400" dirty="0">
-              <a:latin typeface="Arial" panose="020B0604020202020204" pitchFamily="34" charset="0"/>
-            </a:endParaRPr>
-          </a:p>
-          <a:p>
-            <a:pPr marL="776605" lvl="1" indent="-457200">
-              <a:buFont typeface="+mj-lt"/>
-              <a:buAutoNum type="alphaUcPeriod"/>
-            </a:pPr>
-            <a:r>
-              <a:rPr lang="zh-CN" altLang="en-US" sz="2000" dirty="0"/>
-              <a:t>比时间表提前</a:t>
-            </a:r>
-            <a:endParaRPr lang="en-US" altLang="zh-CN" sz="2000" dirty="0"/>
-          </a:p>
-          <a:p>
-            <a:pPr marL="776605" lvl="1" indent="-457200">
-              <a:buFont typeface="+mj-lt"/>
-              <a:buAutoNum type="alphaUcPeriod"/>
-            </a:pPr>
-            <a:r>
-              <a:rPr lang="zh-CN" altLang="en-US" sz="2000" dirty="0"/>
-              <a:t>由于成本超支，项目面临困难</a:t>
-            </a:r>
-            <a:endParaRPr lang="en-US" altLang="zh-CN" sz="2000" dirty="0"/>
-          </a:p>
-          <a:p>
-            <a:pPr marL="776605" lvl="1" indent="-457200">
-              <a:buFont typeface="+mj-lt"/>
-              <a:buAutoNum type="alphaUcPeriod"/>
-            </a:pPr>
-            <a:r>
-              <a:rPr lang="zh-CN" altLang="en-US" sz="2000" dirty="0"/>
-              <a:t>项目将在原来的预算内完成</a:t>
-            </a:r>
-            <a:endParaRPr lang="en-US" altLang="zh-CN" sz="2000" dirty="0"/>
-          </a:p>
-          <a:p>
-            <a:pPr marL="776605" lvl="1" indent="-457200">
-              <a:buFont typeface="+mj-lt"/>
-              <a:buAutoNum type="alphaUcPeriod"/>
-            </a:pPr>
-            <a:r>
-              <a:rPr lang="zh-CN" altLang="en-US" sz="2000" dirty="0"/>
-              <a:t>提供的信息不足以对这一问题做出判断</a:t>
-            </a:r>
-            <a:endParaRPr lang="zh-CN" altLang="en-US" sz="2000" dirty="0"/>
-          </a:p>
-        </p:txBody>
-      </p:sp>
-      <p:sp>
-        <p:nvSpPr>
-          <p:cNvPr id="4" name="页脚占位符 3"/>
-          <p:cNvSpPr>
-            <a:spLocks noGrp="1"/>
-          </p:cNvSpPr>
-          <p:nvPr>
-            <p:ph type="ftr" sz="quarter" idx="10"/>
-          </p:nvPr>
-        </p:nvSpPr>
-        <p:spPr/>
-        <p:txBody>
-          <a:bodyPr/>
-          <a:lstStyle/>
-          <a:p>
-            <a:pPr>
-              <a:defRPr/>
-            </a:pPr>
-            <a:r>
-              <a:rPr lang="en-US"/>
-              <a:t>Information Technology Project Management, Fifth Edition, Copyright 2007                  </a:t>
-            </a:r>
-            <a:endParaRPr lang="en-US"/>
-          </a:p>
-        </p:txBody>
-      </p:sp>
-      <p:sp>
-        <p:nvSpPr>
-          <p:cNvPr id="2" name="标题 1"/>
-          <p:cNvSpPr/>
-          <p:nvPr>
-            <p:ph type="title"/>
-          </p:nvPr>
-        </p:nvSpPr>
-        <p:spPr/>
-        <p:txBody>
-          <a:bodyPr/>
-          <a:p>
-            <a:r>
-              <a:rPr lang="en-US" altLang="zh-CN" dirty="0">
-                <a:sym typeface="+mn-ea"/>
-              </a:rPr>
-              <a:t>EVM</a:t>
-            </a:r>
-            <a:r>
-              <a:rPr lang="zh-CN" altLang="en-US" dirty="0">
-                <a:sym typeface="+mn-ea"/>
-              </a:rPr>
-              <a:t>练习</a:t>
-            </a:r>
-            <a:endParaRPr lang="zh-CN" altLang="en-US"/>
           </a:p>
         </p:txBody>
       </p:sp>
@@ -12242,7 +12298,7 @@
         </p:nvSpPr>
         <p:spPr>
           <a:xfrm>
-            <a:off x="1905000" y="1556682"/>
+            <a:off x="1905000" y="1371600"/>
             <a:ext cx="4419600" cy="4572000"/>
           </a:xfrm>
         </p:spPr>
@@ -12254,31 +12310,31 @@
               <a:rPr lang="zh-CN" altLang="en-US" sz="2400" dirty="0">
                 <a:latin typeface="Arial" panose="020B0604020202020204" pitchFamily="34" charset="0"/>
               </a:rPr>
-              <a:t>在项目绩效审核会上，项目经理告诉团队实际成本低于初始估算，进度执行良好，比计划的基准还稍好一些。在这种情况下使用挣值管理，</a:t>
+              <a:t>在项目进行的第四个月，计划的总费用 是</a:t>
             </a:r>
             <a:r>
               <a:rPr lang="en-US" altLang="zh-CN" sz="2400" dirty="0">
                 <a:latin typeface="Arial" panose="020B0604020202020204" pitchFamily="34" charset="0"/>
               </a:rPr>
-              <a:t>CPI</a:t>
+              <a:t>10</a:t>
             </a:r>
             <a:r>
               <a:rPr lang="zh-CN" altLang="en-US" sz="2400" dirty="0">
                 <a:latin typeface="Arial" panose="020B0604020202020204" pitchFamily="34" charset="0"/>
               </a:rPr>
-              <a:t>和</a:t>
+              <a:t>万元，而实际支付是</a:t>
             </a:r>
             <a:r>
               <a:rPr lang="en-US" altLang="zh-CN" sz="2400" dirty="0">
                 <a:latin typeface="Arial" panose="020B0604020202020204" pitchFamily="34" charset="0"/>
               </a:rPr>
-              <a:t>SPI</a:t>
+              <a:t>12</a:t>
             </a:r>
             <a:r>
               <a:rPr lang="zh-CN" altLang="en-US" sz="2400" dirty="0">
                 <a:latin typeface="Arial" panose="020B0604020202020204" pitchFamily="34" charset="0"/>
               </a:rPr>
-              <a:t>的指数表现如何？</a:t>
+              <a:t>万元，这个项目的进度如何？</a:t>
             </a:r>
             <a:endParaRPr lang="en-US" altLang="zh-CN" sz="2400" dirty="0">
               <a:latin typeface="Arial" panose="020B0604020202020204" pitchFamily="34" charset="0"/>
@@ -12290,8 +12346,8 @@
               <a:buAutoNum type="alphaUcPeriod"/>
             </a:pPr>
             <a:r>
-              <a:rPr lang="en-US" altLang="zh-CN" sz="2000" dirty="0"/>
-              <a:t>CPI&gt;1.0;SPI&lt;1.0</a:t>
+              <a:rPr lang="zh-CN" altLang="en-US" sz="2000" dirty="0"/>
+              <a:t>比时间表提前</a:t>
             </a:r>
             <a:endParaRPr lang="en-US" altLang="zh-CN" sz="2000" dirty="0"/>
           </a:p>
@@ -12301,8 +12357,8 @@
               <a:buAutoNum type="alphaUcPeriod"/>
             </a:pPr>
             <a:r>
-              <a:rPr lang="en-US" altLang="zh-CN" sz="2000" dirty="0"/>
-              <a:t>CPI&gt;1.0;SPI&gt;1.0</a:t>
+              <a:rPr lang="zh-CN" altLang="en-US" sz="2000" dirty="0"/>
+              <a:t>由于成本超支，项目面临困难</a:t>
             </a:r>
             <a:endParaRPr lang="en-US" altLang="zh-CN" sz="2000" dirty="0"/>
           </a:p>
@@ -12312,8 +12368,8 @@
               <a:buAutoNum type="alphaUcPeriod"/>
             </a:pPr>
             <a:r>
-              <a:rPr lang="en-US" altLang="zh-CN" sz="2000" dirty="0"/>
-              <a:t>CPI&lt;1.0;SPI&gt;1.0</a:t>
+              <a:rPr lang="zh-CN" altLang="en-US" sz="2000" dirty="0"/>
+              <a:t>项目将在原来的预算内完成</a:t>
             </a:r>
             <a:endParaRPr lang="en-US" altLang="zh-CN" sz="2000" dirty="0"/>
           </a:p>
@@ -12323,8 +12379,8 @@
               <a:buAutoNum type="alphaUcPeriod"/>
             </a:pPr>
             <a:r>
-              <a:rPr lang="en-US" altLang="zh-CN" sz="2000" dirty="0"/>
-              <a:t>CPI&lt;1.0;SPI&lt;1.0</a:t>
+              <a:rPr lang="zh-CN" altLang="en-US" sz="2000" dirty="0"/>
+              <a:t>提供的信息不足以对这一问题做出判断</a:t>
             </a:r>
             <a:endParaRPr lang="zh-CN" altLang="en-US" sz="2000" dirty="0"/>
           </a:p>
@@ -12447,7 +12503,7 @@
         </p:nvSpPr>
         <p:spPr>
           <a:xfrm>
-            <a:off x="1905000" y="1485903"/>
+            <a:off x="1905000" y="1556682"/>
             <a:ext cx="4419600" cy="4572000"/>
           </a:xfrm>
         </p:spPr>
@@ -12459,19 +12515,31 @@
               <a:rPr lang="zh-CN" altLang="en-US" sz="2400" dirty="0">
                 <a:latin typeface="Arial" panose="020B0604020202020204" pitchFamily="34" charset="0"/>
               </a:rPr>
-              <a:t>一项偏差报告显示</a:t>
+              <a:t>在项目绩效审核会上，项目经理告诉团队实际成本低于初始估算，进度执行良好，比计划的基准还稍好一些。在这种情况下使用挣值管理，</a:t>
             </a:r>
             <a:r>
               <a:rPr lang="en-US" altLang="zh-CN" sz="2400" dirty="0">
                 <a:latin typeface="Arial" panose="020B0604020202020204" pitchFamily="34" charset="0"/>
               </a:rPr>
-              <a:t>PV=120,EV=100,AC=120.</a:t>
+              <a:t>CPI</a:t>
             </a:r>
             <a:r>
               <a:rPr lang="zh-CN" altLang="en-US" sz="2400" dirty="0">
                 <a:latin typeface="Arial" panose="020B0604020202020204" pitchFamily="34" charset="0"/>
               </a:rPr>
-              <a:t>基于上述数据，下列哪种说法是正确的？</a:t>
+              <a:t>和</a:t>
+            </a:r>
+            <a:r>
+              <a:rPr lang="en-US" altLang="zh-CN" sz="2400" dirty="0">
+                <a:latin typeface="Arial" panose="020B0604020202020204" pitchFamily="34" charset="0"/>
+              </a:rPr>
+              <a:t>SPI</a:t>
+            </a:r>
+            <a:r>
+              <a:rPr lang="zh-CN" altLang="en-US" sz="2400" dirty="0">
+                <a:latin typeface="Arial" panose="020B0604020202020204" pitchFamily="34" charset="0"/>
+              </a:rPr>
+              <a:t>的指数表现如何？</a:t>
             </a:r>
             <a:endParaRPr lang="en-US" altLang="zh-CN" sz="2400" dirty="0">
               <a:latin typeface="Arial" panose="020B0604020202020204" pitchFamily="34" charset="0"/>
@@ -12483,8 +12551,8 @@
               <a:buAutoNum type="alphaUcPeriod"/>
             </a:pPr>
             <a:r>
-              <a:rPr lang="zh-CN" altLang="en-US" sz="2000" dirty="0"/>
-              <a:t>落后于进度，符合预算</a:t>
+              <a:rPr lang="en-US" altLang="zh-CN" sz="2000" dirty="0"/>
+              <a:t>CPI&gt;1.0;SPI&lt;1.0</a:t>
             </a:r>
             <a:endParaRPr lang="en-US" altLang="zh-CN" sz="2000" dirty="0"/>
           </a:p>
@@ -12494,8 +12562,8 @@
               <a:buAutoNum type="alphaUcPeriod"/>
             </a:pPr>
             <a:r>
-              <a:rPr lang="zh-CN" altLang="en-US" sz="2000" dirty="0"/>
-              <a:t>超前于进度，超出预算</a:t>
+              <a:rPr lang="en-US" altLang="zh-CN" sz="2000" dirty="0"/>
+              <a:t>CPI&gt;1.0;SPI&gt;1.0</a:t>
             </a:r>
             <a:endParaRPr lang="en-US" altLang="zh-CN" sz="2000" dirty="0"/>
           </a:p>
@@ -12505,8 +12573,8 @@
               <a:buAutoNum type="alphaUcPeriod"/>
             </a:pPr>
             <a:r>
-              <a:rPr lang="zh-CN" altLang="en-US" sz="2000" dirty="0"/>
-              <a:t>落后于进度，超出预算</a:t>
+              <a:rPr lang="en-US" altLang="zh-CN" sz="2000" dirty="0"/>
+              <a:t>CPI&lt;1.0;SPI&gt;1.0</a:t>
             </a:r>
             <a:endParaRPr lang="en-US" altLang="zh-CN" sz="2000" dirty="0"/>
           </a:p>
@@ -12516,8 +12584,8 @@
               <a:buAutoNum type="alphaUcPeriod"/>
             </a:pPr>
             <a:r>
-              <a:rPr lang="zh-CN" altLang="en-US" sz="2000" dirty="0"/>
-              <a:t>超前于进度，符合预算</a:t>
+              <a:rPr lang="en-US" altLang="zh-CN" sz="2000" dirty="0"/>
+              <a:t>CPI&lt;1.0;SPI&lt;1.0</a:t>
             </a:r>
             <a:endParaRPr lang="zh-CN" altLang="en-US" sz="2000" dirty="0"/>
           </a:p>
@@ -12640,7 +12708,7 @@
         </p:nvSpPr>
         <p:spPr>
           <a:xfrm>
-            <a:off x="1905000" y="1371600"/>
+            <a:off x="1905000" y="1485903"/>
             <a:ext cx="4419600" cy="4572000"/>
           </a:xfrm>
         </p:spPr>
@@ -12652,55 +12720,19 @@
               <a:rPr lang="zh-CN" altLang="en-US" sz="2400" dirty="0">
                 <a:latin typeface="Arial" panose="020B0604020202020204" pitchFamily="34" charset="0"/>
               </a:rPr>
-              <a:t>假设挣值</a:t>
+              <a:t>一项偏差报告显示</a:t>
             </a:r>
             <a:r>
               <a:rPr lang="en-US" altLang="zh-CN" sz="2400" dirty="0">
                 <a:latin typeface="Arial" panose="020B0604020202020204" pitchFamily="34" charset="0"/>
               </a:rPr>
-              <a:t>(EV)=350</a:t>
+              <a:t>PV=120,EV=100,AC=120.</a:t>
             </a:r>
             <a:r>
               <a:rPr lang="zh-CN" altLang="en-US" sz="2400" dirty="0">
                 <a:latin typeface="Arial" panose="020B0604020202020204" pitchFamily="34" charset="0"/>
               </a:rPr>
-              <a:t>，实际成本</a:t>
-            </a:r>
-            <a:r>
-              <a:rPr lang="en-US" altLang="zh-CN" sz="2400" dirty="0">
-                <a:latin typeface="Arial" panose="020B0604020202020204" pitchFamily="34" charset="0"/>
-              </a:rPr>
-              <a:t>(AC)=400</a:t>
-            </a:r>
-            <a:r>
-              <a:rPr lang="zh-CN" altLang="en-US" sz="2400" dirty="0">
-                <a:latin typeface="Arial" panose="020B0604020202020204" pitchFamily="34" charset="0"/>
-              </a:rPr>
-              <a:t>，计划值</a:t>
-            </a:r>
-            <a:r>
-              <a:rPr lang="en-US" altLang="zh-CN" sz="2400" dirty="0">
-                <a:latin typeface="Arial" panose="020B0604020202020204" pitchFamily="34" charset="0"/>
-              </a:rPr>
-              <a:t>(PV)=325</a:t>
-            </a:r>
-            <a:r>
-              <a:rPr lang="zh-CN" altLang="en-US" sz="2400" dirty="0">
-                <a:latin typeface="Arial" panose="020B0604020202020204" pitchFamily="34" charset="0"/>
-              </a:rPr>
-              <a:t>，那么成本偏差</a:t>
-            </a:r>
-            <a:r>
-              <a:rPr lang="en-US" altLang="zh-CN" sz="2400" dirty="0">
-                <a:latin typeface="Arial" panose="020B0604020202020204" pitchFamily="34" charset="0"/>
-              </a:rPr>
-              <a:t>(CV)</a:t>
-            </a:r>
-            <a:r>
-              <a:rPr lang="zh-CN" altLang="en-US" sz="2400" dirty="0">
-                <a:latin typeface="Arial" panose="020B0604020202020204" pitchFamily="34" charset="0"/>
-              </a:rPr>
-              <a:t>等于</a:t>
+              <a:t>基于上述数据，下列哪种说法是正确的？</a:t>
             </a:r>
             <a:endParaRPr lang="en-US" altLang="zh-CN" sz="2400" dirty="0">
               <a:latin typeface="Arial" panose="020B0604020202020204" pitchFamily="34" charset="0"/>
@@ -12712,8 +12744,8 @@
               <a:buAutoNum type="alphaUcPeriod"/>
             </a:pPr>
             <a:r>
-              <a:rPr lang="en-US" altLang="zh-CN" sz="2000" dirty="0"/>
-              <a:t>350</a:t>
+              <a:rPr lang="zh-CN" altLang="en-US" sz="2000" dirty="0"/>
+              <a:t>落后于进度，符合预算</a:t>
             </a:r>
             <a:endParaRPr lang="en-US" altLang="zh-CN" sz="2000" dirty="0"/>
           </a:p>
@@ -12723,8 +12755,8 @@
               <a:buAutoNum type="alphaUcPeriod"/>
             </a:pPr>
             <a:r>
-              <a:rPr lang="en-US" altLang="zh-CN" sz="2000" dirty="0"/>
-              <a:t>-75</a:t>
+              <a:rPr lang="zh-CN" altLang="en-US" sz="2000" dirty="0"/>
+              <a:t>超前于进度，超出预算</a:t>
             </a:r>
             <a:endParaRPr lang="en-US" altLang="zh-CN" sz="2000" dirty="0"/>
           </a:p>
@@ -12734,8 +12766,8 @@
               <a:buAutoNum type="alphaUcPeriod"/>
             </a:pPr>
             <a:r>
-              <a:rPr lang="en-US" altLang="zh-CN" sz="2000" dirty="0"/>
-              <a:t>400</a:t>
+              <a:rPr lang="zh-CN" altLang="en-US" sz="2000" dirty="0"/>
+              <a:t>落后于进度，超出预算</a:t>
             </a:r>
             <a:endParaRPr lang="en-US" altLang="zh-CN" sz="2000" dirty="0"/>
           </a:p>
@@ -12745,8 +12777,8 @@
               <a:buAutoNum type="alphaUcPeriod"/>
             </a:pPr>
             <a:r>
-              <a:rPr lang="en-US" altLang="zh-CN" sz="2000" dirty="0"/>
-              <a:t>-50</a:t>
+              <a:rPr lang="zh-CN" altLang="en-US" sz="2000" dirty="0"/>
+              <a:t>超前于进度，符合预算</a:t>
             </a:r>
             <a:endParaRPr lang="zh-CN" altLang="en-US" sz="2000" dirty="0"/>
           </a:p>
@@ -13291,31 +13323,55 @@
               <a:rPr lang="zh-CN" altLang="en-US" sz="2400" dirty="0">
                 <a:latin typeface="Arial" panose="020B0604020202020204" pitchFamily="34" charset="0"/>
               </a:rPr>
-              <a:t>一般，计算完工估算</a:t>
+              <a:t>假设挣值</a:t>
             </a:r>
             <a:r>
               <a:rPr lang="en-US" altLang="zh-CN" sz="2400" dirty="0">
                 <a:latin typeface="Arial" panose="020B0604020202020204" pitchFamily="34" charset="0"/>
               </a:rPr>
-              <a:t>(EAC)</a:t>
+              <a:t>(EV)=350</a:t>
             </a:r>
             <a:r>
               <a:rPr lang="zh-CN" altLang="en-US" sz="2400" dirty="0">
                 <a:latin typeface="Arial" panose="020B0604020202020204" pitchFamily="34" charset="0"/>
               </a:rPr>
-              <a:t>的方法是用完工预算</a:t>
+              <a:t>，实际成本</a:t>
             </a:r>
             <a:r>
               <a:rPr lang="en-US" altLang="zh-CN" sz="2400" dirty="0">
                 <a:latin typeface="Arial" panose="020B0604020202020204" pitchFamily="34" charset="0"/>
               </a:rPr>
-              <a:t>(BAC)</a:t>
+              <a:t>(AC)=400</a:t>
             </a:r>
             <a:r>
               <a:rPr lang="zh-CN" altLang="en-US" sz="2400" dirty="0">
                 <a:latin typeface="Arial" panose="020B0604020202020204" pitchFamily="34" charset="0"/>
               </a:rPr>
-              <a:t>：</a:t>
+              <a:t>，计划值</a:t>
+            </a:r>
+            <a:r>
+              <a:rPr lang="en-US" altLang="zh-CN" sz="2400" dirty="0">
+                <a:latin typeface="Arial" panose="020B0604020202020204" pitchFamily="34" charset="0"/>
+              </a:rPr>
+              <a:t>(PV)=325</a:t>
+            </a:r>
+            <a:r>
+              <a:rPr lang="zh-CN" altLang="en-US" sz="2400" dirty="0">
+                <a:latin typeface="Arial" panose="020B0604020202020204" pitchFamily="34" charset="0"/>
+              </a:rPr>
+              <a:t>，那么成本偏差</a:t>
+            </a:r>
+            <a:r>
+              <a:rPr lang="en-US" altLang="zh-CN" sz="2400" dirty="0">
+                <a:latin typeface="Arial" panose="020B0604020202020204" pitchFamily="34" charset="0"/>
+              </a:rPr>
+              <a:t>(CV)</a:t>
+            </a:r>
+            <a:r>
+              <a:rPr lang="zh-CN" altLang="en-US" sz="2400" dirty="0">
+                <a:latin typeface="Arial" panose="020B0604020202020204" pitchFamily="34" charset="0"/>
+              </a:rPr>
+              <a:t>等于</a:t>
             </a:r>
             <a:endParaRPr lang="en-US" altLang="zh-CN" sz="2400" dirty="0">
               <a:latin typeface="Arial" panose="020B0604020202020204" pitchFamily="34" charset="0"/>
@@ -13327,12 +13383,8 @@
               <a:buAutoNum type="alphaUcPeriod"/>
             </a:pPr>
             <a:r>
-              <a:rPr lang="zh-CN" altLang="en-US" sz="2000" dirty="0"/>
-              <a:t>除以进度绩效指数</a:t>
-            </a:r>
-            <a:r>
               <a:rPr lang="en-US" altLang="zh-CN" sz="2000" dirty="0"/>
-              <a:t>(SPI)</a:t>
+              <a:t>350</a:t>
             </a:r>
             <a:endParaRPr lang="en-US" altLang="zh-CN" sz="2000" dirty="0"/>
           </a:p>
@@ -13342,12 +13394,8 @@
               <a:buAutoNum type="alphaUcPeriod"/>
             </a:pPr>
             <a:r>
-              <a:rPr lang="zh-CN" altLang="en-US" sz="2000" dirty="0"/>
-              <a:t>乘以进度绩效指数</a:t>
-            </a:r>
-            <a:r>
               <a:rPr lang="en-US" altLang="zh-CN" sz="2000" dirty="0"/>
-              <a:t>(SPI)</a:t>
+              <a:t>-75</a:t>
             </a:r>
             <a:endParaRPr lang="en-US" altLang="zh-CN" sz="2000" dirty="0"/>
           </a:p>
@@ -13357,12 +13405,8 @@
               <a:buAutoNum type="alphaUcPeriod"/>
             </a:pPr>
             <a:r>
-              <a:rPr lang="zh-CN" altLang="en-US" sz="2000" dirty="0"/>
-              <a:t>乘以费用绩效指数</a:t>
-            </a:r>
-            <a:r>
               <a:rPr lang="en-US" altLang="zh-CN" sz="2000" dirty="0"/>
-              <a:t>(CPI)</a:t>
+              <a:t>400</a:t>
             </a:r>
             <a:endParaRPr lang="en-US" altLang="zh-CN" sz="2000" dirty="0"/>
           </a:p>
@@ -13372,12 +13416,8 @@
               <a:buAutoNum type="alphaUcPeriod"/>
             </a:pPr>
             <a:r>
-              <a:rPr lang="zh-CN" altLang="en-US" sz="2000" dirty="0"/>
-              <a:t>除以费用绩效指数</a:t>
-            </a:r>
-            <a:r>
               <a:rPr lang="en-US" altLang="zh-CN" sz="2000" dirty="0"/>
-              <a:t>(CPI)</a:t>
+              <a:t>-50</a:t>
             </a:r>
             <a:endParaRPr lang="zh-CN" altLang="en-US" sz="2000" dirty="0"/>
           </a:p>
@@ -13446,6 +13486,227 @@
 </file>
 
 <file path=ppt/slides/slide31.xml><?xml version="1.0" encoding="utf-8"?>
+<p:sld xmlns:a="http://schemas.openxmlformats.org/drawingml/2006/main" xmlns:r="http://schemas.openxmlformats.org/officeDocument/2006/relationships" xmlns:p="http://schemas.openxmlformats.org/presentationml/2006/main">
+  <p:cSld>
+    <p:spTree>
+      <p:nvGrpSpPr>
+        <p:cNvPr id="1" name=""/>
+        <p:cNvGrpSpPr/>
+        <p:nvPr/>
+      </p:nvGrpSpPr>
+      <p:grpSpPr>
+        <a:xfrm>
+          <a:off x="0" y="0"/>
+          <a:ext cx="0" cy="0"/>
+          <a:chOff x="0" y="0"/>
+          <a:chExt cx="0" cy="0"/>
+        </a:xfrm>
+      </p:grpSpPr>
+      <p:pic>
+        <p:nvPicPr>
+          <p:cNvPr id="6" name="Picture 2" descr="http://img.mazystar.cn/pic/20094719502452277801.jpg"/>
+          <p:cNvPicPr>
+            <a:picLocks noChangeAspect="1" noChangeArrowheads="1"/>
+          </p:cNvPicPr>
+          <p:nvPr/>
+        </p:nvPicPr>
+        <p:blipFill>
+          <a:blip r:embed="rId1"/>
+          <a:srcRect/>
+          <a:stretch>
+            <a:fillRect/>
+          </a:stretch>
+        </p:blipFill>
+        <p:spPr bwMode="auto">
+          <a:xfrm>
+            <a:off x="6400800" y="1447800"/>
+            <a:ext cx="3810000" cy="3810000"/>
+          </a:xfrm>
+          <a:prstGeom prst="rect">
+            <a:avLst/>
+          </a:prstGeom>
+          <a:noFill/>
+        </p:spPr>
+      </p:pic>
+      <p:sp>
+        <p:nvSpPr>
+          <p:cNvPr id="3" name="内容占位符 2"/>
+          <p:cNvSpPr>
+            <a:spLocks noGrp="1"/>
+          </p:cNvSpPr>
+          <p:nvPr>
+            <p:ph sz="quarter" idx="1"/>
+          </p:nvPr>
+        </p:nvSpPr>
+        <p:spPr>
+          <a:xfrm>
+            <a:off x="1905000" y="1371600"/>
+            <a:ext cx="4419600" cy="4572000"/>
+          </a:xfrm>
+        </p:spPr>
+        <p:txBody>
+          <a:bodyPr/>
+          <a:lstStyle/>
+          <a:p>
+            <a:r>
+              <a:rPr lang="zh-CN" altLang="en-US" sz="2400" dirty="0">
+                <a:latin typeface="Arial" panose="020B0604020202020204" pitchFamily="34" charset="0"/>
+              </a:rPr>
+              <a:t>一般，计算完工估算</a:t>
+            </a:r>
+            <a:r>
+              <a:rPr lang="en-US" altLang="zh-CN" sz="2400" dirty="0">
+                <a:latin typeface="Arial" panose="020B0604020202020204" pitchFamily="34" charset="0"/>
+              </a:rPr>
+              <a:t>(EAC)</a:t>
+            </a:r>
+            <a:r>
+              <a:rPr lang="zh-CN" altLang="en-US" sz="2400" dirty="0">
+                <a:latin typeface="Arial" panose="020B0604020202020204" pitchFamily="34" charset="0"/>
+              </a:rPr>
+              <a:t>的方法是用完工预算</a:t>
+            </a:r>
+            <a:r>
+              <a:rPr lang="en-US" altLang="zh-CN" sz="2400" dirty="0">
+                <a:latin typeface="Arial" panose="020B0604020202020204" pitchFamily="34" charset="0"/>
+              </a:rPr>
+              <a:t>(BAC)</a:t>
+            </a:r>
+            <a:r>
+              <a:rPr lang="zh-CN" altLang="en-US" sz="2400" dirty="0">
+                <a:latin typeface="Arial" panose="020B0604020202020204" pitchFamily="34" charset="0"/>
+              </a:rPr>
+              <a:t>：</a:t>
+            </a:r>
+            <a:endParaRPr lang="en-US" altLang="zh-CN" sz="2400" dirty="0">
+              <a:latin typeface="Arial" panose="020B0604020202020204" pitchFamily="34" charset="0"/>
+            </a:endParaRPr>
+          </a:p>
+          <a:p>
+            <a:pPr marL="776605" lvl="1" indent="-457200">
+              <a:buFont typeface="+mj-lt"/>
+              <a:buAutoNum type="alphaUcPeriod"/>
+            </a:pPr>
+            <a:r>
+              <a:rPr lang="zh-CN" altLang="en-US" sz="2000" dirty="0"/>
+              <a:t>除以进度绩效指数</a:t>
+            </a:r>
+            <a:r>
+              <a:rPr lang="en-US" altLang="zh-CN" sz="2000" dirty="0"/>
+              <a:t>(SPI)</a:t>
+            </a:r>
+            <a:endParaRPr lang="en-US" altLang="zh-CN" sz="2000" dirty="0"/>
+          </a:p>
+          <a:p>
+            <a:pPr marL="776605" lvl="1" indent="-457200">
+              <a:buFont typeface="+mj-lt"/>
+              <a:buAutoNum type="alphaUcPeriod"/>
+            </a:pPr>
+            <a:r>
+              <a:rPr lang="zh-CN" altLang="en-US" sz="2000" dirty="0"/>
+              <a:t>乘以进度绩效指数</a:t>
+            </a:r>
+            <a:r>
+              <a:rPr lang="en-US" altLang="zh-CN" sz="2000" dirty="0"/>
+              <a:t>(SPI)</a:t>
+            </a:r>
+            <a:endParaRPr lang="en-US" altLang="zh-CN" sz="2000" dirty="0"/>
+          </a:p>
+          <a:p>
+            <a:pPr marL="776605" lvl="1" indent="-457200">
+              <a:buFont typeface="+mj-lt"/>
+              <a:buAutoNum type="alphaUcPeriod"/>
+            </a:pPr>
+            <a:r>
+              <a:rPr lang="zh-CN" altLang="en-US" sz="2000" dirty="0"/>
+              <a:t>乘以费用绩效指数</a:t>
+            </a:r>
+            <a:r>
+              <a:rPr lang="en-US" altLang="zh-CN" sz="2000" dirty="0"/>
+              <a:t>(CPI)</a:t>
+            </a:r>
+            <a:endParaRPr lang="en-US" altLang="zh-CN" sz="2000" dirty="0"/>
+          </a:p>
+          <a:p>
+            <a:pPr marL="776605" lvl="1" indent="-457200">
+              <a:buFont typeface="+mj-lt"/>
+              <a:buAutoNum type="alphaUcPeriod"/>
+            </a:pPr>
+            <a:r>
+              <a:rPr lang="zh-CN" altLang="en-US" sz="2000" dirty="0"/>
+              <a:t>除以费用绩效指数</a:t>
+            </a:r>
+            <a:r>
+              <a:rPr lang="en-US" altLang="zh-CN" sz="2000" dirty="0"/>
+              <a:t>(CPI)</a:t>
+            </a:r>
+            <a:endParaRPr lang="zh-CN" altLang="en-US" sz="2000" dirty="0"/>
+          </a:p>
+        </p:txBody>
+      </p:sp>
+      <p:sp>
+        <p:nvSpPr>
+          <p:cNvPr id="4" name="页脚占位符 3"/>
+          <p:cNvSpPr>
+            <a:spLocks noGrp="1"/>
+          </p:cNvSpPr>
+          <p:nvPr>
+            <p:ph type="ftr" sz="quarter" idx="10"/>
+          </p:nvPr>
+        </p:nvSpPr>
+        <p:spPr/>
+        <p:txBody>
+          <a:bodyPr/>
+          <a:lstStyle/>
+          <a:p>
+            <a:pPr>
+              <a:defRPr/>
+            </a:pPr>
+            <a:r>
+              <a:rPr lang="en-US"/>
+              <a:t>Information Technology Project Management, Fifth Edition, Copyright 2007                  </a:t>
+            </a:r>
+            <a:endParaRPr lang="en-US"/>
+          </a:p>
+        </p:txBody>
+      </p:sp>
+      <p:sp>
+        <p:nvSpPr>
+          <p:cNvPr id="2" name="标题 1"/>
+          <p:cNvSpPr/>
+          <p:nvPr>
+            <p:ph type="title"/>
+          </p:nvPr>
+        </p:nvSpPr>
+        <p:spPr/>
+        <p:txBody>
+          <a:bodyPr/>
+          <a:p>
+            <a:r>
+              <a:rPr lang="en-US" altLang="zh-CN" dirty="0">
+                <a:sym typeface="+mn-ea"/>
+              </a:rPr>
+              <a:t>EVM</a:t>
+            </a:r>
+            <a:r>
+              <a:rPr lang="zh-CN" altLang="en-US" dirty="0">
+                <a:sym typeface="+mn-ea"/>
+              </a:rPr>
+              <a:t>练习</a:t>
+            </a:r>
+            <a:endParaRPr lang="zh-CN" altLang="en-US"/>
+          </a:p>
+        </p:txBody>
+      </p:sp>
+    </p:spTree>
+  </p:cSld>
+  <p:clrMapOvr>
+    <a:masterClrMapping/>
+  </p:clrMapOvr>
+</p:sld>
+</file>
+
+<file path=ppt/slides/slide32.xml><?xml version="1.0" encoding="utf-8"?>
 <p:sld xmlns:a="http://schemas.openxmlformats.org/drawingml/2006/main" xmlns:r="http://schemas.openxmlformats.org/officeDocument/2006/relationships" xmlns:p="http://schemas.openxmlformats.org/presentationml/2006/main">
   <p:cSld>
     <p:spTree>
@@ -14759,7 +15020,7 @@
 </p:sld>
 </file>
 
-<file path=ppt/slides/slide32.xml><?xml version="1.0" encoding="utf-8"?>
+<file path=ppt/slides/slide33.xml><?xml version="1.0" encoding="utf-8"?>
 <p:sld xmlns:a="http://schemas.openxmlformats.org/drawingml/2006/main" xmlns:r="http://schemas.openxmlformats.org/officeDocument/2006/relationships" xmlns:p="http://schemas.openxmlformats.org/presentationml/2006/main">
   <p:cSld>
     <p:spTree>
@@ -16510,7 +16771,7 @@
 </p:sld>
 </file>
 
-<file path=ppt/slides/slide33.xml><?xml version="1.0" encoding="utf-8"?>
+<file path=ppt/slides/slide34.xml><?xml version="1.0" encoding="utf-8"?>
 <p:sld xmlns:a="http://schemas.openxmlformats.org/drawingml/2006/main" xmlns:r="http://schemas.openxmlformats.org/officeDocument/2006/relationships" xmlns:p="http://schemas.openxmlformats.org/presentationml/2006/main">
   <p:cSld>
     <p:spTree>
@@ -16719,7 +16980,7 @@
 </p:sld>
 </file>
 
-<file path=ppt/slides/slide34.xml><?xml version="1.0" encoding="utf-8"?>
+<file path=ppt/slides/slide35.xml><?xml version="1.0" encoding="utf-8"?>
 <p:sld xmlns:a="http://schemas.openxmlformats.org/drawingml/2006/main" xmlns:r="http://schemas.openxmlformats.org/officeDocument/2006/relationships" xmlns:p="http://schemas.openxmlformats.org/presentationml/2006/main">
   <p:cSld>
     <p:spTree>
@@ -16821,102 +17082,6 @@
 </p:sld>
 </file>
 
-<file path=ppt/slides/slide35.xml><?xml version="1.0" encoding="utf-8"?>
-<p:sld xmlns:a="http://schemas.openxmlformats.org/drawingml/2006/main" xmlns:r="http://schemas.openxmlformats.org/officeDocument/2006/relationships" xmlns:p="http://schemas.openxmlformats.org/presentationml/2006/main">
-  <p:cSld>
-    <p:spTree>
-      <p:nvGrpSpPr>
-        <p:cNvPr id="1" name=""/>
-        <p:cNvGrpSpPr/>
-        <p:nvPr/>
-      </p:nvGrpSpPr>
-      <p:grpSpPr>
-        <a:xfrm>
-          <a:off x="0" y="0"/>
-          <a:ext cx="0" cy="0"/>
-          <a:chOff x="0" y="0"/>
-          <a:chExt cx="0" cy="0"/>
-        </a:xfrm>
-      </p:grpSpPr>
-      <p:sp>
-        <p:nvSpPr>
-          <p:cNvPr id="2" name="标题 1"/>
-          <p:cNvSpPr>
-            <a:spLocks noGrp="1"/>
-          </p:cNvSpPr>
-          <p:nvPr>
-            <p:ph type="title"/>
-          </p:nvPr>
-        </p:nvSpPr>
-        <p:spPr/>
-        <p:txBody>
-          <a:bodyPr/>
-          <a:lstStyle/>
-          <a:p>
-            <a:r>
-              <a:rPr lang="zh-CN" altLang="en-US" dirty="0"/>
-              <a:t>分析进度偏差</a:t>
-            </a:r>
-            <a:r>
-              <a:rPr lang="zh-CN" altLang="en-US" sz="2800" dirty="0"/>
-              <a:t>原因</a:t>
-            </a:r>
-            <a:endParaRPr lang="zh-CN" altLang="en-US" dirty="0"/>
-          </a:p>
-        </p:txBody>
-      </p:sp>
-      <p:sp>
-        <p:nvSpPr>
-          <p:cNvPr id="3" name="内容占位符 2"/>
-          <p:cNvSpPr>
-            <a:spLocks noGrp="1"/>
-          </p:cNvSpPr>
-          <p:nvPr>
-            <p:ph idx="1"/>
-          </p:nvPr>
-        </p:nvSpPr>
-        <p:spPr/>
-        <p:txBody>
-          <a:bodyPr/>
-          <a:lstStyle/>
-          <a:p>
-            <a:r>
-              <a:rPr lang="zh-CN" altLang="en-US" sz="2200" dirty="0"/>
-              <a:t>项目团队内部原因，如人员技术欠佳、团队士气不高等</a:t>
-            </a:r>
-            <a:endParaRPr lang="en-US" altLang="zh-CN" sz="2200" dirty="0"/>
-          </a:p>
-          <a:p>
-            <a:r>
-              <a:rPr lang="zh-CN" altLang="en-US" sz="2200" dirty="0"/>
-              <a:t>项目执行组织的原因，如管理层支持不力、流程繁琐等</a:t>
-            </a:r>
-            <a:endParaRPr lang="en-US" altLang="zh-CN" sz="2200" dirty="0"/>
-          </a:p>
-          <a:p>
-            <a:r>
-              <a:rPr lang="zh-CN" altLang="en-US" sz="2200" dirty="0"/>
-              <a:t>客户原因，如客户配合懈怠、需求事前确定不彻底等</a:t>
-            </a:r>
-            <a:endParaRPr lang="en-US" altLang="zh-CN" sz="2200" dirty="0"/>
-          </a:p>
-          <a:p>
-            <a:r>
-              <a:rPr lang="zh-CN" altLang="en-US" sz="2200" dirty="0"/>
-              <a:t>外部原因，如政府批复问题、分包商配合不力等</a:t>
-            </a:r>
-            <a:endParaRPr lang="en-US" altLang="zh-CN" sz="2200" dirty="0"/>
-          </a:p>
-        </p:txBody>
-      </p:sp>
-    </p:spTree>
-  </p:cSld>
-  <p:clrMapOvr>
-    <a:masterClrMapping/>
-  </p:clrMapOvr>
-</p:sld>
-</file>
-
 <file path=ppt/slides/slide36.xml><?xml version="1.0" encoding="utf-8"?>
 <p:sld xmlns:a="http://schemas.openxmlformats.org/drawingml/2006/main" xmlns:r="http://schemas.openxmlformats.org/officeDocument/2006/relationships" xmlns:p="http://schemas.openxmlformats.org/presentationml/2006/main">
   <p:cSld>
@@ -16951,7 +17116,11 @@
           <a:p>
             <a:r>
               <a:rPr lang="zh-CN" altLang="en-US" dirty="0"/>
-              <a:t>分析范围偏差原因</a:t>
+              <a:t>分析进度偏差</a:t>
+            </a:r>
+            <a:r>
+              <a:rPr lang="zh-CN" altLang="en-US" sz="2800" dirty="0"/>
+              <a:t>原因</a:t>
             </a:r>
             <a:endParaRPr lang="zh-CN" altLang="en-US" dirty="0"/>
           </a:p>
@@ -16973,52 +17142,31 @@
           <a:lstStyle/>
           <a:p>
             <a:r>
-              <a:rPr lang="zh-CN" altLang="en-US" sz="2400" dirty="0"/>
-              <a:t>范围镀金或缩水；</a:t>
-            </a:r>
-            <a:endParaRPr lang="en-US" altLang="zh-CN" sz="2400" dirty="0"/>
-          </a:p>
-          <a:p>
-            <a:pPr lvl="2"/>
-            <a:r>
-              <a:rPr lang="zh-CN" altLang="en-US" sz="2000" dirty="0"/>
-              <a:t>干系人对范围定义和期望存在歧义；</a:t>
-            </a:r>
-            <a:endParaRPr lang="en-US" altLang="zh-CN" sz="2000" dirty="0"/>
-          </a:p>
-          <a:p>
-            <a:pPr lvl="2"/>
-            <a:r>
-              <a:rPr lang="zh-CN" altLang="en-US" sz="2000" dirty="0"/>
-              <a:t>范围变更没有遵循正规的变更控制流程，导致新变更没有在范围基准中体现；</a:t>
-            </a:r>
-            <a:endParaRPr lang="en-US" altLang="zh-CN" sz="2400" dirty="0"/>
-          </a:p>
-          <a:p>
-            <a:r>
-              <a:rPr lang="zh-CN" altLang="en-US" sz="2400" dirty="0"/>
-              <a:t>不达标；</a:t>
-            </a:r>
-            <a:endParaRPr lang="en-US" altLang="zh-CN" sz="2400" dirty="0"/>
-          </a:p>
-          <a:p>
-            <a:pPr lvl="2"/>
-            <a:r>
-              <a:rPr lang="zh-CN" altLang="en-US" sz="2000" dirty="0"/>
-              <a:t>功能或性能指标没有达到预定的验收标准；</a:t>
-            </a:r>
-            <a:endParaRPr lang="en-US" altLang="zh-CN" sz="2000" dirty="0"/>
-          </a:p>
-          <a:p>
-            <a:pPr lvl="2"/>
-            <a:r>
-              <a:rPr lang="zh-CN" altLang="en-US" sz="2000" dirty="0"/>
-              <a:t>没有验收标准或验收标准不详尽，导致干系人理解分歧；</a:t>
-            </a:r>
-            <a:endParaRPr lang="zh-CN" altLang="en-US" sz="2000" dirty="0"/>
-          </a:p>
-          <a:p>
-            <a:endParaRPr lang="zh-CN" altLang="en-US" sz="2400" dirty="0"/>
+              <a:rPr lang="zh-CN" altLang="en-US" sz="2200" dirty="0"/>
+              <a:t>项目团队内部原因，如人员技术欠佳、团队士气不高等</a:t>
+            </a:r>
+            <a:endParaRPr lang="en-US" altLang="zh-CN" sz="2200" dirty="0"/>
+          </a:p>
+          <a:p>
+            <a:r>
+              <a:rPr lang="zh-CN" altLang="en-US" sz="2200" dirty="0"/>
+              <a:t>项目执行组织的原因，如管理层支持不力、流程繁琐等</a:t>
+            </a:r>
+            <a:endParaRPr lang="en-US" altLang="zh-CN" sz="2200" dirty="0"/>
+          </a:p>
+          <a:p>
+            <a:r>
+              <a:rPr lang="zh-CN" altLang="en-US" sz="2200" dirty="0"/>
+              <a:t>客户原因，如客户配合懈怠、需求事前确定不彻底等</a:t>
+            </a:r>
+            <a:endParaRPr lang="en-US" altLang="zh-CN" sz="2200" dirty="0"/>
+          </a:p>
+          <a:p>
+            <a:r>
+              <a:rPr lang="zh-CN" altLang="en-US" sz="2200" dirty="0"/>
+              <a:t>外部原因，如政府批复问题、分包商配合不力等</a:t>
+            </a:r>
+            <a:endParaRPr lang="en-US" altLang="zh-CN" sz="2200" dirty="0"/>
           </a:p>
         </p:txBody>
       </p:sp>
@@ -17064,7 +17212,7 @@
           <a:p>
             <a:r>
               <a:rPr lang="zh-CN" altLang="en-US" dirty="0"/>
-              <a:t>质量偏差</a:t>
+              <a:t>分析范围偏差原因</a:t>
             </a:r>
             <a:endParaRPr lang="zh-CN" altLang="en-US" dirty="0"/>
           </a:p>
@@ -17087,32 +17235,51 @@
           <a:p>
             <a:r>
               <a:rPr lang="zh-CN" altLang="en-US" sz="2400" dirty="0"/>
-              <a:t>由测试团队提供缺陷报告；</a:t>
+              <a:t>范围镀金或缩水；</a:t>
             </a:r>
             <a:endParaRPr lang="en-US" altLang="zh-CN" sz="2400" dirty="0"/>
           </a:p>
           <a:p>
+            <a:pPr lvl="2"/>
+            <a:r>
+              <a:rPr lang="zh-CN" altLang="en-US" sz="2000" dirty="0"/>
+              <a:t>干系人对范围定义和期望存在歧义；</a:t>
+            </a:r>
+            <a:endParaRPr lang="en-US" altLang="zh-CN" sz="2000" dirty="0"/>
+          </a:p>
+          <a:p>
+            <a:pPr lvl="2"/>
+            <a:r>
+              <a:rPr lang="zh-CN" altLang="en-US" sz="2000" dirty="0"/>
+              <a:t>范围变更没有遵循正规的变更控制流程，导致新变更没有在范围基准中体现；</a:t>
+            </a:r>
+            <a:endParaRPr lang="en-US" altLang="zh-CN" sz="2400" dirty="0"/>
+          </a:p>
+          <a:p>
             <a:r>
               <a:rPr lang="zh-CN" altLang="en-US" sz="2400" dirty="0"/>
-              <a:t>通过在</a:t>
-            </a:r>
-            <a:r>
-              <a:rPr lang="en-US" altLang="zh-CN" sz="2400" dirty="0"/>
-              <a:t>Bug</a:t>
-            </a:r>
-            <a:r>
-              <a:rPr lang="zh-CN" altLang="en-US" sz="2400" dirty="0"/>
-              <a:t>管理工具中记录，例如</a:t>
-            </a:r>
-            <a:r>
-              <a:rPr lang="en-US" altLang="zh-CN" sz="2400" dirty="0" err="1"/>
-              <a:t>Bugfree</a:t>
-            </a:r>
-            <a:r>
-              <a:rPr lang="zh-CN" altLang="en-US" sz="2400" dirty="0"/>
-              <a:t>；</a:t>
+              <a:t>不达标；</a:t>
             </a:r>
             <a:endParaRPr lang="en-US" altLang="zh-CN" sz="2400" dirty="0"/>
+          </a:p>
+          <a:p>
+            <a:pPr lvl="2"/>
+            <a:r>
+              <a:rPr lang="zh-CN" altLang="en-US" sz="2000" dirty="0"/>
+              <a:t>功能或性能指标没有达到预定的验收标准；</a:t>
+            </a:r>
+            <a:endParaRPr lang="en-US" altLang="zh-CN" sz="2000" dirty="0"/>
+          </a:p>
+          <a:p>
+            <a:pPr lvl="2"/>
+            <a:r>
+              <a:rPr lang="zh-CN" altLang="en-US" sz="2000" dirty="0"/>
+              <a:t>没有验收标准或验收标准不详尽，导致干系人理解分歧；</a:t>
+            </a:r>
+            <a:endParaRPr lang="zh-CN" altLang="en-US" sz="2000" dirty="0"/>
+          </a:p>
+          <a:p>
+            <a:endParaRPr lang="zh-CN" altLang="en-US" sz="2400" dirty="0"/>
           </a:p>
         </p:txBody>
       </p:sp>
@@ -17125,6 +17292,100 @@
 </file>
 
 <file path=ppt/slides/slide38.xml><?xml version="1.0" encoding="utf-8"?>
+<p:sld xmlns:a="http://schemas.openxmlformats.org/drawingml/2006/main" xmlns:r="http://schemas.openxmlformats.org/officeDocument/2006/relationships" xmlns:p="http://schemas.openxmlformats.org/presentationml/2006/main">
+  <p:cSld>
+    <p:spTree>
+      <p:nvGrpSpPr>
+        <p:cNvPr id="1" name=""/>
+        <p:cNvGrpSpPr/>
+        <p:nvPr/>
+      </p:nvGrpSpPr>
+      <p:grpSpPr>
+        <a:xfrm>
+          <a:off x="0" y="0"/>
+          <a:ext cx="0" cy="0"/>
+          <a:chOff x="0" y="0"/>
+          <a:chExt cx="0" cy="0"/>
+        </a:xfrm>
+      </p:grpSpPr>
+      <p:sp>
+        <p:nvSpPr>
+          <p:cNvPr id="2" name="标题 1"/>
+          <p:cNvSpPr>
+            <a:spLocks noGrp="1"/>
+          </p:cNvSpPr>
+          <p:nvPr>
+            <p:ph type="title"/>
+          </p:nvPr>
+        </p:nvSpPr>
+        <p:spPr/>
+        <p:txBody>
+          <a:bodyPr/>
+          <a:lstStyle/>
+          <a:p>
+            <a:r>
+              <a:rPr lang="zh-CN" altLang="en-US" dirty="0"/>
+              <a:t>质量偏差</a:t>
+            </a:r>
+            <a:endParaRPr lang="zh-CN" altLang="en-US" dirty="0"/>
+          </a:p>
+        </p:txBody>
+      </p:sp>
+      <p:sp>
+        <p:nvSpPr>
+          <p:cNvPr id="3" name="内容占位符 2"/>
+          <p:cNvSpPr>
+            <a:spLocks noGrp="1"/>
+          </p:cNvSpPr>
+          <p:nvPr>
+            <p:ph idx="1"/>
+          </p:nvPr>
+        </p:nvSpPr>
+        <p:spPr/>
+        <p:txBody>
+          <a:bodyPr/>
+          <a:lstStyle/>
+          <a:p>
+            <a:r>
+              <a:rPr lang="zh-CN" altLang="en-US" sz="2400" dirty="0"/>
+              <a:t>由测试团队提供缺陷报告；</a:t>
+            </a:r>
+            <a:endParaRPr lang="en-US" altLang="zh-CN" sz="2400" dirty="0"/>
+          </a:p>
+          <a:p>
+            <a:r>
+              <a:rPr lang="zh-CN" altLang="en-US" sz="2400" dirty="0"/>
+              <a:t>通过在</a:t>
+            </a:r>
+            <a:r>
+              <a:rPr lang="en-US" altLang="zh-CN" sz="2400" dirty="0"/>
+              <a:t>Bug</a:t>
+            </a:r>
+            <a:r>
+              <a:rPr lang="zh-CN" altLang="en-US" sz="2400" dirty="0"/>
+              <a:t>管理工具中记录，例如</a:t>
+            </a:r>
+            <a:r>
+              <a:rPr lang="en-US" altLang="zh-CN" sz="2400" dirty="0" err="1"/>
+              <a:t>Bugfree</a:t>
+            </a:r>
+            <a:r>
+              <a:rPr lang="zh-CN" altLang="en-US" sz="2400" dirty="0"/>
+              <a:t>；</a:t>
+            </a:r>
+            <a:endParaRPr lang="en-US" altLang="zh-CN" sz="2400" dirty="0"/>
+          </a:p>
+        </p:txBody>
+      </p:sp>
+    </p:spTree>
+  </p:cSld>
+  <p:clrMapOvr>
+    <a:masterClrMapping/>
+  </p:clrMapOvr>
+</p:sld>
+</file>
+
+<file path=ppt/slides/slide39.xml><?xml version="1.0" encoding="utf-8"?>
 <p:sld xmlns:a="http://schemas.openxmlformats.org/drawingml/2006/main" xmlns:r="http://schemas.openxmlformats.org/officeDocument/2006/relationships" xmlns:p="http://schemas.openxmlformats.org/presentationml/2006/main">
   <p:cSld>
     <p:spTree>
@@ -17901,146 +18162,6 @@
 </p:sld>
 </file>
 
-<file path=ppt/slides/slide39.xml><?xml version="1.0" encoding="utf-8"?>
-<p:sld xmlns:a="http://schemas.openxmlformats.org/drawingml/2006/main" xmlns:r="http://schemas.openxmlformats.org/officeDocument/2006/relationships" xmlns:p="http://schemas.openxmlformats.org/presentationml/2006/main">
-  <p:cSld>
-    <p:spTree>
-      <p:nvGrpSpPr>
-        <p:cNvPr id="1" name=""/>
-        <p:cNvGrpSpPr/>
-        <p:nvPr/>
-      </p:nvGrpSpPr>
-      <p:grpSpPr>
-        <a:xfrm>
-          <a:off x="0" y="0"/>
-          <a:ext cx="0" cy="0"/>
-          <a:chOff x="0" y="0"/>
-          <a:chExt cx="0" cy="0"/>
-        </a:xfrm>
-      </p:grpSpPr>
-      <p:sp>
-        <p:nvSpPr>
-          <p:cNvPr id="2" name="标题 1"/>
-          <p:cNvSpPr>
-            <a:spLocks noGrp="1"/>
-          </p:cNvSpPr>
-          <p:nvPr>
-            <p:ph type="title"/>
-          </p:nvPr>
-        </p:nvSpPr>
-        <p:spPr/>
-        <p:txBody>
-          <a:bodyPr/>
-          <a:lstStyle/>
-          <a:p>
-            <a:r>
-              <a:rPr lang="en-US" altLang="zh-CN" sz="2800" dirty="0"/>
-              <a:t>4. </a:t>
-            </a:r>
-            <a:r>
-              <a:rPr lang="zh-CN" altLang="en-US" sz="2800" dirty="0"/>
-              <a:t>报告绩效、沟通变更</a:t>
-            </a:r>
-            <a:endParaRPr lang="zh-CN" altLang="en-US" dirty="0"/>
-          </a:p>
-        </p:txBody>
-      </p:sp>
-      <p:pic>
-        <p:nvPicPr>
-          <p:cNvPr id="4" name="图片 3"/>
-          <p:cNvPicPr>
-            <a:picLocks noChangeAspect="1"/>
-          </p:cNvPicPr>
-          <p:nvPr/>
-        </p:nvPicPr>
-        <p:blipFill>
-          <a:blip r:embed="rId1">
-            <a:extLst>
-              <a:ext uri="{28A0092B-C50C-407E-A947-70E740481C1C}">
-                <a14:useLocalDpi xmlns:a14="http://schemas.microsoft.com/office/drawing/2010/main" val="0"/>
-              </a:ext>
-            </a:extLst>
-          </a:blip>
-          <a:stretch>
-            <a:fillRect/>
-          </a:stretch>
-        </p:blipFill>
-        <p:spPr>
-          <a:xfrm>
-            <a:off x="1343660" y="1444625"/>
-            <a:ext cx="9472930" cy="4688205"/>
-          </a:xfrm>
-          <a:prstGeom prst="rect">
-            <a:avLst/>
-          </a:prstGeom>
-        </p:spPr>
-      </p:pic>
-      <p:sp>
-        <p:nvSpPr>
-          <p:cNvPr id="3" name="矩形 2"/>
-          <p:cNvSpPr/>
-          <p:nvPr/>
-        </p:nvSpPr>
-        <p:spPr bwMode="auto">
-          <a:xfrm>
-            <a:off x="6275705" y="2886075"/>
-            <a:ext cx="1740535" cy="522605"/>
-          </a:xfrm>
-          <a:prstGeom prst="rect">
-            <a:avLst/>
-          </a:prstGeom>
-          <a:noFill/>
-          <a:ln w="38100" cap="flat" cmpd="sng" algn="ctr">
-            <a:solidFill>
-              <a:srgbClr val="FF0000"/>
-            </a:solidFill>
-            <a:prstDash val="solid"/>
-            <a:round/>
-            <a:headEnd type="none" w="med" len="med"/>
-            <a:tailEnd type="none" w="med" len="med"/>
-          </a:ln>
-          <a:effectLst/>
-        </p:spPr>
-        <p:txBody>
-          <a:bodyPr vert="horz" wrap="none" lIns="90000" tIns="46800" rIns="90000" bIns="46800" numCol="1" rtlCol="0" anchor="ctr" anchorCtr="0" compatLnSpc="1"/>
-          <a:lstStyle/>
-          <a:p>
-            <a:pPr marL="0" marR="0" indent="0" algn="l" defTabSz="914400" rtl="0" eaLnBrk="1" fontAlgn="base" latinLnBrk="0" hangingPunct="1">
-              <a:lnSpc>
-                <a:spcPct val="100000"/>
-              </a:lnSpc>
-              <a:spcBef>
-                <a:spcPct val="0"/>
-              </a:spcBef>
-              <a:spcAft>
-                <a:spcPct val="0"/>
-              </a:spcAft>
-              <a:buClrTx/>
-              <a:buSzTx/>
-              <a:buFontTx/>
-              <a:buNone/>
-            </a:pPr>
-            <a:endParaRPr kumimoji="0" lang="zh-CN" altLang="en-US" sz="2000" b="0" i="0" u="none" strike="noStrike" cap="none" normalizeH="0" baseline="0">
-              <a:ln>
-                <a:noFill/>
-              </a:ln>
-              <a:solidFill>
-                <a:schemeClr val="tx1"/>
-              </a:solidFill>
-              <a:effectLst/>
-              <a:latin typeface="Arial" panose="020B0604020202020204" pitchFamily="34" charset="0"/>
-            </a:endParaRPr>
-          </a:p>
-        </p:txBody>
-      </p:sp>
-    </p:spTree>
-  </p:cSld>
-  <p:clrMapOvr>
-    <a:masterClrMapping/>
-  </p:clrMapOvr>
-</p:sld>
-</file>
-
 <file path=ppt/slides/slide4.xml><?xml version="1.0" encoding="utf-8"?>
 <p:sld xmlns:a="http://schemas.openxmlformats.org/drawingml/2006/main" xmlns:r="http://schemas.openxmlformats.org/officeDocument/2006/relationships" xmlns:p="http://schemas.openxmlformats.org/presentationml/2006/main">
   <p:cSld>
@@ -18152,91 +18273,102 @@
           <a:lstStyle/>
           <a:p>
             <a:r>
-              <a:rPr lang="zh-CN" altLang="en-US" dirty="0"/>
-              <a:t>报告绩效情况</a:t>
+              <a:rPr lang="en-US" altLang="zh-CN" sz="2800" dirty="0"/>
+              <a:t>5. </a:t>
+            </a:r>
+            <a:r>
+              <a:rPr lang="zh-CN" altLang="en-US" sz="2800" dirty="0"/>
+              <a:t>报告绩效、沟通变更</a:t>
             </a:r>
             <a:endParaRPr lang="zh-CN" altLang="en-US" dirty="0"/>
           </a:p>
         </p:txBody>
       </p:sp>
+      <p:pic>
+        <p:nvPicPr>
+          <p:cNvPr id="4" name="图片 3"/>
+          <p:cNvPicPr>
+            <a:picLocks noChangeAspect="1"/>
+          </p:cNvPicPr>
+          <p:nvPr/>
+        </p:nvPicPr>
+        <p:blipFill>
+          <a:blip r:embed="rId1">
+            <a:extLst>
+              <a:ext uri="{28A0092B-C50C-407E-A947-70E740481C1C}">
+                <a14:useLocalDpi xmlns:a14="http://schemas.microsoft.com/office/drawing/2010/main" val="0"/>
+              </a:ext>
+            </a:extLst>
+          </a:blip>
+          <a:stretch>
+            <a:fillRect/>
+          </a:stretch>
+        </p:blipFill>
+        <p:spPr>
+          <a:xfrm>
+            <a:off x="1343660" y="1444625"/>
+            <a:ext cx="9472930" cy="4688205"/>
+          </a:xfrm>
+          <a:prstGeom prst="rect">
+            <a:avLst/>
+          </a:prstGeom>
+        </p:spPr>
+      </p:pic>
       <p:sp>
         <p:nvSpPr>
-          <p:cNvPr id="3" name="内容占位符 2"/>
-          <p:cNvSpPr>
-            <a:spLocks noGrp="1"/>
-          </p:cNvSpPr>
-          <p:nvPr>
-            <p:ph idx="1"/>
-          </p:nvPr>
+          <p:cNvPr id="3" name="矩形 2"/>
+          <p:cNvSpPr/>
+          <p:nvPr/>
         </p:nvSpPr>
-        <p:spPr/>
+        <p:spPr bwMode="auto">
+          <a:xfrm>
+            <a:off x="6275705" y="2886075"/>
+            <a:ext cx="1740535" cy="522605"/>
+          </a:xfrm>
+          <a:prstGeom prst="rect">
+            <a:avLst/>
+          </a:prstGeom>
+          <a:noFill/>
+          <a:ln w="38100" cap="flat" cmpd="sng" algn="ctr">
+            <a:solidFill>
+              <a:srgbClr val="FF0000"/>
+            </a:solidFill>
+            <a:prstDash val="solid"/>
+            <a:round/>
+            <a:headEnd type="none" w="med" len="med"/>
+            <a:tailEnd type="none" w="med" len="med"/>
+          </a:ln>
+          <a:effectLst/>
+        </p:spPr>
         <p:txBody>
-          <a:bodyPr/>
+          <a:bodyPr vert="horz" wrap="none" lIns="90000" tIns="46800" rIns="90000" bIns="46800" numCol="1" rtlCol="0" anchor="ctr" anchorCtr="0" compatLnSpc="1"/>
           <a:lstStyle/>
           <a:p>
-            <a:r>
-              <a:rPr lang="zh-CN" altLang="en-US" sz="2400" dirty="0"/>
-              <a:t>在整个项目生命周期中，按沟通管理计划向项目干系人（主要是发起人、客户、内部核心成员）提供绩效指标信息</a:t>
-            </a:r>
-            <a:endParaRPr lang="en-US" altLang="zh-CN" sz="2400" dirty="0"/>
-          </a:p>
-          <a:p>
-            <a:r>
-              <a:rPr lang="zh-CN" altLang="en-US" sz="2400" dirty="0"/>
-              <a:t>方法：面对面、电话、邮件、计算机聊天等；</a:t>
-            </a:r>
-            <a:endParaRPr lang="en-US" altLang="zh-CN" sz="2400" dirty="0"/>
-          </a:p>
-          <a:p>
-            <a:r>
-              <a:rPr lang="zh-CN" altLang="en-US" sz="2400" dirty="0"/>
-              <a:t>内容：</a:t>
-            </a:r>
-            <a:endParaRPr lang="en-US" altLang="zh-CN" sz="2400" dirty="0"/>
-          </a:p>
-          <a:p>
-            <a:pPr lvl="2"/>
-            <a:r>
-              <a:rPr lang="zh-CN" altLang="en-US" sz="2000" dirty="0"/>
-              <a:t>绩效分析； </a:t>
-            </a:r>
-            <a:endParaRPr lang="en-US" altLang="zh-CN" sz="2000" dirty="0"/>
-          </a:p>
-          <a:p>
-            <a:pPr lvl="2"/>
-            <a:r>
-              <a:rPr lang="zh-CN" altLang="en-US" sz="2000" dirty="0"/>
-              <a:t>本报告期完成的工作； </a:t>
-            </a:r>
-            <a:endParaRPr lang="en-US" altLang="zh-CN" sz="2000" dirty="0"/>
-          </a:p>
-          <a:p>
-            <a:pPr lvl="2"/>
-            <a:r>
-              <a:rPr lang="zh-CN" altLang="en-US" sz="2000" dirty="0"/>
-              <a:t>下一报告期将要完成的工作； </a:t>
-            </a:r>
-            <a:endParaRPr lang="en-US" altLang="zh-CN" sz="2000" dirty="0"/>
-          </a:p>
-          <a:p>
-            <a:pPr lvl="2"/>
-            <a:r>
-              <a:rPr lang="zh-CN" altLang="en-US" sz="2000" dirty="0"/>
-              <a:t>当前的风险和问题状态； </a:t>
-            </a:r>
-            <a:endParaRPr lang="en-US" altLang="zh-CN" sz="2000" dirty="0"/>
-          </a:p>
-          <a:p>
-            <a:pPr lvl="2"/>
-            <a:r>
-              <a:rPr lang="zh-CN" altLang="en-US" sz="2000" dirty="0"/>
-              <a:t>本期批准的变更汇总； </a:t>
-            </a:r>
-            <a:endParaRPr lang="en-US" altLang="zh-CN" sz="2000" dirty="0"/>
-          </a:p>
-          <a:p>
-            <a:pPr lvl="1"/>
-            <a:endParaRPr lang="en-US" altLang="zh-CN" sz="2200" dirty="0"/>
+            <a:pPr marL="0" marR="0" indent="0" algn="l" defTabSz="914400" rtl="0" eaLnBrk="1" fontAlgn="base" latinLnBrk="0" hangingPunct="1">
+              <a:lnSpc>
+                <a:spcPct val="100000"/>
+              </a:lnSpc>
+              <a:spcBef>
+                <a:spcPct val="0"/>
+              </a:spcBef>
+              <a:spcAft>
+                <a:spcPct val="0"/>
+              </a:spcAft>
+              <a:buClrTx/>
+              <a:buSzTx/>
+              <a:buFontTx/>
+              <a:buNone/>
+            </a:pPr>
+            <a:endParaRPr kumimoji="0" lang="zh-CN" altLang="en-US" sz="2000" b="0" i="0" u="none" strike="noStrike" cap="none" normalizeH="0" baseline="0">
+              <a:ln>
+                <a:noFill/>
+              </a:ln>
+              <a:solidFill>
+                <a:schemeClr val="tx1"/>
+              </a:solidFill>
+              <a:effectLst/>
+              <a:latin typeface="Arial" panose="020B0604020202020204" pitchFamily="34" charset="0"/>
+            </a:endParaRPr>
           </a:p>
         </p:txBody>
       </p:sp>
@@ -18282,7 +18414,7 @@
           <a:p>
             <a:r>
               <a:rPr lang="zh-CN" altLang="en-US" dirty="0"/>
-              <a:t>沟通变更</a:t>
+              <a:t>报告绩效情况</a:t>
             </a:r>
             <a:endParaRPr lang="zh-CN" altLang="en-US" dirty="0"/>
           </a:p>
@@ -18305,46 +18437,67 @@
           <a:p>
             <a:r>
               <a:rPr lang="zh-CN" altLang="en-US" sz="2400" dirty="0"/>
-              <a:t>有两种常见情况会触发变更：</a:t>
+              <a:t>在整个项目生命周期中，按沟通管理计划向项目干系人（主要是发起人、客户、内部核心成员）提供绩效指标信息</a:t>
             </a:r>
             <a:endParaRPr lang="en-US" altLang="zh-CN" sz="2400" dirty="0"/>
           </a:p>
           <a:p>
-            <a:pPr marL="639445" lvl="1" indent="-457200">
-              <a:buFont typeface="+mj-lt"/>
-              <a:buAutoNum type="arabicPeriod"/>
-            </a:pPr>
-            <a:r>
-              <a:rPr lang="zh-CN" altLang="en-US" sz="2200" dirty="0"/>
-              <a:t>绩效评审发现项目的进展偏差较大，必须加以纠正；</a:t>
-            </a:r>
+            <a:r>
+              <a:rPr lang="zh-CN" altLang="en-US" sz="2400" dirty="0"/>
+              <a:t>方法：面对面、电话、邮件、计算机聊天等；</a:t>
+            </a:r>
+            <a:endParaRPr lang="en-US" altLang="zh-CN" sz="2400" dirty="0"/>
+          </a:p>
+          <a:p>
+            <a:r>
+              <a:rPr lang="zh-CN" altLang="en-US" sz="2400" dirty="0"/>
+              <a:t>内容：</a:t>
+            </a:r>
+            <a:endParaRPr lang="en-US" altLang="zh-CN" sz="2400" dirty="0"/>
+          </a:p>
+          <a:p>
+            <a:pPr lvl="2"/>
+            <a:r>
+              <a:rPr lang="zh-CN" altLang="en-US" sz="2000" dirty="0"/>
+              <a:t>绩效分析； </a:t>
+            </a:r>
+            <a:endParaRPr lang="en-US" altLang="zh-CN" sz="2000" dirty="0"/>
+          </a:p>
+          <a:p>
+            <a:pPr lvl="2"/>
+            <a:r>
+              <a:rPr lang="zh-CN" altLang="en-US" sz="2000" dirty="0"/>
+              <a:t>本报告期完成的工作； </a:t>
+            </a:r>
+            <a:endParaRPr lang="en-US" altLang="zh-CN" sz="2000" dirty="0"/>
+          </a:p>
+          <a:p>
+            <a:pPr lvl="2"/>
+            <a:r>
+              <a:rPr lang="zh-CN" altLang="en-US" sz="2000" dirty="0"/>
+              <a:t>下一报告期将要完成的工作； </a:t>
+            </a:r>
+            <a:endParaRPr lang="en-US" altLang="zh-CN" sz="2000" dirty="0"/>
+          </a:p>
+          <a:p>
+            <a:pPr lvl="2"/>
+            <a:r>
+              <a:rPr lang="zh-CN" altLang="en-US" sz="2000" dirty="0"/>
+              <a:t>当前的风险和问题状态； </a:t>
+            </a:r>
+            <a:endParaRPr lang="en-US" altLang="zh-CN" sz="2000" dirty="0"/>
+          </a:p>
+          <a:p>
+            <a:pPr lvl="2"/>
+            <a:r>
+              <a:rPr lang="zh-CN" altLang="en-US" sz="2000" dirty="0"/>
+              <a:t>本期批准的变更汇总； </a:t>
+            </a:r>
+            <a:endParaRPr lang="en-US" altLang="zh-CN" sz="2000" dirty="0"/>
+          </a:p>
+          <a:p>
+            <a:pPr lvl="1"/>
             <a:endParaRPr lang="en-US" altLang="zh-CN" sz="2200" dirty="0"/>
-          </a:p>
-          <a:p>
-            <a:pPr marL="639445" lvl="1" indent="-457200">
-              <a:buFont typeface="+mj-lt"/>
-              <a:buAutoNum type="arabicPeriod"/>
-            </a:pPr>
-            <a:r>
-              <a:rPr lang="zh-CN" altLang="en-US" sz="2200" dirty="0"/>
-              <a:t>客户或其他任何人提出了有意义的变更建议；</a:t>
-            </a:r>
-            <a:endParaRPr lang="en-US" altLang="zh-CN" sz="2200" dirty="0"/>
-          </a:p>
-          <a:p>
-            <a:r>
-              <a:rPr lang="zh-CN" altLang="en-US" sz="2400" dirty="0">
-                <a:solidFill>
-                  <a:srgbClr val="FF0000"/>
-                </a:solidFill>
-              </a:rPr>
-              <a:t>无论是何种情况的变更需求，都必须经过变更控制过程，不能私自进行；</a:t>
-            </a:r>
-            <a:endParaRPr lang="zh-CN" altLang="en-US" sz="2400" dirty="0">
-              <a:solidFill>
-                <a:srgbClr val="FF0000"/>
-              </a:solidFill>
-            </a:endParaRPr>
           </a:p>
         </p:txBody>
       </p:sp>
@@ -18389,8 +18542,116 @@
           <a:lstStyle/>
           <a:p>
             <a:r>
+              <a:rPr lang="zh-CN" altLang="en-US" dirty="0"/>
+              <a:t>沟通变更</a:t>
+            </a:r>
+            <a:endParaRPr lang="zh-CN" altLang="en-US" dirty="0"/>
+          </a:p>
+        </p:txBody>
+      </p:sp>
+      <p:sp>
+        <p:nvSpPr>
+          <p:cNvPr id="3" name="内容占位符 2"/>
+          <p:cNvSpPr>
+            <a:spLocks noGrp="1"/>
+          </p:cNvSpPr>
+          <p:nvPr>
+            <p:ph idx="1"/>
+          </p:nvPr>
+        </p:nvSpPr>
+        <p:spPr/>
+        <p:txBody>
+          <a:bodyPr/>
+          <a:lstStyle/>
+          <a:p>
+            <a:r>
+              <a:rPr lang="zh-CN" altLang="en-US" sz="2400" dirty="0"/>
+              <a:t>有两种常见情况会触发变更：</a:t>
+            </a:r>
+            <a:endParaRPr lang="en-US" altLang="zh-CN" sz="2400" dirty="0"/>
+          </a:p>
+          <a:p>
+            <a:pPr marL="639445" lvl="1" indent="-457200">
+              <a:buFont typeface="+mj-lt"/>
+              <a:buAutoNum type="arabicPeriod"/>
+            </a:pPr>
+            <a:r>
+              <a:rPr lang="zh-CN" altLang="en-US" sz="2200" dirty="0"/>
+              <a:t>绩效评审发现项目的进展偏差较大，必须加以纠正；</a:t>
+            </a:r>
+            <a:endParaRPr lang="en-US" altLang="zh-CN" sz="2200" dirty="0"/>
+          </a:p>
+          <a:p>
+            <a:pPr marL="639445" lvl="1" indent="-457200">
+              <a:buFont typeface="+mj-lt"/>
+              <a:buAutoNum type="arabicPeriod"/>
+            </a:pPr>
+            <a:r>
+              <a:rPr lang="zh-CN" altLang="en-US" sz="2200" dirty="0"/>
+              <a:t>客户或其他任何人提出了有意义的变更建议；</a:t>
+            </a:r>
+            <a:endParaRPr lang="en-US" altLang="zh-CN" sz="2200" dirty="0"/>
+          </a:p>
+          <a:p>
+            <a:r>
+              <a:rPr lang="zh-CN" altLang="en-US" sz="2400" dirty="0">
+                <a:solidFill>
+                  <a:srgbClr val="FF0000"/>
+                </a:solidFill>
+              </a:rPr>
+              <a:t>无论是何种情况的变更需求，都必须经过变更控制过程，不能私自进行；</a:t>
+            </a:r>
+            <a:endParaRPr lang="zh-CN" altLang="en-US" sz="2400" dirty="0">
+              <a:solidFill>
+                <a:srgbClr val="FF0000"/>
+              </a:solidFill>
+            </a:endParaRPr>
+          </a:p>
+        </p:txBody>
+      </p:sp>
+    </p:spTree>
+  </p:cSld>
+  <p:clrMapOvr>
+    <a:masterClrMapping/>
+  </p:clrMapOvr>
+</p:sld>
+</file>
+
+<file path=ppt/slides/slide43.xml><?xml version="1.0" encoding="utf-8"?>
+<p:sld xmlns:a="http://schemas.openxmlformats.org/drawingml/2006/main" xmlns:r="http://schemas.openxmlformats.org/officeDocument/2006/relationships" xmlns:p="http://schemas.openxmlformats.org/presentationml/2006/main">
+  <p:cSld>
+    <p:spTree>
+      <p:nvGrpSpPr>
+        <p:cNvPr id="1" name=""/>
+        <p:cNvGrpSpPr/>
+        <p:nvPr/>
+      </p:nvGrpSpPr>
+      <p:grpSpPr>
+        <a:xfrm>
+          <a:off x="0" y="0"/>
+          <a:ext cx="0" cy="0"/>
+          <a:chOff x="0" y="0"/>
+          <a:chExt cx="0" cy="0"/>
+        </a:xfrm>
+      </p:grpSpPr>
+      <p:sp>
+        <p:nvSpPr>
+          <p:cNvPr id="2" name="标题 1"/>
+          <p:cNvSpPr>
+            <a:spLocks noGrp="1"/>
+          </p:cNvSpPr>
+          <p:nvPr>
+            <p:ph type="title"/>
+          </p:nvPr>
+        </p:nvSpPr>
+        <p:spPr/>
+        <p:txBody>
+          <a:bodyPr/>
+          <a:lstStyle/>
+          <a:p>
+            <a:r>
               <a:rPr lang="en-US" altLang="zh-CN" sz="2800" dirty="0"/>
-              <a:t>5. </a:t>
+              <a:t>6. </a:t>
             </a:r>
             <a:r>
               <a:rPr lang="zh-CN" altLang="en-US" sz="2800" dirty="0"/>
@@ -18504,7 +18765,7 @@
 </p:sld>
 </file>
 
-<file path=ppt/slides/slide43.xml><?xml version="1.0" encoding="utf-8"?>
+<file path=ppt/slides/slide44.xml><?xml version="1.0" encoding="utf-8"?>
 <p:sld xmlns:a="http://schemas.openxmlformats.org/drawingml/2006/main" xmlns:r="http://schemas.openxmlformats.org/officeDocument/2006/relationships" xmlns:p="http://schemas.openxmlformats.org/presentationml/2006/main">
   <p:cSld>
     <p:spTree>
@@ -19220,81 +19481,81 @@
           <a:p>
             <a:r>
               <a:rPr lang="en-US" altLang="zh-CN" dirty="0">
-                <a:latin typeface="方正姚体" pitchFamily="2" charset="-122"/>
-                <a:ea typeface="方正姚体" pitchFamily="2" charset="-122"/>
+                <a:latin typeface="方正姚体" panose="02010601030101010101" pitchFamily="2" charset="-122"/>
+                <a:ea typeface="方正姚体" panose="02010601030101010101" pitchFamily="2" charset="-122"/>
               </a:rPr>
               <a:t>B,   Baseline:</a:t>
             </a:r>
             <a:r>
               <a:rPr lang="zh-CN" altLang="en-US" dirty="0">
-                <a:latin typeface="方正姚体" pitchFamily="2" charset="-122"/>
-                <a:ea typeface="方正姚体" pitchFamily="2" charset="-122"/>
+                <a:latin typeface="方正姚体" panose="02010601030101010101" pitchFamily="2" charset="-122"/>
+                <a:ea typeface="方正姚体" panose="02010601030101010101" pitchFamily="2" charset="-122"/>
               </a:rPr>
               <a:t>基准计划；</a:t>
             </a:r>
             <a:endParaRPr lang="en-US" altLang="zh-CN" dirty="0">
-              <a:latin typeface="方正姚体" pitchFamily="2" charset="-122"/>
-              <a:ea typeface="方正姚体" pitchFamily="2" charset="-122"/>
+              <a:latin typeface="方正姚体" panose="02010601030101010101" pitchFamily="2" charset="-122"/>
+              <a:ea typeface="方正姚体" panose="02010601030101010101" pitchFamily="2" charset="-122"/>
             </a:endParaRPr>
           </a:p>
           <a:p>
             <a:r>
               <a:rPr lang="en-US" altLang="zh-CN" dirty="0">
-                <a:latin typeface="方正姚体" pitchFamily="2" charset="-122"/>
-                <a:ea typeface="方正姚体" pitchFamily="2" charset="-122"/>
+                <a:latin typeface="方正姚体" panose="02010601030101010101" pitchFamily="2" charset="-122"/>
+                <a:ea typeface="方正姚体" panose="02010601030101010101" pitchFamily="2" charset="-122"/>
               </a:rPr>
               <a:t>A,   Active:</a:t>
             </a:r>
             <a:r>
               <a:rPr lang="zh-CN" altLang="en-US" dirty="0">
-                <a:latin typeface="方正姚体" pitchFamily="2" charset="-122"/>
-                <a:ea typeface="方正姚体" pitchFamily="2" charset="-122"/>
+                <a:latin typeface="方正姚体" panose="02010601030101010101" pitchFamily="2" charset="-122"/>
+                <a:ea typeface="方正姚体" panose="02010601030101010101" pitchFamily="2" charset="-122"/>
               </a:rPr>
               <a:t>实际执行状况；</a:t>
             </a:r>
             <a:endParaRPr lang="en-US" altLang="zh-CN" dirty="0">
-              <a:latin typeface="方正姚体" pitchFamily="2" charset="-122"/>
-              <a:ea typeface="方正姚体" pitchFamily="2" charset="-122"/>
+              <a:latin typeface="方正姚体" panose="02010601030101010101" pitchFamily="2" charset="-122"/>
+              <a:ea typeface="方正姚体" panose="02010601030101010101" pitchFamily="2" charset="-122"/>
             </a:endParaRPr>
           </a:p>
           <a:p>
             <a:r>
               <a:rPr lang="en-US" altLang="zh-CN" dirty="0">
-                <a:latin typeface="方正姚体" pitchFamily="2" charset="-122"/>
-                <a:ea typeface="方正姚体" pitchFamily="2" charset="-122"/>
+                <a:latin typeface="方正姚体" panose="02010601030101010101" pitchFamily="2" charset="-122"/>
+                <a:ea typeface="方正姚体" panose="02010601030101010101" pitchFamily="2" charset="-122"/>
               </a:rPr>
               <a:t>C,   Control:</a:t>
             </a:r>
             <a:r>
               <a:rPr lang="zh-CN" altLang="en-US" dirty="0">
-                <a:latin typeface="方正姚体" pitchFamily="2" charset="-122"/>
-                <a:ea typeface="方正姚体" pitchFamily="2" charset="-122"/>
+                <a:latin typeface="方正姚体" panose="02010601030101010101" pitchFamily="2" charset="-122"/>
+                <a:ea typeface="方正姚体" panose="02010601030101010101" pitchFamily="2" charset="-122"/>
               </a:rPr>
               <a:t>控制计划和行动；</a:t>
             </a:r>
             <a:endParaRPr lang="en-US" altLang="zh-CN" dirty="0">
-              <a:latin typeface="方正姚体" pitchFamily="2" charset="-122"/>
-              <a:ea typeface="方正姚体" pitchFamily="2" charset="-122"/>
+              <a:latin typeface="方正姚体" panose="02010601030101010101" pitchFamily="2" charset="-122"/>
+              <a:ea typeface="方正姚体" panose="02010601030101010101" pitchFamily="2" charset="-122"/>
             </a:endParaRPr>
           </a:p>
           <a:p>
             <a:r>
               <a:rPr lang="en-US" altLang="zh-CN" dirty="0">
-                <a:latin typeface="方正姚体" pitchFamily="2" charset="-122"/>
-                <a:ea typeface="方正姚体" pitchFamily="2" charset="-122"/>
+                <a:latin typeface="方正姚体" panose="02010601030101010101" pitchFamily="2" charset="-122"/>
+                <a:ea typeface="方正姚体" panose="02010601030101010101" pitchFamily="2" charset="-122"/>
               </a:rPr>
               <a:t>W,   Wrong:</a:t>
             </a:r>
             <a:r>
               <a:rPr lang="zh-CN" altLang="en-US" dirty="0">
-                <a:latin typeface="方正姚体" pitchFamily="2" charset="-122"/>
-                <a:ea typeface="方正姚体" pitchFamily="2" charset="-122"/>
+                <a:latin typeface="方正姚体" panose="02010601030101010101" pitchFamily="2" charset="-122"/>
+                <a:ea typeface="方正姚体" panose="02010601030101010101" pitchFamily="2" charset="-122"/>
               </a:rPr>
               <a:t>错误的控制思想；</a:t>
             </a:r>
             <a:endParaRPr lang="zh-CN" altLang="en-US" dirty="0">
-              <a:latin typeface="方正姚体" pitchFamily="2" charset="-122"/>
-              <a:ea typeface="方正姚体" pitchFamily="2" charset="-122"/>
+              <a:latin typeface="方正姚体" panose="02010601030101010101" pitchFamily="2" charset="-122"/>
+              <a:ea typeface="方正姚体" panose="02010601030101010101" pitchFamily="2" charset="-122"/>
             </a:endParaRPr>
           </a:p>
         </p:txBody>
@@ -20334,7 +20595,7 @@
 </p:sld>
 </file>
 
-<file path=ppt/slides/slide44.xml><?xml version="1.0" encoding="utf-8"?>
+<file path=ppt/slides/slide45.xml><?xml version="1.0" encoding="utf-8"?>
 <p:sld xmlns:a="http://schemas.openxmlformats.org/drawingml/2006/main" xmlns:r="http://schemas.openxmlformats.org/officeDocument/2006/relationships" xmlns:p="http://schemas.openxmlformats.org/presentationml/2006/main">
   <p:cSld>
     <p:spTree>
@@ -20443,121 +20704,6 @@
 </p:sld>
 </file>
 
-<file path=ppt/slides/slide45.xml><?xml version="1.0" encoding="utf-8"?>
-<p:sld xmlns:a="http://schemas.openxmlformats.org/drawingml/2006/main" xmlns:r="http://schemas.openxmlformats.org/officeDocument/2006/relationships" xmlns:p="http://schemas.openxmlformats.org/presentationml/2006/main">
-  <p:cSld>
-    <p:spTree>
-      <p:nvGrpSpPr>
-        <p:cNvPr id="1" name=""/>
-        <p:cNvGrpSpPr/>
-        <p:nvPr/>
-      </p:nvGrpSpPr>
-      <p:grpSpPr>
-        <a:xfrm>
-          <a:off x="0" y="0"/>
-          <a:ext cx="0" cy="0"/>
-          <a:chOff x="0" y="0"/>
-          <a:chExt cx="0" cy="0"/>
-        </a:xfrm>
-      </p:grpSpPr>
-      <p:sp>
-        <p:nvSpPr>
-          <p:cNvPr id="2" name="标题 1"/>
-          <p:cNvSpPr>
-            <a:spLocks noGrp="1"/>
-          </p:cNvSpPr>
-          <p:nvPr>
-            <p:ph type="title"/>
-          </p:nvPr>
-        </p:nvSpPr>
-        <p:spPr/>
-        <p:txBody>
-          <a:bodyPr/>
-          <a:lstStyle/>
-          <a:p>
-            <a:r>
-              <a:rPr lang="zh-CN" altLang="en-US"/>
-              <a:t>变更控制委员会</a:t>
-            </a:r>
-            <a:br>
-              <a:rPr lang="en-US" altLang="zh-CN" dirty="0"/>
-            </a:br>
-            <a:endParaRPr lang="zh-CN" altLang="en-US" dirty="0"/>
-          </a:p>
-        </p:txBody>
-      </p:sp>
-      <p:sp>
-        <p:nvSpPr>
-          <p:cNvPr id="3" name="内容占位符 2"/>
-          <p:cNvSpPr>
-            <a:spLocks noGrp="1"/>
-          </p:cNvSpPr>
-          <p:nvPr>
-            <p:ph idx="1"/>
-          </p:nvPr>
-        </p:nvSpPr>
-        <p:spPr/>
-        <p:txBody>
-          <a:bodyPr/>
-          <a:lstStyle/>
-          <a:p>
-            <a:r>
-              <a:rPr lang="zh-CN" altLang="en-US" sz="2400" dirty="0"/>
-              <a:t>变更控制委员会负责接收与审查变更请求，并批准或否决这些变更请求； </a:t>
-            </a:r>
-            <a:endParaRPr lang="en-US" altLang="zh-CN" sz="2400" dirty="0"/>
-          </a:p>
-          <a:p>
-            <a:r>
-              <a:rPr lang="zh-CN" altLang="en-US" sz="2400" dirty="0"/>
-              <a:t>应该明确规定这些委员会的角色和职责，并经相关干系人一致同意； </a:t>
-            </a:r>
-            <a:endParaRPr lang="en-US" altLang="zh-CN" sz="2400" dirty="0"/>
-          </a:p>
-          <a:p>
-            <a:pPr lvl="1"/>
-            <a:r>
-              <a:rPr lang="zh-CN" altLang="en-US" sz="2200" dirty="0">
-                <a:solidFill>
-                  <a:srgbClr val="FF0000"/>
-                </a:solidFill>
-              </a:rPr>
-              <a:t>成员通常包括项目经理、客户代表、发起人、专家；</a:t>
-            </a:r>
-            <a:endParaRPr lang="en-US" altLang="zh-CN" sz="2200" dirty="0">
-              <a:solidFill>
-                <a:srgbClr val="FF0000"/>
-              </a:solidFill>
-            </a:endParaRPr>
-          </a:p>
-          <a:p>
-            <a:r>
-              <a:rPr lang="zh-CN" altLang="en-US" sz="2400" dirty="0"/>
-              <a:t>变更控制委员会的所有决策都应记录在案，并传递给干系人，以便采取后续措施； </a:t>
-            </a:r>
-            <a:endParaRPr lang="en-US" altLang="zh-CN" sz="2400" dirty="0"/>
-          </a:p>
-          <a:p>
-            <a:pPr lvl="1"/>
-            <a:r>
-              <a:rPr lang="zh-CN" altLang="en-US" sz="2200" dirty="0"/>
-              <a:t>为提高项目的工作效率，通常普通变更由项目经理批准，重要变更才由变更控制委员会批准；</a:t>
-            </a:r>
-            <a:endParaRPr lang="en-US" altLang="zh-CN" sz="2200" dirty="0"/>
-          </a:p>
-          <a:p>
-            <a:endParaRPr lang="zh-CN" altLang="en-US" sz="2400" dirty="0"/>
-          </a:p>
-        </p:txBody>
-      </p:sp>
-    </p:spTree>
-  </p:cSld>
-  <p:clrMapOvr>
-    <a:masterClrMapping/>
-  </p:clrMapOvr>
-</p:sld>
-</file>
-
 <file path=ppt/slides/slide46.xml><?xml version="1.0" encoding="utf-8"?>
 <p:sld xmlns:a="http://schemas.openxmlformats.org/drawingml/2006/main" xmlns:r="http://schemas.openxmlformats.org/officeDocument/2006/relationships" xmlns:p="http://schemas.openxmlformats.org/presentationml/2006/main">
   <p:cSld>
@@ -20591,8 +20737,123 @@
           <a:lstStyle/>
           <a:p>
             <a:r>
+              <a:rPr lang="zh-CN" altLang="en-US"/>
+              <a:t>变更控制委员会</a:t>
+            </a:r>
+            <a:br>
+              <a:rPr lang="en-US" altLang="zh-CN" dirty="0"/>
+            </a:br>
+            <a:endParaRPr lang="zh-CN" altLang="en-US" dirty="0"/>
+          </a:p>
+        </p:txBody>
+      </p:sp>
+      <p:sp>
+        <p:nvSpPr>
+          <p:cNvPr id="3" name="内容占位符 2"/>
+          <p:cNvSpPr>
+            <a:spLocks noGrp="1"/>
+          </p:cNvSpPr>
+          <p:nvPr>
+            <p:ph idx="1"/>
+          </p:nvPr>
+        </p:nvSpPr>
+        <p:spPr/>
+        <p:txBody>
+          <a:bodyPr/>
+          <a:lstStyle/>
+          <a:p>
+            <a:r>
+              <a:rPr lang="zh-CN" altLang="en-US" sz="2400" dirty="0"/>
+              <a:t>变更控制委员会负责接收与审查变更请求，并批准或否决这些变更请求； </a:t>
+            </a:r>
+            <a:endParaRPr lang="en-US" altLang="zh-CN" sz="2400" dirty="0"/>
+          </a:p>
+          <a:p>
+            <a:r>
+              <a:rPr lang="zh-CN" altLang="en-US" sz="2400" dirty="0"/>
+              <a:t>应该明确规定这些委员会的角色和职责，并经相关干系人一致同意； </a:t>
+            </a:r>
+            <a:endParaRPr lang="en-US" altLang="zh-CN" sz="2400" dirty="0"/>
+          </a:p>
+          <a:p>
+            <a:pPr lvl="1"/>
+            <a:r>
+              <a:rPr lang="zh-CN" altLang="en-US" sz="2200" dirty="0">
+                <a:solidFill>
+                  <a:srgbClr val="FF0000"/>
+                </a:solidFill>
+              </a:rPr>
+              <a:t>成员通常包括项目经理、客户代表、发起人、专家；</a:t>
+            </a:r>
+            <a:endParaRPr lang="en-US" altLang="zh-CN" sz="2200" dirty="0">
+              <a:solidFill>
+                <a:srgbClr val="FF0000"/>
+              </a:solidFill>
+            </a:endParaRPr>
+          </a:p>
+          <a:p>
+            <a:r>
+              <a:rPr lang="zh-CN" altLang="en-US" sz="2400" dirty="0"/>
+              <a:t>变更控制委员会的所有决策都应记录在案，并传递给干系人，以便采取后续措施； </a:t>
+            </a:r>
+            <a:endParaRPr lang="en-US" altLang="zh-CN" sz="2400" dirty="0"/>
+          </a:p>
+          <a:p>
+            <a:pPr lvl="1"/>
+            <a:r>
+              <a:rPr lang="zh-CN" altLang="en-US" sz="2200" dirty="0"/>
+              <a:t>为提高项目的工作效率，通常普通变更由项目经理批准，重要变更才由变更控制委员会批准；</a:t>
+            </a:r>
+            <a:endParaRPr lang="en-US" altLang="zh-CN" sz="2200" dirty="0"/>
+          </a:p>
+          <a:p>
+            <a:endParaRPr lang="zh-CN" altLang="en-US" sz="2400" dirty="0"/>
+          </a:p>
+        </p:txBody>
+      </p:sp>
+    </p:spTree>
+  </p:cSld>
+  <p:clrMapOvr>
+    <a:masterClrMapping/>
+  </p:clrMapOvr>
+</p:sld>
+</file>
+
+<file path=ppt/slides/slide47.xml><?xml version="1.0" encoding="utf-8"?>
+<p:sld xmlns:a="http://schemas.openxmlformats.org/drawingml/2006/main" xmlns:r="http://schemas.openxmlformats.org/officeDocument/2006/relationships" xmlns:p="http://schemas.openxmlformats.org/presentationml/2006/main">
+  <p:cSld>
+    <p:spTree>
+      <p:nvGrpSpPr>
+        <p:cNvPr id="1" name=""/>
+        <p:cNvGrpSpPr/>
+        <p:nvPr/>
+      </p:nvGrpSpPr>
+      <p:grpSpPr>
+        <a:xfrm>
+          <a:off x="0" y="0"/>
+          <a:ext cx="0" cy="0"/>
+          <a:chOff x="0" y="0"/>
+          <a:chExt cx="0" cy="0"/>
+        </a:xfrm>
+      </p:grpSpPr>
+      <p:sp>
+        <p:nvSpPr>
+          <p:cNvPr id="2" name="标题 1"/>
+          <p:cNvSpPr>
+            <a:spLocks noGrp="1"/>
+          </p:cNvSpPr>
+          <p:nvPr>
+            <p:ph type="title"/>
+          </p:nvPr>
+        </p:nvSpPr>
+        <p:spPr/>
+        <p:txBody>
+          <a:bodyPr/>
+          <a:lstStyle/>
+          <a:p>
+            <a:r>
               <a:rPr lang="en-US" altLang="zh-CN" sz="2800" dirty="0"/>
-              <a:t>6. </a:t>
+              <a:t>7. </a:t>
             </a:r>
             <a:r>
               <a:rPr lang="zh-CN" altLang="en-US" sz="2800" dirty="0"/>
@@ -20706,123 +20967,6 @@
 </p:sld>
 </file>
 
-<file path=ppt/slides/slide47.xml><?xml version="1.0" encoding="utf-8"?>
-<p:sld xmlns:a="http://schemas.openxmlformats.org/drawingml/2006/main" xmlns:r="http://schemas.openxmlformats.org/officeDocument/2006/relationships" xmlns:p="http://schemas.openxmlformats.org/presentationml/2006/main">
-  <p:cSld>
-    <p:spTree>
-      <p:nvGrpSpPr>
-        <p:cNvPr id="1" name=""/>
-        <p:cNvGrpSpPr/>
-        <p:nvPr/>
-      </p:nvGrpSpPr>
-      <p:grpSpPr>
-        <a:xfrm>
-          <a:off x="0" y="0"/>
-          <a:ext cx="0" cy="0"/>
-          <a:chOff x="0" y="0"/>
-          <a:chExt cx="0" cy="0"/>
-        </a:xfrm>
-      </p:grpSpPr>
-      <p:sp>
-        <p:nvSpPr>
-          <p:cNvPr id="2" name="标题 1"/>
-          <p:cNvSpPr>
-            <a:spLocks noGrp="1"/>
-          </p:cNvSpPr>
-          <p:nvPr>
-            <p:ph type="title"/>
-          </p:nvPr>
-        </p:nvSpPr>
-        <p:spPr/>
-        <p:txBody>
-          <a:bodyPr/>
-          <a:lstStyle/>
-          <a:p>
-            <a:r>
-              <a:rPr lang="zh-CN" altLang="en-US" dirty="0"/>
-              <a:t>发布项目成果</a:t>
-            </a:r>
-            <a:endParaRPr lang="zh-CN" altLang="en-US" dirty="0"/>
-          </a:p>
-        </p:txBody>
-      </p:sp>
-      <p:sp>
-        <p:nvSpPr>
-          <p:cNvPr id="3" name="内容占位符 2"/>
-          <p:cNvSpPr>
-            <a:spLocks noGrp="1"/>
-          </p:cNvSpPr>
-          <p:nvPr>
-            <p:ph idx="1"/>
-          </p:nvPr>
-        </p:nvSpPr>
-        <p:spPr/>
-        <p:txBody>
-          <a:bodyPr/>
-          <a:lstStyle/>
-          <a:p>
-            <a:r>
-              <a:rPr lang="zh-CN" altLang="en-US" sz="2400" dirty="0"/>
-              <a:t>符合</a:t>
-            </a:r>
-            <a:r>
-              <a:rPr lang="en-US" altLang="zh-CN" sz="2400" dirty="0"/>
-              <a:t>《</a:t>
-            </a:r>
-            <a:r>
-              <a:rPr lang="zh-CN" altLang="en-US" sz="2400" dirty="0"/>
-              <a:t>需求说明书</a:t>
-            </a:r>
-            <a:r>
-              <a:rPr lang="en-US" altLang="zh-CN" sz="2400" dirty="0"/>
-              <a:t>》</a:t>
-            </a:r>
-            <a:r>
-              <a:rPr lang="zh-CN" altLang="en-US" sz="2400" dirty="0"/>
-              <a:t>和</a:t>
-            </a:r>
-            <a:r>
-              <a:rPr lang="en-US" altLang="zh-CN" sz="2400" dirty="0"/>
-              <a:t>《</a:t>
-            </a:r>
-            <a:r>
-              <a:rPr lang="zh-CN" altLang="en-US" sz="2400" dirty="0"/>
-              <a:t>范围说明书</a:t>
-            </a:r>
-            <a:r>
-              <a:rPr lang="en-US" altLang="zh-CN" sz="2400" dirty="0"/>
-              <a:t>》</a:t>
-            </a:r>
-            <a:r>
-              <a:rPr lang="zh-CN" altLang="en-US" sz="2400" dirty="0"/>
-              <a:t>的可执行程序；</a:t>
-            </a:r>
-            <a:endParaRPr lang="en-US" altLang="zh-CN" sz="2400" dirty="0"/>
-          </a:p>
-          <a:p>
-            <a:r>
-              <a:rPr lang="zh-CN" altLang="en-US" sz="2400" dirty="0"/>
-              <a:t>源代码；</a:t>
-            </a:r>
-            <a:endParaRPr lang="en-US" altLang="zh-CN" sz="2400" dirty="0"/>
-          </a:p>
-          <a:p>
-            <a:r>
-              <a:rPr lang="zh-CN" altLang="en-US" sz="2400" dirty="0"/>
-              <a:t>各类技术文档和管理文档；</a:t>
-            </a:r>
-            <a:endParaRPr lang="en-US" altLang="zh-CN" sz="2400" dirty="0"/>
-          </a:p>
-        </p:txBody>
-      </p:sp>
-    </p:spTree>
-  </p:cSld>
-  <p:clrMapOvr>
-    <a:masterClrMapping/>
-  </p:clrMapOvr>
-</p:sld>
-</file>
-
 <file path=ppt/slides/slide48.xml><?xml version="1.0" encoding="utf-8"?>
 <p:sld xmlns:a="http://schemas.openxmlformats.org/drawingml/2006/main" xmlns:r="http://schemas.openxmlformats.org/officeDocument/2006/relationships" xmlns:p="http://schemas.openxmlformats.org/presentationml/2006/main">
   <p:cSld>
@@ -20857,41 +21001,81 @@
           <a:p>
             <a:r>
               <a:rPr lang="zh-CN" altLang="en-US" dirty="0"/>
-              <a:t>项目验收</a:t>
+              <a:t>发布项目成果</a:t>
             </a:r>
             <a:endParaRPr lang="zh-CN" altLang="en-US" dirty="0"/>
           </a:p>
         </p:txBody>
       </p:sp>
-      <p:pic>
-        <p:nvPicPr>
-          <p:cNvPr id="4" name="内容占位符 3"/>
-          <p:cNvPicPr>
-            <a:picLocks noGrp="1" noChangeAspect="1"/>
-          </p:cNvPicPr>
+      <p:sp>
+        <p:nvSpPr>
+          <p:cNvPr id="3" name="内容占位符 2"/>
+          <p:cNvSpPr>
+            <a:spLocks noGrp="1"/>
+          </p:cNvSpPr>
           <p:nvPr>
             <p:ph idx="1"/>
           </p:nvPr>
-        </p:nvPicPr>
-        <p:blipFill>
-          <a:blip r:embed="rId1">
-            <a:extLst>
-              <a:ext uri="{28A0092B-C50C-407E-A947-70E740481C1C}">
-                <a14:useLocalDpi xmlns:a14="http://schemas.microsoft.com/office/drawing/2010/main" val="0"/>
-              </a:ext>
-            </a:extLst>
-          </a:blip>
-          <a:stretch>
-            <a:fillRect/>
-          </a:stretch>
-        </p:blipFill>
-        <p:spPr>
-          <a:xfrm>
-            <a:off x="2138045" y="1341755"/>
-            <a:ext cx="7884160" cy="4515485"/>
-          </a:xfrm>
-        </p:spPr>
-      </p:pic>
+        </p:nvSpPr>
+        <p:spPr/>
+        <p:txBody>
+          <a:bodyPr/>
+          <a:lstStyle/>
+          <a:p>
+            <a:r>
+              <a:rPr lang="zh-CN" altLang="en-US" sz="2400" dirty="0"/>
+              <a:t>符合</a:t>
+            </a:r>
+            <a:r>
+              <a:rPr lang="en-US" altLang="zh-CN" sz="2400" dirty="0"/>
+              <a:t>《</a:t>
+            </a:r>
+            <a:r>
+              <a:rPr lang="zh-CN" altLang="en-US" sz="2400" dirty="0"/>
+              <a:t>需求说明书</a:t>
+            </a:r>
+            <a:r>
+              <a:rPr lang="en-US" altLang="zh-CN" sz="2400" dirty="0"/>
+              <a:t>》</a:t>
+            </a:r>
+            <a:r>
+              <a:rPr lang="zh-CN" altLang="en-US" sz="2400" dirty="0"/>
+              <a:t>和</a:t>
+            </a:r>
+            <a:r>
+              <a:rPr lang="en-US" altLang="zh-CN" sz="2400" dirty="0"/>
+              <a:t>《</a:t>
+            </a:r>
+            <a:r>
+              <a:rPr lang="zh-CN" altLang="en-US" sz="2400" dirty="0"/>
+              <a:t>范围说明书</a:t>
+            </a:r>
+            <a:r>
+              <a:rPr lang="en-US" altLang="zh-CN" sz="2400" dirty="0"/>
+              <a:t>》</a:t>
+            </a:r>
+            <a:r>
+              <a:rPr lang="zh-CN" altLang="en-US" sz="2400" dirty="0"/>
+              <a:t>的可执行程序；</a:t>
+            </a:r>
+            <a:endParaRPr lang="en-US" altLang="zh-CN" sz="2400" dirty="0"/>
+          </a:p>
+          <a:p>
+            <a:r>
+              <a:rPr lang="zh-CN" altLang="en-US" sz="2400" dirty="0"/>
+              <a:t>源代码；</a:t>
+            </a:r>
+            <a:endParaRPr lang="en-US" altLang="zh-CN" sz="2400" dirty="0"/>
+          </a:p>
+          <a:p>
+            <a:r>
+              <a:rPr lang="zh-CN" altLang="en-US" sz="2400" dirty="0"/>
+              <a:t>各类技术文档和管理文档；</a:t>
+            </a:r>
+            <a:endParaRPr lang="en-US" altLang="zh-CN" sz="2400" dirty="0"/>
+          </a:p>
+        </p:txBody>
+      </p:sp>
     </p:spTree>
   </p:cSld>
   <p:clrMapOvr>
@@ -20934,168 +21118,41 @@
           <a:p>
             <a:r>
               <a:rPr lang="zh-CN" altLang="en-US" dirty="0"/>
-              <a:t>验收过程</a:t>
+              <a:t>项目验收</a:t>
             </a:r>
             <a:endParaRPr lang="zh-CN" altLang="en-US" dirty="0"/>
           </a:p>
         </p:txBody>
       </p:sp>
-      <p:sp>
-        <p:nvSpPr>
-          <p:cNvPr id="3" name="内容占位符 2"/>
-          <p:cNvSpPr>
-            <a:spLocks noGrp="1"/>
-          </p:cNvSpPr>
+      <p:pic>
+        <p:nvPicPr>
+          <p:cNvPr id="4" name="内容占位符 3"/>
+          <p:cNvPicPr>
+            <a:picLocks noGrp="1" noChangeAspect="1"/>
+          </p:cNvPicPr>
           <p:nvPr>
             <p:ph idx="1"/>
           </p:nvPr>
-        </p:nvSpPr>
+        </p:nvPicPr>
+        <p:blipFill>
+          <a:blip r:embed="rId1">
+            <a:extLst>
+              <a:ext uri="{28A0092B-C50C-407E-A947-70E740481C1C}">
+                <a14:useLocalDpi xmlns:a14="http://schemas.microsoft.com/office/drawing/2010/main" val="0"/>
+              </a:ext>
+            </a:extLst>
+          </a:blip>
+          <a:stretch>
+            <a:fillRect/>
+          </a:stretch>
+        </p:blipFill>
         <p:spPr>
           <a:xfrm>
-            <a:off x="393700" y="1489075"/>
-            <a:ext cx="11499215" cy="4313555"/>
+            <a:off x="2138045" y="1341755"/>
+            <a:ext cx="7884160" cy="4515485"/>
           </a:xfrm>
         </p:spPr>
-        <p:txBody>
-          <a:bodyPr/>
-          <a:lstStyle/>
-          <a:p>
-            <a:pPr marL="457200" indent="-457200">
-              <a:buFont typeface="+mj-lt"/>
-              <a:buAutoNum type="arabicPeriod"/>
-            </a:pPr>
-            <a:r>
-              <a:rPr lang="zh-CN" altLang="en-US" sz="2400" dirty="0"/>
-              <a:t>开发团队依据</a:t>
-            </a:r>
-            <a:r>
-              <a:rPr lang="en-US" altLang="zh-CN" sz="2400" dirty="0"/>
-              <a:t>《</a:t>
-            </a:r>
-            <a:r>
-              <a:rPr lang="zh-CN" altLang="en-US" sz="2400" dirty="0"/>
-              <a:t>范围说明书</a:t>
-            </a:r>
-            <a:r>
-              <a:rPr lang="en-US" altLang="zh-CN" sz="2400" dirty="0"/>
-              <a:t>》</a:t>
-            </a:r>
-            <a:r>
-              <a:rPr lang="zh-CN" altLang="en-US" sz="2400" dirty="0"/>
-              <a:t>的定义，完成所有功能的开发，提交可运行的程序；</a:t>
-            </a:r>
-            <a:endParaRPr lang="en-US" altLang="zh-CN" sz="2400" dirty="0"/>
-          </a:p>
-          <a:p>
-            <a:pPr marL="457200" indent="-457200">
-              <a:buFont typeface="+mj-lt"/>
-              <a:buAutoNum type="arabicPeriod"/>
-            </a:pPr>
-            <a:r>
-              <a:rPr lang="zh-CN" altLang="en-US" sz="2400" dirty="0"/>
-              <a:t>测试团队依据</a:t>
-            </a:r>
-            <a:r>
-              <a:rPr lang="en-US" altLang="zh-CN" sz="2400" dirty="0"/>
-              <a:t>《</a:t>
-            </a:r>
-            <a:r>
-              <a:rPr lang="zh-CN" altLang="en-US" sz="2400" dirty="0"/>
-              <a:t>需求说明书</a:t>
-            </a:r>
-            <a:r>
-              <a:rPr lang="en-US" altLang="zh-CN" sz="2400" dirty="0"/>
-              <a:t>》</a:t>
-            </a:r>
-            <a:r>
-              <a:rPr lang="zh-CN" altLang="en-US" sz="2400" dirty="0"/>
-              <a:t>完成最终测试，并提交签字的</a:t>
-            </a:r>
-            <a:r>
-              <a:rPr lang="en-US" altLang="zh-CN" sz="2400" dirty="0"/>
-              <a:t>《</a:t>
-            </a:r>
-            <a:r>
-              <a:rPr lang="zh-CN" altLang="en-US" sz="2400" dirty="0"/>
-              <a:t>测试报告</a:t>
-            </a:r>
-            <a:r>
-              <a:rPr lang="en-US" altLang="zh-CN" sz="2400" dirty="0"/>
-              <a:t>》</a:t>
-            </a:r>
-            <a:r>
-              <a:rPr lang="zh-CN" altLang="en-US" sz="2400" dirty="0"/>
-              <a:t>，承诺系统达到验收条件；</a:t>
-            </a:r>
-            <a:endParaRPr lang="en-US" altLang="zh-CN" sz="2400" dirty="0"/>
-          </a:p>
-          <a:p>
-            <a:pPr marL="457200" indent="-457200">
-              <a:buFont typeface="+mj-lt"/>
-              <a:buAutoNum type="arabicPeriod"/>
-            </a:pPr>
-            <a:r>
-              <a:rPr lang="zh-CN" altLang="en-US" sz="2400" dirty="0"/>
-              <a:t>客户代表依据</a:t>
-            </a:r>
-            <a:r>
-              <a:rPr lang="en-US" altLang="zh-CN" sz="2400" dirty="0"/>
-              <a:t>《</a:t>
-            </a:r>
-            <a:r>
-              <a:rPr lang="zh-CN" altLang="en-US" sz="2400" dirty="0"/>
-              <a:t>需求说明书</a:t>
-            </a:r>
-            <a:r>
-              <a:rPr lang="en-US" altLang="zh-CN" sz="2400" dirty="0"/>
-              <a:t>》</a:t>
-            </a:r>
-            <a:r>
-              <a:rPr lang="zh-CN" altLang="en-US" sz="2400" dirty="0"/>
-              <a:t>对系统进行验收，如果合格，即在</a:t>
-            </a:r>
-            <a:r>
-              <a:rPr lang="en-US" altLang="zh-CN" sz="2400" dirty="0"/>
-              <a:t>《</a:t>
-            </a:r>
-            <a:r>
-              <a:rPr lang="zh-CN" altLang="en-US" sz="2400" dirty="0"/>
-              <a:t>验收报告</a:t>
-            </a:r>
-            <a:r>
-              <a:rPr lang="en-US" altLang="zh-CN" sz="2400" dirty="0"/>
-              <a:t>》</a:t>
-            </a:r>
-            <a:r>
-              <a:rPr lang="zh-CN" altLang="en-US" sz="2400" dirty="0"/>
-              <a:t>上签字，初验通过；</a:t>
-            </a:r>
-            <a:endParaRPr lang="en-US" altLang="zh-CN" sz="2400" dirty="0"/>
-          </a:p>
-          <a:p>
-            <a:pPr marL="457200" indent="-457200">
-              <a:buFont typeface="+mj-lt"/>
-              <a:buAutoNum type="arabicPeriod"/>
-            </a:pPr>
-            <a:r>
-              <a:rPr lang="zh-CN" altLang="en-US" sz="2400" dirty="0"/>
-              <a:t>部署团队将系统安装至客户环境，进入真实运行阶段；</a:t>
-            </a:r>
-            <a:endParaRPr lang="en-US" altLang="zh-CN" sz="2400" dirty="0"/>
-          </a:p>
-          <a:p>
-            <a:pPr marL="457200" indent="-457200">
-              <a:buFont typeface="+mj-lt"/>
-              <a:buAutoNum type="arabicPeriod"/>
-            </a:pPr>
-            <a:r>
-              <a:rPr lang="zh-CN" altLang="en-US" sz="2400" dirty="0"/>
-              <a:t>系统真实运行固定时间周期后（通常为三个月），客户即可进行终验；</a:t>
-            </a:r>
-            <a:endParaRPr lang="zh-CN" altLang="en-US" sz="2400" dirty="0"/>
-          </a:p>
-        </p:txBody>
-      </p:sp>
+      </p:pic>
     </p:spTree>
   </p:cSld>
   <p:clrMapOvr>
@@ -21277,8 +21334,212 @@
           <a:lstStyle/>
           <a:p>
             <a:r>
+              <a:rPr lang="zh-CN" altLang="en-US" dirty="0"/>
+              <a:t>验收过程</a:t>
+            </a:r>
+            <a:endParaRPr lang="zh-CN" altLang="en-US" dirty="0"/>
+          </a:p>
+        </p:txBody>
+      </p:sp>
+      <p:sp>
+        <p:nvSpPr>
+          <p:cNvPr id="3" name="内容占位符 2"/>
+          <p:cNvSpPr>
+            <a:spLocks noGrp="1"/>
+          </p:cNvSpPr>
+          <p:nvPr>
+            <p:ph idx="1"/>
+          </p:nvPr>
+        </p:nvSpPr>
+        <p:spPr>
+          <a:xfrm>
+            <a:off x="393700" y="1489075"/>
+            <a:ext cx="11499215" cy="4313555"/>
+          </a:xfrm>
+        </p:spPr>
+        <p:txBody>
+          <a:bodyPr/>
+          <a:lstStyle/>
+          <a:p>
+            <a:pPr marL="457200" indent="-457200">
+              <a:buFont typeface="+mj-lt"/>
+              <a:buAutoNum type="arabicPeriod"/>
+            </a:pPr>
+            <a:r>
+              <a:rPr lang="zh-CN" altLang="en-US" sz="2400" dirty="0"/>
+              <a:t>开发团队依据</a:t>
+            </a:r>
+            <a:r>
+              <a:rPr lang="en-US" altLang="zh-CN" sz="2400" dirty="0"/>
+              <a:t>《</a:t>
+            </a:r>
+            <a:r>
+              <a:rPr lang="zh-CN" altLang="en-US" sz="2400" dirty="0"/>
+              <a:t>范围说明书</a:t>
+            </a:r>
+            <a:r>
+              <a:rPr lang="en-US" altLang="zh-CN" sz="2400" dirty="0"/>
+              <a:t>》</a:t>
+            </a:r>
+            <a:r>
+              <a:rPr lang="zh-CN" altLang="en-US" sz="2400" dirty="0"/>
+              <a:t>的定义，完成所有功能的开发，提交可运行的程序；</a:t>
+            </a:r>
+            <a:endParaRPr lang="en-US" altLang="zh-CN" sz="2400" dirty="0"/>
+          </a:p>
+          <a:p>
+            <a:pPr marL="457200" indent="-457200">
+              <a:buFont typeface="+mj-lt"/>
+              <a:buAutoNum type="arabicPeriod"/>
+            </a:pPr>
+            <a:r>
+              <a:rPr lang="zh-CN" altLang="en-US" sz="2400" dirty="0"/>
+              <a:t>测试团队依据</a:t>
+            </a:r>
+            <a:r>
+              <a:rPr lang="en-US" altLang="zh-CN" sz="2400" dirty="0"/>
+              <a:t>《</a:t>
+            </a:r>
+            <a:r>
+              <a:rPr lang="zh-CN" altLang="en-US" sz="2400" dirty="0"/>
+              <a:t>需求说明书</a:t>
+            </a:r>
+            <a:r>
+              <a:rPr lang="en-US" altLang="zh-CN" sz="2400" dirty="0"/>
+              <a:t>》</a:t>
+            </a:r>
+            <a:r>
+              <a:rPr lang="zh-CN" altLang="en-US" sz="2400" dirty="0"/>
+              <a:t>完成最终测试，并提交签字的</a:t>
+            </a:r>
+            <a:r>
+              <a:rPr lang="en-US" altLang="zh-CN" sz="2400" dirty="0"/>
+              <a:t>《</a:t>
+            </a:r>
+            <a:r>
+              <a:rPr lang="zh-CN" altLang="en-US" sz="2400" dirty="0"/>
+              <a:t>测试报告</a:t>
+            </a:r>
+            <a:r>
+              <a:rPr lang="en-US" altLang="zh-CN" sz="2400" dirty="0"/>
+              <a:t>》</a:t>
+            </a:r>
+            <a:r>
+              <a:rPr lang="zh-CN" altLang="en-US" sz="2400" dirty="0"/>
+              <a:t>，承诺系统达到验收条件；</a:t>
+            </a:r>
+            <a:endParaRPr lang="en-US" altLang="zh-CN" sz="2400" dirty="0"/>
+          </a:p>
+          <a:p>
+            <a:pPr marL="457200" indent="-457200">
+              <a:buFont typeface="+mj-lt"/>
+              <a:buAutoNum type="arabicPeriod"/>
+            </a:pPr>
+            <a:r>
+              <a:rPr lang="zh-CN" altLang="en-US" sz="2400" dirty="0"/>
+              <a:t>客户代表依据</a:t>
+            </a:r>
+            <a:r>
+              <a:rPr lang="en-US" altLang="zh-CN" sz="2400" dirty="0"/>
+              <a:t>《</a:t>
+            </a:r>
+            <a:r>
+              <a:rPr lang="zh-CN" altLang="en-US" sz="2400" dirty="0"/>
+              <a:t>需求说明书</a:t>
+            </a:r>
+            <a:r>
+              <a:rPr lang="en-US" altLang="zh-CN" sz="2400" dirty="0"/>
+              <a:t>》</a:t>
+            </a:r>
+            <a:r>
+              <a:rPr lang="zh-CN" altLang="en-US" sz="2400" dirty="0"/>
+              <a:t>对系统进行验收，如果合格，即在</a:t>
+            </a:r>
+            <a:r>
+              <a:rPr lang="en-US" altLang="zh-CN" sz="2400" dirty="0"/>
+              <a:t>《</a:t>
+            </a:r>
+            <a:r>
+              <a:rPr lang="zh-CN" altLang="en-US" sz="2400" dirty="0"/>
+              <a:t>验收报告</a:t>
+            </a:r>
+            <a:r>
+              <a:rPr lang="en-US" altLang="zh-CN" sz="2400" dirty="0"/>
+              <a:t>》</a:t>
+            </a:r>
+            <a:r>
+              <a:rPr lang="zh-CN" altLang="en-US" sz="2400" dirty="0"/>
+              <a:t>上签字，初验通过；</a:t>
+            </a:r>
+            <a:endParaRPr lang="en-US" altLang="zh-CN" sz="2400" dirty="0"/>
+          </a:p>
+          <a:p>
+            <a:pPr marL="457200" indent="-457200">
+              <a:buFont typeface="+mj-lt"/>
+              <a:buAutoNum type="arabicPeriod"/>
+            </a:pPr>
+            <a:r>
+              <a:rPr lang="zh-CN" altLang="en-US" sz="2400" dirty="0"/>
+              <a:t>部署团队将系统安装至客户环境，进入真实运行阶段；</a:t>
+            </a:r>
+            <a:endParaRPr lang="en-US" altLang="zh-CN" sz="2400" dirty="0"/>
+          </a:p>
+          <a:p>
+            <a:pPr marL="457200" indent="-457200">
+              <a:buFont typeface="+mj-lt"/>
+              <a:buAutoNum type="arabicPeriod"/>
+            </a:pPr>
+            <a:r>
+              <a:rPr lang="zh-CN" altLang="en-US" sz="2400" dirty="0"/>
+              <a:t>系统真实运行固定时间周期后（通常为三个月），客户即可进行终验；</a:t>
+            </a:r>
+            <a:endParaRPr lang="zh-CN" altLang="en-US" sz="2400" dirty="0"/>
+          </a:p>
+        </p:txBody>
+      </p:sp>
+    </p:spTree>
+  </p:cSld>
+  <p:clrMapOvr>
+    <a:masterClrMapping/>
+  </p:clrMapOvr>
+</p:sld>
+</file>
+
+<file path=ppt/slides/slide51.xml><?xml version="1.0" encoding="utf-8"?>
+<p:sld xmlns:a="http://schemas.openxmlformats.org/drawingml/2006/main" xmlns:r="http://schemas.openxmlformats.org/officeDocument/2006/relationships" xmlns:p="http://schemas.openxmlformats.org/presentationml/2006/main">
+  <p:cSld>
+    <p:spTree>
+      <p:nvGrpSpPr>
+        <p:cNvPr id="1" name=""/>
+        <p:cNvGrpSpPr/>
+        <p:nvPr/>
+      </p:nvGrpSpPr>
+      <p:grpSpPr>
+        <a:xfrm>
+          <a:off x="0" y="0"/>
+          <a:ext cx="0" cy="0"/>
+          <a:chOff x="0" y="0"/>
+          <a:chExt cx="0" cy="0"/>
+        </a:xfrm>
+      </p:grpSpPr>
+      <p:sp>
+        <p:nvSpPr>
+          <p:cNvPr id="2" name="标题 1"/>
+          <p:cNvSpPr>
+            <a:spLocks noGrp="1"/>
+          </p:cNvSpPr>
+          <p:nvPr>
+            <p:ph type="title"/>
+          </p:nvPr>
+        </p:nvSpPr>
+        <p:spPr/>
+        <p:txBody>
+          <a:bodyPr/>
+          <a:lstStyle/>
+          <a:p>
+            <a:r>
               <a:rPr lang="en-US" altLang="zh-CN" sz="2800" dirty="0"/>
-              <a:t>7. </a:t>
+              <a:t>8. </a:t>
             </a:r>
             <a:r>
               <a:rPr lang="zh-CN" altLang="en-US" sz="2800" dirty="0"/>
@@ -21384,7 +21645,7 @@
 </p:sld>
 </file>
 
-<file path=ppt/slides/slide51.xml><?xml version="1.0" encoding="utf-8"?>
+<file path=ppt/slides/slide52.xml><?xml version="1.0" encoding="utf-8"?>
 <p:sld xmlns:a="http://schemas.openxmlformats.org/drawingml/2006/main" xmlns:r="http://schemas.openxmlformats.org/officeDocument/2006/relationships" xmlns:p="http://schemas.openxmlformats.org/presentationml/2006/main">
   <p:cSld>
     <p:spTree>
@@ -21462,7 +21723,7 @@
 </p:sld>
 </file>
 
-<file path=ppt/slides/slide52.xml><?xml version="1.0" encoding="utf-8"?>
+<file path=ppt/slides/slide53.xml><?xml version="1.0" encoding="utf-8"?>
 <p:sld xmlns:a="http://schemas.openxmlformats.org/drawingml/2006/main" xmlns:r="http://schemas.openxmlformats.org/officeDocument/2006/relationships" xmlns:p="http://schemas.openxmlformats.org/presentationml/2006/main">
   <p:cSld>
     <p:spTree>
@@ -22176,121 +22437,6 @@
 </p:sld>
 </file>
 
-<file path=ppt/slides/slide53.xml><?xml version="1.0" encoding="utf-8"?>
-<p:sld xmlns:a="http://schemas.openxmlformats.org/drawingml/2006/main" xmlns:r="http://schemas.openxmlformats.org/officeDocument/2006/relationships" xmlns:p="http://schemas.openxmlformats.org/presentationml/2006/main">
-  <p:cSld>
-    <p:spTree>
-      <p:nvGrpSpPr>
-        <p:cNvPr id="1" name=""/>
-        <p:cNvGrpSpPr/>
-        <p:nvPr/>
-      </p:nvGrpSpPr>
-      <p:grpSpPr>
-        <a:xfrm>
-          <a:off x="0" y="0"/>
-          <a:ext cx="0" cy="0"/>
-          <a:chOff x="0" y="0"/>
-          <a:chExt cx="0" cy="0"/>
-        </a:xfrm>
-      </p:grpSpPr>
-      <p:sp>
-        <p:nvSpPr>
-          <p:cNvPr id="2" name="标题 1"/>
-          <p:cNvSpPr>
-            <a:spLocks noGrp="1"/>
-          </p:cNvSpPr>
-          <p:nvPr>
-            <p:ph type="title"/>
-          </p:nvPr>
-        </p:nvSpPr>
-        <p:spPr/>
-        <p:txBody>
-          <a:bodyPr/>
-          <a:lstStyle/>
-          <a:p>
-            <a:r>
-              <a:rPr lang="zh-CN" altLang="en-US" dirty="0"/>
-              <a:t>团队形成阶段</a:t>
-            </a:r>
-            <a:endParaRPr lang="zh-CN" altLang="en-US" dirty="0"/>
-          </a:p>
-        </p:txBody>
-      </p:sp>
-      <p:sp>
-        <p:nvSpPr>
-          <p:cNvPr id="3" name="内容占位符 2"/>
-          <p:cNvSpPr>
-            <a:spLocks noGrp="1"/>
-          </p:cNvSpPr>
-          <p:nvPr>
-            <p:ph idx="1"/>
-          </p:nvPr>
-        </p:nvSpPr>
-        <p:spPr>
-          <a:xfrm>
-            <a:off x="400050" y="1313815"/>
-            <a:ext cx="10812780" cy="4846320"/>
-          </a:xfrm>
-        </p:spPr>
-        <p:txBody>
-          <a:bodyPr/>
-          <a:lstStyle/>
-          <a:p>
-            <a:r>
-              <a:rPr lang="zh-CN" altLang="en-US" sz="2400" dirty="0"/>
-              <a:t>项目组成员刚刚开始在一起工作，总体上有积极的愿望，急于开始工作，但对自己的职责及其他成员的角色都不是很了解，会有很多的疑问，并不断摸索以确定何种行为能够被接受；</a:t>
-            </a:r>
-            <a:endParaRPr lang="en-US" altLang="zh-CN" sz="2400" dirty="0"/>
-          </a:p>
-          <a:p>
-            <a:r>
-              <a:rPr lang="zh-CN" altLang="en-US" sz="2400" dirty="0"/>
-              <a:t>在这一阶段，项目经理需要进行团队的指导和构建工作：</a:t>
-            </a:r>
-            <a:endParaRPr lang="en-US" altLang="zh-CN" sz="2400" dirty="0"/>
-          </a:p>
-          <a:p>
-            <a:pPr lvl="1"/>
-            <a:r>
-              <a:rPr lang="zh-CN" altLang="en-US" sz="2000" dirty="0"/>
-              <a:t>应向项目组成员宣传项目目标，并为他们描绘未来的美好前景及项目成功所能带来的效益；</a:t>
-            </a:r>
-            <a:endParaRPr lang="en-US" altLang="zh-CN" sz="2000" dirty="0"/>
-          </a:p>
-          <a:p>
-            <a:pPr lvl="1"/>
-            <a:r>
-              <a:rPr lang="zh-CN" altLang="en-US" sz="2000" dirty="0"/>
-              <a:t>公布项目的工作范围、质量标准、预算和进度计划的标准和限制，使每个成员对项目目标有全面深入的了解，建立起共同的愿景；</a:t>
-            </a:r>
-            <a:endParaRPr lang="en-US" altLang="zh-CN" sz="2000" dirty="0"/>
-          </a:p>
-          <a:p>
-            <a:pPr lvl="1"/>
-            <a:r>
-              <a:rPr lang="zh-CN" altLang="en-US" sz="2000" dirty="0"/>
-              <a:t>明确每个项目团队成员的角色、主要任务和要求，帮助他们更好地理解所承担的任务；</a:t>
-            </a:r>
-            <a:endParaRPr lang="en-US" altLang="zh-CN" sz="2000" dirty="0"/>
-          </a:p>
-          <a:p>
-            <a:pPr lvl="1"/>
-            <a:r>
-              <a:rPr lang="zh-CN" altLang="en-US" sz="2000" dirty="0"/>
-              <a:t>与项目团队成员共同讨论项目团队的组成、工作方式、管理方式、一些方针政策，以便取得一致意见，保证今后工作的顺利开展；</a:t>
-            </a:r>
-            <a:endParaRPr lang="zh-CN" altLang="en-US" sz="2000" dirty="0"/>
-          </a:p>
-        </p:txBody>
-      </p:sp>
-    </p:spTree>
-  </p:cSld>
-  <p:clrMapOvr>
-    <a:masterClrMapping/>
-  </p:clrMapOvr>
-</p:sld>
-</file>
-
 <file path=ppt/slides/slide54.xml><?xml version="1.0" encoding="utf-8"?>
 <p:sld xmlns:a="http://schemas.openxmlformats.org/drawingml/2006/main" xmlns:r="http://schemas.openxmlformats.org/officeDocument/2006/relationships" xmlns:p="http://schemas.openxmlformats.org/presentationml/2006/main">
   <p:cSld>
@@ -22325,7 +22471,7 @@
           <a:p>
             <a:r>
               <a:rPr lang="zh-CN" altLang="en-US" dirty="0"/>
-              <a:t>团队震荡阶段</a:t>
+              <a:t>团队形成阶段</a:t>
             </a:r>
             <a:endParaRPr lang="zh-CN" altLang="en-US" dirty="0"/>
           </a:p>
@@ -22343,8 +22489,8 @@
         </p:nvSpPr>
         <p:spPr>
           <a:xfrm>
-            <a:off x="393700" y="1386840"/>
-            <a:ext cx="11366500" cy="4578350"/>
+            <a:off x="400050" y="1313815"/>
+            <a:ext cx="10812780" cy="4846320"/>
           </a:xfrm>
         </p:spPr>
         <p:txBody>
@@ -22353,71 +22499,46 @@
           <a:p>
             <a:r>
               <a:rPr lang="zh-CN" altLang="en-US" sz="2400" dirty="0"/>
-              <a:t>这是团队内激烈冲突的阶段。随着工作的开展，各方面问题会逐渐暴露，导致冲突产生、士气低落。成员们可能会发现：</a:t>
+              <a:t>项目组成员刚刚开始在一起工作，总体上有积极的愿望，急于开始工作，但对自己的职责及其他成员的角色都不是很了解，会有很多的疑问，并不断摸索以确定何种行为能够被接受；</a:t>
             </a:r>
             <a:endParaRPr lang="en-US" altLang="zh-CN" sz="2400" dirty="0"/>
           </a:p>
           <a:p>
+            <a:r>
+              <a:rPr lang="zh-CN" altLang="en-US" sz="2400" dirty="0"/>
+              <a:t>在这一阶段，项目经理需要进行团队的指导和构建工作：</a:t>
+            </a:r>
+            <a:endParaRPr lang="en-US" altLang="zh-CN" sz="2400" dirty="0"/>
+          </a:p>
+          <a:p>
             <a:pPr lvl="1"/>
             <a:r>
-              <a:rPr lang="zh-CN" altLang="en-US" sz="2200" dirty="0"/>
-              <a:t>现实与理想不一致；</a:t>
-            </a:r>
-            <a:endParaRPr lang="en-US" altLang="zh-CN" sz="2200" dirty="0"/>
+              <a:rPr lang="zh-CN" altLang="en-US" sz="2000" dirty="0"/>
+              <a:t>应向项目组成员宣传项目目标，并为他们描绘未来的美好前景及项目成功所能带来的效益；</a:t>
+            </a:r>
+            <a:endParaRPr lang="en-US" altLang="zh-CN" sz="2000" dirty="0"/>
           </a:p>
           <a:p>
             <a:pPr lvl="1"/>
             <a:r>
-              <a:rPr lang="zh-CN" altLang="en-US" sz="2200" dirty="0"/>
-              <a:t>任务繁重而且困难重重，成本或进度限制太过紧张；</a:t>
-            </a:r>
-            <a:endParaRPr lang="en-US" altLang="zh-CN" sz="2200" dirty="0"/>
+              <a:rPr lang="zh-CN" altLang="en-US" sz="2000" dirty="0"/>
+              <a:t>公布项目的工作范围、质量标准、预算和进度计划的标准和限制，使每个成员对项目目标有全面深入的了解，建立起共同的愿景；</a:t>
+            </a:r>
+            <a:endParaRPr lang="en-US" altLang="zh-CN" sz="2000" dirty="0"/>
           </a:p>
           <a:p>
             <a:pPr lvl="1"/>
             <a:r>
-              <a:rPr lang="zh-CN" altLang="en-US" sz="2200" dirty="0"/>
-              <a:t>工作中可能与某个成员合作不愉快；</a:t>
-            </a:r>
-            <a:endParaRPr lang="en-US" altLang="zh-CN" sz="2200" dirty="0"/>
-          </a:p>
-          <a:p>
-            <a:r>
-              <a:rPr lang="zh-CN" altLang="en-US" sz="2400" dirty="0"/>
-              <a:t>在这一阶段，项目经理需要利用这一时机，创造一个理解和支持的环境；</a:t>
-            </a:r>
-            <a:endParaRPr lang="en-US" altLang="zh-CN" sz="2400" dirty="0"/>
-          </a:p>
-          <a:p>
-            <a:pPr marL="915670" lvl="2" indent="-457200">
-              <a:buFont typeface="+mj-lt"/>
-              <a:buAutoNum type="arabicPeriod"/>
-            </a:pPr>
-            <a:r>
               <a:rPr lang="zh-CN" altLang="en-US" sz="2000" dirty="0"/>
-              <a:t>允许成员表达不满或他们所关注的问题，接受及容忍成员的任何不满；</a:t>
+              <a:t>明确每个项目团队成员的角色、主要任务和要求，帮助他们更好地理解所承担的任务；</a:t>
             </a:r>
             <a:endParaRPr lang="en-US" altLang="zh-CN" sz="2000" dirty="0"/>
           </a:p>
           <a:p>
-            <a:pPr marL="915670" lvl="2" indent="-457200">
-              <a:buFont typeface="+mj-lt"/>
-              <a:buAutoNum type="arabicPeriod"/>
-            </a:pPr>
+            <a:pPr lvl="1"/>
             <a:r>
               <a:rPr lang="zh-CN" altLang="en-US" sz="2000" dirty="0"/>
-              <a:t>做好导向工作，努力解决问题、矛盾；</a:t>
-            </a:r>
-            <a:endParaRPr lang="en-US" altLang="zh-CN" sz="2000" dirty="0"/>
-          </a:p>
-          <a:p>
-            <a:pPr marL="915670" lvl="2" indent="-457200">
-              <a:buFont typeface="+mj-lt"/>
-              <a:buAutoNum type="arabicPeriod"/>
-            </a:pPr>
-            <a:r>
-              <a:rPr lang="zh-CN" altLang="en-US" sz="2000" dirty="0"/>
-              <a:t>依靠团队成员共同解决问题，共同决策；</a:t>
+              <a:t>与项目团队成员共同讨论项目团队的组成、工作方式、管理方式、一些方针政策，以便取得一致意见，保证今后工作的顺利开展；</a:t>
             </a:r>
             <a:endParaRPr lang="zh-CN" altLang="en-US" sz="2000" dirty="0"/>
           </a:p>
@@ -22465,7 +22586,7 @@
           <a:p>
             <a:r>
               <a:rPr lang="zh-CN" altLang="en-US" dirty="0"/>
-              <a:t>团队规范阶段</a:t>
+              <a:t>团队震荡阶段</a:t>
             </a:r>
             <a:endParaRPr lang="zh-CN" altLang="en-US" dirty="0"/>
           </a:p>
@@ -22483,8 +22604,8 @@
         </p:nvSpPr>
         <p:spPr>
           <a:xfrm>
-            <a:off x="400050" y="1328420"/>
-            <a:ext cx="10989310" cy="4829810"/>
+            <a:off x="393700" y="1386840"/>
+            <a:ext cx="11366500" cy="4578350"/>
           </a:xfrm>
         </p:spPr>
         <p:txBody>
@@ -22493,54 +22614,71 @@
           <a:p>
             <a:r>
               <a:rPr lang="zh-CN" altLang="en-US" sz="2400" dirty="0"/>
-              <a:t>在这一阶段，团队将逐渐趋于规范。团队成员经过震荡阶段逐渐冷静下来，开始表现出相互之间的理解、关心和友爱，亲密的团队关系开始形成，同时，团队开始表现出凝聚力；</a:t>
+              <a:t>这是团队内激烈冲突的阶段。随着工作的开展，各方面问题会逐渐暴露，导致冲突产生、士气低落。成员们可能会发现：</a:t>
             </a:r>
             <a:endParaRPr lang="en-US" altLang="zh-CN" sz="2400" dirty="0"/>
           </a:p>
           <a:p>
+            <a:pPr lvl="1"/>
+            <a:r>
+              <a:rPr lang="zh-CN" altLang="en-US" sz="2200" dirty="0"/>
+              <a:t>现实与理想不一致；</a:t>
+            </a:r>
+            <a:endParaRPr lang="en-US" altLang="zh-CN" sz="2200" dirty="0"/>
+          </a:p>
+          <a:p>
+            <a:pPr lvl="1"/>
+            <a:r>
+              <a:rPr lang="zh-CN" altLang="en-US" sz="2200" dirty="0"/>
+              <a:t>任务繁重而且困难重重，成本或进度限制太过紧张；</a:t>
+            </a:r>
+            <a:endParaRPr lang="en-US" altLang="zh-CN" sz="2200" dirty="0"/>
+          </a:p>
+          <a:p>
+            <a:pPr lvl="1"/>
+            <a:r>
+              <a:rPr lang="zh-CN" altLang="en-US" sz="2200" dirty="0"/>
+              <a:t>工作中可能与某个成员合作不愉快；</a:t>
+            </a:r>
+            <a:endParaRPr lang="en-US" altLang="zh-CN" sz="2200" dirty="0"/>
+          </a:p>
+          <a:p>
             <a:r>
               <a:rPr lang="zh-CN" altLang="en-US" sz="2400" dirty="0"/>
-              <a:t>另外，团队成员通过一段时间的工作，开始熟悉工作程序和标准操作方法，对新制度，也开始逐步熟悉和适应，新的行为规范得到确立并为团队成员所遵守；</a:t>
+              <a:t>在这一阶段，项目经理需要利用这一时机，创造一个理解和支持的环境；</a:t>
             </a:r>
             <a:endParaRPr lang="en-US" altLang="zh-CN" sz="2400" dirty="0"/>
           </a:p>
           <a:p>
-            <a:r>
-              <a:rPr lang="zh-CN" altLang="en-US" sz="2400" dirty="0"/>
-              <a:t>在这一阶段，项目经理应：</a:t>
-            </a:r>
-            <a:endParaRPr lang="en-US" altLang="zh-CN" sz="2400" dirty="0"/>
-          </a:p>
-          <a:p>
-            <a:pPr marL="639445" lvl="1" indent="-457200">
+            <a:pPr marL="915670" lvl="2" indent="-457200">
               <a:buFont typeface="+mj-lt"/>
               <a:buAutoNum type="arabicPeriod"/>
             </a:pPr>
             <a:r>
               <a:rPr lang="zh-CN" altLang="en-US" sz="2000" dirty="0"/>
-              <a:t>尽量减少指导性工作，给予团队成员更多的支持和帮助；</a:t>
+              <a:t>允许成员表达不满或他们所关注的问题，接受及容忍成员的任何不满；</a:t>
             </a:r>
             <a:endParaRPr lang="en-US" altLang="zh-CN" sz="2000" dirty="0"/>
           </a:p>
           <a:p>
-            <a:pPr marL="639445" lvl="1" indent="-457200">
+            <a:pPr marL="915670" lvl="2" indent="-457200">
               <a:buFont typeface="+mj-lt"/>
               <a:buAutoNum type="arabicPeriod"/>
             </a:pPr>
             <a:r>
               <a:rPr lang="zh-CN" altLang="en-US" sz="2000" dirty="0"/>
-              <a:t>在确立团队规范的同时，要鼓励成员的个性发挥；</a:t>
+              <a:t>做好导向工作，努力解决问题、矛盾；</a:t>
             </a:r>
             <a:endParaRPr lang="en-US" altLang="zh-CN" sz="2000" dirty="0"/>
           </a:p>
           <a:p>
-            <a:pPr marL="639445" lvl="1" indent="-457200">
+            <a:pPr marL="915670" lvl="2" indent="-457200">
               <a:buFont typeface="+mj-lt"/>
               <a:buAutoNum type="arabicPeriod"/>
             </a:pPr>
             <a:r>
               <a:rPr lang="zh-CN" altLang="en-US" sz="2000" dirty="0"/>
-              <a:t>培育团队文化，注重培养成员对团队的认同感、归属感，努力营造出相互协作、互相帮助、互相关爱、努力奉献的精神氛围；</a:t>
+              <a:t>依靠团队成员共同解决问题，共同决策；</a:t>
             </a:r>
             <a:endParaRPr lang="zh-CN" altLang="en-US" sz="2000" dirty="0"/>
           </a:p>
@@ -22588,6 +22726,129 @@
           <a:p>
             <a:r>
               <a:rPr lang="zh-CN" altLang="en-US" dirty="0"/>
+              <a:t>团队规范阶段</a:t>
+            </a:r>
+            <a:endParaRPr lang="zh-CN" altLang="en-US" dirty="0"/>
+          </a:p>
+        </p:txBody>
+      </p:sp>
+      <p:sp>
+        <p:nvSpPr>
+          <p:cNvPr id="3" name="内容占位符 2"/>
+          <p:cNvSpPr>
+            <a:spLocks noGrp="1"/>
+          </p:cNvSpPr>
+          <p:nvPr>
+            <p:ph idx="1"/>
+          </p:nvPr>
+        </p:nvSpPr>
+        <p:spPr>
+          <a:xfrm>
+            <a:off x="400050" y="1328420"/>
+            <a:ext cx="10989310" cy="4829810"/>
+          </a:xfrm>
+        </p:spPr>
+        <p:txBody>
+          <a:bodyPr/>
+          <a:lstStyle/>
+          <a:p>
+            <a:r>
+              <a:rPr lang="zh-CN" altLang="en-US" sz="2400" dirty="0"/>
+              <a:t>在这一阶段，团队将逐渐趋于规范。团队成员经过震荡阶段逐渐冷静下来，开始表现出相互之间的理解、关心和友爱，亲密的团队关系开始形成，同时，团队开始表现出凝聚力；</a:t>
+            </a:r>
+            <a:endParaRPr lang="en-US" altLang="zh-CN" sz="2400" dirty="0"/>
+          </a:p>
+          <a:p>
+            <a:r>
+              <a:rPr lang="zh-CN" altLang="en-US" sz="2400" dirty="0"/>
+              <a:t>另外，团队成员通过一段时间的工作，开始熟悉工作程序和标准操作方法，对新制度，也开始逐步熟悉和适应，新的行为规范得到确立并为团队成员所遵守；</a:t>
+            </a:r>
+            <a:endParaRPr lang="en-US" altLang="zh-CN" sz="2400" dirty="0"/>
+          </a:p>
+          <a:p>
+            <a:r>
+              <a:rPr lang="zh-CN" altLang="en-US" sz="2400" dirty="0"/>
+              <a:t>在这一阶段，项目经理应：</a:t>
+            </a:r>
+            <a:endParaRPr lang="en-US" altLang="zh-CN" sz="2400" dirty="0"/>
+          </a:p>
+          <a:p>
+            <a:pPr marL="639445" lvl="1" indent="-457200">
+              <a:buFont typeface="+mj-lt"/>
+              <a:buAutoNum type="arabicPeriod"/>
+            </a:pPr>
+            <a:r>
+              <a:rPr lang="zh-CN" altLang="en-US" sz="2000" dirty="0"/>
+              <a:t>尽量减少指导性工作，给予团队成员更多的支持和帮助；</a:t>
+            </a:r>
+            <a:endParaRPr lang="en-US" altLang="zh-CN" sz="2000" dirty="0"/>
+          </a:p>
+          <a:p>
+            <a:pPr marL="639445" lvl="1" indent="-457200">
+              <a:buFont typeface="+mj-lt"/>
+              <a:buAutoNum type="arabicPeriod"/>
+            </a:pPr>
+            <a:r>
+              <a:rPr lang="zh-CN" altLang="en-US" sz="2000" dirty="0"/>
+              <a:t>在确立团队规范的同时，要鼓励成员的个性发挥；</a:t>
+            </a:r>
+            <a:endParaRPr lang="en-US" altLang="zh-CN" sz="2000" dirty="0"/>
+          </a:p>
+          <a:p>
+            <a:pPr marL="639445" lvl="1" indent="-457200">
+              <a:buFont typeface="+mj-lt"/>
+              <a:buAutoNum type="arabicPeriod"/>
+            </a:pPr>
+            <a:r>
+              <a:rPr lang="zh-CN" altLang="en-US" sz="2000" dirty="0"/>
+              <a:t>培育团队文化，注重培养成员对团队的认同感、归属感，努力营造出相互协作、互相帮助、互相关爱、努力奉献的精神氛围；</a:t>
+            </a:r>
+            <a:endParaRPr lang="zh-CN" altLang="en-US" sz="2000" dirty="0"/>
+          </a:p>
+        </p:txBody>
+      </p:sp>
+    </p:spTree>
+  </p:cSld>
+  <p:clrMapOvr>
+    <a:masterClrMapping/>
+  </p:clrMapOvr>
+</p:sld>
+</file>
+
+<file path=ppt/slides/slide57.xml><?xml version="1.0" encoding="utf-8"?>
+<p:sld xmlns:a="http://schemas.openxmlformats.org/drawingml/2006/main" xmlns:r="http://schemas.openxmlformats.org/officeDocument/2006/relationships" xmlns:p="http://schemas.openxmlformats.org/presentationml/2006/main">
+  <p:cSld>
+    <p:spTree>
+      <p:nvGrpSpPr>
+        <p:cNvPr id="1" name=""/>
+        <p:cNvGrpSpPr/>
+        <p:nvPr/>
+      </p:nvGrpSpPr>
+      <p:grpSpPr>
+        <a:xfrm>
+          <a:off x="0" y="0"/>
+          <a:ext cx="0" cy="0"/>
+          <a:chOff x="0" y="0"/>
+          <a:chExt cx="0" cy="0"/>
+        </a:xfrm>
+      </p:grpSpPr>
+      <p:sp>
+        <p:nvSpPr>
+          <p:cNvPr id="2" name="标题 1"/>
+          <p:cNvSpPr>
+            <a:spLocks noGrp="1"/>
+          </p:cNvSpPr>
+          <p:nvPr>
+            <p:ph type="title"/>
+          </p:nvPr>
+        </p:nvSpPr>
+        <p:spPr/>
+        <p:txBody>
+          <a:bodyPr/>
+          <a:lstStyle/>
+          <a:p>
+            <a:r>
+              <a:rPr lang="zh-CN" altLang="en-US" dirty="0"/>
               <a:t>团队成熟阶段</a:t>
             </a:r>
             <a:endParaRPr lang="zh-CN" altLang="en-US" dirty="0"/>
@@ -22677,7 +22938,7 @@
 </p:sld>
 </file>
 
-<file path=ppt/slides/slide57.xml><?xml version="1.0" encoding="utf-8"?>
+<file path=ppt/slides/slide58.xml><?xml version="1.0" encoding="utf-8"?>
 <p:sld xmlns:a="http://schemas.openxmlformats.org/drawingml/2006/main" xmlns:r="http://schemas.openxmlformats.org/officeDocument/2006/relationships" xmlns:p="http://schemas.openxmlformats.org/presentationml/2006/main">
   <p:cSld>
     <p:spTree>
@@ -24232,207 +24493,6 @@
 </p:sld>
 </file>
 
-<file path=ppt/slides/slide58.xml><?xml version="1.0" encoding="utf-8"?>
-<p:sld xmlns:a="http://schemas.openxmlformats.org/drawingml/2006/main" xmlns:r="http://schemas.openxmlformats.org/officeDocument/2006/relationships" xmlns:p="http://schemas.openxmlformats.org/presentationml/2006/main">
-  <p:cSld>
-    <p:spTree>
-      <p:nvGrpSpPr>
-        <p:cNvPr id="1" name=""/>
-        <p:cNvGrpSpPr/>
-        <p:nvPr/>
-      </p:nvGrpSpPr>
-      <p:grpSpPr>
-        <a:xfrm>
-          <a:off x="0" y="0"/>
-          <a:ext cx="0" cy="0"/>
-          <a:chOff x="0" y="0"/>
-          <a:chExt cx="0" cy="0"/>
-        </a:xfrm>
-      </p:grpSpPr>
-      <p:sp>
-        <p:nvSpPr>
-          <p:cNvPr id="2" name="标题 1"/>
-          <p:cNvSpPr>
-            <a:spLocks noGrp="1"/>
-          </p:cNvSpPr>
-          <p:nvPr>
-            <p:ph type="title"/>
-          </p:nvPr>
-        </p:nvSpPr>
-        <p:spPr/>
-        <p:txBody>
-          <a:bodyPr/>
-          <a:lstStyle/>
-          <a:p>
-            <a:r>
-              <a:rPr lang="zh-CN" altLang="en-US" dirty="0"/>
-              <a:t>建设团队</a:t>
-            </a:r>
-            <a:endParaRPr lang="zh-CN" altLang="en-US" dirty="0"/>
-          </a:p>
-        </p:txBody>
-      </p:sp>
-      <p:sp>
-        <p:nvSpPr>
-          <p:cNvPr id="3" name="内容占位符 2"/>
-          <p:cNvSpPr>
-            <a:spLocks noGrp="1"/>
-          </p:cNvSpPr>
-          <p:nvPr>
-            <p:ph idx="1"/>
-          </p:nvPr>
-        </p:nvSpPr>
-        <p:spPr>
-          <a:xfrm>
-            <a:off x="393700" y="1416050"/>
-            <a:ext cx="11366500" cy="4313238"/>
-          </a:xfrm>
-        </p:spPr>
-        <p:txBody>
-          <a:bodyPr/>
-          <a:lstStyle/>
-          <a:p>
-            <a:r>
-              <a:rPr lang="zh-CN" altLang="en-US" sz="2400" dirty="0"/>
-              <a:t>人际关系。了解项目团队成员的感情、预测其行动，了解其后顾之忧，并尽力帮助解决问题，可大大减少麻烦并促进合作</a:t>
-            </a:r>
-            <a:r>
-              <a:rPr lang="en-US" altLang="zh-CN" sz="2400" dirty="0"/>
-              <a:t>; </a:t>
-            </a:r>
-            <a:endParaRPr lang="en-US" altLang="zh-CN" sz="2400" dirty="0"/>
-          </a:p>
-          <a:p>
-            <a:pPr lvl="1"/>
-            <a:r>
-              <a:rPr lang="en-US" altLang="zh-CN" sz="2000" dirty="0">
-                <a:hlinkClick r:id="rId1" action="ppaction://hlinkfile"/>
-              </a:rPr>
-              <a:t>MBTI</a:t>
-            </a:r>
-            <a:r>
-              <a:rPr lang="zh-CN" altLang="en-US" sz="2000" dirty="0">
-                <a:hlinkClick r:id="rId1" action="ppaction://hlinkfile"/>
-              </a:rPr>
-              <a:t>职业性格测试</a:t>
-            </a:r>
-            <a:r>
-              <a:rPr lang="zh-CN" altLang="en-US" sz="2000" dirty="0"/>
-              <a:t>：</a:t>
-            </a:r>
-            <a:r>
-              <a:rPr lang="en-US" sz="2000" dirty="0">
-                <a:hlinkClick r:id="rId2"/>
-              </a:rPr>
-              <a:t>http://www.apesk.com/mbti/dati.asp</a:t>
-            </a:r>
-            <a:r>
-              <a:rPr lang="en-US" sz="2000" dirty="0"/>
-              <a:t> </a:t>
-            </a:r>
-            <a:endParaRPr lang="en-US" altLang="zh-CN" sz="2000" dirty="0"/>
-          </a:p>
-          <a:p>
-            <a:pPr lvl="1"/>
-            <a:r>
-              <a:rPr lang="en-US" altLang="zh-CN" sz="2000" dirty="0">
-                <a:hlinkClick r:id="rId3" action="ppaction://hlinkfile"/>
-              </a:rPr>
-              <a:t>DISC</a:t>
-            </a:r>
-            <a:r>
-              <a:rPr lang="zh-CN" altLang="en-US" sz="2000" dirty="0">
-                <a:hlinkClick r:id="rId3" action="ppaction://hlinkfile"/>
-              </a:rPr>
-              <a:t>测试</a:t>
-            </a:r>
-            <a:r>
-              <a:rPr lang="zh-CN" altLang="en-US" sz="2000" dirty="0"/>
-              <a:t>：</a:t>
-            </a:r>
-            <a:r>
-              <a:rPr lang="en-US" sz="2000" u="sng" dirty="0">
-                <a:hlinkClick r:id="rId4"/>
-              </a:rPr>
-              <a:t>http://www.apesk.com/disc/</a:t>
-            </a:r>
-            <a:endParaRPr lang="en-US" sz="2000" u="sng" dirty="0"/>
-          </a:p>
-          <a:p>
-            <a:pPr lvl="1"/>
-            <a:r>
-              <a:rPr lang="zh-CN" altLang="en-US" sz="2000" dirty="0"/>
-              <a:t>参见教材</a:t>
-            </a:r>
-            <a:r>
-              <a:rPr lang="en-US" altLang="zh-CN" sz="2000" dirty="0"/>
-              <a:t>220</a:t>
-            </a:r>
-            <a:r>
-              <a:rPr lang="zh-CN" altLang="en-US" sz="2000" dirty="0"/>
-              <a:t>页</a:t>
-            </a:r>
-            <a:r>
-              <a:rPr lang="en-US" altLang="zh-CN" sz="2000" dirty="0"/>
-              <a:t>—223</a:t>
-            </a:r>
-            <a:r>
-              <a:rPr lang="zh-CN" altLang="en-US" sz="2000" dirty="0"/>
-              <a:t>页；</a:t>
-            </a:r>
-            <a:endParaRPr lang="en-US" altLang="zh-CN" sz="2000" dirty="0"/>
-          </a:p>
-          <a:p>
-            <a:r>
-              <a:rPr lang="zh-CN" altLang="en-US" sz="2400" dirty="0"/>
-              <a:t>基本规则。尽早制定并遵守明确的规则，对项目团队成员的可接受行为做出明确规定</a:t>
-            </a:r>
-            <a:r>
-              <a:rPr lang="en-US" altLang="zh-CN" sz="2400" dirty="0"/>
-              <a:t>(</a:t>
-            </a:r>
-            <a:r>
-              <a:rPr lang="zh-CN" altLang="en-US" sz="2400" dirty="0"/>
-              <a:t>教材</a:t>
-            </a:r>
-            <a:r>
-              <a:rPr lang="en-US" altLang="zh-CN" sz="2400" dirty="0"/>
-              <a:t>61</a:t>
-            </a:r>
-            <a:r>
-              <a:rPr lang="zh-CN" altLang="en-US" sz="2400" dirty="0"/>
-              <a:t>页“团队契约”</a:t>
-            </a:r>
-            <a:r>
-              <a:rPr lang="en-US" altLang="zh-CN" sz="2400" dirty="0"/>
-              <a:t>); </a:t>
-            </a:r>
-            <a:endParaRPr lang="en-US" altLang="zh-CN" sz="2400" dirty="0"/>
-          </a:p>
-          <a:p>
-            <a:r>
-              <a:rPr lang="zh-CN" altLang="en-US" sz="2400" dirty="0"/>
-              <a:t>培训。可以是正式或非正式的，包括：课堂培训、在线培训、计算机辅助培训、在岗培训、辅导及指导等</a:t>
-            </a:r>
-            <a:r>
-              <a:rPr lang="en-US" altLang="zh-CN" sz="2400" dirty="0"/>
-              <a:t>; </a:t>
-            </a:r>
-            <a:endParaRPr lang="en-US" altLang="zh-CN" sz="2400" dirty="0"/>
-          </a:p>
-          <a:p>
-            <a:endParaRPr lang="zh-CN" altLang="en-US" sz="2400" dirty="0"/>
-          </a:p>
-        </p:txBody>
-      </p:sp>
-    </p:spTree>
-  </p:cSld>
-  <p:clrMapOvr>
-    <a:masterClrMapping/>
-  </p:clrMapOvr>
-</p:sld>
-</file>
-
 <file path=ppt/slides/slide59.xml><?xml version="1.0" encoding="utf-8"?>
 <p:sld xmlns:a="http://schemas.openxmlformats.org/drawingml/2006/main" xmlns:r="http://schemas.openxmlformats.org/officeDocument/2006/relationships" xmlns:p="http://schemas.openxmlformats.org/presentationml/2006/main">
   <p:cSld>
@@ -24483,71 +24543,146 @@
             <p:ph idx="1"/>
           </p:nvPr>
         </p:nvSpPr>
-        <p:spPr/>
+        <p:spPr>
+          <a:xfrm>
+            <a:off x="393700" y="1416050"/>
+            <a:ext cx="11366500" cy="4313238"/>
+          </a:xfrm>
+        </p:spPr>
         <p:txBody>
           <a:bodyPr/>
           <a:lstStyle/>
           <a:p>
             <a:r>
               <a:rPr lang="zh-CN" altLang="en-US" sz="2400" dirty="0"/>
-              <a:t>集中办公。把许多或全部最活跃的项目团队成员安排在同一个物理地点工作，增强团队工作能力；</a:t>
+              <a:t>人际关系。了解项目团队成员的感情、预测其行动，了解其后顾之忧，并尽力帮助解决问题，可大大减少麻烦并促进合作</a:t>
+            </a:r>
+            <a:r>
+              <a:rPr lang="en-US" altLang="zh-CN" sz="2400" dirty="0"/>
+              <a:t>; </a:t>
             </a:r>
             <a:endParaRPr lang="en-US" altLang="zh-CN" sz="2400" dirty="0"/>
           </a:p>
           <a:p>
+            <a:pPr lvl="1"/>
+            <a:r>
+              <a:rPr lang="en-US" altLang="zh-CN" sz="2000" dirty="0">
+                <a:hlinkClick r:id="rId1" action="ppaction://hlinkfile"/>
+              </a:rPr>
+              <a:t>MBTI</a:t>
+            </a:r>
+            <a:r>
+              <a:rPr lang="zh-CN" altLang="en-US" sz="2000" dirty="0">
+                <a:hlinkClick r:id="rId1" action="ppaction://hlinkfile"/>
+              </a:rPr>
+              <a:t>职业性格测试</a:t>
+            </a:r>
+            <a:r>
+              <a:rPr lang="zh-CN" altLang="en-US" sz="2000" dirty="0"/>
+              <a:t>：</a:t>
+            </a:r>
+            <a:r>
+              <a:rPr lang="en-US" sz="2000" dirty="0">
+                <a:hlinkClick r:id="rId2"/>
+              </a:rPr>
+              <a:t>http://www.apesk.com/mbti/dati.asp</a:t>
+            </a:r>
+            <a:r>
+              <a:rPr lang="en-US" sz="2000" dirty="0"/>
+              <a:t> </a:t>
+            </a:r>
+            <a:endParaRPr lang="en-US" altLang="zh-CN" sz="2000" dirty="0"/>
+          </a:p>
+          <a:p>
+            <a:pPr lvl="1"/>
+            <a:r>
+              <a:rPr lang="en-US" altLang="zh-CN" sz="2000" dirty="0">
+                <a:hlinkClick r:id="rId3" action="ppaction://hlinkfile"/>
+              </a:rPr>
+              <a:t>DISC</a:t>
+            </a:r>
+            <a:r>
+              <a:rPr lang="zh-CN" altLang="en-US" sz="2000" dirty="0">
+                <a:hlinkClick r:id="rId3" action="ppaction://hlinkfile"/>
+              </a:rPr>
+              <a:t>测试</a:t>
+            </a:r>
+            <a:r>
+              <a:rPr lang="zh-CN" altLang="en-US" sz="2000" dirty="0"/>
+              <a:t>：</a:t>
+            </a:r>
+            <a:r>
+              <a:rPr lang="en-US" sz="2000" u="sng" dirty="0">
+                <a:hlinkClick r:id="rId4"/>
+              </a:rPr>
+              <a:t>http://www.apesk.com/disc/</a:t>
+            </a:r>
+            <a:endParaRPr lang="en-US" sz="2000" u="sng" dirty="0"/>
+          </a:p>
+          <a:p>
+            <a:pPr lvl="1"/>
+            <a:r>
+              <a:rPr lang="zh-CN" altLang="en-US" sz="2000" dirty="0"/>
+              <a:t>参见教材</a:t>
+            </a:r>
+            <a:r>
+              <a:rPr lang="en-US" altLang="zh-CN" sz="2000" dirty="0"/>
+              <a:t>220</a:t>
+            </a:r>
+            <a:r>
+              <a:rPr lang="zh-CN" altLang="en-US" sz="2000" dirty="0"/>
+              <a:t>页</a:t>
+            </a:r>
+            <a:r>
+              <a:rPr lang="en-US" altLang="zh-CN" sz="2000" dirty="0"/>
+              <a:t>—223</a:t>
+            </a:r>
+            <a:r>
+              <a:rPr lang="zh-CN" altLang="en-US" sz="2000" dirty="0"/>
+              <a:t>页；</a:t>
+            </a:r>
+            <a:endParaRPr lang="en-US" altLang="zh-CN" sz="2000" dirty="0"/>
+          </a:p>
+          <a:p>
             <a:r>
               <a:rPr lang="zh-CN" altLang="en-US" sz="2400" dirty="0"/>
-              <a:t>认可与奖励。对成员的优良行为给予认可与奖励</a:t>
+              <a:t>基本规则。尽早制定并遵守明确的规则，对项目团队成员的可接受行为做出明确规定</a:t>
+            </a:r>
+            <a:r>
+              <a:rPr lang="en-US" altLang="zh-CN" sz="2400" dirty="0"/>
+              <a:t>(</a:t>
+            </a:r>
+            <a:r>
+              <a:rPr lang="zh-CN" altLang="en-US" sz="2400" dirty="0"/>
+              <a:t>教材</a:t>
+            </a:r>
+            <a:r>
+              <a:rPr lang="en-US" altLang="zh-CN" sz="2400" dirty="0"/>
+              <a:t>61</a:t>
+            </a:r>
+            <a:r>
+              <a:rPr lang="zh-CN" altLang="en-US" sz="2400" dirty="0"/>
+              <a:t>页“团队契约”</a:t>
+            </a:r>
+            <a:r>
+              <a:rPr lang="en-US" altLang="zh-CN" sz="2400" dirty="0"/>
+              <a:t>); </a:t>
             </a:r>
             <a:endParaRPr lang="en-US" altLang="zh-CN" sz="2400" dirty="0"/>
           </a:p>
           <a:p>
-            <a:pPr lvl="1"/>
-            <a:r>
-              <a:rPr lang="zh-CN" altLang="en-US" sz="2000" dirty="0"/>
-              <a:t>只有能满足被奖励者的某个重要需求的奖励，才是有效的奖励；</a:t>
-            </a:r>
-            <a:endParaRPr lang="en-US" altLang="zh-CN" sz="2000" dirty="0"/>
-          </a:p>
-          <a:p>
-            <a:pPr lvl="1"/>
-            <a:r>
-              <a:rPr lang="zh-CN" altLang="en-US" sz="2000" dirty="0"/>
-              <a:t>在决定认可与奖励时，应考虑文化差异，例如：</a:t>
-            </a:r>
-            <a:r>
-              <a:rPr lang="en-US" altLang="zh-CN" sz="2000" dirty="0"/>
-              <a:t>IBM</a:t>
-            </a:r>
-            <a:r>
-              <a:rPr lang="zh-CN" altLang="en-US" sz="2000" dirty="0"/>
-              <a:t>东京事件；</a:t>
-            </a:r>
-            <a:endParaRPr lang="en-US" altLang="zh-CN" sz="2000" dirty="0"/>
-          </a:p>
-          <a:p>
-            <a:pPr lvl="1"/>
-            <a:r>
-              <a:rPr lang="zh-CN" altLang="en-US" sz="2000" dirty="0">
-                <a:solidFill>
-                  <a:srgbClr val="FF0000"/>
-                </a:solidFill>
-              </a:rPr>
-              <a:t>只有优良行为才能得到奖励</a:t>
-            </a:r>
-            <a:r>
-              <a:rPr lang="zh-CN" altLang="en-US" sz="2000" dirty="0"/>
-              <a:t>。例如，为实现紧迫的进度目标而自愿加班，应当受到奖励或表彰；反之，因团队成员计划不周而导致的加班，则不应受到奖励；</a:t>
-            </a:r>
-            <a:endParaRPr lang="en-US" altLang="zh-CN" sz="2000" dirty="0"/>
-          </a:p>
-          <a:p>
-            <a:pPr lvl="1"/>
-            <a:r>
-              <a:rPr lang="zh-CN" altLang="en-US" sz="2000" dirty="0"/>
-              <a:t>应该在整个项目生命周期中尽可能地给予表彰，而不是等到项目结束之后；</a:t>
-            </a:r>
-            <a:endParaRPr lang="en-US" altLang="zh-CN" sz="2000" dirty="0"/>
+            <a:r>
+              <a:rPr lang="zh-CN" altLang="en-US" sz="2400" dirty="0"/>
+              <a:t>培训。可以是正式或非正式的，包括：课堂培训、在线培训、计算机辅助培训、在岗培训、辅导及指导等</a:t>
+            </a:r>
+            <a:r>
+              <a:rPr lang="en-US" altLang="zh-CN" sz="2400" dirty="0"/>
+              <a:t>; </a:t>
+            </a:r>
+            <a:endParaRPr lang="en-US" altLang="zh-CN" sz="2400" dirty="0"/>
+          </a:p>
+          <a:p>
+            <a:endParaRPr lang="zh-CN" altLang="en-US" sz="2400" dirty="0"/>
           </a:p>
         </p:txBody>
       </p:sp>
@@ -24802,15 +24937,22 @@
           <a:p>
             <a:r>
               <a:rPr lang="zh-CN" altLang="en-US" sz="2400" dirty="0"/>
-              <a:t>团队建设活动</a:t>
+              <a:t>集中办公。把许多或全部最活跃的项目团队成员安排在同一个物理地点工作，增强团队工作能力；</a:t>
             </a:r>
             <a:endParaRPr lang="en-US" altLang="zh-CN" sz="2400" dirty="0"/>
           </a:p>
           <a:p>
+            <a:r>
+              <a:rPr lang="zh-CN" altLang="en-US" sz="2400" dirty="0"/>
+              <a:t>认可与奖励。对成员的优良行为给予认可与奖励</a:t>
+            </a:r>
+            <a:endParaRPr lang="en-US" altLang="zh-CN" sz="2400" dirty="0"/>
+          </a:p>
+          <a:p>
             <a:pPr lvl="1"/>
             <a:r>
               <a:rPr lang="zh-CN" altLang="en-US" sz="2000" dirty="0"/>
-              <a:t>非正式的沟通和活动有助于建立信任和良好的工作关系；</a:t>
+              <a:t>只有能满足被奖励者的某个重要需求的奖励，才是有效的奖励；</a:t>
             </a:r>
             <a:endParaRPr lang="en-US" altLang="zh-CN" sz="2000" dirty="0"/>
           </a:p>
@@ -24818,20 +24960,41 @@
             <a:pPr lvl="1"/>
             <a:r>
               <a:rPr lang="zh-CN" altLang="en-US" sz="2000" dirty="0"/>
-              <a:t>把项目团队问题当做“团队的问题”加以讨论和处理。应当鼓励整个团队协作解决这些问题；</a:t>
+              <a:t>在决定认可与奖励时，应考虑文化差异，例如：</a:t>
+            </a:r>
+            <a:r>
+              <a:rPr lang="en-US" altLang="zh-CN" sz="2000" dirty="0"/>
+              <a:t>IBM</a:t>
+            </a:r>
+            <a:r>
+              <a:rPr lang="zh-CN" altLang="en-US" sz="2000" dirty="0"/>
+              <a:t>东京事件；</a:t>
             </a:r>
             <a:endParaRPr lang="en-US" altLang="zh-CN" sz="2000" dirty="0"/>
           </a:p>
           <a:p>
             <a:pPr lvl="1"/>
             <a:r>
+              <a:rPr lang="zh-CN" altLang="en-US" sz="2000" dirty="0">
+                <a:solidFill>
+                  <a:srgbClr val="FF0000"/>
+                </a:solidFill>
+              </a:rPr>
+              <a:t>只有优良行为才能得到奖励</a:t>
+            </a:r>
+            <a:r>
               <a:rPr lang="zh-CN" altLang="en-US" sz="2000" dirty="0"/>
-              <a:t>团队建设是一个持续性过程，项目经理应该持续地监督团队机能和绩效，确定是否需要采取措施来预防和纠正各种团队问题；</a:t>
+              <a:t>。例如，为实现紧迫的进度目标而自愿加班，应当受到奖励或表彰；反之，因团队成员计划不周而导致的加班，则不应受到奖励；</a:t>
             </a:r>
             <a:endParaRPr lang="en-US" altLang="zh-CN" sz="2000" dirty="0"/>
           </a:p>
           <a:p>
-            <a:endParaRPr lang="zh-CN" altLang="en-US" sz="2400" dirty="0"/>
+            <a:pPr lvl="1"/>
+            <a:r>
+              <a:rPr lang="zh-CN" altLang="en-US" sz="2000" dirty="0"/>
+              <a:t>应该在整个项目生命周期中尽可能地给予表彰，而不是等到项目结束之后；</a:t>
+            </a:r>
+            <a:endParaRPr lang="en-US" altLang="zh-CN" sz="2000" dirty="0"/>
           </a:p>
         </p:txBody>
       </p:sp>
@@ -24877,7 +25040,7 @@
           <a:p>
             <a:r>
               <a:rPr lang="zh-CN" altLang="en-US" dirty="0"/>
-              <a:t>管理团队</a:t>
+              <a:t>建设团队</a:t>
             </a:r>
             <a:endParaRPr lang="zh-CN" altLang="en-US" dirty="0"/>
           </a:p>
@@ -24900,22 +25063,15 @@
           <a:p>
             <a:r>
               <a:rPr lang="zh-CN" altLang="en-US" sz="2400" dirty="0"/>
-              <a:t>观察和交谈；</a:t>
+              <a:t>团队建设活动</a:t>
             </a:r>
             <a:endParaRPr lang="en-US" altLang="zh-CN" sz="2400" dirty="0"/>
           </a:p>
           <a:p>
-            <a:r>
-              <a:rPr lang="zh-CN" altLang="en-US" sz="2400" dirty="0"/>
-              <a:t>典型的管理团队内容：</a:t>
-            </a:r>
-            <a:endParaRPr lang="en-US" altLang="zh-CN" sz="2400" dirty="0"/>
-          </a:p>
-          <a:p>
             <a:pPr lvl="1"/>
             <a:r>
               <a:rPr lang="zh-CN" altLang="en-US" sz="2000" dirty="0"/>
-              <a:t>澄清角色与职责；</a:t>
+              <a:t>非正式的沟通和活动有助于建立信任和良好的工作关系；</a:t>
             </a:r>
             <a:endParaRPr lang="en-US" altLang="zh-CN" sz="2000" dirty="0"/>
           </a:p>
@@ -24923,7 +25079,7 @@
             <a:pPr lvl="1"/>
             <a:r>
               <a:rPr lang="zh-CN" altLang="en-US" sz="2000" dirty="0"/>
-              <a:t>向团队成员提供建设性反馈；</a:t>
+              <a:t>把项目团队问题当做“团队的问题”加以讨论和处理。应当鼓励整个团队协作解决这些问题；</a:t>
             </a:r>
             <a:endParaRPr lang="en-US" altLang="zh-CN" sz="2000" dirty="0"/>
           </a:p>
@@ -24931,25 +25087,12 @@
             <a:pPr lvl="1"/>
             <a:r>
               <a:rPr lang="zh-CN" altLang="en-US" sz="2000" dirty="0"/>
-              <a:t>发现未知或未决问题；</a:t>
+              <a:t>团队建设是一个持续性过程，项目经理应该持续地监督团队机能和绩效，确定是否需要采取措施来预防和纠正各种团队问题；</a:t>
             </a:r>
             <a:endParaRPr lang="en-US" altLang="zh-CN" sz="2000" dirty="0"/>
           </a:p>
           <a:p>
-            <a:pPr lvl="1"/>
-            <a:r>
-              <a:rPr lang="zh-CN" altLang="en-US" sz="2000" dirty="0"/>
-              <a:t>制定个人培训计划；</a:t>
-            </a:r>
-            <a:endParaRPr lang="en-US" altLang="zh-CN" sz="2000" dirty="0"/>
-          </a:p>
-          <a:p>
-            <a:pPr lvl="1"/>
-            <a:r>
-              <a:rPr lang="zh-CN" altLang="en-US" sz="2000" dirty="0"/>
-              <a:t>确立未来各时期的具体目标；</a:t>
-            </a:r>
-            <a:endParaRPr lang="en-US" altLang="zh-CN" sz="2000" dirty="0"/>
+            <a:endParaRPr lang="zh-CN" altLang="en-US" sz="2400" dirty="0"/>
           </a:p>
         </p:txBody>
       </p:sp>
@@ -25017,24 +25160,23 @@
           <a:lstStyle/>
           <a:p>
             <a:r>
-              <a:rPr lang="zh-CN" altLang="en-US" sz="2400" dirty="0">
-                <a:solidFill>
-                  <a:srgbClr val="FF0000"/>
-                </a:solidFill>
-              </a:rPr>
-              <a:t>冲突管理：</a:t>
-            </a:r>
-            <a:endParaRPr lang="en-US" altLang="zh-CN" sz="2400" dirty="0">
-              <a:solidFill>
-                <a:srgbClr val="FF0000"/>
-              </a:solidFill>
-            </a:endParaRPr>
+              <a:rPr lang="zh-CN" altLang="en-US" sz="2400" dirty="0"/>
+              <a:t>观察和交谈；</a:t>
+            </a:r>
+            <a:endParaRPr lang="en-US" altLang="zh-CN" sz="2400" dirty="0"/>
+          </a:p>
+          <a:p>
+            <a:r>
+              <a:rPr lang="zh-CN" altLang="en-US" sz="2400" dirty="0"/>
+              <a:t>典型的管理团队内容：</a:t>
+            </a:r>
+            <a:endParaRPr lang="en-US" altLang="zh-CN" sz="2400" dirty="0"/>
           </a:p>
           <a:p>
             <a:pPr lvl="1"/>
             <a:r>
               <a:rPr lang="zh-CN" altLang="en-US" sz="2000" dirty="0"/>
-              <a:t>解决问题：直面问题，找到彻底的解决方案；</a:t>
+              <a:t>澄清角色与职责；</a:t>
             </a:r>
             <a:endParaRPr lang="en-US" altLang="zh-CN" sz="2000" dirty="0"/>
           </a:p>
@@ -25042,23 +25184,23 @@
             <a:pPr lvl="1"/>
             <a:r>
               <a:rPr lang="zh-CN" altLang="en-US" sz="2000" dirty="0"/>
-              <a:t>合作：综合考虑不同的观点和意见，引导各方达成一致</a:t>
-            </a:r>
-            <a:r>
-              <a:rPr lang="en-US" altLang="zh-CN" sz="2000" dirty="0"/>
-              <a:t>(</a:t>
-            </a:r>
+              <a:t>向团队成员提供建设性反馈；</a:t>
+            </a:r>
+            <a:endParaRPr lang="en-US" altLang="zh-CN" sz="2000" dirty="0"/>
+          </a:p>
+          <a:p>
+            <a:pPr lvl="1"/>
             <a:r>
               <a:rPr lang="zh-CN" altLang="en-US" sz="2000" dirty="0"/>
-              <a:t>谁也不得罪</a:t>
-            </a:r>
-            <a:r>
-              <a:rPr lang="en-US" altLang="zh-CN" sz="2000" dirty="0"/>
-              <a:t>)</a:t>
-            </a:r>
+              <a:t>发现未知或未决问题；</a:t>
+            </a:r>
+            <a:endParaRPr lang="en-US" altLang="zh-CN" sz="2000" dirty="0"/>
+          </a:p>
+          <a:p>
+            <a:pPr lvl="1"/>
             <a:r>
               <a:rPr lang="zh-CN" altLang="en-US" sz="2000" dirty="0"/>
-              <a:t>；</a:t>
+              <a:t>制定个人培训计划；</a:t>
             </a:r>
             <a:endParaRPr lang="en-US" altLang="zh-CN" sz="2000" dirty="0"/>
           </a:p>
@@ -25066,52 +25208,9 @@
             <a:pPr lvl="1"/>
             <a:r>
               <a:rPr lang="zh-CN" altLang="en-US" sz="2000" dirty="0"/>
-              <a:t>妥协：寻找让全体当事人在一定程度上满意的方案</a:t>
-            </a:r>
-            <a:r>
-              <a:rPr lang="en-US" altLang="zh-CN" sz="2000" dirty="0"/>
-              <a:t>(</a:t>
-            </a:r>
-            <a:r>
-              <a:rPr lang="zh-CN" altLang="en-US" sz="2000" dirty="0"/>
-              <a:t>各让一步</a:t>
-            </a:r>
-            <a:r>
-              <a:rPr lang="en-US" altLang="zh-CN" sz="2000" dirty="0"/>
-              <a:t>)</a:t>
-            </a:r>
-            <a:r>
-              <a:rPr lang="zh-CN" altLang="en-US" sz="2000" dirty="0"/>
-              <a:t>；</a:t>
+              <a:t>确立未来各时期的具体目标；</a:t>
             </a:r>
             <a:endParaRPr lang="en-US" altLang="zh-CN" sz="2000" dirty="0"/>
-          </a:p>
-          <a:p>
-            <a:pPr lvl="1"/>
-            <a:r>
-              <a:rPr lang="zh-CN" altLang="en-US" sz="2000" dirty="0"/>
-              <a:t>缓解：强调一致而非差异（求同存异）；</a:t>
-            </a:r>
-            <a:endParaRPr lang="en-US" altLang="zh-CN" sz="2000" dirty="0"/>
-          </a:p>
-          <a:p>
-            <a:pPr lvl="1"/>
-            <a:r>
-              <a:rPr lang="zh-CN" altLang="en-US" sz="2000" dirty="0"/>
-              <a:t>强迫：以牺牲其他方为代价，推行某一方观点；</a:t>
-            </a:r>
-            <a:endParaRPr lang="en-US" altLang="zh-CN" sz="2000" dirty="0"/>
-          </a:p>
-          <a:p>
-            <a:pPr lvl="1"/>
-            <a:r>
-              <a:rPr lang="zh-CN" altLang="en-US" sz="2000" dirty="0"/>
-              <a:t>撤退：从冲突中退出；</a:t>
-            </a:r>
-            <a:endParaRPr lang="en-US" altLang="zh-CN" sz="2000" dirty="0"/>
-          </a:p>
-          <a:p>
-            <a:endParaRPr lang="zh-CN" altLang="en-US" sz="2400" dirty="0"/>
           </a:p>
         </p:txBody>
       </p:sp>
@@ -25163,224 +25262,14 @@
           </a:p>
         </p:txBody>
       </p:sp>
-      <p:graphicFrame>
-        <p:nvGraphicFramePr>
-          <p:cNvPr id="6" name="内容占位符 5"/>
-          <p:cNvGraphicFramePr>
-            <a:graphicFrameLocks noGrp="1"/>
-          </p:cNvGraphicFramePr>
-          <p:nvPr>
-            <p:ph sz="quarter" idx="1"/>
-          </p:nvPr>
-        </p:nvGraphicFramePr>
-        <p:xfrm>
-          <a:off x="1905000" y="2090057"/>
-          <a:ext cx="8305800" cy="3870960"/>
-        </p:xfrm>
-        <a:graphic>
-          <a:graphicData uri="http://schemas.openxmlformats.org/drawingml/2006/table">
-            <a:tbl>
-              <a:tblPr firstRow="1" bandRow="1">
-                <a:tableStyleId>{5940675A-B579-460E-94D1-54222C63F5DA}</a:tableStyleId>
-              </a:tblPr>
-              <a:tblGrid>
-                <a:gridCol w="1708785"/>
-                <a:gridCol w="6597015"/>
-              </a:tblGrid>
-              <a:tr h="370840">
-                <a:tc>
-                  <a:txBody>
-                    <a:bodyPr/>
-                    <a:lstStyle/>
-                    <a:p>
-                      <a:pPr marL="0" marR="0" indent="0" algn="l" defTabSz="914400" rtl="0" eaLnBrk="1" fontAlgn="auto" latinLnBrk="0" hangingPunct="1">
-                        <a:lnSpc>
-                          <a:spcPct val="100000"/>
-                        </a:lnSpc>
-                        <a:spcBef>
-                          <a:spcPts val="0"/>
-                        </a:spcBef>
-                        <a:spcAft>
-                          <a:spcPts val="0"/>
-                        </a:spcAft>
-                        <a:buClrTx/>
-                        <a:buSzTx/>
-                        <a:buFontTx/>
-                        <a:buNone/>
-                        <a:defRPr/>
-                      </a:pPr>
-                      <a:r>
-                        <a:rPr lang="zh-CN" altLang="en-US" sz="2800" dirty="0"/>
-                        <a:t>参照权力</a:t>
-                      </a:r>
-                      <a:endParaRPr lang="zh-CN" altLang="en-US" sz="2800" dirty="0"/>
-                    </a:p>
-                  </a:txBody>
-                  <a:tcPr/>
-                </a:tc>
-                <a:tc>
-                  <a:txBody>
-                    <a:bodyPr/>
-                    <a:lstStyle/>
-                    <a:p>
-                      <a:pPr marL="0" marR="0" indent="0" algn="l" defTabSz="914400" rtl="0" eaLnBrk="1" fontAlgn="auto" latinLnBrk="0" hangingPunct="1">
-                        <a:lnSpc>
-                          <a:spcPct val="100000"/>
-                        </a:lnSpc>
-                        <a:spcBef>
-                          <a:spcPts val="0"/>
-                        </a:spcBef>
-                        <a:spcAft>
-                          <a:spcPts val="0"/>
-                        </a:spcAft>
-                        <a:buClrTx/>
-                        <a:buSzTx/>
-                        <a:buFontTx/>
-                        <a:buNone/>
-                        <a:defRPr/>
-                      </a:pPr>
-                      <a:r>
-                        <a:rPr lang="zh-CN" altLang="en-US" sz="2800" dirty="0"/>
-                        <a:t>项目经理拥有超凡的个人魅力</a:t>
-                      </a:r>
-                      <a:endParaRPr lang="zh-CN" altLang="en-US" sz="2800" dirty="0"/>
-                    </a:p>
-                  </a:txBody>
-                  <a:tcPr/>
-                </a:tc>
-              </a:tr>
-              <a:tr h="370840">
-                <a:tc>
-                  <a:txBody>
-                    <a:bodyPr/>
-                    <a:lstStyle/>
-                    <a:p>
-                      <a:r>
-                        <a:rPr lang="zh-CN" altLang="en-US" sz="2800" dirty="0"/>
-                        <a:t>专家权力</a:t>
-                      </a:r>
-                      <a:endParaRPr lang="zh-CN" altLang="en-US" sz="2800" dirty="0"/>
-                    </a:p>
-                  </a:txBody>
-                  <a:tcPr/>
-                </a:tc>
-                <a:tc>
-                  <a:txBody>
-                    <a:bodyPr/>
-                    <a:lstStyle/>
-                    <a:p>
-                      <a:r>
-                        <a:rPr lang="zh-CN" altLang="en-US" sz="2800" dirty="0"/>
-                        <a:t>如果项目经理在某个领域是专家，团队成员更倾向于听从项目经理的安排</a:t>
-                      </a:r>
-                      <a:endParaRPr lang="zh-CN" altLang="en-US" sz="2800" dirty="0"/>
-                    </a:p>
-                  </a:txBody>
-                  <a:tcPr/>
-                </a:tc>
-              </a:tr>
-              <a:tr h="370840">
-                <a:tc>
-                  <a:txBody>
-                    <a:bodyPr/>
-                    <a:lstStyle/>
-                    <a:p>
-                      <a:r>
-                        <a:rPr lang="zh-CN" altLang="en-US" sz="2800" dirty="0"/>
-                        <a:t>奖励权力</a:t>
-                      </a:r>
-                      <a:endParaRPr lang="zh-CN" altLang="en-US" sz="2800" dirty="0"/>
-                    </a:p>
-                  </a:txBody>
-                  <a:tcPr/>
-                </a:tc>
-                <a:tc>
-                  <a:txBody>
-                    <a:bodyPr/>
-                    <a:lstStyle/>
-                    <a:p>
-                      <a:r>
-                        <a:rPr lang="zh-CN" altLang="en-US" sz="2800" dirty="0"/>
-                        <a:t>通过奖励来鼓励成员工作。包括晋升、机会、表彰、金钱等</a:t>
-                      </a:r>
-                      <a:endParaRPr lang="en-US" altLang="zh-CN" sz="2800" dirty="0"/>
-                    </a:p>
-                  </a:txBody>
-                  <a:tcPr/>
-                </a:tc>
-              </a:tr>
-              <a:tr h="370840">
-                <a:tc>
-                  <a:txBody>
-                    <a:bodyPr/>
-                    <a:lstStyle/>
-                    <a:p>
-                      <a:r>
-                        <a:rPr lang="zh-CN" altLang="en-US" sz="2800" dirty="0"/>
-                        <a:t>合法权力 </a:t>
-                      </a:r>
-                      <a:endParaRPr lang="zh-CN" altLang="en-US" sz="2800" dirty="0"/>
-                    </a:p>
-                  </a:txBody>
-                  <a:tcPr/>
-                </a:tc>
-                <a:tc>
-                  <a:txBody>
-                    <a:bodyPr/>
-                    <a:lstStyle/>
-                    <a:p>
-                      <a:r>
-                        <a:rPr lang="zh-CN" altLang="en-US" sz="2800" dirty="0"/>
-                        <a:t>通过职位授予的权力去指挥成员工作</a:t>
-                      </a:r>
-                      <a:endParaRPr lang="zh-CN" altLang="en-US" sz="2800" dirty="0"/>
-                    </a:p>
-                  </a:txBody>
-                  <a:tcPr/>
-                </a:tc>
-              </a:tr>
-              <a:tr h="370840">
-                <a:tc>
-                  <a:txBody>
-                    <a:bodyPr/>
-                    <a:lstStyle/>
-                    <a:p>
-                      <a:r>
-                        <a:rPr lang="zh-CN" altLang="en-US" sz="2800" dirty="0"/>
-                        <a:t>强制权力</a:t>
-                      </a:r>
-                      <a:endParaRPr lang="zh-CN" altLang="en-US" sz="2800" dirty="0"/>
-                    </a:p>
-                  </a:txBody>
-                  <a:tcPr/>
-                </a:tc>
-                <a:tc>
-                  <a:txBody>
-                    <a:bodyPr/>
-                    <a:lstStyle/>
-                    <a:p>
-                      <a:r>
-                        <a:rPr lang="zh-CN" altLang="en-US" sz="2800" dirty="0"/>
-                        <a:t>通过惩罚方法驱使成员做他们不愿意做的事情，适用于制止消极行为</a:t>
-                      </a:r>
-                      <a:endParaRPr lang="zh-CN" altLang="en-US" sz="2800" dirty="0"/>
-                    </a:p>
-                  </a:txBody>
-                  <a:tcPr/>
-                </a:tc>
-              </a:tr>
-            </a:tbl>
-          </a:graphicData>
-        </a:graphic>
-      </p:graphicFrame>
       <p:sp>
         <p:nvSpPr>
-          <p:cNvPr id="4" name="页脚占位符 3"/>
+          <p:cNvPr id="3" name="内容占位符 2"/>
           <p:cNvSpPr>
             <a:spLocks noGrp="1"/>
           </p:cNvSpPr>
           <p:nvPr>
-            <p:ph type="ftr" sz="quarter" idx="10"/>
+            <p:ph idx="1"/>
           </p:nvPr>
         </p:nvSpPr>
         <p:spPr/>
@@ -25388,82 +25277,102 @@
           <a:bodyPr/>
           <a:lstStyle/>
           <a:p>
-            <a:pPr>
-              <a:defRPr/>
-            </a:pPr>
-            <a:r>
-              <a:rPr lang="en-US"/>
-              <a:t>Information Technology Project Management, Fifth Edition, Copyright 2007</a:t>
-            </a:r>
-            <a:endParaRPr lang="en-US" dirty="0"/>
-          </a:p>
-        </p:txBody>
-      </p:sp>
-      <p:sp>
-        <p:nvSpPr>
-          <p:cNvPr id="5" name="内容占位符 2"/>
-          <p:cNvSpPr txBox="1"/>
-          <p:nvPr/>
-        </p:nvSpPr>
-        <p:spPr bwMode="auto">
-          <a:xfrm>
-            <a:off x="400050" y="1489075"/>
-            <a:ext cx="9944100" cy="4313555"/>
-          </a:xfrm>
-          <a:prstGeom prst="rect">
-            <a:avLst/>
-          </a:prstGeom>
-          <a:noFill/>
-          <a:ln w="9525">
-            <a:noFill/>
-            <a:miter lim="800000"/>
-          </a:ln>
-        </p:spPr>
-        <p:txBody>
-          <a:bodyPr vert="horz" wrap="square" lIns="0" tIns="0" rIns="0" bIns="0" numCol="1" anchor="t" anchorCtr="0" compatLnSpc="1"/>
-          <a:lstStyle/>
-          <a:p>
-            <a:pPr marL="180975" marR="0" lvl="0" indent="-180975" algn="l" defTabSz="914400" rtl="0" eaLnBrk="0" fontAlgn="base" latinLnBrk="0" hangingPunct="0">
-              <a:lnSpc>
-                <a:spcPct val="100000"/>
-              </a:lnSpc>
-              <a:spcBef>
-                <a:spcPct val="0"/>
-              </a:spcBef>
-              <a:spcAft>
-                <a:spcPct val="40000"/>
-              </a:spcAft>
-              <a:buClrTx/>
-              <a:buSzTx/>
-              <a:buFont typeface="Wingdings" panose="05000000000000000000" pitchFamily="2" charset="2"/>
-              <a:buChar char="§"/>
-              <a:defRPr/>
-            </a:pPr>
-            <a:r>
-              <a:rPr kumimoji="0" lang="zh-CN" altLang="en-US" sz="2400" b="0" i="0" u="none" strike="noStrike" kern="0" cap="none" spc="0" normalizeH="0" baseline="0" noProof="0" dirty="0">
-                <a:ln>
-                  <a:noFill/>
-                </a:ln>
-                <a:effectLst/>
-                <a:uLnTx/>
-                <a:uFillTx/>
-                <a:latin typeface="微软雅黑" panose="020B0503020204020204" pitchFamily="34" charset="-122"/>
-                <a:ea typeface="微软雅黑" panose="020B0503020204020204" pitchFamily="34" charset="-122"/>
-                <a:cs typeface="+mn-cs"/>
+            <a:r>
+              <a:rPr lang="zh-CN" altLang="en-US" sz="2400" dirty="0">
+                <a:solidFill>
+                  <a:srgbClr val="FF0000"/>
+                </a:solidFill>
               </a:rPr>
-              <a:t>权力相关：</a:t>
-            </a:r>
-            <a:endParaRPr kumimoji="0" lang="zh-CN" altLang="en-US" sz="2400" b="0" i="0" u="none" strike="noStrike" kern="0" cap="none" spc="0" normalizeH="0" baseline="0" noProof="0" dirty="0">
-              <a:ln>
-                <a:noFill/>
-              </a:ln>
-              <a:effectLst/>
-              <a:uLnTx/>
-              <a:uFillTx/>
-              <a:latin typeface="微软雅黑" panose="020B0503020204020204" pitchFamily="34" charset="-122"/>
-              <a:ea typeface="微软雅黑" panose="020B0503020204020204" pitchFamily="34" charset="-122"/>
-              <a:cs typeface="+mn-cs"/>
+              <a:t>冲突管理：</a:t>
+            </a:r>
+            <a:endParaRPr lang="en-US" altLang="zh-CN" sz="2400" dirty="0">
+              <a:solidFill>
+                <a:srgbClr val="FF0000"/>
+              </a:solidFill>
             </a:endParaRPr>
+          </a:p>
+          <a:p>
+            <a:pPr lvl="1"/>
+            <a:r>
+              <a:rPr lang="zh-CN" altLang="en-US" sz="2000" dirty="0"/>
+              <a:t>解决问题：直面问题，找到彻底的解决方案；</a:t>
+            </a:r>
+            <a:endParaRPr lang="en-US" altLang="zh-CN" sz="2000" dirty="0"/>
+          </a:p>
+          <a:p>
+            <a:pPr lvl="1"/>
+            <a:r>
+              <a:rPr lang="zh-CN" altLang="en-US" sz="2000" dirty="0"/>
+              <a:t>合作：综合考虑不同的观点和意见，引导各方达成一致</a:t>
+            </a:r>
+            <a:r>
+              <a:rPr lang="en-US" altLang="zh-CN" sz="2000" dirty="0"/>
+              <a:t>(</a:t>
+            </a:r>
+            <a:r>
+              <a:rPr lang="zh-CN" altLang="en-US" sz="2000" dirty="0"/>
+              <a:t>谁也不得罪</a:t>
+            </a:r>
+            <a:r>
+              <a:rPr lang="en-US" altLang="zh-CN" sz="2000" dirty="0"/>
+              <a:t>)</a:t>
+            </a:r>
+            <a:r>
+              <a:rPr lang="zh-CN" altLang="en-US" sz="2000" dirty="0"/>
+              <a:t>；</a:t>
+            </a:r>
+            <a:endParaRPr lang="en-US" altLang="zh-CN" sz="2000" dirty="0"/>
+          </a:p>
+          <a:p>
+            <a:pPr lvl="1"/>
+            <a:r>
+              <a:rPr lang="zh-CN" altLang="en-US" sz="2000" dirty="0"/>
+              <a:t>妥协：寻找让全体当事人在一定程度上满意的方案</a:t>
+            </a:r>
+            <a:r>
+              <a:rPr lang="en-US" altLang="zh-CN" sz="2000" dirty="0"/>
+              <a:t>(</a:t>
+            </a:r>
+            <a:r>
+              <a:rPr lang="zh-CN" altLang="en-US" sz="2000" dirty="0"/>
+              <a:t>各让一步</a:t>
+            </a:r>
+            <a:r>
+              <a:rPr lang="en-US" altLang="zh-CN" sz="2000" dirty="0"/>
+              <a:t>)</a:t>
+            </a:r>
+            <a:r>
+              <a:rPr lang="zh-CN" altLang="en-US" sz="2000" dirty="0"/>
+              <a:t>；</a:t>
+            </a:r>
+            <a:endParaRPr lang="en-US" altLang="zh-CN" sz="2000" dirty="0"/>
+          </a:p>
+          <a:p>
+            <a:pPr lvl="1"/>
+            <a:r>
+              <a:rPr lang="zh-CN" altLang="en-US" sz="2000" dirty="0"/>
+              <a:t>缓解：强调一致而非差异（求同存异）；</a:t>
+            </a:r>
+            <a:endParaRPr lang="en-US" altLang="zh-CN" sz="2000" dirty="0"/>
+          </a:p>
+          <a:p>
+            <a:pPr lvl="1"/>
+            <a:r>
+              <a:rPr lang="zh-CN" altLang="en-US" sz="2000" dirty="0"/>
+              <a:t>强迫：以牺牲其他方为代价，推行某一方观点；</a:t>
+            </a:r>
+            <a:endParaRPr lang="en-US" altLang="zh-CN" sz="2000" dirty="0"/>
+          </a:p>
+          <a:p>
+            <a:pPr lvl="1"/>
+            <a:r>
+              <a:rPr lang="zh-CN" altLang="en-US" sz="2000" dirty="0"/>
+              <a:t>撤退：从冲突中退出；</a:t>
+            </a:r>
+            <a:endParaRPr lang="en-US" altLang="zh-CN" sz="2000" dirty="0"/>
+          </a:p>
+          <a:p>
+            <a:endParaRPr lang="zh-CN" altLang="en-US" sz="2400" dirty="0"/>
           </a:p>
         </p:txBody>
       </p:sp>
@@ -25526,8 +25435,8 @@
           </p:nvPr>
         </p:nvGraphicFramePr>
         <p:xfrm>
-          <a:off x="1937657" y="2106386"/>
-          <a:ext cx="8305800" cy="4023360"/>
+          <a:off x="1905000" y="2090057"/>
+          <a:ext cx="8305800" cy="3870960"/>
         </p:xfrm>
         <a:graphic>
           <a:graphicData uri="http://schemas.openxmlformats.org/drawingml/2006/table">
@@ -25536,10 +25445,8 @@
                 <a:tableStyleId>{5940675A-B579-460E-94D1-54222C63F5DA}</a:tableStyleId>
               </a:tblPr>
               <a:tblGrid>
-                <a:gridCol w="1496695"/>
-                <a:gridCol w="1910715"/>
-                <a:gridCol w="2530475"/>
-                <a:gridCol w="2367915"/>
+                <a:gridCol w="1708785"/>
+                <a:gridCol w="6597015"/>
               </a:tblGrid>
               <a:tr h="370840">
                 <a:tc>
@@ -25547,11 +25454,27 @@
                     <a:bodyPr/>
                     <a:lstStyle/>
                     <a:p>
-                      <a:r>
-                        <a:rPr lang="zh-CN" altLang="en-US" sz="2400" dirty="0"/>
-                        <a:t>管理风格</a:t>
-                      </a:r>
-                      <a:endParaRPr lang="zh-CN" altLang="en-US" sz="2400" dirty="0"/>
+                      <a:pPr marL="0" marR="0" indent="0" algn="l" defTabSz="914400" rtl="0" eaLnBrk="1" fontAlgn="auto" latinLnBrk="0" hangingPunct="1">
+                        <a:lnSpc>
+                          <a:spcPct val="100000"/>
+                        </a:lnSpc>
+                        <a:spcBef>
+                          <a:spcPts val="0"/>
+                        </a:spcBef>
+                        <a:spcAft>
+                          <a:spcPts val="0"/>
+                        </a:spcAft>
+                        <a:buClrTx/>
+                        <a:buSzTx/>
+                        <a:buFontTx/>
+                        <a:buNone/>
+                        <a:defRPr/>
+                      </a:pPr>
+                      <a:r>
+                        <a:rPr lang="zh-CN" altLang="en-US" sz="2800" dirty="0"/>
+                        <a:t>参照权力</a:t>
+                      </a:r>
+                      <a:endParaRPr lang="zh-CN" altLang="en-US" sz="2800" dirty="0"/>
                     </a:p>
                   </a:txBody>
                   <a:tcPr/>
@@ -25561,39 +25484,27 @@
                     <a:bodyPr/>
                     <a:lstStyle/>
                     <a:p>
-                      <a:r>
-                        <a:rPr lang="zh-CN" altLang="en-US" sz="2400" dirty="0"/>
-                        <a:t>优点</a:t>
-                      </a:r>
-                      <a:endParaRPr lang="zh-CN" altLang="en-US" sz="2400" dirty="0"/>
-                    </a:p>
-                  </a:txBody>
-                  <a:tcPr/>
-                </a:tc>
-                <a:tc>
-                  <a:txBody>
-                    <a:bodyPr/>
-                    <a:lstStyle/>
-                    <a:p>
-                      <a:r>
-                        <a:rPr lang="zh-CN" altLang="en-US" sz="2400" dirty="0"/>
-                        <a:t>缺点</a:t>
-                      </a:r>
-                      <a:endParaRPr lang="zh-CN" altLang="en-US" sz="2400" dirty="0"/>
-                    </a:p>
-                  </a:txBody>
-                  <a:tcPr/>
-                </a:tc>
-                <a:tc>
-                  <a:txBody>
-                    <a:bodyPr/>
-                    <a:lstStyle/>
-                    <a:p>
-                      <a:r>
-                        <a:rPr lang="zh-CN" altLang="en-US" sz="2400" dirty="0"/>
-                        <a:t>适用于</a:t>
-                      </a:r>
-                      <a:endParaRPr lang="zh-CN" altLang="en-US" sz="2400" dirty="0"/>
+                      <a:pPr marL="0" marR="0" indent="0" algn="l" defTabSz="914400" rtl="0" eaLnBrk="1" fontAlgn="auto" latinLnBrk="0" hangingPunct="1">
+                        <a:lnSpc>
+                          <a:spcPct val="100000"/>
+                        </a:lnSpc>
+                        <a:spcBef>
+                          <a:spcPts val="0"/>
+                        </a:spcBef>
+                        <a:spcAft>
+                          <a:spcPts val="0"/>
+                        </a:spcAft>
+                        <a:buClrTx/>
+                        <a:buSzTx/>
+                        <a:buFontTx/>
+                        <a:buNone/>
+                        <a:defRPr/>
+                      </a:pPr>
+                      <a:r>
+                        <a:rPr lang="zh-CN" altLang="en-US" sz="2800" dirty="0"/>
+                        <a:t>项目经理拥有超凡的个人魅力</a:t>
+                      </a:r>
+                      <a:endParaRPr lang="zh-CN" altLang="en-US" sz="2800" dirty="0"/>
                     </a:p>
                   </a:txBody>
                   <a:tcPr/>
@@ -25606,10 +25517,10 @@
                     <a:lstStyle/>
                     <a:p>
                       <a:r>
-                        <a:rPr lang="zh-CN" altLang="en-US" sz="2400" dirty="0"/>
-                        <a:t>独裁式</a:t>
-                      </a:r>
-                      <a:endParaRPr lang="zh-CN" altLang="en-US" sz="2400" dirty="0"/>
+                        <a:rPr lang="zh-CN" altLang="en-US" sz="2800" dirty="0"/>
+                        <a:t>专家权力</a:t>
+                      </a:r>
+                      <a:endParaRPr lang="zh-CN" altLang="en-US" sz="2800" dirty="0"/>
                     </a:p>
                   </a:txBody>
                   <a:tcPr/>
@@ -25620,53 +25531,10 @@
                     <a:lstStyle/>
                     <a:p>
                       <a:r>
-                        <a:rPr lang="zh-CN" altLang="en-US" sz="2400" dirty="0"/>
-                        <a:t>快速决策</a:t>
-                      </a:r>
-                      <a:endParaRPr lang="zh-CN" altLang="en-US" sz="2400" dirty="0"/>
-                    </a:p>
-                  </a:txBody>
-                  <a:tcPr/>
-                </a:tc>
-                <a:tc>
-                  <a:txBody>
-                    <a:bodyPr/>
-                    <a:lstStyle/>
-                    <a:p>
-                      <a:pPr>
-                        <a:buFont typeface="Arial" panose="020B0604020202020204" pitchFamily="34" charset="0"/>
-                        <a:buChar char="•"/>
-                      </a:pPr>
-                      <a:r>
-                        <a:rPr lang="zh-CN" altLang="en-US" sz="2400" dirty="0"/>
-                        <a:t>武断或错误决策</a:t>
-                      </a:r>
-                      <a:endParaRPr lang="en-US" altLang="zh-CN" sz="2400" dirty="0"/>
-                    </a:p>
-                    <a:p>
-                      <a:pPr>
-                        <a:buFont typeface="Arial" panose="020B0604020202020204" pitchFamily="34" charset="0"/>
-                        <a:buChar char="•"/>
-                      </a:pPr>
-                      <a:r>
-                        <a:rPr lang="zh-CN" altLang="en-US" sz="2400" dirty="0"/>
-                        <a:t>限制成员的选择会导致士气低落</a:t>
-                      </a:r>
-                      <a:endParaRPr lang="zh-CN" altLang="en-US" sz="2400" dirty="0"/>
-                    </a:p>
-                  </a:txBody>
-                  <a:tcPr/>
-                </a:tc>
-                <a:tc>
-                  <a:txBody>
-                    <a:bodyPr/>
-                    <a:lstStyle/>
-                    <a:p>
-                      <a:r>
-                        <a:rPr lang="zh-CN" altLang="en-US" sz="2400" dirty="0"/>
-                        <a:t>成熟、低风险、有详细说明的项目</a:t>
-                      </a:r>
-                      <a:endParaRPr lang="zh-CN" altLang="en-US" sz="2400" dirty="0"/>
+                        <a:rPr lang="zh-CN" altLang="en-US" sz="2800" dirty="0"/>
+                        <a:t>如果项目经理在某个领域是专家，团队成员更倾向于听从项目经理的安排</a:t>
+                      </a:r>
+                      <a:endParaRPr lang="zh-CN" altLang="en-US" sz="2800" dirty="0"/>
                     </a:p>
                   </a:txBody>
                   <a:tcPr/>
@@ -25679,10 +25547,10 @@
                     <a:lstStyle/>
                     <a:p>
                       <a:r>
-                        <a:rPr lang="zh-CN" altLang="en-US" sz="2400" dirty="0"/>
-                        <a:t>放任式</a:t>
-                      </a:r>
-                      <a:endParaRPr lang="zh-CN" altLang="en-US" sz="2400" dirty="0"/>
+                        <a:rPr lang="zh-CN" altLang="en-US" sz="2800" dirty="0"/>
+                        <a:t>奖励权力</a:t>
+                      </a:r>
+                      <a:endParaRPr lang="zh-CN" altLang="en-US" sz="2800" dirty="0"/>
                     </a:p>
                   </a:txBody>
                   <a:tcPr/>
@@ -25693,38 +25561,10 @@
                     <a:lstStyle/>
                     <a:p>
                       <a:r>
-                        <a:rPr lang="zh-CN" altLang="en-US" sz="2400" dirty="0"/>
-                        <a:t>充分发挥成员的创造力和个人价值</a:t>
-                      </a:r>
-                      <a:endParaRPr lang="zh-CN" altLang="en-US" sz="2400" dirty="0"/>
-                    </a:p>
-                  </a:txBody>
-                  <a:tcPr/>
-                </a:tc>
-                <a:tc>
-                  <a:txBody>
-                    <a:bodyPr/>
-                    <a:lstStyle/>
-                    <a:p>
-                      <a:r>
-                        <a:rPr lang="zh-CN" altLang="en-US" sz="2400" dirty="0"/>
-                        <a:t>目标不明确、不易做决定</a:t>
-                      </a:r>
-                      <a:endParaRPr lang="zh-CN" altLang="en-US" sz="2400" dirty="0"/>
-                    </a:p>
-                  </a:txBody>
-                  <a:tcPr/>
-                </a:tc>
-                <a:tc>
-                  <a:txBody>
-                    <a:bodyPr/>
-                    <a:lstStyle/>
-                    <a:p>
-                      <a:r>
-                        <a:rPr lang="zh-CN" altLang="en-US" sz="2400" dirty="0"/>
-                        <a:t>创新性、研究性项目</a:t>
-                      </a:r>
-                      <a:endParaRPr lang="zh-CN" altLang="en-US" sz="2400" dirty="0"/>
+                        <a:rPr lang="zh-CN" altLang="en-US" sz="2800" dirty="0"/>
+                        <a:t>通过奖励来鼓励成员工作。包括晋升、机会、表彰、金钱等</a:t>
+                      </a:r>
+                      <a:endParaRPr lang="en-US" altLang="zh-CN" sz="2800" dirty="0"/>
                     </a:p>
                   </a:txBody>
                   <a:tcPr/>
@@ -25737,10 +25577,10 @@
                     <a:lstStyle/>
                     <a:p>
                       <a:r>
-                        <a:rPr lang="zh-CN" altLang="en-US" sz="2400" dirty="0"/>
-                        <a:t>民主式</a:t>
-                      </a:r>
-                      <a:endParaRPr lang="zh-CN" altLang="en-US" sz="2400" dirty="0"/>
+                        <a:rPr lang="zh-CN" altLang="en-US" sz="2800" dirty="0"/>
+                        <a:t>合法权力 </a:t>
+                      </a:r>
+                      <a:endParaRPr lang="zh-CN" altLang="en-US" sz="2800" dirty="0"/>
                     </a:p>
                   </a:txBody>
                   <a:tcPr/>
@@ -25751,39 +25591,26 @@
                     <a:lstStyle/>
                     <a:p>
                       <a:r>
-                        <a:rPr lang="zh-CN" altLang="en-US" sz="2400" dirty="0"/>
-                        <a:t>成员参与度高，愿意承担义务</a:t>
-                      </a:r>
-                      <a:endParaRPr lang="zh-CN" altLang="en-US" sz="2400" dirty="0"/>
-                    </a:p>
-                  </a:txBody>
-                  <a:tcPr/>
-                </a:tc>
+                        <a:rPr lang="zh-CN" altLang="en-US" sz="2800" dirty="0"/>
+                        <a:t>通过职位授予的权力去指挥成员工作</a:t>
+                      </a:r>
+                      <a:endParaRPr lang="zh-CN" altLang="en-US" sz="2800" dirty="0"/>
+                    </a:p>
+                  </a:txBody>
+                  <a:tcPr/>
+                </a:tc>
+              </a:tr>
+              <a:tr h="370840">
                 <a:tc>
                   <a:txBody>
                     <a:bodyPr/>
                     <a:lstStyle/>
                     <a:p>
-                      <a:pPr>
-                        <a:buFont typeface="Arial" panose="020B0604020202020204" pitchFamily="34" charset="0"/>
-                        <a:buChar char="•"/>
-                      </a:pPr>
-                      <a:r>
-                        <a:rPr lang="zh-CN" altLang="en-US" sz="2400" dirty="0"/>
-                        <a:t>延误时机</a:t>
-                      </a:r>
-                      <a:endParaRPr lang="en-US" altLang="zh-CN" sz="2400" dirty="0"/>
-                    </a:p>
-                    <a:p>
-                      <a:pPr>
-                        <a:buFont typeface="Arial" panose="020B0604020202020204" pitchFamily="34" charset="0"/>
-                        <a:buChar char="•"/>
-                      </a:pPr>
-                      <a:r>
-                        <a:rPr lang="zh-CN" altLang="en-US" sz="2400" dirty="0"/>
-                        <a:t>多数人专政</a:t>
-                      </a:r>
-                      <a:endParaRPr lang="zh-CN" altLang="en-US" sz="2400" dirty="0"/>
+                      <a:r>
+                        <a:rPr lang="zh-CN" altLang="en-US" sz="2800" dirty="0"/>
+                        <a:t>强制权力</a:t>
+                      </a:r>
+                      <a:endParaRPr lang="zh-CN" altLang="en-US" sz="2800" dirty="0"/>
                     </a:p>
                   </a:txBody>
                   <a:tcPr/>
@@ -25794,10 +25621,10 @@
                     <a:lstStyle/>
                     <a:p>
                       <a:r>
-                        <a:rPr lang="zh-CN" altLang="en-US" sz="2400" dirty="0"/>
-                        <a:t>大部分项目</a:t>
-                      </a:r>
-                      <a:endParaRPr lang="zh-CN" altLang="en-US" sz="2400" dirty="0"/>
+                        <a:rPr lang="zh-CN" altLang="en-US" sz="2800" dirty="0"/>
+                        <a:t>通过惩罚方法驱使成员做他们不愿意做的事情，适用于制止消极行为</a:t>
+                      </a:r>
+                      <a:endParaRPr lang="zh-CN" altLang="en-US" sz="2800" dirty="0"/>
                     </a:p>
                   </a:txBody>
                   <a:tcPr/>
@@ -25842,7 +25669,7 @@
         <p:spPr bwMode="auto">
           <a:xfrm>
             <a:off x="400050" y="1489075"/>
-            <a:ext cx="9944100" cy="4770120"/>
+            <a:ext cx="9944100" cy="4313555"/>
           </a:xfrm>
           <a:prstGeom prst="rect">
             <a:avLst/>
@@ -25885,7 +25712,7 @@
                 <a:ea typeface="微软雅黑" panose="020B0503020204020204" pitchFamily="34" charset="-122"/>
                 <a:cs typeface="+mn-cs"/>
               </a:rPr>
-              <a:t>管理风格：</a:t>
+              <a:t>权力相关：</a:t>
             </a:r>
             <a:endParaRPr kumimoji="0" lang="zh-CN" altLang="en-US" sz="2400" b="0" i="0" u="none" strike="noStrike" kern="0" cap="none" spc="0" normalizeH="0" baseline="0" noProof="0" dirty="0">
               <a:ln>
@@ -25943,91 +25770,395 @@
           <a:p>
             <a:r>
               <a:rPr lang="zh-CN" altLang="en-US" dirty="0"/>
-              <a:t>建设和管理项目团队的“成果”</a:t>
+              <a:t>管理团队</a:t>
             </a:r>
             <a:endParaRPr lang="zh-CN" altLang="en-US" dirty="0"/>
+          </a:p>
+        </p:txBody>
+      </p:sp>
+      <p:graphicFrame>
+        <p:nvGraphicFramePr>
+          <p:cNvPr id="6" name="内容占位符 5"/>
+          <p:cNvGraphicFramePr>
+            <a:graphicFrameLocks noGrp="1"/>
+          </p:cNvGraphicFramePr>
+          <p:nvPr>
+            <p:ph sz="quarter" idx="1"/>
+          </p:nvPr>
+        </p:nvGraphicFramePr>
+        <p:xfrm>
+          <a:off x="1937657" y="2106386"/>
+          <a:ext cx="8305800" cy="4023360"/>
+        </p:xfrm>
+        <a:graphic>
+          <a:graphicData uri="http://schemas.openxmlformats.org/drawingml/2006/table">
+            <a:tbl>
+              <a:tblPr firstRow="1" bandRow="1">
+                <a:tableStyleId>{5940675A-B579-460E-94D1-54222C63F5DA}</a:tableStyleId>
+              </a:tblPr>
+              <a:tblGrid>
+                <a:gridCol w="1496695"/>
+                <a:gridCol w="1910715"/>
+                <a:gridCol w="2530475"/>
+                <a:gridCol w="2367915"/>
+              </a:tblGrid>
+              <a:tr h="370840">
+                <a:tc>
+                  <a:txBody>
+                    <a:bodyPr/>
+                    <a:lstStyle/>
+                    <a:p>
+                      <a:r>
+                        <a:rPr lang="zh-CN" altLang="en-US" sz="2400" dirty="0"/>
+                        <a:t>管理风格</a:t>
+                      </a:r>
+                      <a:endParaRPr lang="zh-CN" altLang="en-US" sz="2400" dirty="0"/>
+                    </a:p>
+                  </a:txBody>
+                  <a:tcPr/>
+                </a:tc>
+                <a:tc>
+                  <a:txBody>
+                    <a:bodyPr/>
+                    <a:lstStyle/>
+                    <a:p>
+                      <a:r>
+                        <a:rPr lang="zh-CN" altLang="en-US" sz="2400" dirty="0"/>
+                        <a:t>优点</a:t>
+                      </a:r>
+                      <a:endParaRPr lang="zh-CN" altLang="en-US" sz="2400" dirty="0"/>
+                    </a:p>
+                  </a:txBody>
+                  <a:tcPr/>
+                </a:tc>
+                <a:tc>
+                  <a:txBody>
+                    <a:bodyPr/>
+                    <a:lstStyle/>
+                    <a:p>
+                      <a:r>
+                        <a:rPr lang="zh-CN" altLang="en-US" sz="2400" dirty="0"/>
+                        <a:t>缺点</a:t>
+                      </a:r>
+                      <a:endParaRPr lang="zh-CN" altLang="en-US" sz="2400" dirty="0"/>
+                    </a:p>
+                  </a:txBody>
+                  <a:tcPr/>
+                </a:tc>
+                <a:tc>
+                  <a:txBody>
+                    <a:bodyPr/>
+                    <a:lstStyle/>
+                    <a:p>
+                      <a:r>
+                        <a:rPr lang="zh-CN" altLang="en-US" sz="2400" dirty="0"/>
+                        <a:t>适用于</a:t>
+                      </a:r>
+                      <a:endParaRPr lang="zh-CN" altLang="en-US" sz="2400" dirty="0"/>
+                    </a:p>
+                  </a:txBody>
+                  <a:tcPr/>
+                </a:tc>
+              </a:tr>
+              <a:tr h="370840">
+                <a:tc>
+                  <a:txBody>
+                    <a:bodyPr/>
+                    <a:lstStyle/>
+                    <a:p>
+                      <a:r>
+                        <a:rPr lang="zh-CN" altLang="en-US" sz="2400" dirty="0"/>
+                        <a:t>独裁式</a:t>
+                      </a:r>
+                      <a:endParaRPr lang="zh-CN" altLang="en-US" sz="2400" dirty="0"/>
+                    </a:p>
+                  </a:txBody>
+                  <a:tcPr/>
+                </a:tc>
+                <a:tc>
+                  <a:txBody>
+                    <a:bodyPr/>
+                    <a:lstStyle/>
+                    <a:p>
+                      <a:r>
+                        <a:rPr lang="zh-CN" altLang="en-US" sz="2400" dirty="0"/>
+                        <a:t>快速决策</a:t>
+                      </a:r>
+                      <a:endParaRPr lang="zh-CN" altLang="en-US" sz="2400" dirty="0"/>
+                    </a:p>
+                  </a:txBody>
+                  <a:tcPr/>
+                </a:tc>
+                <a:tc>
+                  <a:txBody>
+                    <a:bodyPr/>
+                    <a:lstStyle/>
+                    <a:p>
+                      <a:pPr>
+                        <a:buFont typeface="Arial" panose="020B0604020202020204" pitchFamily="34" charset="0"/>
+                        <a:buChar char="•"/>
+                      </a:pPr>
+                      <a:r>
+                        <a:rPr lang="zh-CN" altLang="en-US" sz="2400" dirty="0"/>
+                        <a:t>武断或错误决策</a:t>
+                      </a:r>
+                      <a:endParaRPr lang="en-US" altLang="zh-CN" sz="2400" dirty="0"/>
+                    </a:p>
+                    <a:p>
+                      <a:pPr>
+                        <a:buFont typeface="Arial" panose="020B0604020202020204" pitchFamily="34" charset="0"/>
+                        <a:buChar char="•"/>
+                      </a:pPr>
+                      <a:r>
+                        <a:rPr lang="zh-CN" altLang="en-US" sz="2400" dirty="0"/>
+                        <a:t>限制成员的选择会导致士气低落</a:t>
+                      </a:r>
+                      <a:endParaRPr lang="zh-CN" altLang="en-US" sz="2400" dirty="0"/>
+                    </a:p>
+                  </a:txBody>
+                  <a:tcPr/>
+                </a:tc>
+                <a:tc>
+                  <a:txBody>
+                    <a:bodyPr/>
+                    <a:lstStyle/>
+                    <a:p>
+                      <a:r>
+                        <a:rPr lang="zh-CN" altLang="en-US" sz="2400" dirty="0"/>
+                        <a:t>成熟、低风险、有详细说明的项目</a:t>
+                      </a:r>
+                      <a:endParaRPr lang="zh-CN" altLang="en-US" sz="2400" dirty="0"/>
+                    </a:p>
+                  </a:txBody>
+                  <a:tcPr/>
+                </a:tc>
+              </a:tr>
+              <a:tr h="370840">
+                <a:tc>
+                  <a:txBody>
+                    <a:bodyPr/>
+                    <a:lstStyle/>
+                    <a:p>
+                      <a:r>
+                        <a:rPr lang="zh-CN" altLang="en-US" sz="2400" dirty="0"/>
+                        <a:t>放任式</a:t>
+                      </a:r>
+                      <a:endParaRPr lang="zh-CN" altLang="en-US" sz="2400" dirty="0"/>
+                    </a:p>
+                  </a:txBody>
+                  <a:tcPr/>
+                </a:tc>
+                <a:tc>
+                  <a:txBody>
+                    <a:bodyPr/>
+                    <a:lstStyle/>
+                    <a:p>
+                      <a:r>
+                        <a:rPr lang="zh-CN" altLang="en-US" sz="2400" dirty="0"/>
+                        <a:t>充分发挥成员的创造力和个人价值</a:t>
+                      </a:r>
+                      <a:endParaRPr lang="zh-CN" altLang="en-US" sz="2400" dirty="0"/>
+                    </a:p>
+                  </a:txBody>
+                  <a:tcPr/>
+                </a:tc>
+                <a:tc>
+                  <a:txBody>
+                    <a:bodyPr/>
+                    <a:lstStyle/>
+                    <a:p>
+                      <a:r>
+                        <a:rPr lang="zh-CN" altLang="en-US" sz="2400" dirty="0"/>
+                        <a:t>目标不明确、不易做决定</a:t>
+                      </a:r>
+                      <a:endParaRPr lang="zh-CN" altLang="en-US" sz="2400" dirty="0"/>
+                    </a:p>
+                  </a:txBody>
+                  <a:tcPr/>
+                </a:tc>
+                <a:tc>
+                  <a:txBody>
+                    <a:bodyPr/>
+                    <a:lstStyle/>
+                    <a:p>
+                      <a:r>
+                        <a:rPr lang="zh-CN" altLang="en-US" sz="2400" dirty="0"/>
+                        <a:t>创新性、研究性项目</a:t>
+                      </a:r>
+                      <a:endParaRPr lang="zh-CN" altLang="en-US" sz="2400" dirty="0"/>
+                    </a:p>
+                  </a:txBody>
+                  <a:tcPr/>
+                </a:tc>
+              </a:tr>
+              <a:tr h="370840">
+                <a:tc>
+                  <a:txBody>
+                    <a:bodyPr/>
+                    <a:lstStyle/>
+                    <a:p>
+                      <a:r>
+                        <a:rPr lang="zh-CN" altLang="en-US" sz="2400" dirty="0"/>
+                        <a:t>民主式</a:t>
+                      </a:r>
+                      <a:endParaRPr lang="zh-CN" altLang="en-US" sz="2400" dirty="0"/>
+                    </a:p>
+                  </a:txBody>
+                  <a:tcPr/>
+                </a:tc>
+                <a:tc>
+                  <a:txBody>
+                    <a:bodyPr/>
+                    <a:lstStyle/>
+                    <a:p>
+                      <a:r>
+                        <a:rPr lang="zh-CN" altLang="en-US" sz="2400" dirty="0"/>
+                        <a:t>成员参与度高，愿意承担义务</a:t>
+                      </a:r>
+                      <a:endParaRPr lang="zh-CN" altLang="en-US" sz="2400" dirty="0"/>
+                    </a:p>
+                  </a:txBody>
+                  <a:tcPr/>
+                </a:tc>
+                <a:tc>
+                  <a:txBody>
+                    <a:bodyPr/>
+                    <a:lstStyle/>
+                    <a:p>
+                      <a:pPr>
+                        <a:buFont typeface="Arial" panose="020B0604020202020204" pitchFamily="34" charset="0"/>
+                        <a:buChar char="•"/>
+                      </a:pPr>
+                      <a:r>
+                        <a:rPr lang="zh-CN" altLang="en-US" sz="2400" dirty="0"/>
+                        <a:t>延误时机</a:t>
+                      </a:r>
+                      <a:endParaRPr lang="en-US" altLang="zh-CN" sz="2400" dirty="0"/>
+                    </a:p>
+                    <a:p>
+                      <a:pPr>
+                        <a:buFont typeface="Arial" panose="020B0604020202020204" pitchFamily="34" charset="0"/>
+                        <a:buChar char="•"/>
+                      </a:pPr>
+                      <a:r>
+                        <a:rPr lang="zh-CN" altLang="en-US" sz="2400" dirty="0"/>
+                        <a:t>多数人专政</a:t>
+                      </a:r>
+                      <a:endParaRPr lang="zh-CN" altLang="en-US" sz="2400" dirty="0"/>
+                    </a:p>
+                  </a:txBody>
+                  <a:tcPr/>
+                </a:tc>
+                <a:tc>
+                  <a:txBody>
+                    <a:bodyPr/>
+                    <a:lstStyle/>
+                    <a:p>
+                      <a:r>
+                        <a:rPr lang="zh-CN" altLang="en-US" sz="2400" dirty="0"/>
+                        <a:t>大部分项目</a:t>
+                      </a:r>
+                      <a:endParaRPr lang="zh-CN" altLang="en-US" sz="2400" dirty="0"/>
+                    </a:p>
+                  </a:txBody>
+                  <a:tcPr/>
+                </a:tc>
+              </a:tr>
+            </a:tbl>
+          </a:graphicData>
+        </a:graphic>
+      </p:graphicFrame>
+      <p:sp>
+        <p:nvSpPr>
+          <p:cNvPr id="4" name="页脚占位符 3"/>
+          <p:cNvSpPr>
+            <a:spLocks noGrp="1"/>
+          </p:cNvSpPr>
+          <p:nvPr>
+            <p:ph type="ftr" sz="quarter" idx="10"/>
+          </p:nvPr>
+        </p:nvSpPr>
+        <p:spPr/>
+        <p:txBody>
+          <a:bodyPr/>
+          <a:lstStyle/>
+          <a:p>
+            <a:pPr>
+              <a:defRPr/>
+            </a:pPr>
+            <a:r>
+              <a:rPr lang="en-US"/>
+              <a:t>Information Technology Project Management, Fifth Edition, Copyright 2007</a:t>
+            </a:r>
+            <a:endParaRPr lang="en-US" dirty="0"/>
           </a:p>
         </p:txBody>
       </p:sp>
       <p:sp>
         <p:nvSpPr>
-          <p:cNvPr id="3" name="内容占位符 2"/>
-          <p:cNvSpPr>
-            <a:spLocks noGrp="1"/>
-          </p:cNvSpPr>
-          <p:nvPr>
-            <p:ph idx="1"/>
-          </p:nvPr>
+          <p:cNvPr id="5" name="内容占位符 2"/>
+          <p:cNvSpPr txBox="1"/>
+          <p:nvPr/>
         </p:nvSpPr>
-        <p:spPr>
+        <p:spPr bwMode="auto">
           <a:xfrm>
-            <a:off x="393700" y="1489075"/>
-            <a:ext cx="11468735" cy="4313555"/>
+            <a:off x="400050" y="1489075"/>
+            <a:ext cx="9944100" cy="4770120"/>
           </a:xfrm>
+          <a:prstGeom prst="rect">
+            <a:avLst/>
+          </a:prstGeom>
+          <a:noFill/>
+          <a:ln w="9525">
+            <a:noFill/>
+            <a:miter lim="800000"/>
+          </a:ln>
         </p:spPr>
         <p:txBody>
-          <a:bodyPr/>
+          <a:bodyPr vert="horz" wrap="square" lIns="0" tIns="0" rIns="0" bIns="0" numCol="1" anchor="t" anchorCtr="0" compatLnSpc="1"/>
           <a:lstStyle/>
           <a:p>
-            <a:r>
-              <a:rPr lang="zh-CN" altLang="en-US" sz="2400" dirty="0">
-                <a:hlinkClick r:id="rId1" action="ppaction://hlinkfile"/>
+            <a:pPr marL="180975" marR="0" lvl="0" indent="-180975" algn="l" defTabSz="914400" rtl="0" eaLnBrk="0" fontAlgn="base" latinLnBrk="0" hangingPunct="0">
+              <a:lnSpc>
+                <a:spcPct val="100000"/>
+              </a:lnSpc>
+              <a:spcBef>
+                <a:spcPct val="0"/>
+              </a:spcBef>
+              <a:spcAft>
+                <a:spcPct val="40000"/>
+              </a:spcAft>
+              <a:buClrTx/>
+              <a:buSzTx/>
+              <a:buFont typeface="Wingdings" panose="05000000000000000000" pitchFamily="2" charset="2"/>
+              <a:buChar char="§"/>
+              <a:defRPr/>
+            </a:pPr>
+            <a:r>
+              <a:rPr kumimoji="0" lang="zh-CN" altLang="en-US" sz="2400" b="0" i="0" u="none" strike="noStrike" kern="0" cap="none" spc="0" normalizeH="0" baseline="0" noProof="0" dirty="0">
+                <a:ln>
+                  <a:noFill/>
+                </a:ln>
+                <a:effectLst/>
+                <a:uLnTx/>
+                <a:uFillTx/>
+                <a:latin typeface="微软雅黑" panose="020B0503020204020204" pitchFamily="34" charset="-122"/>
+                <a:ea typeface="微软雅黑" panose="020B0503020204020204" pitchFamily="34" charset="-122"/>
+                <a:cs typeface="+mn-cs"/>
               </a:rPr>
-              <a:t>团队绩效评价</a:t>
-            </a:r>
-            <a:r>
-              <a:rPr lang="zh-CN" altLang="en-US" sz="2400" dirty="0"/>
-              <a:t>。随着项目团队建设工作的开展，项目管理团队应该对项目团队的有效性，进行正式或非正式评价：</a:t>
-            </a:r>
-            <a:endParaRPr lang="en-US" altLang="zh-CN" sz="2400" dirty="0"/>
-          </a:p>
-          <a:p>
-            <a:pPr lvl="1"/>
-            <a:r>
-              <a:rPr lang="zh-CN" altLang="en-US" sz="2000" dirty="0"/>
-              <a:t>个人技能的改进；</a:t>
-            </a:r>
-            <a:endParaRPr lang="en-US" altLang="zh-CN" sz="2000" dirty="0"/>
-          </a:p>
-          <a:p>
-            <a:pPr lvl="1"/>
-            <a:r>
-              <a:rPr lang="zh-CN" altLang="en-US" sz="2000" dirty="0"/>
-              <a:t>团队能力的改进；</a:t>
-            </a:r>
-            <a:endParaRPr lang="en-US" altLang="zh-CN" sz="2000" dirty="0"/>
-          </a:p>
-          <a:p>
-            <a:pPr lvl="1"/>
-            <a:r>
-              <a:rPr lang="zh-CN" altLang="en-US" sz="2000" dirty="0"/>
-              <a:t>团队成员离职率的降低；</a:t>
-            </a:r>
-            <a:endParaRPr lang="en-US" altLang="zh-CN" sz="2000" dirty="0"/>
-          </a:p>
-          <a:p>
-            <a:pPr lvl="1"/>
-            <a:r>
-              <a:rPr lang="zh-CN" altLang="en-US" sz="2000" dirty="0"/>
-              <a:t>团队凝聚力的加强；</a:t>
-            </a:r>
-            <a:endParaRPr lang="en-US" altLang="zh-CN" sz="2800" dirty="0"/>
-          </a:p>
-          <a:p>
-            <a:r>
-              <a:rPr lang="zh-CN" altLang="en-US" sz="2400" dirty="0">
-                <a:hlinkClick r:id="rId2" action="ppaction://hlinkfile"/>
-              </a:rPr>
-              <a:t>变更请求</a:t>
-            </a:r>
-            <a:r>
-              <a:rPr lang="zh-CN" altLang="en-US" sz="2400" dirty="0"/>
-              <a:t>：主要是人员配备变更，例如把人员转派到其他任务、替换离开的成员等；</a:t>
-            </a:r>
-            <a:endParaRPr lang="en-US" altLang="zh-CN" sz="2400" dirty="0"/>
-          </a:p>
-          <a:p>
-            <a:endParaRPr lang="zh-CN" altLang="en-US" sz="2400" dirty="0"/>
+              <a:t>管理风格：</a:t>
+            </a:r>
+            <a:endParaRPr kumimoji="0" lang="zh-CN" altLang="en-US" sz="2400" b="0" i="0" u="none" strike="noStrike" kern="0" cap="none" spc="0" normalizeH="0" baseline="0" noProof="0" dirty="0">
+              <a:ln>
+                <a:noFill/>
+              </a:ln>
+              <a:effectLst/>
+              <a:uLnTx/>
+              <a:uFillTx/>
+              <a:latin typeface="微软雅黑" panose="020B0503020204020204" pitchFamily="34" charset="-122"/>
+              <a:ea typeface="微软雅黑" panose="020B0503020204020204" pitchFamily="34" charset="-122"/>
+              <a:cs typeface="+mn-cs"/>
+            </a:endParaRPr>
           </a:p>
         </p:txBody>
       </p:sp>
@@ -26072,8 +26203,138 @@
           <a:lstStyle/>
           <a:p>
             <a:r>
+              <a:rPr lang="zh-CN" altLang="en-US" dirty="0"/>
+              <a:t>建设和管理项目团队的“成果”</a:t>
+            </a:r>
+            <a:endParaRPr lang="zh-CN" altLang="en-US" dirty="0"/>
+          </a:p>
+        </p:txBody>
+      </p:sp>
+      <p:sp>
+        <p:nvSpPr>
+          <p:cNvPr id="3" name="内容占位符 2"/>
+          <p:cNvSpPr>
+            <a:spLocks noGrp="1"/>
+          </p:cNvSpPr>
+          <p:nvPr>
+            <p:ph idx="1"/>
+          </p:nvPr>
+        </p:nvSpPr>
+        <p:spPr>
+          <a:xfrm>
+            <a:off x="393700" y="1489075"/>
+            <a:ext cx="11468735" cy="4313555"/>
+          </a:xfrm>
+        </p:spPr>
+        <p:txBody>
+          <a:bodyPr/>
+          <a:lstStyle/>
+          <a:p>
+            <a:r>
+              <a:rPr lang="zh-CN" altLang="en-US" sz="2400" dirty="0">
+                <a:hlinkClick r:id="rId1" action="ppaction://hlinkfile"/>
+              </a:rPr>
+              <a:t>团队绩效评价</a:t>
+            </a:r>
+            <a:r>
+              <a:rPr lang="zh-CN" altLang="en-US" sz="2400" dirty="0"/>
+              <a:t>。随着项目团队建设工作的开展，项目管理团队应该对项目团队的有效性，进行正式或非正式评价：</a:t>
+            </a:r>
+            <a:endParaRPr lang="en-US" altLang="zh-CN" sz="2400" dirty="0"/>
+          </a:p>
+          <a:p>
+            <a:pPr lvl="1"/>
+            <a:r>
+              <a:rPr lang="zh-CN" altLang="en-US" sz="2000" dirty="0"/>
+              <a:t>个人技能的改进；</a:t>
+            </a:r>
+            <a:endParaRPr lang="en-US" altLang="zh-CN" sz="2000" dirty="0"/>
+          </a:p>
+          <a:p>
+            <a:pPr lvl="1"/>
+            <a:r>
+              <a:rPr lang="zh-CN" altLang="en-US" sz="2000" dirty="0"/>
+              <a:t>团队能力的改进；</a:t>
+            </a:r>
+            <a:endParaRPr lang="en-US" altLang="zh-CN" sz="2000" dirty="0"/>
+          </a:p>
+          <a:p>
+            <a:pPr lvl="1"/>
+            <a:r>
+              <a:rPr lang="zh-CN" altLang="en-US" sz="2000" dirty="0"/>
+              <a:t>团队成员离职率的降低；</a:t>
+            </a:r>
+            <a:endParaRPr lang="en-US" altLang="zh-CN" sz="2000" dirty="0"/>
+          </a:p>
+          <a:p>
+            <a:pPr lvl="1"/>
+            <a:r>
+              <a:rPr lang="zh-CN" altLang="en-US" sz="2000" dirty="0"/>
+              <a:t>团队凝聚力的加强；</a:t>
+            </a:r>
+            <a:endParaRPr lang="en-US" altLang="zh-CN" sz="2800" dirty="0"/>
+          </a:p>
+          <a:p>
+            <a:r>
+              <a:rPr lang="zh-CN" altLang="en-US" sz="2400" dirty="0">
+                <a:hlinkClick r:id="rId2" action="ppaction://hlinkfile"/>
+              </a:rPr>
+              <a:t>变更请求</a:t>
+            </a:r>
+            <a:r>
+              <a:rPr lang="zh-CN" altLang="en-US" sz="2400" dirty="0"/>
+              <a:t>：主要是人员配备变更，例如把人员转派到其他任务、替换离开的成员等；</a:t>
+            </a:r>
+            <a:endParaRPr lang="en-US" altLang="zh-CN" sz="2400" dirty="0"/>
+          </a:p>
+          <a:p>
+            <a:endParaRPr lang="zh-CN" altLang="en-US" sz="2400" dirty="0"/>
+          </a:p>
+        </p:txBody>
+      </p:sp>
+    </p:spTree>
+  </p:cSld>
+  <p:clrMapOvr>
+    <a:masterClrMapping/>
+  </p:clrMapOvr>
+</p:sld>
+</file>
+
+<file path=ppt/slides/slide67.xml><?xml version="1.0" encoding="utf-8"?>
+<p:sld xmlns:a="http://schemas.openxmlformats.org/drawingml/2006/main" xmlns:r="http://schemas.openxmlformats.org/officeDocument/2006/relationships" xmlns:p="http://schemas.openxmlformats.org/presentationml/2006/main">
+  <p:cSld>
+    <p:spTree>
+      <p:nvGrpSpPr>
+        <p:cNvPr id="1" name=""/>
+        <p:cNvGrpSpPr/>
+        <p:nvPr/>
+      </p:nvGrpSpPr>
+      <p:grpSpPr>
+        <a:xfrm>
+          <a:off x="0" y="0"/>
+          <a:ext cx="0" cy="0"/>
+          <a:chOff x="0" y="0"/>
+          <a:chExt cx="0" cy="0"/>
+        </a:xfrm>
+      </p:grpSpPr>
+      <p:sp>
+        <p:nvSpPr>
+          <p:cNvPr id="2" name="标题 1"/>
+          <p:cNvSpPr>
+            <a:spLocks noGrp="1"/>
+          </p:cNvSpPr>
+          <p:nvPr>
+            <p:ph type="title"/>
+          </p:nvPr>
+        </p:nvSpPr>
+        <p:spPr/>
+        <p:txBody>
+          <a:bodyPr/>
+          <a:lstStyle/>
+          <a:p>
+            <a:r>
               <a:rPr lang="en-US" altLang="zh-CN" sz="2800" dirty="0"/>
-              <a:t>8. </a:t>
+              <a:t>9. </a:t>
             </a:r>
             <a:r>
               <a:rPr lang="zh-CN" altLang="en-US" sz="2800" dirty="0"/>
@@ -26179,7 +26440,7 @@
 </p:sld>
 </file>
 
-<file path=ppt/slides/slide67.xml><?xml version="1.0" encoding="utf-8"?>
+<file path=ppt/slides/slide68.xml><?xml version="1.0" encoding="utf-8"?>
 <p:sld xmlns:a="http://schemas.openxmlformats.org/drawingml/2006/main" xmlns:r="http://schemas.openxmlformats.org/officeDocument/2006/relationships" xmlns:p="http://schemas.openxmlformats.org/presentationml/2006/main">
   <p:cSld>
     <p:spTree>
@@ -26294,7 +26555,7 @@
 </p:sld>
 </file>
 
-<file path=ppt/slides/slide68.xml><?xml version="1.0" encoding="utf-8"?>
+<file path=ppt/slides/slide69.xml><?xml version="1.0" encoding="utf-8"?>
 <p:sld xmlns:a="http://schemas.openxmlformats.org/drawingml/2006/main" xmlns:r="http://schemas.openxmlformats.org/officeDocument/2006/relationships" xmlns:p="http://schemas.openxmlformats.org/presentationml/2006/main">
   <p:cSld>
     <p:bg>
@@ -26441,140 +26702,6 @@
 </p:sld>
 </file>
 
-<file path=ppt/slides/slide69.xml><?xml version="1.0" encoding="utf-8"?>
-<p:sld xmlns:a="http://schemas.openxmlformats.org/drawingml/2006/main" xmlns:r="http://schemas.openxmlformats.org/officeDocument/2006/relationships" xmlns:p="http://schemas.openxmlformats.org/presentationml/2006/main">
-  <p:cSld>
-    <p:spTree>
-      <p:nvGrpSpPr>
-        <p:cNvPr id="1" name=""/>
-        <p:cNvGrpSpPr/>
-        <p:nvPr/>
-      </p:nvGrpSpPr>
-      <p:grpSpPr>
-        <a:xfrm>
-          <a:off x="0" y="0"/>
-          <a:ext cx="0" cy="0"/>
-          <a:chOff x="0" y="0"/>
-          <a:chExt cx="0" cy="0"/>
-        </a:xfrm>
-      </p:grpSpPr>
-      <p:sp>
-        <p:nvSpPr>
-          <p:cNvPr id="2" name="标题 1"/>
-          <p:cNvSpPr>
-            <a:spLocks noGrp="1"/>
-          </p:cNvSpPr>
-          <p:nvPr>
-            <p:ph type="title"/>
-          </p:nvPr>
-        </p:nvSpPr>
-        <p:spPr/>
-        <p:txBody>
-          <a:bodyPr/>
-          <a:lstStyle/>
-          <a:p>
-            <a:r>
-              <a:rPr lang="zh-CN" altLang="en-US" dirty="0"/>
-              <a:t>监控风险的成果</a:t>
-            </a:r>
-            <a:endParaRPr lang="zh-CN" altLang="en-US" dirty="0"/>
-          </a:p>
-        </p:txBody>
-      </p:sp>
-      <p:sp>
-        <p:nvSpPr>
-          <p:cNvPr id="3" name="内容占位符 2"/>
-          <p:cNvSpPr>
-            <a:spLocks noGrp="1"/>
-          </p:cNvSpPr>
-          <p:nvPr>
-            <p:ph sz="quarter" idx="1"/>
-          </p:nvPr>
-        </p:nvSpPr>
-        <p:spPr>
-          <a:xfrm>
-            <a:off x="400050" y="1503680"/>
-            <a:ext cx="9944100" cy="4313555"/>
-          </a:xfrm>
-        </p:spPr>
-        <p:txBody>
-          <a:bodyPr/>
-          <a:lstStyle/>
-          <a:p>
-            <a:r>
-              <a:rPr lang="zh-CN" altLang="en-US" sz="2400" dirty="0">
-                <a:hlinkClick r:id="rId1" action="ppaction://hlinkfile"/>
-              </a:rPr>
-              <a:t>风险登记册（更新）</a:t>
-            </a:r>
-            <a:endParaRPr lang="en-US" altLang="zh-CN" sz="2400" dirty="0"/>
-          </a:p>
-          <a:p>
-            <a:pPr lvl="1"/>
-            <a:r>
-              <a:rPr lang="zh-CN" altLang="en-US" sz="2000" dirty="0"/>
-              <a:t>风险再评估、风险审计和定期风险审查的结果，例如新识别的风险、已有风险的概率影响调整等。还可能需要删去不复存在的风险并释放相应的储备； </a:t>
-            </a:r>
-            <a:endParaRPr lang="en-US" altLang="zh-CN" sz="2000" dirty="0"/>
-          </a:p>
-          <a:p>
-            <a:pPr lvl="1"/>
-            <a:r>
-              <a:rPr lang="zh-CN" altLang="en-US" sz="2000" dirty="0"/>
-              <a:t>风险和风险应对的实际结果； </a:t>
-            </a:r>
-            <a:endParaRPr lang="en-US" altLang="zh-CN" sz="2000" dirty="0"/>
-          </a:p>
-          <a:p>
-            <a:r>
-              <a:rPr lang="zh-CN" altLang="en-US" sz="2400" dirty="0"/>
-              <a:t>变更请求； </a:t>
-            </a:r>
-            <a:endParaRPr lang="en-US" altLang="zh-CN" sz="2400" dirty="0"/>
-          </a:p>
-          <a:p>
-            <a:r>
-              <a:rPr lang="zh-CN" altLang="en-US" sz="2400" dirty="0"/>
-              <a:t>项目管理计划（更新）； </a:t>
-            </a:r>
-            <a:endParaRPr lang="en-US" altLang="zh-CN" sz="2400" dirty="0"/>
-          </a:p>
-        </p:txBody>
-      </p:sp>
-      <p:sp>
-        <p:nvSpPr>
-          <p:cNvPr id="4" name="页脚占位符 3"/>
-          <p:cNvSpPr>
-            <a:spLocks noGrp="1"/>
-          </p:cNvSpPr>
-          <p:nvPr>
-            <p:ph type="ftr" sz="quarter" idx="10"/>
-          </p:nvPr>
-        </p:nvSpPr>
-        <p:spPr/>
-        <p:txBody>
-          <a:bodyPr/>
-          <a:lstStyle/>
-          <a:p>
-            <a:pPr>
-              <a:defRPr/>
-            </a:pPr>
-            <a:r>
-              <a:rPr lang="en-US"/>
-              <a:t>Information Technology Project Management, Fifth Edition, Copyright 2007</a:t>
-            </a:r>
-            <a:endParaRPr lang="en-US" dirty="0"/>
-          </a:p>
-        </p:txBody>
-      </p:sp>
-    </p:spTree>
-  </p:cSld>
-  <p:clrMapOvr>
-    <a:masterClrMapping/>
-  </p:clrMapOvr>
-</p:sld>
-</file>
-
 <file path=ppt/slides/slide7.xml><?xml version="1.0" encoding="utf-8"?>
 <p:sld xmlns:a="http://schemas.openxmlformats.org/drawingml/2006/main" xmlns:r="http://schemas.openxmlformats.org/officeDocument/2006/relationships" xmlns:p="http://schemas.openxmlformats.org/presentationml/2006/main">
   <p:cSld>
@@ -26687,6 +26814,140 @@
 </file>
 
 <file path=ppt/slides/slide70.xml><?xml version="1.0" encoding="utf-8"?>
+<p:sld xmlns:a="http://schemas.openxmlformats.org/drawingml/2006/main" xmlns:r="http://schemas.openxmlformats.org/officeDocument/2006/relationships" xmlns:p="http://schemas.openxmlformats.org/presentationml/2006/main">
+  <p:cSld>
+    <p:spTree>
+      <p:nvGrpSpPr>
+        <p:cNvPr id="1" name=""/>
+        <p:cNvGrpSpPr/>
+        <p:nvPr/>
+      </p:nvGrpSpPr>
+      <p:grpSpPr>
+        <a:xfrm>
+          <a:off x="0" y="0"/>
+          <a:ext cx="0" cy="0"/>
+          <a:chOff x="0" y="0"/>
+          <a:chExt cx="0" cy="0"/>
+        </a:xfrm>
+      </p:grpSpPr>
+      <p:sp>
+        <p:nvSpPr>
+          <p:cNvPr id="2" name="标题 1"/>
+          <p:cNvSpPr>
+            <a:spLocks noGrp="1"/>
+          </p:cNvSpPr>
+          <p:nvPr>
+            <p:ph type="title"/>
+          </p:nvPr>
+        </p:nvSpPr>
+        <p:spPr/>
+        <p:txBody>
+          <a:bodyPr/>
+          <a:lstStyle/>
+          <a:p>
+            <a:r>
+              <a:rPr lang="zh-CN" altLang="en-US" dirty="0"/>
+              <a:t>监控风险的成果</a:t>
+            </a:r>
+            <a:endParaRPr lang="zh-CN" altLang="en-US" dirty="0"/>
+          </a:p>
+        </p:txBody>
+      </p:sp>
+      <p:sp>
+        <p:nvSpPr>
+          <p:cNvPr id="3" name="内容占位符 2"/>
+          <p:cNvSpPr>
+            <a:spLocks noGrp="1"/>
+          </p:cNvSpPr>
+          <p:nvPr>
+            <p:ph sz="quarter" idx="1"/>
+          </p:nvPr>
+        </p:nvSpPr>
+        <p:spPr>
+          <a:xfrm>
+            <a:off x="400050" y="1503680"/>
+            <a:ext cx="9944100" cy="4313555"/>
+          </a:xfrm>
+        </p:spPr>
+        <p:txBody>
+          <a:bodyPr/>
+          <a:lstStyle/>
+          <a:p>
+            <a:r>
+              <a:rPr lang="zh-CN" altLang="en-US" sz="2400" dirty="0">
+                <a:hlinkClick r:id="rId1" action="ppaction://hlinkfile"/>
+              </a:rPr>
+              <a:t>风险登记册（更新）</a:t>
+            </a:r>
+            <a:endParaRPr lang="en-US" altLang="zh-CN" sz="2400" dirty="0"/>
+          </a:p>
+          <a:p>
+            <a:pPr lvl="1"/>
+            <a:r>
+              <a:rPr lang="zh-CN" altLang="en-US" sz="2000" dirty="0"/>
+              <a:t>风险再评估、风险审计和定期风险审查的结果，例如新识别的风险、已有风险的概率影响调整等。还可能需要删去不复存在的风险并释放相应的储备； </a:t>
+            </a:r>
+            <a:endParaRPr lang="en-US" altLang="zh-CN" sz="2000" dirty="0"/>
+          </a:p>
+          <a:p>
+            <a:pPr lvl="1"/>
+            <a:r>
+              <a:rPr lang="zh-CN" altLang="en-US" sz="2000" dirty="0"/>
+              <a:t>风险和风险应对的实际结果； </a:t>
+            </a:r>
+            <a:endParaRPr lang="en-US" altLang="zh-CN" sz="2000" dirty="0"/>
+          </a:p>
+          <a:p>
+            <a:r>
+              <a:rPr lang="zh-CN" altLang="en-US" sz="2400" dirty="0"/>
+              <a:t>变更请求； </a:t>
+            </a:r>
+            <a:endParaRPr lang="en-US" altLang="zh-CN" sz="2400" dirty="0"/>
+          </a:p>
+          <a:p>
+            <a:r>
+              <a:rPr lang="zh-CN" altLang="en-US" sz="2400" dirty="0"/>
+              <a:t>项目管理计划（更新）； </a:t>
+            </a:r>
+            <a:endParaRPr lang="en-US" altLang="zh-CN" sz="2400" dirty="0"/>
+          </a:p>
+        </p:txBody>
+      </p:sp>
+      <p:sp>
+        <p:nvSpPr>
+          <p:cNvPr id="4" name="页脚占位符 3"/>
+          <p:cNvSpPr>
+            <a:spLocks noGrp="1"/>
+          </p:cNvSpPr>
+          <p:nvPr>
+            <p:ph type="ftr" sz="quarter" idx="10"/>
+          </p:nvPr>
+        </p:nvSpPr>
+        <p:spPr/>
+        <p:txBody>
+          <a:bodyPr/>
+          <a:lstStyle/>
+          <a:p>
+            <a:pPr>
+              <a:defRPr/>
+            </a:pPr>
+            <a:r>
+              <a:rPr lang="en-US"/>
+              <a:t>Information Technology Project Management, Fifth Edition, Copyright 2007</a:t>
+            </a:r>
+            <a:endParaRPr lang="en-US" dirty="0"/>
+          </a:p>
+        </p:txBody>
+      </p:sp>
+    </p:spTree>
+  </p:cSld>
+  <p:clrMapOvr>
+    <a:masterClrMapping/>
+  </p:clrMapOvr>
+</p:sld>
+</file>
+
+<file path=ppt/slides/slide71.xml><?xml version="1.0" encoding="utf-8"?>
 <p:sld xmlns:a="http://schemas.openxmlformats.org/drawingml/2006/main" xmlns:r="http://schemas.openxmlformats.org/officeDocument/2006/relationships" xmlns:p="http://schemas.openxmlformats.org/presentationml/2006/main">
   <p:cSld>
     <p:spTree>
@@ -26798,7 +27059,7 @@
 </p:sld>
 </file>
 
-<file path=ppt/slides/slide71.xml><?xml version="1.0" encoding="utf-8"?>
+<file path=ppt/slides/slide72.xml><?xml version="1.0" encoding="utf-8"?>
 <p:sld xmlns:a="http://schemas.openxmlformats.org/drawingml/2006/main" xmlns:r="http://schemas.openxmlformats.org/officeDocument/2006/relationships" xmlns:p="http://schemas.openxmlformats.org/presentationml/2006/main">
   <p:cSld>
     <p:spTree>
@@ -27086,7 +27347,11 @@
             </a:r>
             <a:r>
               <a:rPr lang="zh-CN" altLang="en-US" sz="2800" dirty="0"/>
-              <a:t>执行、汇报绩效指标</a:t>
+              <a:t>依照计划</a:t>
+            </a:r>
+            <a:r>
+              <a:rPr lang="zh-CN" altLang="en-US" sz="2800" dirty="0"/>
+              <a:t>执行</a:t>
             </a:r>
             <a:endParaRPr lang="zh-CN" altLang="en-US" dirty="0"/>
           </a:p>
@@ -27130,8 +27395,8 @@
         </p:nvSpPr>
         <p:spPr bwMode="auto">
           <a:xfrm>
-            <a:off x="3548741" y="3608614"/>
-            <a:ext cx="1730829" cy="2334986"/>
+            <a:off x="3549015" y="3608705"/>
+            <a:ext cx="948055" cy="2334895"/>
           </a:xfrm>
           <a:prstGeom prst="rect">
             <a:avLst/>

--- a/materials/slides/ch04.pptx
+++ b/materials/slides/ch04.pptx
@@ -29,14 +29,14 @@
     <p:sldId id="549" r:id="rId19"/>
     <p:sldId id="550" r:id="rId20"/>
     <p:sldId id="436" r:id="rId21"/>
-    <p:sldId id="438" r:id="rId22"/>
-    <p:sldId id="474" r:id="rId23"/>
-    <p:sldId id="475" r:id="rId24"/>
-    <p:sldId id="476" r:id="rId25"/>
-    <p:sldId id="477" r:id="rId26"/>
-    <p:sldId id="478" r:id="rId27"/>
-    <p:sldId id="479" r:id="rId28"/>
-    <p:sldId id="480" r:id="rId29"/>
+    <p:sldId id="616" r:id="rId22"/>
+    <p:sldId id="617" r:id="rId23"/>
+    <p:sldId id="618" r:id="rId24"/>
+    <p:sldId id="619" r:id="rId25"/>
+    <p:sldId id="620" r:id="rId26"/>
+    <p:sldId id="621" r:id="rId27"/>
+    <p:sldId id="622" r:id="rId28"/>
+    <p:sldId id="623" r:id="rId29"/>
     <p:sldId id="481" r:id="rId30"/>
     <p:sldId id="482" r:id="rId31"/>
     <p:sldId id="483" r:id="rId32"/>
@@ -1119,7 +1119,7 @@
           <a:p>
             <a:r>
               <a:rPr lang="en-US" altLang="zh-CN" dirty="0"/>
-              <a:t>D</a:t>
+              <a:t>B</a:t>
             </a:r>
             <a:endParaRPr lang="en-US" altLang="zh-CN" dirty="0"/>
           </a:p>
@@ -1204,7 +1204,11 @@
           </a:bodyPr>
           <a:lstStyle/>
           <a:p>
-            <a:endParaRPr lang="zh-CN" altLang="en-US" dirty="0"/>
+            <a:r>
+              <a:rPr lang="en-US" altLang="zh-CN" dirty="0"/>
+              <a:t>C</a:t>
+            </a:r>
+            <a:endParaRPr lang="en-US" altLang="zh-CN" dirty="0"/>
           </a:p>
         </p:txBody>
       </p:sp>
@@ -1226,18 +1230,10 @@
             <a:pPr>
               <a:defRPr/>
             </a:pPr>
-            <a:fld id="{AD744E2D-6CE4-438C-B9A0-AF7F3BF83E59}" type="slidenum">
-              <a:rPr lang="de-DE" altLang="zh-CN" smtClean="0">
-                <a:solidFill>
-                  <a:prstClr val="black"/>
-                </a:solidFill>
-              </a:rPr>
+            <a:fld id="{7A726D29-2219-4ADE-820E-909A7145D812}" type="slidenum">
+              <a:rPr lang="en-US" altLang="zh-CN" smtClean="0"/>
             </a:fld>
-            <a:endParaRPr lang="de-DE" altLang="zh-CN">
-              <a:solidFill>
-                <a:prstClr val="black"/>
-              </a:solidFill>
-            </a:endParaRPr>
+            <a:endParaRPr lang="en-US" altLang="zh-CN"/>
           </a:p>
         </p:txBody>
       </p:sp>
@@ -1295,7 +1291,11 @@
           </a:bodyPr>
           <a:lstStyle/>
           <a:p>
-            <a:endParaRPr lang="zh-CN" altLang="en-US" dirty="0"/>
+            <a:r>
+              <a:rPr lang="en-US" altLang="zh-CN" dirty="0"/>
+              <a:t>D</a:t>
+            </a:r>
+            <a:endParaRPr lang="en-US" altLang="zh-CN" dirty="0"/>
           </a:p>
         </p:txBody>
       </p:sp>
@@ -1317,10 +1317,10 @@
             <a:pPr>
               <a:defRPr/>
             </a:pPr>
-            <a:fld id="{AD744E2D-6CE4-438C-B9A0-AF7F3BF83E59}" type="slidenum">
-              <a:rPr lang="de-DE" altLang="zh-CN" smtClean="0"/>
+            <a:fld id="{7A726D29-2219-4ADE-820E-909A7145D812}" type="slidenum">
+              <a:rPr lang="en-US" altLang="zh-CN" smtClean="0"/>
             </a:fld>
-            <a:endParaRPr lang="de-DE" altLang="zh-CN"/>
+            <a:endParaRPr lang="en-US" altLang="zh-CN"/>
           </a:p>
         </p:txBody>
       </p:sp>
@@ -1378,7 +1378,11 @@
           </a:bodyPr>
           <a:lstStyle/>
           <a:p>
-            <a:endParaRPr lang="zh-CN" altLang="en-US" dirty="0"/>
+            <a:r>
+              <a:rPr lang="en-US" altLang="zh-CN" dirty="0"/>
+              <a:t>D</a:t>
+            </a:r>
+            <a:endParaRPr lang="en-US" altLang="zh-CN" dirty="0"/>
           </a:p>
         </p:txBody>
       </p:sp>
@@ -1400,10 +1404,10 @@
             <a:pPr>
               <a:defRPr/>
             </a:pPr>
-            <a:fld id="{AD744E2D-6CE4-438C-B9A0-AF7F3BF83E59}" type="slidenum">
-              <a:rPr lang="de-DE" altLang="zh-CN" smtClean="0"/>
+            <a:fld id="{7A726D29-2219-4ADE-820E-909A7145D812}" type="slidenum">
+              <a:rPr lang="en-US" altLang="zh-CN" smtClean="0"/>
             </a:fld>
-            <a:endParaRPr lang="de-DE" altLang="zh-CN"/>
+            <a:endParaRPr lang="en-US" altLang="zh-CN"/>
           </a:p>
         </p:txBody>
       </p:sp>
@@ -1461,6 +1465,263 @@
           </a:bodyPr>
           <a:lstStyle/>
           <a:p>
+            <a:endParaRPr lang="zh-CN" altLang="en-US" dirty="0"/>
+          </a:p>
+        </p:txBody>
+      </p:sp>
+      <p:sp>
+        <p:nvSpPr>
+          <p:cNvPr id="4" name="灯片编号占位符 3"/>
+          <p:cNvSpPr>
+            <a:spLocks noGrp="1"/>
+          </p:cNvSpPr>
+          <p:nvPr>
+            <p:ph type="sldNum" sz="quarter" idx="10"/>
+          </p:nvPr>
+        </p:nvSpPr>
+        <p:spPr/>
+        <p:txBody>
+          <a:bodyPr/>
+          <a:lstStyle/>
+          <a:p>
+            <a:pPr>
+              <a:defRPr/>
+            </a:pPr>
+            <a:fld id="{AD744E2D-6CE4-438C-B9A0-AF7F3BF83E59}" type="slidenum">
+              <a:rPr lang="de-DE" altLang="zh-CN" smtClean="0">
+                <a:solidFill>
+                  <a:prstClr val="black"/>
+                </a:solidFill>
+              </a:rPr>
+            </a:fld>
+            <a:endParaRPr lang="de-DE" altLang="zh-CN">
+              <a:solidFill>
+                <a:prstClr val="black"/>
+              </a:solidFill>
+            </a:endParaRPr>
+          </a:p>
+        </p:txBody>
+      </p:sp>
+    </p:spTree>
+  </p:cSld>
+  <p:clrMapOvr>
+    <a:masterClrMapping/>
+  </p:clrMapOvr>
+</p:notes>
+</file>
+
+<file path=ppt/notesSlides/notesSlide15.xml><?xml version="1.0" encoding="utf-8"?>
+<p:notes xmlns:a="http://schemas.openxmlformats.org/drawingml/2006/main" xmlns:r="http://schemas.openxmlformats.org/officeDocument/2006/relationships" xmlns:p="http://schemas.openxmlformats.org/presentationml/2006/main">
+  <p:cSld>
+    <p:spTree>
+      <p:nvGrpSpPr>
+        <p:cNvPr id="1" name=""/>
+        <p:cNvGrpSpPr/>
+        <p:nvPr/>
+      </p:nvGrpSpPr>
+      <p:grpSpPr>
+        <a:xfrm>
+          <a:off x="0" y="0"/>
+          <a:ext cx="0" cy="0"/>
+          <a:chOff x="0" y="0"/>
+          <a:chExt cx="0" cy="0"/>
+        </a:xfrm>
+      </p:grpSpPr>
+      <p:sp>
+        <p:nvSpPr>
+          <p:cNvPr id="2" name="幻灯片图像占位符 1"/>
+          <p:cNvSpPr>
+            <a:spLocks noGrp="1" noRot="1" noChangeAspect="1"/>
+          </p:cNvSpPr>
+          <p:nvPr>
+            <p:ph type="sldImg"/>
+          </p:nvPr>
+        </p:nvSpPr>
+        <p:spPr/>
+      </p:sp>
+      <p:sp>
+        <p:nvSpPr>
+          <p:cNvPr id="3" name="备注占位符 2"/>
+          <p:cNvSpPr>
+            <a:spLocks noGrp="1"/>
+          </p:cNvSpPr>
+          <p:nvPr>
+            <p:ph type="body" idx="1"/>
+          </p:nvPr>
+        </p:nvSpPr>
+        <p:spPr/>
+        <p:txBody>
+          <a:bodyPr>
+            <a:normAutofit/>
+          </a:bodyPr>
+          <a:lstStyle/>
+          <a:p>
+            <a:endParaRPr lang="zh-CN" altLang="en-US" dirty="0"/>
+          </a:p>
+        </p:txBody>
+      </p:sp>
+      <p:sp>
+        <p:nvSpPr>
+          <p:cNvPr id="4" name="灯片编号占位符 3"/>
+          <p:cNvSpPr>
+            <a:spLocks noGrp="1"/>
+          </p:cNvSpPr>
+          <p:nvPr>
+            <p:ph type="sldNum" sz="quarter" idx="10"/>
+          </p:nvPr>
+        </p:nvSpPr>
+        <p:spPr/>
+        <p:txBody>
+          <a:bodyPr/>
+          <a:lstStyle/>
+          <a:p>
+            <a:pPr>
+              <a:defRPr/>
+            </a:pPr>
+            <a:fld id="{AD744E2D-6CE4-438C-B9A0-AF7F3BF83E59}" type="slidenum">
+              <a:rPr lang="de-DE" altLang="zh-CN" smtClean="0"/>
+            </a:fld>
+            <a:endParaRPr lang="de-DE" altLang="zh-CN"/>
+          </a:p>
+        </p:txBody>
+      </p:sp>
+    </p:spTree>
+  </p:cSld>
+  <p:clrMapOvr>
+    <a:masterClrMapping/>
+  </p:clrMapOvr>
+</p:notes>
+</file>
+
+<file path=ppt/notesSlides/notesSlide16.xml><?xml version="1.0" encoding="utf-8"?>
+<p:notes xmlns:a="http://schemas.openxmlformats.org/drawingml/2006/main" xmlns:r="http://schemas.openxmlformats.org/officeDocument/2006/relationships" xmlns:p="http://schemas.openxmlformats.org/presentationml/2006/main">
+  <p:cSld>
+    <p:spTree>
+      <p:nvGrpSpPr>
+        <p:cNvPr id="1" name=""/>
+        <p:cNvGrpSpPr/>
+        <p:nvPr/>
+      </p:nvGrpSpPr>
+      <p:grpSpPr>
+        <a:xfrm>
+          <a:off x="0" y="0"/>
+          <a:ext cx="0" cy="0"/>
+          <a:chOff x="0" y="0"/>
+          <a:chExt cx="0" cy="0"/>
+        </a:xfrm>
+      </p:grpSpPr>
+      <p:sp>
+        <p:nvSpPr>
+          <p:cNvPr id="2" name="幻灯片图像占位符 1"/>
+          <p:cNvSpPr>
+            <a:spLocks noGrp="1" noRot="1" noChangeAspect="1"/>
+          </p:cNvSpPr>
+          <p:nvPr>
+            <p:ph type="sldImg"/>
+          </p:nvPr>
+        </p:nvSpPr>
+        <p:spPr/>
+      </p:sp>
+      <p:sp>
+        <p:nvSpPr>
+          <p:cNvPr id="3" name="备注占位符 2"/>
+          <p:cNvSpPr>
+            <a:spLocks noGrp="1"/>
+          </p:cNvSpPr>
+          <p:nvPr>
+            <p:ph type="body" idx="1"/>
+          </p:nvPr>
+        </p:nvSpPr>
+        <p:spPr/>
+        <p:txBody>
+          <a:bodyPr>
+            <a:normAutofit/>
+          </a:bodyPr>
+          <a:lstStyle/>
+          <a:p>
+            <a:endParaRPr lang="zh-CN" altLang="en-US" dirty="0"/>
+          </a:p>
+        </p:txBody>
+      </p:sp>
+      <p:sp>
+        <p:nvSpPr>
+          <p:cNvPr id="4" name="灯片编号占位符 3"/>
+          <p:cNvSpPr>
+            <a:spLocks noGrp="1"/>
+          </p:cNvSpPr>
+          <p:nvPr>
+            <p:ph type="sldNum" sz="quarter" idx="10"/>
+          </p:nvPr>
+        </p:nvSpPr>
+        <p:spPr/>
+        <p:txBody>
+          <a:bodyPr/>
+          <a:lstStyle/>
+          <a:p>
+            <a:pPr>
+              <a:defRPr/>
+            </a:pPr>
+            <a:fld id="{AD744E2D-6CE4-438C-B9A0-AF7F3BF83E59}" type="slidenum">
+              <a:rPr lang="de-DE" altLang="zh-CN" smtClean="0"/>
+            </a:fld>
+            <a:endParaRPr lang="de-DE" altLang="zh-CN"/>
+          </a:p>
+        </p:txBody>
+      </p:sp>
+    </p:spTree>
+  </p:cSld>
+  <p:clrMapOvr>
+    <a:masterClrMapping/>
+  </p:clrMapOvr>
+</p:notes>
+</file>
+
+<file path=ppt/notesSlides/notesSlide17.xml><?xml version="1.0" encoding="utf-8"?>
+<p:notes xmlns:a="http://schemas.openxmlformats.org/drawingml/2006/main" xmlns:r="http://schemas.openxmlformats.org/officeDocument/2006/relationships" xmlns:p="http://schemas.openxmlformats.org/presentationml/2006/main">
+  <p:cSld>
+    <p:spTree>
+      <p:nvGrpSpPr>
+        <p:cNvPr id="1" name=""/>
+        <p:cNvGrpSpPr/>
+        <p:nvPr/>
+      </p:nvGrpSpPr>
+      <p:grpSpPr>
+        <a:xfrm>
+          <a:off x="0" y="0"/>
+          <a:ext cx="0" cy="0"/>
+          <a:chOff x="0" y="0"/>
+          <a:chExt cx="0" cy="0"/>
+        </a:xfrm>
+      </p:grpSpPr>
+      <p:sp>
+        <p:nvSpPr>
+          <p:cNvPr id="2" name="幻灯片图像占位符 1"/>
+          <p:cNvSpPr>
+            <a:spLocks noGrp="1" noRot="1" noChangeAspect="1"/>
+          </p:cNvSpPr>
+          <p:nvPr>
+            <p:ph type="sldImg"/>
+          </p:nvPr>
+        </p:nvSpPr>
+        <p:spPr/>
+      </p:sp>
+      <p:sp>
+        <p:nvSpPr>
+          <p:cNvPr id="3" name="备注占位符 2"/>
+          <p:cNvSpPr>
+            <a:spLocks noGrp="1"/>
+          </p:cNvSpPr>
+          <p:nvPr>
+            <p:ph type="body" idx="1"/>
+          </p:nvPr>
+        </p:nvSpPr>
+        <p:spPr/>
+        <p:txBody>
+          <a:bodyPr>
+            <a:normAutofit/>
+          </a:bodyPr>
+          <a:lstStyle/>
+          <a:p>
             <a:r>
               <a:rPr lang="zh-CN" altLang="en-US" sz="1200" dirty="0"/>
               <a:t>风险审计。检查并记录风险应对措施在处理已识别风险及其根源方面的有效性，以及风险管理过程的有效性。既可以在日常的项目审查会中进行风险审计，也可单独召开风险审计会议；</a:t>
@@ -1682,18 +1943,7 @@
                 <a:ea typeface="+mn-ea"/>
                 <a:cs typeface="+mn-cs"/>
               </a:rPr>
-              <a:t>（构建验收测试）</a:t>
-            </a:r>
-            <a:r>
-              <a:rPr lang="zh-CN" altLang="en-US" sz="1200" kern="1200" dirty="0">
-                <a:solidFill>
-                  <a:schemeClr val="tx1"/>
-                </a:solidFill>
-                <a:latin typeface="Arial" panose="020B0604020202020204" pitchFamily="34" charset="0"/>
-                <a:ea typeface="+mn-ea"/>
-                <a:cs typeface="+mn-cs"/>
-              </a:rPr>
-              <a:t>测试。</a:t>
+              <a:t>（构建验收测试）测试。</a:t>
             </a:r>
             <a:endParaRPr lang="zh-CN" altLang="en-US" sz="1200" kern="1200" dirty="0">
               <a:solidFill>
@@ -2081,6 +2331,13 @@
           <a:p>
             <a:r>
               <a:rPr lang="zh-CN" altLang="en-US" sz="1200" dirty="0"/>
+              <a:t>预算单价</a:t>
+            </a:r>
+            <a:endParaRPr lang="zh-CN" altLang="en-US" sz="1200" dirty="0"/>
+          </a:p>
+          <a:p>
+            <a:r>
+              <a:rPr lang="zh-CN" altLang="en-US" sz="1200" dirty="0"/>
               <a:t>完工预算</a:t>
             </a:r>
             <a:r>
@@ -2187,73 +2444,116 @@
         <p:cNvGrpSpPr/>
         <p:nvPr/>
       </p:nvGrpSpPr>
-      <p:grpSpPr>
-        <a:xfrm>
-          <a:off x="0" y="0"/>
-          <a:ext cx="0" cy="0"/>
-          <a:chOff x="0" y="0"/>
-          <a:chExt cx="0" cy="0"/>
-        </a:xfrm>
-      </p:grpSpPr>
+      <p:grpSpPr/>
       <p:sp>
         <p:nvSpPr>
           <p:cNvPr id="2" name="幻灯片图像占位符 1"/>
-          <p:cNvSpPr>
-            <a:spLocks noGrp="1" noRot="1" noChangeAspect="1"/>
-          </p:cNvSpPr>
+          <p:cNvSpPr/>
           <p:nvPr>
-            <p:ph type="sldImg"/>
+            <p:ph type="sldImg" idx="2"/>
           </p:nvPr>
         </p:nvSpPr>
         <p:spPr/>
       </p:sp>
       <p:sp>
         <p:nvSpPr>
-          <p:cNvPr id="3" name="备注占位符 2"/>
-          <p:cNvSpPr>
-            <a:spLocks noGrp="1"/>
-          </p:cNvSpPr>
+          <p:cNvPr id="3" name="文本占位符 2"/>
+          <p:cNvSpPr/>
           <p:nvPr>
-            <p:ph type="body" idx="1"/>
-          </p:nvPr>
-        </p:nvSpPr>
-        <p:spPr/>
-        <p:txBody>
-          <a:bodyPr>
-            <a:normAutofit/>
-          </a:bodyPr>
-          <a:lstStyle/>
-          <a:p>
-            <a:r>
-              <a:rPr lang="en-US" altLang="zh-CN" dirty="0"/>
-              <a:t>D</a:t>
-            </a:r>
-            <a:endParaRPr lang="en-US" altLang="zh-CN" dirty="0"/>
-          </a:p>
-        </p:txBody>
-      </p:sp>
-      <p:sp>
-        <p:nvSpPr>
-          <p:cNvPr id="4" name="灯片编号占位符 3"/>
-          <p:cNvSpPr>
-            <a:spLocks noGrp="1"/>
-          </p:cNvSpPr>
-          <p:nvPr>
-            <p:ph type="sldNum" sz="quarter" idx="10"/>
+            <p:ph type="body" idx="3"/>
           </p:nvPr>
         </p:nvSpPr>
         <p:spPr/>
         <p:txBody>
           <a:bodyPr/>
-          <a:lstStyle/>
-          <a:p>
-            <a:pPr>
-              <a:defRPr/>
-            </a:pPr>
-            <a:fld id="{7A726D29-2219-4ADE-820E-909A7145D812}" type="slidenum">
-              <a:rPr lang="en-US" altLang="zh-CN" smtClean="0"/>
-            </a:fld>
-            <a:endParaRPr lang="en-US" altLang="zh-CN"/>
+          <a:p>
+            <a:r>
+              <a:rPr lang="en-US" altLang="zh-CN"/>
+              <a:t>PV=50  AC=180 EV=150 </a:t>
+            </a:r>
+            <a:r>
+              <a:rPr lang="zh-CN" altLang="en-US"/>
+              <a:t>理解</a:t>
+            </a:r>
+            <a:r>
+              <a:rPr lang="en-US" altLang="zh-CN"/>
+              <a:t>PV</a:t>
+            </a:r>
+            <a:r>
+              <a:rPr lang="zh-CN" altLang="en-US"/>
+              <a:t>、</a:t>
+            </a:r>
+            <a:r>
+              <a:rPr lang="en-US" altLang="zh-CN"/>
+              <a:t>AC</a:t>
+            </a:r>
+            <a:r>
+              <a:rPr lang="zh-CN" altLang="en-US"/>
+              <a:t>、</a:t>
+            </a:r>
+            <a:r>
+              <a:rPr lang="en-US" altLang="zh-CN"/>
+              <a:t>EV</a:t>
+            </a:r>
+            <a:r>
+              <a:rPr lang="zh-CN" altLang="en-US"/>
+              <a:t>的关系 </a:t>
+            </a:r>
+            <a:r>
+              <a:rPr lang="en-US" altLang="zh-CN">
+                <a:sym typeface="+mn-ea"/>
+              </a:rPr>
+              <a:t> </a:t>
+            </a:r>
+            <a:r>
+              <a:rPr lang="en-US" altLang="zh-CN" dirty="0">
+                <a:sym typeface="+mn-ea"/>
+              </a:rPr>
+              <a:t>EV-AC</a:t>
+            </a:r>
+            <a:r>
+              <a:rPr lang="zh-CN" altLang="en-US" dirty="0">
+                <a:sym typeface="+mn-ea"/>
+              </a:rPr>
+              <a:t>（成本偏差</a:t>
+            </a:r>
+            <a:r>
+              <a:rPr lang="en-US" altLang="zh-CN" dirty="0">
+                <a:sym typeface="+mn-ea"/>
+              </a:rPr>
+              <a:t>CV</a:t>
+            </a:r>
+            <a:r>
+              <a:rPr lang="zh-CN" altLang="en-US" dirty="0">
+                <a:sym typeface="+mn-ea"/>
+              </a:rPr>
+              <a:t>）  </a:t>
+            </a:r>
+            <a:r>
+              <a:rPr lang="en-US" altLang="zh-CN" dirty="0">
+                <a:sym typeface="+mn-ea"/>
+              </a:rPr>
+              <a:t>EV-PV</a:t>
+            </a:r>
+            <a:r>
+              <a:rPr lang="zh-CN" altLang="en-US" dirty="0">
+                <a:sym typeface="+mn-ea"/>
+              </a:rPr>
+              <a:t>（进度偏差</a:t>
+            </a:r>
+            <a:r>
+              <a:rPr lang="en-US" altLang="zh-CN" dirty="0">
+                <a:sym typeface="+mn-ea"/>
+              </a:rPr>
+              <a:t>SV</a:t>
+            </a:r>
+            <a:r>
+              <a:rPr lang="zh-CN" altLang="en-US" dirty="0">
+                <a:sym typeface="+mn-ea"/>
+              </a:rPr>
+              <a:t>）</a:t>
+            </a:r>
+            <a:endParaRPr lang="zh-CN" altLang="en-US"/>
           </a:p>
         </p:txBody>
       </p:sp>
@@ -2274,73 +2574,59 @@
         <p:cNvGrpSpPr/>
         <p:nvPr/>
       </p:nvGrpSpPr>
-      <p:grpSpPr>
-        <a:xfrm>
-          <a:off x="0" y="0"/>
-          <a:ext cx="0" cy="0"/>
-          <a:chOff x="0" y="0"/>
-          <a:chExt cx="0" cy="0"/>
-        </a:xfrm>
-      </p:grpSpPr>
+      <p:grpSpPr/>
       <p:sp>
         <p:nvSpPr>
           <p:cNvPr id="2" name="幻灯片图像占位符 1"/>
-          <p:cNvSpPr>
-            <a:spLocks noGrp="1" noRot="1" noChangeAspect="1"/>
-          </p:cNvSpPr>
+          <p:cNvSpPr/>
           <p:nvPr>
-            <p:ph type="sldImg"/>
+            <p:ph type="sldImg" idx="2"/>
           </p:nvPr>
         </p:nvSpPr>
         <p:spPr/>
       </p:sp>
       <p:sp>
         <p:nvSpPr>
-          <p:cNvPr id="3" name="备注占位符 2"/>
-          <p:cNvSpPr>
-            <a:spLocks noGrp="1"/>
-          </p:cNvSpPr>
+          <p:cNvPr id="3" name="文本占位符 2"/>
+          <p:cNvSpPr/>
           <p:nvPr>
-            <p:ph type="body" idx="1"/>
-          </p:nvPr>
-        </p:nvSpPr>
-        <p:spPr/>
-        <p:txBody>
-          <a:bodyPr>
-            <a:normAutofit/>
-          </a:bodyPr>
-          <a:lstStyle/>
-          <a:p>
-            <a:r>
-              <a:rPr lang="en-US" altLang="zh-CN" dirty="0"/>
-              <a:t>B</a:t>
-            </a:r>
-            <a:endParaRPr lang="en-US" altLang="zh-CN" dirty="0"/>
-          </a:p>
-        </p:txBody>
-      </p:sp>
-      <p:sp>
-        <p:nvSpPr>
-          <p:cNvPr id="4" name="灯片编号占位符 3"/>
-          <p:cNvSpPr>
-            <a:spLocks noGrp="1"/>
-          </p:cNvSpPr>
-          <p:nvPr>
-            <p:ph type="sldNum" sz="quarter" idx="10"/>
+            <p:ph type="body" idx="3"/>
           </p:nvPr>
         </p:nvSpPr>
         <p:spPr/>
         <p:txBody>
           <a:bodyPr/>
-          <a:lstStyle/>
-          <a:p>
-            <a:pPr>
-              <a:defRPr/>
-            </a:pPr>
-            <a:fld id="{7A726D29-2219-4ADE-820E-909A7145D812}" type="slidenum">
-              <a:rPr lang="en-US" altLang="zh-CN" smtClean="0"/>
-            </a:fld>
-            <a:endParaRPr lang="en-US" altLang="zh-CN"/>
+          <a:p>
+            <a:r>
+              <a:rPr lang="zh-CN" altLang="en-US"/>
+              <a:t>项目管理</a:t>
+            </a:r>
+            <a:r>
+              <a:rPr lang="en-US" altLang="zh-CN"/>
+              <a:t>CPI</a:t>
+            </a:r>
+            <a:r>
+              <a:rPr lang="zh-CN" altLang="en-US"/>
+              <a:t>（</a:t>
+            </a:r>
+            <a:r>
+              <a:rPr lang="zh-CN" altLang="en-US">
+                <a:sym typeface="+mn-ea"/>
+              </a:rPr>
+              <a:t>Cost Performance Index</a:t>
+            </a:r>
+            <a:r>
+              <a:rPr lang="zh-CN" altLang="en-US"/>
+              <a:t>）</a:t>
+            </a:r>
+            <a:endParaRPr lang="zh-CN" altLang="en-US"/>
+          </a:p>
+          <a:p>
+            <a:r>
+              <a:rPr lang="zh-CN" altLang="en-US"/>
+              <a:t>经济CPI是居民消费价格指数（consumer price index）</a:t>
+            </a:r>
+            <a:endParaRPr lang="zh-CN" altLang="en-US"/>
           </a:p>
         </p:txBody>
       </p:sp>
@@ -2361,72 +2647,92 @@
         <p:cNvGrpSpPr/>
         <p:nvPr/>
       </p:nvGrpSpPr>
-      <p:grpSpPr>
-        <a:xfrm>
-          <a:off x="0" y="0"/>
-          <a:ext cx="0" cy="0"/>
-          <a:chOff x="0" y="0"/>
-          <a:chExt cx="0" cy="0"/>
-        </a:xfrm>
-      </p:grpSpPr>
+      <p:grpSpPr/>
       <p:sp>
         <p:nvSpPr>
           <p:cNvPr id="2" name="幻灯片图像占位符 1"/>
-          <p:cNvSpPr>
-            <a:spLocks noGrp="1" noRot="1" noChangeAspect="1"/>
-          </p:cNvSpPr>
+          <p:cNvSpPr/>
           <p:nvPr>
-            <p:ph type="sldImg"/>
+            <p:ph type="sldImg" idx="2"/>
           </p:nvPr>
         </p:nvSpPr>
         <p:spPr/>
       </p:sp>
       <p:sp>
         <p:nvSpPr>
-          <p:cNvPr id="3" name="备注占位符 2"/>
-          <p:cNvSpPr>
-            <a:spLocks noGrp="1"/>
-          </p:cNvSpPr>
+          <p:cNvPr id="3" name="文本占位符 2"/>
+          <p:cNvSpPr/>
           <p:nvPr>
-            <p:ph type="body" idx="1"/>
-          </p:nvPr>
-        </p:nvSpPr>
-        <p:spPr/>
-        <p:txBody>
-          <a:bodyPr>
-            <a:normAutofit/>
-          </a:bodyPr>
-          <a:lstStyle/>
-          <a:p>
-            <a:r>
-              <a:rPr lang="en-US" altLang="zh-CN" dirty="0"/>
-              <a:t>C</a:t>
-            </a:r>
-            <a:endParaRPr lang="en-US" altLang="zh-CN" dirty="0"/>
-          </a:p>
-        </p:txBody>
-      </p:sp>
-      <p:sp>
-        <p:nvSpPr>
-          <p:cNvPr id="4" name="灯片编号占位符 3"/>
-          <p:cNvSpPr>
-            <a:spLocks noGrp="1"/>
-          </p:cNvSpPr>
-          <p:nvPr>
-            <p:ph type="sldNum" sz="quarter" idx="10"/>
+            <p:ph type="body" idx="3"/>
           </p:nvPr>
         </p:nvSpPr>
         <p:spPr/>
         <p:txBody>
           <a:bodyPr/>
-          <a:lstStyle/>
-          <a:p>
-            <a:pPr>
-              <a:defRPr/>
-            </a:pPr>
-            <a:fld id="{7A726D29-2219-4ADE-820E-909A7145D812}" type="slidenum">
-              <a:rPr lang="en-US" altLang="zh-CN" smtClean="0"/>
-            </a:fld>
+          <a:p>
+            <a:r>
+              <a:rPr lang="en-US" altLang="zh-CN"/>
+              <a:t>BAC</a:t>
+            </a:r>
+            <a:r>
+              <a:rPr lang="zh-CN" altLang="en-US"/>
+              <a:t>基准成本 </a:t>
+            </a:r>
+            <a:r>
+              <a:rPr lang="en-US" altLang="zh-CN"/>
+              <a:t> </a:t>
+            </a:r>
+            <a:r>
+              <a:rPr lang="en-US" altLang="zh-CN" dirty="0">
+                <a:sym typeface="+mn-ea"/>
+              </a:rPr>
+              <a:t>EV-AC</a:t>
+            </a:r>
+            <a:r>
+              <a:rPr lang="zh-CN" altLang="en-US" dirty="0">
+                <a:sym typeface="+mn-ea"/>
+              </a:rPr>
+              <a:t>（成本偏差</a:t>
+            </a:r>
+            <a:r>
+              <a:rPr lang="en-US" altLang="zh-CN" dirty="0">
+                <a:sym typeface="+mn-ea"/>
+              </a:rPr>
+              <a:t>CV</a:t>
+            </a:r>
+            <a:r>
+              <a:rPr lang="zh-CN" altLang="en-US" dirty="0">
+                <a:sym typeface="+mn-ea"/>
+              </a:rPr>
+              <a:t>）  </a:t>
+            </a:r>
+            <a:r>
+              <a:rPr lang="en-US" altLang="zh-CN" dirty="0">
+                <a:sym typeface="+mn-ea"/>
+              </a:rPr>
+              <a:t>EV-PV</a:t>
+            </a:r>
+            <a:r>
+              <a:rPr lang="zh-CN" altLang="en-US" dirty="0">
+                <a:sym typeface="+mn-ea"/>
+              </a:rPr>
+              <a:t>（进度偏差</a:t>
+            </a:r>
+            <a:r>
+              <a:rPr lang="en-US" altLang="zh-CN" dirty="0">
+                <a:sym typeface="+mn-ea"/>
+              </a:rPr>
+              <a:t>SV</a:t>
+            </a:r>
+            <a:r>
+              <a:rPr lang="zh-CN" altLang="en-US" dirty="0">
+                <a:sym typeface="+mn-ea"/>
+              </a:rPr>
+              <a:t>）</a:t>
+            </a:r>
+            <a:endParaRPr lang="en-US" altLang="zh-CN" dirty="0"/>
+          </a:p>
+          <a:p>
             <a:endParaRPr lang="en-US" altLang="zh-CN"/>
           </a:p>
         </p:txBody>
@@ -6519,8 +6825,43 @@
               <a:buAutoNum type="arabicPeriod"/>
             </a:pPr>
             <a:r>
+              <a:rPr lang="zh-CN" altLang="en-US" sz="2400" dirty="0">
+                <a:solidFill>
+                  <a:schemeClr val="tx1">
+                    <a:lumMod val="95000"/>
+                    <a:lumOff val="5000"/>
+                  </a:schemeClr>
+                </a:solidFill>
+              </a:rPr>
+              <a:t>确定</a:t>
+            </a:r>
+            <a:r>
               <a:rPr lang="zh-CN" altLang="en-US" sz="2400" dirty="0"/>
-              <a:t>确定（范围、进度、成本、质量）偏差（将现状与基准比较，得出偏差）； </a:t>
+              <a:t>（范围、进度、成本、质量）</a:t>
+            </a:r>
+            <a:r>
+              <a:rPr lang="zh-CN" altLang="en-US" sz="2400" dirty="0">
+                <a:solidFill>
+                  <a:srgbClr val="FF0000"/>
+                </a:solidFill>
+              </a:rPr>
+              <a:t>偏差</a:t>
+            </a:r>
+            <a:r>
+              <a:rPr lang="zh-CN" altLang="en-US" sz="2400" dirty="0"/>
+              <a:t>（将</a:t>
+            </a:r>
+            <a:r>
+              <a:rPr lang="zh-CN" altLang="en-US" sz="2400" dirty="0">
+                <a:solidFill>
+                  <a:srgbClr val="FF0000"/>
+                </a:solidFill>
+              </a:rPr>
+              <a:t>现状与基准</a:t>
+            </a:r>
+            <a:r>
+              <a:rPr lang="zh-CN" altLang="en-US" sz="2400" dirty="0"/>
+              <a:t>比较，得出偏差）； </a:t>
             </a:r>
             <a:endParaRPr lang="en-US" altLang="zh-CN" sz="2400" dirty="0"/>
           </a:p>
@@ -6530,8 +6871,31 @@
               <a:buAutoNum type="arabicPeriod"/>
             </a:pPr>
             <a:r>
+              <a:rPr lang="zh-CN" altLang="en-US" sz="2400" dirty="0">
+                <a:solidFill>
+                  <a:schemeClr val="tx1">
+                    <a:lumMod val="95000"/>
+                    <a:lumOff val="5000"/>
+                  </a:schemeClr>
+                </a:solidFill>
+              </a:rPr>
+              <a:t>分析</a:t>
+            </a:r>
+            <a:r>
               <a:rPr lang="zh-CN" altLang="en-US" sz="2400" dirty="0"/>
-              <a:t>分析产生偏差原因；</a:t>
+              <a:t>产生</a:t>
+            </a:r>
+            <a:r>
+              <a:rPr lang="zh-CN" altLang="en-US" sz="2400" dirty="0">
+                <a:solidFill>
+                  <a:srgbClr val="FF0000"/>
+                </a:solidFill>
+              </a:rPr>
+              <a:t>偏差</a:t>
+            </a:r>
+            <a:r>
+              <a:rPr lang="zh-CN" altLang="en-US" sz="2400" dirty="0"/>
+              <a:t>原因；</a:t>
             </a:r>
             <a:endParaRPr lang="en-US" altLang="zh-CN" sz="2400" dirty="0"/>
           </a:p>
@@ -6542,14 +6906,26 @@
             </a:pPr>
             <a:r>
               <a:rPr lang="zh-CN" altLang="en-US" sz="2400" dirty="0"/>
-              <a:t>确定对偏差的态度；</a:t>
+              <a:t>确定</a:t>
+            </a:r>
+            <a:r>
+              <a:rPr lang="zh-CN" altLang="en-US" sz="2400" dirty="0">
+                <a:solidFill>
+                  <a:srgbClr val="FF0000"/>
+                </a:solidFill>
+              </a:rPr>
+              <a:t>应对偏差</a:t>
+            </a:r>
+            <a:r>
+              <a:rPr lang="zh-CN" altLang="en-US" sz="2400" dirty="0"/>
+              <a:t>的态度；</a:t>
             </a:r>
             <a:endParaRPr lang="en-US" altLang="zh-CN" sz="2400" dirty="0"/>
           </a:p>
           <a:p>
             <a:pPr marL="776605" lvl="1" indent="-457200">
-              <a:buFont typeface="+mj-lt"/>
-              <a:buAutoNum type="arabicPeriod"/>
+              <a:buFont typeface="Wingdings" panose="05000000000000000000" charset="0"/>
+              <a:buChar char="l"/>
             </a:pPr>
             <a:r>
               <a:rPr lang="zh-CN" altLang="en-US" sz="2200" dirty="0"/>
@@ -6559,12 +6935,12 @@
           </a:p>
           <a:p>
             <a:pPr marL="776605" lvl="1" indent="-457200">
-              <a:buFont typeface="+mj-lt"/>
-              <a:buAutoNum type="arabicPeriod"/>
+              <a:buFont typeface="Wingdings" panose="05000000000000000000" charset="0"/>
+              <a:buChar char="l"/>
             </a:pPr>
             <a:r>
               <a:rPr lang="zh-CN" altLang="en-US" sz="2200" dirty="0"/>
-              <a:t>偏差不可控：制定纠正偏差的措施，提出变更请求；</a:t>
+              <a:t>偏差不可控：需要制定纠正偏差的措施，提出变更请求；</a:t>
             </a:r>
             <a:endParaRPr lang="en-US" altLang="zh-CN" sz="2400" dirty="0"/>
           </a:p>
@@ -8086,7 +8462,7 @@
           <a:p>
             <a:r>
               <a:rPr lang="zh-CN" altLang="en-US" dirty="0"/>
-              <a:t>分析成本偏差（挣值管理 </a:t>
+              <a:t>分析成本及时间偏差（挣值管理 </a:t>
             </a:r>
             <a:r>
               <a:rPr lang="en-US" altLang="zh-CN" dirty="0"/>
@@ -8122,7 +8498,31 @@
             </a:r>
             <a:r>
               <a:rPr lang="zh-CN" altLang="en-US" sz="2400" dirty="0"/>
-              <a:t>是一种常用的绩效测量方法，综合考虑项目范围、成本与进度指标，就是在既定的范围之下综合考虑进度和成本绩效，以避免单独衡量时间或成本的弊端：</a:t>
+              <a:t>是一种常用的绩效测量方法，</a:t>
+            </a:r>
+            <a:r>
+              <a:rPr lang="zh-CN" altLang="en-US" sz="2400" dirty="0">
+                <a:solidFill>
+                  <a:srgbClr val="FF0000"/>
+                </a:solidFill>
+              </a:rPr>
+              <a:t>综合考虑项目范围、成本与进度</a:t>
+            </a:r>
+            <a:r>
+              <a:rPr lang="zh-CN" altLang="en-US" sz="2400" dirty="0"/>
+              <a:t>，就是在既定的范围之下综合考虑进度和成本绩效，以</a:t>
+            </a:r>
+            <a:r>
+              <a:rPr lang="zh-CN" altLang="en-US" sz="2400" dirty="0">
+                <a:solidFill>
+                  <a:srgbClr val="FF0000"/>
+                </a:solidFill>
+              </a:rPr>
+              <a:t>避免单独衡量时间或成本的弊端</a:t>
+            </a:r>
+            <a:r>
+              <a:rPr lang="zh-CN" altLang="en-US" sz="2400" dirty="0"/>
+              <a:t>：</a:t>
             </a:r>
             <a:endParaRPr lang="en-US" altLang="zh-CN" sz="2400" dirty="0"/>
           </a:p>
@@ -8138,7 +8538,7 @@
             </a:r>
             <a:r>
               <a:rPr lang="zh-CN" altLang="en-US" sz="2000" dirty="0"/>
-              <a:t>：总预算</a:t>
+              <a:t>：某项目总预算</a:t>
             </a:r>
             <a:r>
               <a:rPr lang="en-US" altLang="zh-CN" sz="2000" dirty="0"/>
@@ -8154,7 +8554,7 @@
             </a:r>
             <a:r>
               <a:rPr lang="zh-CN" altLang="en-US" sz="2000" dirty="0"/>
-              <a:t>天的项目</a:t>
+              <a:t>天</a:t>
             </a:r>
             <a:r>
               <a:rPr lang="en-US" altLang="zh-CN" sz="2000" dirty="0"/>
@@ -8293,7 +8693,7 @@
           <p:nvPr/>
         </p:nvGraphicFramePr>
         <p:xfrm>
-          <a:off x="1787525" y="4196080"/>
+          <a:off x="1787525" y="3967480"/>
           <a:ext cx="8157210" cy="1518285"/>
         </p:xfrm>
         <a:graphic>
@@ -8666,6 +9066,185 @@
                                           </p:stCondLst>
                                         </p:cTn>
                                         <p:tgtEl>
+                                          <p:spTgt spid="3">
+                                            <p:txEl>
+                                              <p:pRg st="1" end="1"/>
+                                            </p:txEl>
+                                          </p:spTgt>
+                                        </p:tgtEl>
+                                        <p:attrNameLst>
+                                          <p:attrName>style.visibility</p:attrName>
+                                        </p:attrNameLst>
+                                      </p:cBhvr>
+                                      <p:to>
+                                        <p:strVal val="visible"/>
+                                      </p:to>
+                                    </p:set>
+                                    <p:anim calcmode="lin" valueType="num">
+                                      <p:cBhvr additive="base">
+                                        <p:cTn id="7" dur="500" fill="hold"/>
+                                        <p:tgtEl>
+                                          <p:spTgt spid="3">
+                                            <p:txEl>
+                                              <p:pRg st="1" end="1"/>
+                                            </p:txEl>
+                                          </p:spTgt>
+                                        </p:tgtEl>
+                                        <p:attrNameLst>
+                                          <p:attrName>ppt_x</p:attrName>
+                                        </p:attrNameLst>
+                                      </p:cBhvr>
+                                      <p:tavLst>
+                                        <p:tav tm="0">
+                                          <p:val>
+                                            <p:strVal val="#ppt_x"/>
+                                          </p:val>
+                                        </p:tav>
+                                        <p:tav tm="100000">
+                                          <p:val>
+                                            <p:strVal val="#ppt_x"/>
+                                          </p:val>
+                                        </p:tav>
+                                      </p:tavLst>
+                                    </p:anim>
+                                    <p:anim calcmode="lin" valueType="num">
+                                      <p:cBhvr additive="base">
+                                        <p:cTn id="8" dur="500" fill="hold"/>
+                                        <p:tgtEl>
+                                          <p:spTgt spid="3">
+                                            <p:txEl>
+                                              <p:pRg st="1" end="1"/>
+                                            </p:txEl>
+                                          </p:spTgt>
+                                        </p:tgtEl>
+                                        <p:attrNameLst>
+                                          <p:attrName>ppt_y</p:attrName>
+                                        </p:attrNameLst>
+                                      </p:cBhvr>
+                                      <p:tavLst>
+                                        <p:tav tm="0">
+                                          <p:val>
+                                            <p:strVal val="1+#ppt_h/2"/>
+                                          </p:val>
+                                        </p:tav>
+                                        <p:tav tm="100000">
+                                          <p:val>
+                                            <p:strVal val="#ppt_y"/>
+                                          </p:val>
+                                        </p:tav>
+                                      </p:tavLst>
+                                    </p:anim>
+                                  </p:childTnLst>
+                                </p:cTn>
+                              </p:par>
+                              <p:par>
+                                <p:cTn id="9" presetID="2" presetClass="entr" presetSubtype="4" fill="hold" nodeType="withEffect">
+                                  <p:stCondLst>
+                                    <p:cond delay="0"/>
+                                  </p:stCondLst>
+                                  <p:childTnLst>
+                                    <p:set>
+                                      <p:cBhvr>
+                                        <p:cTn id="10" dur="1" fill="hold">
+                                          <p:stCondLst>
+                                            <p:cond delay="0"/>
+                                          </p:stCondLst>
+                                        </p:cTn>
+                                        <p:tgtEl>
+                                          <p:spTgt spid="3">
+                                            <p:txEl>
+                                              <p:pRg st="2" end="2"/>
+                                            </p:txEl>
+                                          </p:spTgt>
+                                        </p:tgtEl>
+                                        <p:attrNameLst>
+                                          <p:attrName>style.visibility</p:attrName>
+                                        </p:attrNameLst>
+                                      </p:cBhvr>
+                                      <p:to>
+                                        <p:strVal val="visible"/>
+                                      </p:to>
+                                    </p:set>
+                                    <p:anim calcmode="lin" valueType="num">
+                                      <p:cBhvr additive="base">
+                                        <p:cTn id="11" dur="500" fill="hold"/>
+                                        <p:tgtEl>
+                                          <p:spTgt spid="3">
+                                            <p:txEl>
+                                              <p:pRg st="2" end="2"/>
+                                            </p:txEl>
+                                          </p:spTgt>
+                                        </p:tgtEl>
+                                        <p:attrNameLst>
+                                          <p:attrName>ppt_x</p:attrName>
+                                        </p:attrNameLst>
+                                      </p:cBhvr>
+                                      <p:tavLst>
+                                        <p:tav tm="0">
+                                          <p:val>
+                                            <p:strVal val="#ppt_x"/>
+                                          </p:val>
+                                        </p:tav>
+                                        <p:tav tm="100000">
+                                          <p:val>
+                                            <p:strVal val="#ppt_x"/>
+                                          </p:val>
+                                        </p:tav>
+                                      </p:tavLst>
+                                    </p:anim>
+                                    <p:anim calcmode="lin" valueType="num">
+                                      <p:cBhvr additive="base">
+                                        <p:cTn id="12" dur="500" fill="hold"/>
+                                        <p:tgtEl>
+                                          <p:spTgt spid="3">
+                                            <p:txEl>
+                                              <p:pRg st="2" end="2"/>
+                                            </p:txEl>
+                                          </p:spTgt>
+                                        </p:tgtEl>
+                                        <p:attrNameLst>
+                                          <p:attrName>ppt_y</p:attrName>
+                                        </p:attrNameLst>
+                                      </p:cBhvr>
+                                      <p:tavLst>
+                                        <p:tav tm="0">
+                                          <p:val>
+                                            <p:strVal val="1+#ppt_h/2"/>
+                                          </p:val>
+                                        </p:tav>
+                                        <p:tav tm="100000">
+                                          <p:val>
+                                            <p:strVal val="#ppt_y"/>
+                                          </p:val>
+                                        </p:tav>
+                                      </p:tavLst>
+                                    </p:anim>
+                                  </p:childTnLst>
+                                </p:cTn>
+                              </p:par>
+                            </p:childTnLst>
+                          </p:cTn>
+                        </p:par>
+                        <p:par>
+                          <p:cTn id="13" fill="hold">
+                            <p:stCondLst>
+                              <p:cond delay="500"/>
+                            </p:stCondLst>
+                            <p:childTnLst>
+                              <p:par>
+                                <p:cTn id="14" presetID="2" presetClass="entr" presetSubtype="4" fill="hold" nodeType="afterEffect">
+                                  <p:stCondLst>
+                                    <p:cond delay="0"/>
+                                  </p:stCondLst>
+                                  <p:childTnLst>
+                                    <p:set>
+                                      <p:cBhvr>
+                                        <p:cTn id="15" dur="1" fill="hold">
+                                          <p:stCondLst>
+                                            <p:cond delay="0"/>
+                                          </p:stCondLst>
+                                        </p:cTn>
+                                        <p:tgtEl>
                                           <p:spTgt spid="4"/>
                                         </p:tgtEl>
                                         <p:attrNameLst>
@@ -8678,7 +9257,7 @@
                                     </p:set>
                                     <p:anim calcmode="lin" valueType="num">
                                       <p:cBhvr additive="base">
-                                        <p:cTn id="7" dur="500" fill="hold"/>
+                                        <p:cTn id="16" dur="500" fill="hold"/>
                                         <p:tgtEl>
                                           <p:spTgt spid="4"/>
                                         </p:tgtEl>
@@ -8701,7 +9280,7 @@
                                     </p:anim>
                                     <p:anim calcmode="lin" valueType="num">
                                       <p:cBhvr additive="base">
-                                        <p:cTn id="8" dur="500" fill="hold"/>
+                                        <p:cTn id="17" dur="500" fill="hold"/>
                                         <p:tgtEl>
                                           <p:spTgt spid="4"/>
                                         </p:tgtEl>
@@ -8825,7 +9404,19 @@
             </a:r>
             <a:r>
               <a:rPr lang="zh-CN" altLang="en-US" sz="2400" dirty="0"/>
-              <a:t>。截止某时点计划要完成的工作的预算价值：</a:t>
+              <a:t>。</a:t>
+            </a:r>
+            <a:r>
+              <a:rPr lang="zh-CN" altLang="en-US" sz="2400" dirty="0">
+                <a:solidFill>
+                  <a:srgbClr val="FF0000"/>
+                </a:solidFill>
+              </a:rPr>
+              <a:t>截止某时点计划要完成的工作的预算价值</a:t>
+            </a:r>
+            <a:r>
+              <a:rPr lang="zh-CN" altLang="en-US" sz="2400" dirty="0"/>
+              <a:t>：</a:t>
             </a:r>
             <a:r>
               <a:rPr lang="en-US" altLang="zh-CN" sz="2400" dirty="0"/>
@@ -8833,17 +9424,46 @@
             </a:r>
             <a:r>
               <a:rPr lang="zh-CN" altLang="en-US" sz="2400" dirty="0"/>
-              <a:t>计划要完成的工作量 </a:t>
-            </a:r>
-            <a:r>
-              <a:rPr lang="en-US" altLang="zh-CN" sz="2400" dirty="0"/>
+              <a:t>要完成的</a:t>
+            </a:r>
+            <a:r>
+              <a:rPr lang="zh-CN" altLang="en-US" sz="2400" dirty="0">
+                <a:solidFill>
+                  <a:schemeClr val="tx1"/>
+                </a:solidFill>
+                <a:sym typeface="+mn-ea"/>
+              </a:rPr>
+              <a:t>计划</a:t>
+            </a:r>
+            <a:r>
+              <a:rPr lang="zh-CN" altLang="en-US" sz="2400" dirty="0">
+                <a:solidFill>
+                  <a:schemeClr val="tx1"/>
+                </a:solidFill>
+              </a:rPr>
+              <a:t>工作量 </a:t>
+            </a:r>
+            <a:r>
+              <a:rPr lang="en-US" altLang="zh-CN" sz="2400" dirty="0">
+                <a:solidFill>
+                  <a:schemeClr val="tx1"/>
+                </a:solidFill>
+              </a:rPr>
               <a:t>× </a:t>
             </a:r>
             <a:r>
-              <a:rPr lang="zh-CN" altLang="en-US" sz="2400" dirty="0"/>
+              <a:rPr lang="zh-CN" altLang="en-US" sz="2400" dirty="0">
+                <a:solidFill>
+                  <a:schemeClr val="tx1"/>
+                </a:solidFill>
+              </a:rPr>
               <a:t>预算单价</a:t>
             </a:r>
-            <a:endParaRPr lang="en-US" altLang="zh-CN" sz="2400" dirty="0"/>
+            <a:endParaRPr lang="en-US" altLang="zh-CN" sz="2400" dirty="0">
+              <a:solidFill>
+                <a:schemeClr val="tx1"/>
+              </a:solidFill>
+            </a:endParaRPr>
           </a:p>
           <a:p>
             <a:r>
@@ -8856,7 +9476,19 @@
             </a:r>
             <a:r>
               <a:rPr lang="zh-CN" altLang="en-US" sz="2400" dirty="0"/>
-              <a:t>。截至某时点实际已完成工作的实际成本：</a:t>
+              <a:t>。</a:t>
+            </a:r>
+            <a:r>
+              <a:rPr lang="zh-CN" altLang="en-US" sz="2400" dirty="0">
+                <a:solidFill>
+                  <a:srgbClr val="FF0000"/>
+                </a:solidFill>
+              </a:rPr>
+              <a:t>截至某时点实际已完成工作的实际成本</a:t>
+            </a:r>
+            <a:r>
+              <a:rPr lang="zh-CN" altLang="en-US" sz="2400" dirty="0"/>
+              <a:t>：</a:t>
             </a:r>
             <a:br>
               <a:rPr lang="en-US" altLang="zh-CN" sz="2400" dirty="0"/>
@@ -8867,14 +9499,39 @@
             </a:r>
             <a:r>
               <a:rPr lang="zh-CN" altLang="en-US" sz="2400" dirty="0"/>
-              <a:t>实际已完成的工作量</a:t>
-            </a:r>
-            <a:r>
-              <a:rPr lang="en-US" altLang="zh-CN" sz="2400" dirty="0"/>
+              <a:t>已完成的</a:t>
+            </a:r>
+            <a:r>
+              <a:rPr lang="zh-CN" altLang="en-US" sz="2400" dirty="0">
+                <a:solidFill>
+                  <a:schemeClr val="tx1"/>
+                </a:solidFill>
+                <a:sym typeface="+mn-ea"/>
+              </a:rPr>
+              <a:t>实际</a:t>
+            </a:r>
+            <a:r>
+              <a:rPr lang="zh-CN" altLang="en-US" sz="2400" dirty="0">
+                <a:solidFill>
+                  <a:schemeClr val="tx1"/>
+                </a:solidFill>
+              </a:rPr>
+              <a:t>工作量</a:t>
+            </a:r>
+            <a:r>
+              <a:rPr lang="en-US" altLang="zh-CN" sz="2400" dirty="0">
+                <a:solidFill>
+                  <a:schemeClr val="tx1"/>
+                </a:solidFill>
+              </a:rPr>
               <a:t>×</a:t>
             </a:r>
             <a:r>
-              <a:rPr lang="zh-CN" altLang="en-US" sz="2400" dirty="0"/>
+              <a:rPr lang="zh-CN" altLang="en-US" sz="2400" dirty="0">
+                <a:solidFill>
+                  <a:schemeClr val="tx1"/>
+                </a:solidFill>
+              </a:rPr>
               <a:t>实际单价</a:t>
             </a:r>
             <a:endParaRPr lang="en-US" altLang="zh-CN" sz="2400" dirty="0"/>
@@ -8890,7 +9547,19 @@
             </a:r>
             <a:r>
               <a:rPr lang="zh-CN" altLang="en-US" sz="2400" dirty="0"/>
-              <a:t>。截至某时点实际已完成工作的预算价值：</a:t>
+              <a:t>。</a:t>
+            </a:r>
+            <a:r>
+              <a:rPr lang="zh-CN" altLang="en-US" sz="2400" dirty="0">
+                <a:solidFill>
+                  <a:srgbClr val="FF0000"/>
+                </a:solidFill>
+              </a:rPr>
+              <a:t>截至某时点实际已完成工作的预算价值</a:t>
+            </a:r>
+            <a:r>
+              <a:rPr lang="zh-CN" altLang="en-US" sz="2400" dirty="0"/>
+              <a:t>：</a:t>
             </a:r>
             <a:br>
               <a:rPr lang="en-US" altLang="zh-CN" sz="2400" dirty="0"/>
@@ -8901,17 +9570,46 @@
             </a:r>
             <a:r>
               <a:rPr lang="zh-CN" altLang="en-US" sz="2400" dirty="0"/>
-              <a:t>实际已完成的工作量</a:t>
-            </a:r>
-            <a:r>
-              <a:rPr lang="en-US" altLang="zh-CN" sz="2400" dirty="0"/>
+              <a:t>已完成的</a:t>
+            </a:r>
+            <a:r>
+              <a:rPr lang="zh-CN" altLang="en-US" sz="2400" dirty="0">
+                <a:solidFill>
+                  <a:schemeClr val="tx1"/>
+                </a:solidFill>
+                <a:sym typeface="+mn-ea"/>
+              </a:rPr>
+              <a:t>实际</a:t>
+            </a:r>
+            <a:r>
+              <a:rPr lang="zh-CN" altLang="en-US" sz="2400" dirty="0">
+                <a:solidFill>
+                  <a:schemeClr val="tx1"/>
+                </a:solidFill>
+              </a:rPr>
+              <a:t>工作量</a:t>
+            </a:r>
+            <a:r>
+              <a:rPr lang="en-US" altLang="zh-CN" sz="2400" dirty="0">
+                <a:solidFill>
+                  <a:schemeClr val="tx1"/>
+                </a:solidFill>
+              </a:rPr>
               <a:t>×</a:t>
             </a:r>
             <a:r>
-              <a:rPr lang="zh-CN" altLang="en-US" sz="2400" dirty="0"/>
+              <a:rPr lang="zh-CN" altLang="en-US" sz="2400" dirty="0">
+                <a:solidFill>
+                  <a:schemeClr val="tx1"/>
+                </a:solidFill>
+              </a:rPr>
               <a:t>预算单价</a:t>
             </a:r>
-            <a:endParaRPr lang="en-US" altLang="zh-CN" sz="2400" dirty="0"/>
+            <a:endParaRPr lang="zh-CN" altLang="en-US" sz="2400" dirty="0">
+              <a:solidFill>
+                <a:schemeClr val="tx1"/>
+              </a:solidFill>
+            </a:endParaRPr>
           </a:p>
         </p:txBody>
       </p:sp>
@@ -9934,8 +10632,8 @@
         </p:nvSpPr>
         <p:spPr bwMode="auto">
           <a:xfrm>
-            <a:off x="1819275" y="3510646"/>
-            <a:ext cx="8524875" cy="2438627"/>
+            <a:off x="1819275" y="3510915"/>
+            <a:ext cx="8524875" cy="2438400"/>
           </a:xfrm>
           <a:prstGeom prst="rect">
             <a:avLst/>
@@ -10125,7 +10823,7 @@
             </a:r>
             <a:r>
               <a:rPr lang="zh-CN" altLang="en-US" sz="2400" dirty="0"/>
-              <a:t>＝</a:t>
+              <a:t>＝ </a:t>
             </a:r>
             <a:endParaRPr lang="en-US" altLang="zh-CN" sz="2400" dirty="0"/>
           </a:p>
@@ -10167,8 +10865,8 @@
         </p:nvSpPr>
         <p:spPr>
           <a:xfrm>
-            <a:off x="3042556" y="5949273"/>
-            <a:ext cx="6547758" cy="398780"/>
+            <a:off x="6242685" y="4037330"/>
+            <a:ext cx="3564890" cy="1630045"/>
           </a:xfrm>
           <a:prstGeom prst="rect">
             <a:avLst/>
@@ -10210,6 +10908,264 @@
               </a:solidFill>
             </a:endParaRPr>
           </a:p>
+          <a:p>
+            <a:endParaRPr lang="zh-CN" altLang="en-US" b="1" dirty="0">
+              <a:solidFill>
+                <a:srgbClr val="FF0000"/>
+              </a:solidFill>
+            </a:endParaRPr>
+          </a:p>
+          <a:p>
+            <a:r>
+              <a:rPr lang="zh-CN" altLang="en-US" b="1" dirty="0">
+                <a:solidFill>
+                  <a:srgbClr val="FF0000"/>
+                </a:solidFill>
+                <a:ea typeface="宋体" panose="02010600030101010101" pitchFamily="2" charset="-122"/>
+              </a:rPr>
+              <a:t>思考：</a:t>
+            </a:r>
+            <a:r>
+              <a:rPr lang="en-US" altLang="zh-CN" b="1" dirty="0">
+                <a:solidFill>
+                  <a:srgbClr val="FF0000"/>
+                </a:solidFill>
+                <a:ea typeface="宋体" panose="02010600030101010101" pitchFamily="2" charset="-122"/>
+              </a:rPr>
+              <a:t>EV-AC = 150-180= -30</a:t>
+            </a:r>
+            <a:br>
+              <a:rPr lang="en-US" altLang="zh-CN" b="1" dirty="0">
+                <a:solidFill>
+                  <a:srgbClr val="FF0000"/>
+                </a:solidFill>
+                <a:ea typeface="宋体" panose="02010600030101010101" pitchFamily="2" charset="-122"/>
+              </a:rPr>
+            </a:br>
+            <a:r>
+              <a:rPr lang="en-US" altLang="zh-CN" b="1" dirty="0">
+                <a:solidFill>
+                  <a:srgbClr val="FF0000"/>
+                </a:solidFill>
+                <a:ea typeface="宋体" panose="02010600030101010101" pitchFamily="2" charset="-122"/>
+              </a:rPr>
+              <a:t>           </a:t>
+            </a:r>
+            <a:r>
+              <a:rPr lang="en-US" altLang="zh-CN" b="1" dirty="0">
+                <a:solidFill>
+                  <a:srgbClr val="FF0000"/>
+                </a:solidFill>
+                <a:ea typeface="宋体" panose="02010600030101010101" pitchFamily="2" charset="-122"/>
+                <a:sym typeface="+mn-ea"/>
+              </a:rPr>
+              <a:t>EV-PV = 150-50 = 100</a:t>
+            </a:r>
+            <a:endParaRPr lang="en-US" altLang="zh-CN" b="1" dirty="0">
+              <a:solidFill>
+                <a:srgbClr val="FF0000"/>
+              </a:solidFill>
+              <a:ea typeface="宋体" panose="02010600030101010101" pitchFamily="2" charset="-122"/>
+            </a:endParaRPr>
+          </a:p>
+        </p:txBody>
+      </p:sp>
+      <p:sp>
+        <p:nvSpPr>
+          <p:cNvPr id="3" name="TextBox 5"/>
+          <p:cNvSpPr txBox="1"/>
+          <p:nvPr/>
+        </p:nvSpPr>
+        <p:spPr>
+          <a:xfrm>
+            <a:off x="4312869" y="4037330"/>
+            <a:ext cx="817245" cy="1614805"/>
+          </a:xfrm>
+          <a:prstGeom prst="rect">
+            <a:avLst/>
+          </a:prstGeom>
+          <a:noFill/>
+        </p:spPr>
+        <p:txBody>
+          <a:bodyPr wrap="square" rtlCol="0">
+            <a:spAutoFit/>
+          </a:bodyPr>
+          <a:p>
+            <a:pPr>
+              <a:lnSpc>
+                <a:spcPct val="115000"/>
+              </a:lnSpc>
+            </a:pPr>
+            <a:r>
+              <a:rPr lang="en-US" altLang="zh-CN" dirty="0"/>
+              <a:t> 50</a:t>
+            </a:r>
+            <a:endParaRPr lang="en-US" altLang="zh-CN" dirty="0"/>
+          </a:p>
+          <a:p>
+            <a:pPr>
+              <a:lnSpc>
+                <a:spcPct val="195000"/>
+              </a:lnSpc>
+            </a:pPr>
+            <a:r>
+              <a:rPr lang="en-US" altLang="zh-CN" dirty="0"/>
+              <a:t>180</a:t>
+            </a:r>
+            <a:endParaRPr lang="en-US" altLang="zh-CN" dirty="0"/>
+          </a:p>
+          <a:p>
+            <a:pPr>
+              <a:lnSpc>
+                <a:spcPct val="185000"/>
+              </a:lnSpc>
+            </a:pPr>
+            <a:r>
+              <a:rPr lang="en-US" altLang="zh-CN" dirty="0"/>
+              <a:t>150</a:t>
+            </a:r>
+            <a:endParaRPr lang="en-US" altLang="zh-CN" dirty="0"/>
+          </a:p>
+        </p:txBody>
+      </p:sp>
+      <p:sp>
+        <p:nvSpPr>
+          <p:cNvPr id="7" name="矩形 6"/>
+          <p:cNvSpPr/>
+          <p:nvPr/>
+        </p:nvSpPr>
+        <p:spPr>
+          <a:xfrm>
+            <a:off x="2562860" y="5949315"/>
+            <a:ext cx="7027545" cy="460375"/>
+          </a:xfrm>
+          <a:prstGeom prst="rect">
+            <a:avLst/>
+          </a:prstGeom>
+        </p:spPr>
+        <p:txBody>
+          <a:bodyPr wrap="square">
+            <a:spAutoFit/>
+          </a:bodyPr>
+          <a:p>
+            <a:r>
+              <a:rPr lang="en-US" altLang="zh-CN" sz="2400">
+                <a:solidFill>
+                  <a:srgbClr val="FF0000"/>
+                </a:solidFill>
+                <a:latin typeface="微软雅黑" panose="020B0503020204020204" pitchFamily="34" charset="-122"/>
+                <a:ea typeface="微软雅黑" panose="020B0503020204020204" pitchFamily="34" charset="-122"/>
+                <a:cs typeface="微软雅黑" panose="020B0503020204020204" pitchFamily="34" charset="-122"/>
+                <a:sym typeface="+mn-ea"/>
+              </a:rPr>
+              <a:t> </a:t>
+            </a:r>
+            <a:r>
+              <a:rPr lang="en-US" altLang="zh-CN" sz="2400" dirty="0">
+                <a:solidFill>
+                  <a:srgbClr val="FF0000"/>
+                </a:solidFill>
+                <a:latin typeface="微软雅黑" panose="020B0503020204020204" pitchFamily="34" charset="-122"/>
+                <a:ea typeface="微软雅黑" panose="020B0503020204020204" pitchFamily="34" charset="-122"/>
+                <a:cs typeface="微软雅黑" panose="020B0503020204020204" pitchFamily="34" charset="-122"/>
+                <a:sym typeface="+mn-ea"/>
+              </a:rPr>
+              <a:t>EV-AC</a:t>
+            </a:r>
+            <a:r>
+              <a:rPr lang="zh-CN" altLang="en-US" sz="2400" dirty="0">
+                <a:solidFill>
+                  <a:srgbClr val="FF0000"/>
+                </a:solidFill>
+                <a:latin typeface="微软雅黑" panose="020B0503020204020204" pitchFamily="34" charset="-122"/>
+                <a:ea typeface="微软雅黑" panose="020B0503020204020204" pitchFamily="34" charset="-122"/>
+                <a:cs typeface="微软雅黑" panose="020B0503020204020204" pitchFamily="34" charset="-122"/>
+                <a:sym typeface="+mn-ea"/>
+              </a:rPr>
+              <a:t>（成本偏差</a:t>
+            </a:r>
+            <a:r>
+              <a:rPr lang="en-US" altLang="zh-CN" sz="2400" dirty="0">
+                <a:solidFill>
+                  <a:srgbClr val="FF0000"/>
+                </a:solidFill>
+                <a:latin typeface="微软雅黑" panose="020B0503020204020204" pitchFamily="34" charset="-122"/>
+                <a:ea typeface="微软雅黑" panose="020B0503020204020204" pitchFamily="34" charset="-122"/>
+                <a:cs typeface="微软雅黑" panose="020B0503020204020204" pitchFamily="34" charset="-122"/>
+                <a:sym typeface="+mn-ea"/>
+              </a:rPr>
+              <a:t>CV</a:t>
+            </a:r>
+            <a:r>
+              <a:rPr lang="zh-CN" altLang="en-US" sz="2400" dirty="0">
+                <a:solidFill>
+                  <a:srgbClr val="FF0000"/>
+                </a:solidFill>
+                <a:latin typeface="微软雅黑" panose="020B0503020204020204" pitchFamily="34" charset="-122"/>
+                <a:ea typeface="微软雅黑" panose="020B0503020204020204" pitchFamily="34" charset="-122"/>
+                <a:cs typeface="微软雅黑" panose="020B0503020204020204" pitchFamily="34" charset="-122"/>
+                <a:sym typeface="+mn-ea"/>
+              </a:rPr>
+              <a:t>）    </a:t>
+            </a:r>
+            <a:r>
+              <a:rPr lang="en-US" altLang="zh-CN" sz="2400" dirty="0">
+                <a:solidFill>
+                  <a:srgbClr val="FF0000"/>
+                </a:solidFill>
+                <a:latin typeface="微软雅黑" panose="020B0503020204020204" pitchFamily="34" charset="-122"/>
+                <a:ea typeface="微软雅黑" panose="020B0503020204020204" pitchFamily="34" charset="-122"/>
+                <a:cs typeface="微软雅黑" panose="020B0503020204020204" pitchFamily="34" charset="-122"/>
+                <a:sym typeface="+mn-ea"/>
+              </a:rPr>
+              <a:t>EV-PV</a:t>
+            </a:r>
+            <a:r>
+              <a:rPr lang="zh-CN" altLang="en-US" sz="2400" dirty="0">
+                <a:solidFill>
+                  <a:srgbClr val="FF0000"/>
+                </a:solidFill>
+                <a:latin typeface="微软雅黑" panose="020B0503020204020204" pitchFamily="34" charset="-122"/>
+                <a:ea typeface="微软雅黑" panose="020B0503020204020204" pitchFamily="34" charset="-122"/>
+                <a:cs typeface="微软雅黑" panose="020B0503020204020204" pitchFamily="34" charset="-122"/>
+                <a:sym typeface="+mn-ea"/>
+              </a:rPr>
+              <a:t>（进度偏差</a:t>
+            </a:r>
+            <a:r>
+              <a:rPr lang="en-US" altLang="zh-CN" sz="2400" dirty="0">
+                <a:solidFill>
+                  <a:srgbClr val="FF0000"/>
+                </a:solidFill>
+                <a:latin typeface="微软雅黑" panose="020B0503020204020204" pitchFamily="34" charset="-122"/>
+                <a:ea typeface="微软雅黑" panose="020B0503020204020204" pitchFamily="34" charset="-122"/>
+                <a:cs typeface="微软雅黑" panose="020B0503020204020204" pitchFamily="34" charset="-122"/>
+                <a:sym typeface="+mn-ea"/>
+              </a:rPr>
+              <a:t>SV</a:t>
+            </a:r>
+            <a:r>
+              <a:rPr lang="zh-CN" altLang="en-US" sz="2400" dirty="0">
+                <a:solidFill>
+                  <a:srgbClr val="FF0000"/>
+                </a:solidFill>
+                <a:latin typeface="微软雅黑" panose="020B0503020204020204" pitchFamily="34" charset="-122"/>
+                <a:ea typeface="微软雅黑" panose="020B0503020204020204" pitchFamily="34" charset="-122"/>
+                <a:cs typeface="微软雅黑" panose="020B0503020204020204" pitchFamily="34" charset="-122"/>
+                <a:sym typeface="+mn-ea"/>
+              </a:rPr>
+              <a:t>）</a:t>
+            </a:r>
+            <a:endParaRPr lang="zh-CN" altLang="en-US" sz="2400" b="1" dirty="0">
+              <a:solidFill>
+                <a:srgbClr val="FF0000"/>
+              </a:solidFill>
+              <a:latin typeface="微软雅黑" panose="020B0503020204020204" pitchFamily="34" charset="-122"/>
+              <a:ea typeface="微软雅黑" panose="020B0503020204020204" pitchFamily="34" charset="-122"/>
+              <a:cs typeface="微软雅黑" panose="020B0503020204020204" pitchFamily="34" charset="-122"/>
+              <a:sym typeface="+mn-ea"/>
+            </a:endParaRPr>
+          </a:p>
         </p:txBody>
       </p:sp>
     </p:spTree>
@@ -10217,6 +11173,267 @@
   <p:clrMapOvr>
     <a:masterClrMapping/>
   </p:clrMapOvr>
+  <p:timing>
+    <p:tnLst>
+      <p:par>
+        <p:cTn id="1" dur="indefinite" restart="never" nodeType="tmRoot">
+          <p:childTnLst>
+            <p:seq concurrent="1" nextAc="seek">
+              <p:cTn id="2" dur="indefinite" nodeType="mainSeq">
+                <p:childTnLst>
+                  <p:par>
+                    <p:cTn id="3" fill="hold">
+                      <p:stCondLst>
+                        <p:cond delay="indefinite"/>
+                      </p:stCondLst>
+                      <p:childTnLst>
+                        <p:par>
+                          <p:cTn id="4" fill="hold">
+                            <p:stCondLst>
+                              <p:cond delay="0"/>
+                            </p:stCondLst>
+                            <p:childTnLst>
+                              <p:par>
+                                <p:cTn id="5" presetID="3" presetClass="entr" presetSubtype="10" fill="hold" grpId="0" nodeType="clickEffect">
+                                  <p:stCondLst>
+                                    <p:cond delay="0"/>
+                                  </p:stCondLst>
+                                  <p:childTnLst>
+                                    <p:set>
+                                      <p:cBhvr>
+                                        <p:cTn id="6" dur="1" fill="hold">
+                                          <p:stCondLst>
+                                            <p:cond delay="0"/>
+                                          </p:stCondLst>
+                                        </p:cTn>
+                                        <p:tgtEl>
+                                          <p:spTgt spid="3"/>
+                                        </p:tgtEl>
+                                        <p:attrNameLst>
+                                          <p:attrName>style.visibility</p:attrName>
+                                        </p:attrNameLst>
+                                      </p:cBhvr>
+                                      <p:to>
+                                        <p:strVal val="visible"/>
+                                      </p:to>
+                                    </p:set>
+                                    <p:animEffect transition="in" filter="blinds(horizontal)">
+                                      <p:cBhvr>
+                                        <p:cTn id="7" dur="500"/>
+                                        <p:tgtEl>
+                                          <p:spTgt spid="3"/>
+                                        </p:tgtEl>
+                                      </p:cBhvr>
+                                    </p:animEffect>
+                                  </p:childTnLst>
+                                </p:cTn>
+                              </p:par>
+                            </p:childTnLst>
+                          </p:cTn>
+                        </p:par>
+                        <p:par>
+                          <p:cTn id="8" fill="hold">
+                            <p:stCondLst>
+                              <p:cond delay="500"/>
+                            </p:stCondLst>
+                            <p:childTnLst>
+                              <p:par>
+                                <p:cTn id="9" presetID="2" presetClass="entr" presetSubtype="4" fill="hold" grpId="0" nodeType="afterEffect">
+                                  <p:stCondLst>
+                                    <p:cond delay="0"/>
+                                  </p:stCondLst>
+                                  <p:childTnLst>
+                                    <p:set>
+                                      <p:cBhvr>
+                                        <p:cTn id="10" dur="1" fill="hold">
+                                          <p:stCondLst>
+                                            <p:cond delay="0"/>
+                                          </p:stCondLst>
+                                        </p:cTn>
+                                        <p:tgtEl>
+                                          <p:spTgt spid="6"/>
+                                        </p:tgtEl>
+                                        <p:attrNameLst>
+                                          <p:attrName>style.visibility</p:attrName>
+                                        </p:attrNameLst>
+                                      </p:cBhvr>
+                                      <p:to>
+                                        <p:strVal val="visible"/>
+                                      </p:to>
+                                    </p:set>
+                                    <p:anim calcmode="lin" valueType="num">
+                                      <p:cBhvr additive="base">
+                                        <p:cTn id="11" dur="500" fill="hold"/>
+                                        <p:tgtEl>
+                                          <p:spTgt spid="6"/>
+                                        </p:tgtEl>
+                                        <p:attrNameLst>
+                                          <p:attrName>ppt_x</p:attrName>
+                                        </p:attrNameLst>
+                                      </p:cBhvr>
+                                      <p:tavLst>
+                                        <p:tav tm="0">
+                                          <p:val>
+                                            <p:strVal val="#ppt_x"/>
+                                          </p:val>
+                                        </p:tav>
+                                        <p:tav tm="100000">
+                                          <p:val>
+                                            <p:strVal val="#ppt_x"/>
+                                          </p:val>
+                                        </p:tav>
+                                      </p:tavLst>
+                                    </p:anim>
+                                    <p:anim calcmode="lin" valueType="num">
+                                      <p:cBhvr additive="base">
+                                        <p:cTn id="12" dur="500" fill="hold"/>
+                                        <p:tgtEl>
+                                          <p:spTgt spid="6"/>
+                                        </p:tgtEl>
+                                        <p:attrNameLst>
+                                          <p:attrName>ppt_y</p:attrName>
+                                        </p:attrNameLst>
+                                      </p:cBhvr>
+                                      <p:tavLst>
+                                        <p:tav tm="0">
+                                          <p:val>
+                                            <p:strVal val="1+#ppt_h/2"/>
+                                          </p:val>
+                                        </p:tav>
+                                        <p:tav tm="100000">
+                                          <p:val>
+                                            <p:strVal val="#ppt_y"/>
+                                          </p:val>
+                                        </p:tav>
+                                      </p:tavLst>
+                                    </p:anim>
+                                  </p:childTnLst>
+                                </p:cTn>
+                              </p:par>
+                            </p:childTnLst>
+                          </p:cTn>
+                        </p:par>
+                      </p:childTnLst>
+                    </p:cTn>
+                  </p:par>
+                  <p:par>
+                    <p:cTn id="13" fill="hold">
+                      <p:stCondLst>
+                        <p:cond delay="indefinite"/>
+                      </p:stCondLst>
+                      <p:childTnLst>
+                        <p:par>
+                          <p:cTn id="14" fill="hold">
+                            <p:stCondLst>
+                              <p:cond delay="0"/>
+                            </p:stCondLst>
+                            <p:childTnLst>
+                              <p:par>
+                                <p:cTn id="15" presetID="2" presetClass="entr" presetSubtype="4" fill="hold" grpId="0" nodeType="clickEffect">
+                                  <p:stCondLst>
+                                    <p:cond delay="0"/>
+                                  </p:stCondLst>
+                                  <p:childTnLst>
+                                    <p:set>
+                                      <p:cBhvr>
+                                        <p:cTn id="16" dur="1" fill="hold">
+                                          <p:stCondLst>
+                                            <p:cond delay="0"/>
+                                          </p:stCondLst>
+                                        </p:cTn>
+                                        <p:tgtEl>
+                                          <p:spTgt spid="7"/>
+                                        </p:tgtEl>
+                                        <p:attrNameLst>
+                                          <p:attrName>style.visibility</p:attrName>
+                                        </p:attrNameLst>
+                                      </p:cBhvr>
+                                      <p:to>
+                                        <p:strVal val="visible"/>
+                                      </p:to>
+                                    </p:set>
+                                    <p:anim calcmode="lin" valueType="num">
+                                      <p:cBhvr additive="base">
+                                        <p:cTn id="17" dur="500" fill="hold"/>
+                                        <p:tgtEl>
+                                          <p:spTgt spid="7"/>
+                                        </p:tgtEl>
+                                        <p:attrNameLst>
+                                          <p:attrName>ppt_x</p:attrName>
+                                        </p:attrNameLst>
+                                      </p:cBhvr>
+                                      <p:tavLst>
+                                        <p:tav tm="0">
+                                          <p:val>
+                                            <p:strVal val="#ppt_x"/>
+                                          </p:val>
+                                        </p:tav>
+                                        <p:tav tm="100000">
+                                          <p:val>
+                                            <p:strVal val="#ppt_x"/>
+                                          </p:val>
+                                        </p:tav>
+                                      </p:tavLst>
+                                    </p:anim>
+                                    <p:anim calcmode="lin" valueType="num">
+                                      <p:cBhvr additive="base">
+                                        <p:cTn id="18" dur="500" fill="hold"/>
+                                        <p:tgtEl>
+                                          <p:spTgt spid="7"/>
+                                        </p:tgtEl>
+                                        <p:attrNameLst>
+                                          <p:attrName>ppt_y</p:attrName>
+                                        </p:attrNameLst>
+                                      </p:cBhvr>
+                                      <p:tavLst>
+                                        <p:tav tm="0">
+                                          <p:val>
+                                            <p:strVal val="1+#ppt_h/2"/>
+                                          </p:val>
+                                        </p:tav>
+                                        <p:tav tm="100000">
+                                          <p:val>
+                                            <p:strVal val="#ppt_y"/>
+                                          </p:val>
+                                        </p:tav>
+                                      </p:tavLst>
+                                    </p:anim>
+                                  </p:childTnLst>
+                                </p:cTn>
+                              </p:par>
+                            </p:childTnLst>
+                          </p:cTn>
+                        </p:par>
+                      </p:childTnLst>
+                    </p:cTn>
+                  </p:par>
+                </p:childTnLst>
+              </p:cTn>
+              <p:prevCondLst>
+                <p:cond evt="onPrev" delay="0">
+                  <p:tgtEl>
+                    <p:sldTgt/>
+                  </p:tgtEl>
+                </p:cond>
+              </p:prevCondLst>
+              <p:nextCondLst>
+                <p:cond evt="onNext" delay="0">
+                  <p:tgtEl>
+                    <p:sldTgt/>
+                  </p:tgtEl>
+                </p:cond>
+              </p:nextCondLst>
+            </p:seq>
+          </p:childTnLst>
+        </p:cTn>
+      </p:par>
+    </p:tnLst>
+    <p:bldLst>
+      <p:bldP spid="3" grpId="0"/>
+      <p:bldP spid="6" grpId="0"/>
+      <p:bldP spid="7" grpId="0"/>
+    </p:bldLst>
+  </p:timing>
 </p:sld>
 </file>
 
@@ -10444,7 +11661,7 @@
                   <a:srgbClr val="FF0000"/>
                 </a:solidFill>
               </a:rPr>
-              <a:t>、进度偏差</a:t>
+              <a:t>；进度偏差</a:t>
             </a:r>
             <a:r>
               <a:rPr lang="en-US" altLang="zh-CN" sz="2000" dirty="0">
@@ -10563,7 +11780,19 @@
             </a:r>
             <a:r>
               <a:rPr lang="zh-CN" altLang="en-US" dirty="0"/>
-              <a:t>的成本基准，除非已批准变更，否则不能改变；</a:t>
+              <a:t>的</a:t>
+            </a:r>
+            <a:r>
+              <a:rPr lang="zh-CN" altLang="en-US" dirty="0">
+                <a:solidFill>
+                  <a:schemeClr val="tx1"/>
+                </a:solidFill>
+              </a:rPr>
+              <a:t>成本基准</a:t>
+            </a:r>
+            <a:r>
+              <a:rPr lang="zh-CN" altLang="en-US" dirty="0"/>
+              <a:t>，除非已批准变更，否则不能改变；</a:t>
             </a:r>
             <a:endParaRPr lang="en-US" altLang="zh-CN" dirty="0"/>
           </a:p>
@@ -10611,7 +11840,19 @@
             </a:r>
             <a:r>
               <a:rPr lang="zh-CN" altLang="en-US" dirty="0"/>
-              <a:t>的进度基准，除非已批准变更，否则不能改变；</a:t>
+              <a:t>的</a:t>
+            </a:r>
+            <a:r>
+              <a:rPr lang="zh-CN" altLang="en-US" dirty="0">
+                <a:solidFill>
+                  <a:schemeClr val="tx1"/>
+                </a:solidFill>
+              </a:rPr>
+              <a:t>进度基准</a:t>
+            </a:r>
+            <a:r>
+              <a:rPr lang="zh-CN" altLang="en-US" dirty="0"/>
+              <a:t>，除非已批准变更，否则不能改变；</a:t>
             </a:r>
             <a:endParaRPr lang="zh-CN" altLang="en-US" dirty="0"/>
           </a:p>
@@ -10874,10 +12115,18 @@
                     <a:lstStyle/>
                     <a:p>
                       <a:r>
-                        <a:rPr lang="en-US" altLang="zh-CN" sz="1600" dirty="0"/>
+                        <a:rPr lang="en-US" altLang="zh-CN" sz="1600" dirty="0">
+                          <a:solidFill>
+                            <a:srgbClr val="FF0000"/>
+                          </a:solidFill>
+                        </a:rPr>
                         <a:t>EV-AC</a:t>
                       </a:r>
-                      <a:endParaRPr lang="en-US" altLang="zh-CN" sz="1600" dirty="0"/>
+                      <a:endParaRPr lang="en-US" altLang="zh-CN" sz="1600" dirty="0">
+                        <a:solidFill>
+                          <a:srgbClr val="FF0000"/>
+                        </a:solidFill>
+                      </a:endParaRPr>
                     </a:p>
                   </a:txBody>
                   <a:tcPr/>
@@ -10987,10 +12236,18 @@
                     <a:lstStyle/>
                     <a:p>
                       <a:r>
-                        <a:rPr lang="en-US" altLang="zh-CN" sz="1600" dirty="0"/>
+                        <a:rPr lang="en-US" altLang="zh-CN" sz="1600" dirty="0">
+                          <a:solidFill>
+                            <a:srgbClr val="FF0000"/>
+                          </a:solidFill>
+                        </a:rPr>
                         <a:t>EV/AC</a:t>
                       </a:r>
-                      <a:endParaRPr lang="en-US" altLang="zh-CN" sz="1600" dirty="0"/>
+                      <a:endParaRPr lang="en-US" altLang="zh-CN" sz="1600" dirty="0">
+                        <a:solidFill>
+                          <a:srgbClr val="FF0000"/>
+                        </a:solidFill>
+                      </a:endParaRPr>
                     </a:p>
                   </a:txBody>
                   <a:tcPr/>
@@ -11088,10 +12345,18 @@
                     <a:lstStyle/>
                     <a:p>
                       <a:r>
-                        <a:rPr lang="en-US" altLang="zh-CN" sz="1600" dirty="0"/>
+                        <a:rPr lang="en-US" altLang="zh-CN" sz="1600" dirty="0">
+                          <a:solidFill>
+                            <a:srgbClr val="FF0000"/>
+                          </a:solidFill>
+                        </a:rPr>
                         <a:t>EV-PV</a:t>
                       </a:r>
-                      <a:endParaRPr lang="en-US" altLang="zh-CN" sz="1600" dirty="0"/>
+                      <a:endParaRPr lang="en-US" altLang="zh-CN" sz="1600" dirty="0">
+                        <a:solidFill>
+                          <a:srgbClr val="FF0000"/>
+                        </a:solidFill>
+                      </a:endParaRPr>
                     </a:p>
                   </a:txBody>
                   <a:tcPr/>
@@ -11209,10 +12474,18 @@
                     <a:lstStyle/>
                     <a:p>
                       <a:r>
-                        <a:rPr lang="en-US" altLang="zh-CN" sz="1600" dirty="0"/>
+                        <a:rPr lang="en-US" altLang="zh-CN" sz="1600" dirty="0">
+                          <a:solidFill>
+                            <a:srgbClr val="FF0000"/>
+                          </a:solidFill>
+                        </a:rPr>
                         <a:t>EV/PV</a:t>
                       </a:r>
-                      <a:endParaRPr lang="en-US" altLang="zh-CN" sz="1600" dirty="0"/>
+                      <a:endParaRPr lang="en-US" altLang="zh-CN" sz="1600" dirty="0">
+                        <a:solidFill>
+                          <a:srgbClr val="FF0000"/>
+                        </a:solidFill>
+                      </a:endParaRPr>
                     </a:p>
                   </a:txBody>
                   <a:tcPr/>
@@ -11583,7 +12856,11 @@
         <p:txBody>
           <a:bodyPr/>
           <a:p>
-            <a:endParaRPr lang="zh-CN" altLang="en-US" dirty="0"/>
+            <a:r>
+              <a:rPr lang="zh-CN" dirty="0"/>
+              <a:t>绩效指数概览</a:t>
+            </a:r>
+            <a:endParaRPr lang="zh-CN" dirty="0"/>
           </a:p>
         </p:txBody>
       </p:sp>
@@ -11706,7 +12983,15 @@
             <a:pPr lvl="1"/>
             <a:r>
               <a:rPr lang="en-US" altLang="zh-CN" dirty="0"/>
-              <a:t>BAC                         =</a:t>
+              <a:t>BAC </a:t>
+            </a:r>
+            <a:r>
+              <a:rPr lang="zh-CN" altLang="en-US" dirty="0"/>
+              <a:t>（基准）</a:t>
+            </a:r>
+            <a:r>
+              <a:rPr lang="en-US" altLang="zh-CN" dirty="0"/>
+              <a:t>          =</a:t>
             </a:r>
             <a:endParaRPr lang="en-US" altLang="zh-CN" dirty="0"/>
           </a:p>
@@ -11714,7 +12999,15 @@
             <a:pPr lvl="1"/>
             <a:r>
               <a:rPr lang="en-US" altLang="zh-CN" dirty="0"/>
-              <a:t>BDAC                      =</a:t>
+              <a:t>BDAC </a:t>
+            </a:r>
+            <a:r>
+              <a:rPr lang="zh-CN" altLang="en-US" dirty="0"/>
+              <a:t>（基准）</a:t>
+            </a:r>
+            <a:r>
+              <a:rPr lang="en-US" altLang="zh-CN" dirty="0"/>
+              <a:t>        =</a:t>
             </a:r>
             <a:endParaRPr lang="en-US" altLang="zh-CN" dirty="0"/>
           </a:p>
@@ -11722,15 +13015,61 @@
             <a:pPr lvl="1"/>
             <a:r>
               <a:rPr lang="en-US" altLang="zh-CN" dirty="0"/>
-              <a:t>CV                           =</a:t>
+              <a:t>CV </a:t>
+            </a:r>
+            <a:r>
+              <a:rPr lang="zh-CN" altLang="en-US" dirty="0">
+                <a:solidFill>
+                  <a:srgbClr val="FF0000"/>
+                </a:solidFill>
+                <a:sym typeface="+mn-ea"/>
+              </a:rPr>
+              <a:t>（成本偏差）</a:t>
+            </a:r>
+            <a:r>
+              <a:rPr lang="en-US" altLang="zh-CN" dirty="0"/>
+              <a:t>      =</a:t>
             </a:r>
             <a:endParaRPr lang="en-US" altLang="zh-CN" dirty="0"/>
           </a:p>
           <a:p>
             <a:pPr lvl="1"/>
             <a:r>
+              <a:rPr lang="en-US" altLang="zh-CN" dirty="0">
+                <a:solidFill>
+                  <a:srgbClr val="FF0000"/>
+                </a:solidFill>
+              </a:rPr>
+              <a:t>CPI</a:t>
+            </a:r>
+            <a:r>
+              <a:rPr lang="zh-CN" altLang="en-US" dirty="0">
+                <a:solidFill>
+                  <a:srgbClr val="FF0000"/>
+                </a:solidFill>
+              </a:rPr>
+              <a:t>（</a:t>
+            </a:r>
+            <a:r>
+              <a:rPr lang="zh-CN" altLang="en-US" dirty="0">
+                <a:solidFill>
+                  <a:srgbClr val="FF0000"/>
+                </a:solidFill>
+                <a:sym typeface="+mn-ea"/>
+              </a:rPr>
+              <a:t>成本指数</a:t>
+            </a:r>
+            <a:r>
+              <a:rPr lang="zh-CN" altLang="en-US" dirty="0">
+                <a:solidFill>
+                  <a:srgbClr val="FF0000"/>
+                </a:solidFill>
+              </a:rPr>
+              <a:t>）</a:t>
+            </a:r>
+            <a:r>
               <a:rPr lang="en-US" altLang="zh-CN" dirty="0"/>
-              <a:t>CPI                          =</a:t>
+              <a:t>      =</a:t>
             </a:r>
             <a:endParaRPr lang="en-US" altLang="zh-CN" dirty="0"/>
           </a:p>
@@ -11738,15 +13077,44 @@
             <a:pPr lvl="1"/>
             <a:r>
               <a:rPr lang="en-US" altLang="zh-CN" dirty="0"/>
-              <a:t>SV                           =</a:t>
+              <a:t>SV </a:t>
+            </a:r>
+            <a:r>
+              <a:rPr lang="zh-CN" altLang="en-US" dirty="0">
+                <a:solidFill>
+                  <a:srgbClr val="FF0000"/>
+                </a:solidFill>
+                <a:sym typeface="+mn-ea"/>
+              </a:rPr>
+              <a:t>（进度偏差）</a:t>
+            </a:r>
+            <a:r>
+              <a:rPr lang="en-US" altLang="zh-CN" dirty="0"/>
+              <a:t>      =</a:t>
             </a:r>
             <a:endParaRPr lang="en-US" altLang="zh-CN" dirty="0"/>
           </a:p>
           <a:p>
             <a:pPr lvl="1"/>
             <a:r>
+              <a:rPr lang="en-US" altLang="zh-CN" dirty="0">
+                <a:solidFill>
+                  <a:srgbClr val="FF0000"/>
+                </a:solidFill>
+              </a:rPr>
+              <a:t>SPI</a:t>
+            </a:r>
+            <a:r>
+              <a:rPr lang="zh-CN" altLang="en-US" dirty="0">
+                <a:solidFill>
+                  <a:srgbClr val="FF0000"/>
+                </a:solidFill>
+              </a:rPr>
+              <a:t>（进度指数）</a:t>
+            </a:r>
+            <a:r>
               <a:rPr lang="en-US" altLang="zh-CN" dirty="0"/>
-              <a:t>SPI                          =</a:t>
+              <a:t>      =</a:t>
             </a:r>
             <a:endParaRPr lang="en-US" altLang="zh-CN" dirty="0"/>
           </a:p>
@@ -24960,15 +26328,7 @@
             <a:pPr lvl="1"/>
             <a:r>
               <a:rPr lang="zh-CN" altLang="en-US" sz="2000" dirty="0"/>
-              <a:t>在决定认可与奖励时，应考虑文化差异，例如：</a:t>
-            </a:r>
-            <a:r>
-              <a:rPr lang="en-US" altLang="zh-CN" sz="2000" dirty="0"/>
-              <a:t>IBM</a:t>
-            </a:r>
-            <a:r>
-              <a:rPr lang="zh-CN" altLang="en-US" sz="2000" dirty="0"/>
-              <a:t>东京事件；</a:t>
+              <a:t>在决定认可与奖励时，应考虑文化差异；</a:t>
             </a:r>
             <a:endParaRPr lang="en-US" altLang="zh-CN" sz="2000" dirty="0"/>
           </a:p>
@@ -25079,7 +26439,7 @@
             <a:pPr lvl="1"/>
             <a:r>
               <a:rPr lang="zh-CN" altLang="en-US" sz="2000" dirty="0"/>
-              <a:t>把项目团队问题当做“团队的问题”加以讨论和处理。应当鼓励整个团队协作解决这些问题；</a:t>
+              <a:t>把项目问题当做“团队的问题”加以讨论和处理。应当鼓励整个团队协作解决这些问题；</a:t>
             </a:r>
             <a:endParaRPr lang="en-US" altLang="zh-CN" sz="2000" dirty="0"/>
           </a:p>
@@ -25303,47 +26663,25 @@
             <a:pPr lvl="1"/>
             <a:r>
               <a:rPr lang="zh-CN" altLang="en-US" sz="2000" dirty="0"/>
-              <a:t>合作：综合考虑不同的观点和意见，引导各方达成一致</a:t>
-            </a:r>
-            <a:r>
-              <a:rPr lang="en-US" altLang="zh-CN" sz="2000" dirty="0"/>
-              <a:t>(</a:t>
+              <a:t>合作：综合考虑不同的观点和意见，引导各方达成一致（</a:t>
+            </a:r>
+            <a:r>
+              <a:rPr lang="zh-CN" altLang="en-US" sz="2000" dirty="0">
+                <a:sym typeface="+mn-ea"/>
+              </a:rPr>
+              <a:t>换位思考，寻求共赢</a:t>
             </a:r>
             <a:r>
               <a:rPr lang="zh-CN" altLang="en-US" sz="2000" dirty="0"/>
-              <a:t>谁也不得罪</a:t>
-            </a:r>
-            <a:r>
-              <a:rPr lang="en-US" altLang="zh-CN" sz="2000" dirty="0"/>
-              <a:t>)</a:t>
-            </a:r>
+              <a:t>）；</a:t>
+            </a:r>
+            <a:endParaRPr lang="en-US" altLang="zh-CN" sz="2000" dirty="0"/>
+          </a:p>
+          <a:p>
+            <a:pPr lvl="1"/>
             <a:r>
               <a:rPr lang="zh-CN" altLang="en-US" sz="2000" dirty="0"/>
-              <a:t>；</a:t>
-            </a:r>
-            <a:endParaRPr lang="en-US" altLang="zh-CN" sz="2000" dirty="0"/>
-          </a:p>
-          <a:p>
-            <a:pPr lvl="1"/>
-            <a:r>
-              <a:rPr lang="zh-CN" altLang="en-US" sz="2000" dirty="0"/>
-              <a:t>妥协：寻找让全体当事人在一定程度上满意的方案</a:t>
-            </a:r>
-            <a:r>
-              <a:rPr lang="en-US" altLang="zh-CN" sz="2000" dirty="0"/>
-              <a:t>(</a:t>
-            </a:r>
-            <a:r>
-              <a:rPr lang="zh-CN" altLang="en-US" sz="2000" dirty="0"/>
-              <a:t>各让一步</a:t>
-            </a:r>
-            <a:r>
-              <a:rPr lang="en-US" altLang="zh-CN" sz="2000" dirty="0"/>
-              <a:t>)</a:t>
-            </a:r>
-            <a:r>
-              <a:rPr lang="zh-CN" altLang="en-US" sz="2000" dirty="0"/>
-              <a:t>；</a:t>
+              <a:t>妥协：寻找让全体当事人在一定程度上满意的方案（退一步，海阔天空）；</a:t>
             </a:r>
             <a:endParaRPr lang="en-US" altLang="zh-CN" sz="2000" dirty="0"/>
           </a:p>
@@ -26238,7 +27576,7 @@
             </a:r>
             <a:r>
               <a:rPr lang="zh-CN" altLang="en-US" sz="2400" dirty="0"/>
-              <a:t>。随着项目团队建设工作的开展，项目管理团队应该对项目团队的有效性，进行正式或非正式评价：</a:t>
+              <a:t>。随着项目团队建设工作的开展，项目管理团队应该对项目团队的有效性，进行正式或非正式评价，有利于个人及团队的改进和提升：</a:t>
             </a:r>
             <a:endParaRPr lang="en-US" altLang="zh-CN" sz="2400" dirty="0"/>
           </a:p>
@@ -27347,11 +28685,7 @@
             </a:r>
             <a:r>
               <a:rPr lang="zh-CN" altLang="en-US" sz="2800" dirty="0"/>
-              <a:t>依照计划</a:t>
-            </a:r>
-            <a:r>
-              <a:rPr lang="zh-CN" altLang="en-US" sz="2800" dirty="0"/>
-              <a:t>执行</a:t>
+              <a:t>依照计划执行</a:t>
             </a:r>
             <a:endParaRPr lang="zh-CN" altLang="en-US" dirty="0"/>
           </a:p>

--- a/materials/slides/ch04.pptx
+++ b/materials/slides/ch04.pptx
@@ -9225,21 +9225,30 @@
                             </p:childTnLst>
                           </p:cTn>
                         </p:par>
+                      </p:childTnLst>
+                    </p:cTn>
+                  </p:par>
+                  <p:par>
+                    <p:cTn id="13" fill="hold">
+                      <p:stCondLst>
+                        <p:cond delay="indefinite"/>
+                      </p:stCondLst>
+                      <p:childTnLst>
                         <p:par>
-                          <p:cTn id="13" fill="hold">
+                          <p:cTn id="14" fill="hold">
                             <p:stCondLst>
-                              <p:cond delay="500"/>
+                              <p:cond delay="0"/>
                             </p:stCondLst>
                             <p:childTnLst>
                               <p:par>
-                                <p:cTn id="14" presetID="2" presetClass="entr" presetSubtype="4" fill="hold" nodeType="afterEffect">
+                                <p:cTn id="15" presetID="2" presetClass="entr" presetSubtype="4" fill="hold" nodeType="clickEffect">
                                   <p:stCondLst>
                                     <p:cond delay="0"/>
                                   </p:stCondLst>
                                   <p:childTnLst>
                                     <p:set>
                                       <p:cBhvr>
-                                        <p:cTn id="15" dur="1" fill="hold">
+                                        <p:cTn id="16" dur="1" fill="hold">
                                           <p:stCondLst>
                                             <p:cond delay="0"/>
                                           </p:stCondLst>
@@ -9257,7 +9266,7 @@
                                     </p:set>
                                     <p:anim calcmode="lin" valueType="num">
                                       <p:cBhvr additive="base">
-                                        <p:cTn id="16" dur="500" fill="hold"/>
+                                        <p:cTn id="17" dur="500" fill="hold"/>
                                         <p:tgtEl>
                                           <p:spTgt spid="4"/>
                                         </p:tgtEl>
@@ -9280,7 +9289,7 @@
                                     </p:anim>
                                     <p:anim calcmode="lin" valueType="num">
                                       <p:cBhvr additive="base">
-                                        <p:cTn id="17" dur="500" fill="hold"/>
+                                        <p:cTn id="18" dur="500" fill="hold"/>
                                         <p:tgtEl>
                                           <p:spTgt spid="4"/>
                                         </p:tgtEl>

--- a/materials/slides/ch04.pptx
+++ b/materials/slides/ch04.pptx
@@ -18612,7 +18612,7 @@
           <a:p>
             <a:r>
               <a:rPr lang="zh-CN" altLang="en-US" sz="2400" dirty="0"/>
-              <a:t>范围镀金或缩水；</a:t>
+              <a:t>范围镀金或缩水</a:t>
             </a:r>
             <a:endParaRPr lang="en-US" altLang="zh-CN" sz="2400" dirty="0"/>
           </a:p>
@@ -18635,7 +18635,7 @@
           <a:p>
             <a:r>
               <a:rPr lang="zh-CN" altLang="en-US" sz="2400" dirty="0"/>
-              <a:t>不达标；</a:t>
+              <a:t>不达标（后果）</a:t>
             </a:r>
             <a:endParaRPr lang="en-US" altLang="zh-CN" sz="2400" dirty="0"/>
           </a:p>
@@ -18819,7 +18819,7 @@
           <a:p>
             <a:r>
               <a:rPr lang="zh-CN" altLang="en-US" dirty="0"/>
-              <a:t>范围、成本、质量偏差都可能带来成本的偏差；</a:t>
+              <a:t>范围、进度、质量偏差都可能带来成本的偏差；</a:t>
             </a:r>
             <a:endParaRPr lang="en-US" altLang="zh-CN" dirty="0"/>
           </a:p>
@@ -19821,7 +19821,7 @@
           <a:p>
             <a:r>
               <a:rPr lang="zh-CN" altLang="en-US" sz="2400" dirty="0"/>
-              <a:t>方法：面对面、电话、邮件、计算机聊天等；</a:t>
+              <a:t>方法：面对面、电话、邮件、即时通讯工具等；</a:t>
             </a:r>
             <a:endParaRPr lang="en-US" altLang="zh-CN" sz="2400" dirty="0"/>
           </a:p>
@@ -19954,7 +19954,7 @@
             </a:pPr>
             <a:r>
               <a:rPr lang="zh-CN" altLang="en-US" sz="2200" dirty="0"/>
-              <a:t>绩效评审发现项目的进展偏差较大，必须加以纠正；</a:t>
+              <a:t>绩效评审发现项目的进展偏差较大，必须加以纠正；（内）</a:t>
             </a:r>
             <a:endParaRPr lang="en-US" altLang="zh-CN" sz="2200" dirty="0"/>
           </a:p>
@@ -19965,7 +19965,7 @@
             </a:pPr>
             <a:r>
               <a:rPr lang="zh-CN" altLang="en-US" sz="2200" dirty="0"/>
-              <a:t>客户或其他任何人提出了有意义的变更建议；</a:t>
+              <a:t>客户或其他任何人提出了有意义的变更建议；（外）</a:t>
             </a:r>
             <a:endParaRPr lang="en-US" altLang="zh-CN" sz="2200" dirty="0"/>
           </a:p>
@@ -22141,7 +22141,43 @@
           <a:p>
             <a:r>
               <a:rPr lang="zh-CN" altLang="en-US" sz="2400" dirty="0"/>
-              <a:t>变更控制委员会负责接收与审查变更请求，并批准或否决这些变更请求； </a:t>
+              <a:t>变更控制委员会负责</a:t>
+            </a:r>
+            <a:r>
+              <a:rPr lang="zh-CN" altLang="en-US" sz="2400" dirty="0">
+                <a:solidFill>
+                  <a:srgbClr val="FF0000"/>
+                </a:solidFill>
+              </a:rPr>
+              <a:t>接收</a:t>
+            </a:r>
+            <a:r>
+              <a:rPr lang="zh-CN" altLang="en-US" sz="2400" dirty="0"/>
+              <a:t>与</a:t>
+            </a:r>
+            <a:r>
+              <a:rPr lang="zh-CN" altLang="en-US" sz="2400" dirty="0">
+                <a:solidFill>
+                  <a:srgbClr val="FF0000"/>
+                </a:solidFill>
+              </a:rPr>
+              <a:t>审查</a:t>
+            </a:r>
+            <a:r>
+              <a:rPr lang="zh-CN" altLang="en-US" sz="2400" dirty="0"/>
+              <a:t>变更请求，并</a:t>
+            </a:r>
+            <a:r>
+              <a:rPr lang="zh-CN" altLang="en-US" sz="2400" dirty="0">
+                <a:solidFill>
+                  <a:srgbClr val="FF0000"/>
+                </a:solidFill>
+              </a:rPr>
+              <a:t>批准或否决</a:t>
+            </a:r>
+            <a:r>
+              <a:rPr lang="zh-CN" altLang="en-US" sz="2400" dirty="0"/>
+              <a:t>这些变更请求； </a:t>
             </a:r>
             <a:endParaRPr lang="en-US" altLang="zh-CN" sz="2400" dirty="0"/>
           </a:p>
@@ -23079,7 +23115,17 @@
           <a:p>
             <a:r>
               <a:rPr lang="zh-CN" altLang="en-US" sz="2400" dirty="0"/>
-              <a:t>建设团队：提高工作能力、促进团队互动和改善团队氛围，以提高项目绩效；</a:t>
+              <a:t>建设团队：组建、整合、优化团队，促进团队互动和改善氛围，提升</a:t>
+            </a:r>
+            <a:r>
+              <a:rPr lang="zh-CN" altLang="en-US" sz="2400" dirty="0">
+                <a:sym typeface="+mn-ea"/>
+              </a:rPr>
+              <a:t>团队</a:t>
+            </a:r>
+            <a:r>
+              <a:rPr lang="zh-CN" altLang="en-US" sz="2400" dirty="0"/>
+              <a:t>战斗力；</a:t>
             </a:r>
             <a:endParaRPr lang="en-US" altLang="zh-CN" sz="2400" dirty="0"/>
           </a:p>
@@ -23891,7 +23937,7 @@
             <a:pPr lvl="1"/>
             <a:r>
               <a:rPr lang="zh-CN" altLang="en-US" sz="2000" dirty="0"/>
-              <a:t>应向项目组成员宣传项目目标，并为他们描绘未来的美好前景及项目成功所能带来的效益；</a:t>
+              <a:t>应向项目组成员宣传项目目标，并为他们描绘项目前景及项目成功所能带来的效益；</a:t>
             </a:r>
             <a:endParaRPr lang="en-US" altLang="zh-CN" sz="2000" dirty="0"/>
           </a:p>
@@ -25994,30 +26040,6 @@
               </a:rPr>
               <a:t>http://www.apesk.com/disc/</a:t>
             </a:r>
-            <a:endParaRPr lang="en-US" sz="2000" u="sng" dirty="0"/>
-          </a:p>
-          <a:p>
-            <a:pPr lvl="1"/>
-            <a:r>
-              <a:rPr lang="zh-CN" altLang="en-US" sz="2000" dirty="0"/>
-              <a:t>参见教材</a:t>
-            </a:r>
-            <a:r>
-              <a:rPr lang="en-US" altLang="zh-CN" sz="2000" dirty="0"/>
-              <a:t>220</a:t>
-            </a:r>
-            <a:r>
-              <a:rPr lang="zh-CN" altLang="en-US" sz="2000" dirty="0"/>
-              <a:t>页</a:t>
-            </a:r>
-            <a:r>
-              <a:rPr lang="en-US" altLang="zh-CN" sz="2000" dirty="0"/>
-              <a:t>—223</a:t>
-            </a:r>
-            <a:r>
-              <a:rPr lang="zh-CN" altLang="en-US" sz="2000" dirty="0"/>
-              <a:t>页；</a:t>
-            </a:r>
             <a:endParaRPr lang="en-US" altLang="zh-CN" sz="2000" dirty="0"/>
           </a:p>
           <a:p>
@@ -26027,23 +26049,7 @@
             </a:r>
             <a:r>
               <a:rPr lang="en-US" altLang="zh-CN" sz="2400" dirty="0"/>
-              <a:t>(</a:t>
-            </a:r>
-            <a:r>
-              <a:rPr lang="zh-CN" altLang="en-US" sz="2400" dirty="0"/>
-              <a:t>教材</a:t>
-            </a:r>
-            <a:r>
-              <a:rPr lang="en-US" altLang="zh-CN" sz="2400" dirty="0"/>
-              <a:t>61</a:t>
-            </a:r>
-            <a:r>
-              <a:rPr lang="zh-CN" altLang="en-US" sz="2400" dirty="0"/>
-              <a:t>页“团队契约”</a:t>
-            </a:r>
-            <a:r>
-              <a:rPr lang="en-US" altLang="zh-CN" sz="2400" dirty="0"/>
-              <a:t>); </a:t>
+              <a:t>; </a:t>
             </a:r>
             <a:endParaRPr lang="en-US" altLang="zh-CN" sz="2400" dirty="0"/>
           </a:p>

--- a/materials/slides/ch04.pptx
+++ b/materials/slides/ch04.pptx
@@ -12662,10 +12662,18 @@
                         <a:defRPr/>
                       </a:pPr>
                       <a:r>
-                        <a:rPr lang="zh-CN" altLang="en-US" sz="1600" dirty="0"/>
+                        <a:rPr lang="zh-CN" altLang="en-US" sz="1600" dirty="0">
+                          <a:solidFill>
+                            <a:srgbClr val="FF0000"/>
+                          </a:solidFill>
+                        </a:rPr>
                         <a:t>重新估算完成整个项目所需要的成本</a:t>
                       </a:r>
-                      <a:endParaRPr lang="zh-CN" altLang="en-US" sz="1600" dirty="0"/>
+                      <a:endParaRPr lang="zh-CN" altLang="en-US" sz="1600" dirty="0">
+                        <a:solidFill>
+                          <a:srgbClr val="FF0000"/>
+                        </a:solidFill>
+                      </a:endParaRPr>
                     </a:p>
                   </a:txBody>
                   <a:tcPr/>
@@ -12798,10 +12806,18 @@
                     <a:lstStyle/>
                     <a:p>
                       <a:r>
-                        <a:rPr lang="zh-CN" altLang="en-US" sz="1600" dirty="0"/>
+                        <a:rPr lang="zh-CN" altLang="en-US" sz="1600" dirty="0">
+                          <a:solidFill>
+                            <a:srgbClr val="FF0000"/>
+                          </a:solidFill>
+                        </a:rPr>
                         <a:t>重新估算完成整个项目的工期</a:t>
                       </a:r>
-                      <a:endParaRPr lang="zh-CN" altLang="en-US" sz="1600" dirty="0"/>
+                      <a:endParaRPr lang="zh-CN" altLang="en-US" sz="1600" dirty="0">
+                        <a:solidFill>
+                          <a:srgbClr val="FF0000"/>
+                        </a:solidFill>
+                      </a:endParaRPr>
                     </a:p>
                   </a:txBody>
                   <a:tcPr/>

--- a/materials/slides/ch04.pptx
+++ b/materials/slides/ch04.pptx
@@ -26700,7 +26700,7 @@
               <a:rPr lang="zh-CN" altLang="en-US" sz="2000" dirty="0">
                 <a:sym typeface="+mn-ea"/>
               </a:rPr>
-              <a:t>换位思考，寻求共赢</a:t>
+              <a:t>寻求共赢</a:t>
             </a:r>
             <a:r>
               <a:rPr lang="zh-CN" altLang="en-US" sz="2000" dirty="0"/>
@@ -26712,7 +26712,7 @@
             <a:pPr lvl="1"/>
             <a:r>
               <a:rPr lang="zh-CN" altLang="en-US" sz="2000" dirty="0"/>
-              <a:t>妥协：寻找让全体当事人在一定程度上满意的方案（退一步，海阔天空）；</a:t>
+              <a:t>妥协：寻找让全体当事人在一定程度上满意的方案（以退为进，退一步，海阔天空）；</a:t>
             </a:r>
             <a:endParaRPr lang="en-US" altLang="zh-CN" sz="2000" dirty="0"/>
           </a:p>
@@ -26720,7 +26720,17 @@
             <a:pPr lvl="1"/>
             <a:r>
               <a:rPr lang="zh-CN" altLang="en-US" sz="2000" dirty="0"/>
-              <a:t>缓解：强调一致而非差异（求同存异）；</a:t>
+              <a:t>缓解：强调一致而非差异（</a:t>
+            </a:r>
+            <a:r>
+              <a:rPr lang="zh-CN" altLang="en-US" sz="2000" dirty="0">
+                <a:sym typeface="+mn-ea"/>
+              </a:rPr>
+              <a:t>换位思考，</a:t>
+            </a:r>
+            <a:r>
+              <a:rPr lang="zh-CN" altLang="en-US" sz="2000" dirty="0"/>
+              <a:t>求同存异）；</a:t>
             </a:r>
             <a:endParaRPr lang="en-US" altLang="zh-CN" sz="2000" dirty="0"/>
           </a:p>

--- a/materials/slides/ch04.pptx
+++ b/materials/slides/ch04.pptx
@@ -11717,7 +11717,7 @@
             </a:pPr>
             <a:r>
               <a:rPr lang="zh-CN" altLang="en-US" sz="2000" dirty="0"/>
-              <a:t>如有必要，还需进行预测，计算如下指标：完工尚需估算</a:t>
+              <a:t>如有必要，还需进行预测，计算如下指标：完工尚需成本估算</a:t>
             </a:r>
             <a:r>
               <a:rPr lang="en-US" altLang="zh-CN" sz="2000" dirty="0"/>
@@ -11725,7 +11725,7 @@
             </a:r>
             <a:r>
               <a:rPr lang="zh-CN" altLang="en-US" sz="2000" dirty="0"/>
-              <a:t>、完工估算</a:t>
+              <a:t>、完工成本估算</a:t>
             </a:r>
             <a:r>
               <a:rPr lang="en-US" altLang="zh-CN" sz="2000" dirty="0"/>
@@ -11747,6 +11747,38 @@
           </a:p>
           <a:p>
             <a:pPr lvl="3"/>
+            <a:r>
+              <a:rPr lang="zh-CN" altLang="en-US" dirty="0">
+                <a:solidFill>
+                  <a:schemeClr val="tx1"/>
+                </a:solidFill>
+              </a:rPr>
+              <a:t>依据</a:t>
+            </a:r>
+            <a:r>
+              <a:rPr lang="zh-CN" altLang="en-US" dirty="0">
+                <a:sym typeface="+mn-ea"/>
+              </a:rPr>
+              <a:t>整个项目</a:t>
+            </a:r>
+            <a:r>
+              <a:rPr lang="en-US" altLang="zh-CN" dirty="0">
+                <a:sym typeface="+mn-ea"/>
+              </a:rPr>
+              <a:t>(</a:t>
+            </a:r>
+            <a:r>
+              <a:rPr lang="zh-CN" altLang="en-US" dirty="0">
+                <a:sym typeface="+mn-ea"/>
+              </a:rPr>
+              <a:t>或工作包</a:t>
+            </a:r>
+            <a:r>
+              <a:rPr lang="en-US" altLang="zh-CN" dirty="0">
+                <a:sym typeface="+mn-ea"/>
+              </a:rPr>
+              <a:t>)</a:t>
+            </a:r>
             <a:r>
               <a:rPr lang="zh-CN" altLang="en-US" dirty="0">
                 <a:solidFill>
@@ -11756,6 +11788,15 @@
               <a:t>完工预算</a:t>
             </a:r>
             <a:r>
+              <a:rPr lang="zh-CN" altLang="en-US" dirty="0">
+                <a:solidFill>
+                  <a:srgbClr val="FF0000"/>
+                </a:solidFill>
+                <a:sym typeface="+mn-ea"/>
+              </a:rPr>
+              <a:t>成本基准</a:t>
+            </a:r>
+            <a:r>
               <a:rPr lang="en-US" altLang="zh-CN" dirty="0">
                 <a:solidFill>
                   <a:srgbClr val="FF0000"/>
@@ -11773,40 +11814,42 @@
             </a:r>
             <a:r>
               <a:rPr lang="zh-CN" altLang="en-US" dirty="0"/>
+              <a:t>除非已批准变更，否则不能改变</a:t>
+            </a:r>
+            <a:endParaRPr lang="en-US" altLang="zh-CN" dirty="0"/>
+          </a:p>
+          <a:p>
+            <a:pPr lvl="3"/>
+            <a:r>
+              <a:rPr lang="zh-CN" altLang="en-US" dirty="0">
+                <a:sym typeface="+mn-ea"/>
+              </a:rPr>
+              <a:t>依据</a:t>
+            </a:r>
+            <a:r>
+              <a:rPr lang="zh-CN" altLang="en-US" dirty="0">
+                <a:sym typeface="+mn-ea"/>
+              </a:rPr>
               <a:t>整个项目</a:t>
             </a:r>
             <a:r>
-              <a:rPr lang="en-US" altLang="zh-CN" dirty="0"/>
+              <a:rPr lang="en-US" altLang="zh-CN" dirty="0">
+                <a:sym typeface="+mn-ea"/>
+              </a:rPr>
               <a:t>(</a:t>
             </a:r>
             <a:r>
-              <a:rPr lang="zh-CN" altLang="en-US" dirty="0"/>
+              <a:rPr lang="zh-CN" altLang="en-US" dirty="0">
+                <a:sym typeface="+mn-ea"/>
+              </a:rPr>
               <a:t>或工作包</a:t>
             </a:r>
             <a:r>
-              <a:rPr lang="en-US" altLang="zh-CN" dirty="0"/>
+              <a:rPr lang="en-US" altLang="zh-CN" dirty="0">
+                <a:sym typeface="+mn-ea"/>
+              </a:rPr>
               <a:t>)</a:t>
             </a:r>
-            <a:r>
-              <a:rPr lang="zh-CN" altLang="en-US" dirty="0"/>
-              <a:t>的</a:t>
-            </a:r>
-            <a:r>
-              <a:rPr lang="zh-CN" altLang="en-US" dirty="0">
-                <a:solidFill>
-                  <a:schemeClr val="tx1"/>
-                </a:solidFill>
-              </a:rPr>
-              <a:t>成本基准</a:t>
-            </a:r>
-            <a:r>
-              <a:rPr lang="zh-CN" altLang="en-US" dirty="0"/>
-              <a:t>，除非已批准变更，否则不能改变；</a:t>
-            </a:r>
-            <a:endParaRPr lang="en-US" altLang="zh-CN" dirty="0"/>
-          </a:p>
-          <a:p>
-            <a:pPr lvl="3"/>
             <a:r>
               <a:rPr lang="zh-CN" altLang="en-US" dirty="0">
                 <a:solidFill>
@@ -11816,10 +11859,28 @@
               <a:t>完工工期</a:t>
             </a:r>
             <a:r>
+              <a:rPr lang="zh-CN" altLang="en-US" dirty="0">
+                <a:solidFill>
+                  <a:srgbClr val="FF0000"/>
+                </a:solidFill>
+                <a:sym typeface="+mn-ea"/>
+              </a:rPr>
+              <a:t>进度</a:t>
+            </a:r>
+            <a:r>
+              <a:rPr lang="zh-CN" altLang="en-US" dirty="0">
+                <a:solidFill>
+                  <a:srgbClr val="FF0000"/>
+                </a:solidFill>
+              </a:rPr>
+              <a:t>基准</a:t>
+            </a:r>
+            <a:r>
               <a:rPr lang="en-US" altLang="zh-CN" dirty="0">
                 <a:solidFill>
                   <a:srgbClr val="FF0000"/>
                 </a:solidFill>
+                <a:sym typeface="+mn-ea"/>
               </a:rPr>
               <a:t>(BDAC)</a:t>
             </a:r>
@@ -11833,35 +11894,7 @@
             </a:r>
             <a:r>
               <a:rPr lang="zh-CN" altLang="en-US" dirty="0"/>
-              <a:t>整个项目</a:t>
-            </a:r>
-            <a:r>
-              <a:rPr lang="en-US" altLang="zh-CN" dirty="0"/>
-              <a:t>(</a:t>
-            </a:r>
-            <a:r>
-              <a:rPr lang="zh-CN" altLang="en-US" dirty="0"/>
-              <a:t>或工作包</a:t>
-            </a:r>
-            <a:r>
-              <a:rPr lang="en-US" altLang="zh-CN" dirty="0"/>
-              <a:t>)</a:t>
-            </a:r>
-            <a:r>
-              <a:rPr lang="zh-CN" altLang="en-US" dirty="0"/>
-              <a:t>的</a:t>
-            </a:r>
-            <a:r>
-              <a:rPr lang="zh-CN" altLang="en-US" dirty="0">
-                <a:solidFill>
-                  <a:schemeClr val="tx1"/>
-                </a:solidFill>
-              </a:rPr>
-              <a:t>进度基准</a:t>
-            </a:r>
-            <a:r>
-              <a:rPr lang="zh-CN" altLang="en-US" dirty="0"/>
-              <a:t>，除非已批准变更，否则不能改变；</a:t>
+              <a:t>除非已批准变更，否则不能改变</a:t>
             </a:r>
             <a:endParaRPr lang="zh-CN" altLang="en-US" dirty="0"/>
           </a:p>

--- a/materials/slides/ch04.pptx
+++ b/materials/slides/ch04.pptx
@@ -26815,6 +26815,74 @@
       </p:grpSpPr>
       <p:sp>
         <p:nvSpPr>
+          <p:cNvPr id="5" name="内容占位符 2"/>
+          <p:cNvSpPr txBox="1"/>
+          <p:nvPr/>
+        </p:nvSpPr>
+        <p:spPr bwMode="auto">
+          <a:xfrm>
+            <a:off x="400050" y="1489075"/>
+            <a:ext cx="9944100" cy="4313555"/>
+          </a:xfrm>
+          <a:prstGeom prst="rect">
+            <a:avLst/>
+          </a:prstGeom>
+          <a:noFill/>
+          <a:ln w="9525">
+            <a:noFill/>
+            <a:miter lim="800000"/>
+          </a:ln>
+        </p:spPr>
+        <p:txBody>
+          <a:bodyPr vert="horz" wrap="square" lIns="0" tIns="0" rIns="0" bIns="0" numCol="1" anchor="t" anchorCtr="0" compatLnSpc="1"/>
+          <a:lstStyle/>
+          <a:p>
+            <a:pPr marL="180975" marR="0" lvl="0" indent="-180975" algn="l" defTabSz="914400" rtl="0" eaLnBrk="0" fontAlgn="base" latinLnBrk="0" hangingPunct="0">
+              <a:lnSpc>
+                <a:spcPct val="100000"/>
+              </a:lnSpc>
+              <a:spcBef>
+                <a:spcPct val="0"/>
+              </a:spcBef>
+              <a:spcAft>
+                <a:spcPct val="40000"/>
+              </a:spcAft>
+              <a:buClrTx/>
+              <a:buSzTx/>
+              <a:buFont typeface="Wingdings" panose="05000000000000000000" pitchFamily="2" charset="2"/>
+              <a:buChar char="§"/>
+              <a:defRPr/>
+            </a:pPr>
+            <a:r>
+              <a:rPr kumimoji="0" lang="zh-CN" altLang="en-US" sz="2400" b="0" i="0" u="none" strike="noStrike" kern="0" cap="none" spc="0" normalizeH="0" baseline="0" noProof="0" dirty="0">
+                <a:ln>
+                  <a:noFill/>
+                </a:ln>
+                <a:effectLst/>
+                <a:uLnTx/>
+                <a:uFillTx/>
+                <a:latin typeface="微软雅黑" panose="020B0503020204020204" pitchFamily="34" charset="-122"/>
+                <a:ea typeface="微软雅黑" panose="020B0503020204020204" pitchFamily="34" charset="-122"/>
+                <a:cs typeface="+mn-cs"/>
+              </a:rPr>
+              <a:t>权力及影响力相关：</a:t>
+            </a:r>
+            <a:endParaRPr kumimoji="0" lang="zh-CN" altLang="en-US" sz="2400" b="0" i="0" u="none" strike="noStrike" kern="0" cap="none" spc="0" normalizeH="0" baseline="0" noProof="0" dirty="0">
+              <a:ln>
+                <a:noFill/>
+              </a:ln>
+              <a:effectLst/>
+              <a:uLnTx/>
+              <a:uFillTx/>
+              <a:latin typeface="微软雅黑" panose="020B0503020204020204" pitchFamily="34" charset="-122"/>
+              <a:ea typeface="微软雅黑" panose="020B0503020204020204" pitchFamily="34" charset="-122"/>
+              <a:cs typeface="+mn-cs"/>
+            </a:endParaRPr>
+          </a:p>
+        </p:txBody>
+      </p:sp>
+      <p:sp>
+        <p:nvSpPr>
           <p:cNvPr id="2" name="标题 1"/>
           <p:cNvSpPr>
             <a:spLocks noGrp="1"/>
@@ -26844,6 +26912,9 @@
           </p:cNvGraphicFramePr>
           <p:nvPr>
             <p:ph sz="quarter" idx="1"/>
+            <p:custDataLst>
+              <p:tags r:id="rId1"/>
+            </p:custDataLst>
           </p:nvPr>
         </p:nvGraphicFramePr>
         <p:xfrm>
@@ -26857,8 +26928,8 @@
                 <a:tableStyleId>{5940675A-B579-460E-94D1-54222C63F5DA}</a:tableStyleId>
               </a:tblPr>
               <a:tblGrid>
-                <a:gridCol w="1708785"/>
-                <a:gridCol w="6597015"/>
+                <a:gridCol w="2230755"/>
+                <a:gridCol w="6075045"/>
               </a:tblGrid>
               <a:tr h="370840">
                 <a:tc>
@@ -26884,7 +26955,7 @@
                       </a:pPr>
                       <a:r>
                         <a:rPr lang="zh-CN" altLang="en-US" sz="2800" dirty="0"/>
-                        <a:t>参照权力</a:t>
+                        <a:t>参照影响力</a:t>
                       </a:r>
                       <a:endParaRPr lang="zh-CN" altLang="en-US" sz="2800" dirty="0"/>
                     </a:p>
@@ -26930,7 +27001,7 @@
                     <a:p>
                       <a:r>
                         <a:rPr lang="zh-CN" altLang="en-US" sz="2800" dirty="0"/>
-                        <a:t>专家权力</a:t>
+                        <a:t>专家影响力</a:t>
                       </a:r>
                       <a:endParaRPr lang="zh-CN" altLang="en-US" sz="2800" dirty="0"/>
                     </a:p>
@@ -27012,7 +27083,7 @@
                   <a:tcPr/>
                 </a:tc>
               </a:tr>
-              <a:tr h="370840">
+              <a:tr h="944880">
                 <a:tc>
                   <a:txBody>
                     <a:bodyPr/>
@@ -27069,74 +27140,6 @@
               <a:t>Information Technology Project Management, Fifth Edition, Copyright 2007</a:t>
             </a:r>
             <a:endParaRPr lang="en-US" dirty="0"/>
-          </a:p>
-        </p:txBody>
-      </p:sp>
-      <p:sp>
-        <p:nvSpPr>
-          <p:cNvPr id="5" name="内容占位符 2"/>
-          <p:cNvSpPr txBox="1"/>
-          <p:nvPr/>
-        </p:nvSpPr>
-        <p:spPr bwMode="auto">
-          <a:xfrm>
-            <a:off x="400050" y="1489075"/>
-            <a:ext cx="9944100" cy="4313555"/>
-          </a:xfrm>
-          <a:prstGeom prst="rect">
-            <a:avLst/>
-          </a:prstGeom>
-          <a:noFill/>
-          <a:ln w="9525">
-            <a:noFill/>
-            <a:miter lim="800000"/>
-          </a:ln>
-        </p:spPr>
-        <p:txBody>
-          <a:bodyPr vert="horz" wrap="square" lIns="0" tIns="0" rIns="0" bIns="0" numCol="1" anchor="t" anchorCtr="0" compatLnSpc="1"/>
-          <a:lstStyle/>
-          <a:p>
-            <a:pPr marL="180975" marR="0" lvl="0" indent="-180975" algn="l" defTabSz="914400" rtl="0" eaLnBrk="0" fontAlgn="base" latinLnBrk="0" hangingPunct="0">
-              <a:lnSpc>
-                <a:spcPct val="100000"/>
-              </a:lnSpc>
-              <a:spcBef>
-                <a:spcPct val="0"/>
-              </a:spcBef>
-              <a:spcAft>
-                <a:spcPct val="40000"/>
-              </a:spcAft>
-              <a:buClrTx/>
-              <a:buSzTx/>
-              <a:buFont typeface="Wingdings" panose="05000000000000000000" pitchFamily="2" charset="2"/>
-              <a:buChar char="§"/>
-              <a:defRPr/>
-            </a:pPr>
-            <a:r>
-              <a:rPr kumimoji="0" lang="zh-CN" altLang="en-US" sz="2400" b="0" i="0" u="none" strike="noStrike" kern="0" cap="none" spc="0" normalizeH="0" baseline="0" noProof="0" dirty="0">
-                <a:ln>
-                  <a:noFill/>
-                </a:ln>
-                <a:effectLst/>
-                <a:uLnTx/>
-                <a:uFillTx/>
-                <a:latin typeface="微软雅黑" panose="020B0503020204020204" pitchFamily="34" charset="-122"/>
-                <a:ea typeface="微软雅黑" panose="020B0503020204020204" pitchFamily="34" charset="-122"/>
-                <a:cs typeface="+mn-cs"/>
-              </a:rPr>
-              <a:t>权力相关：</a:t>
-            </a:r>
-            <a:endParaRPr kumimoji="0" lang="zh-CN" altLang="en-US" sz="2400" b="0" i="0" u="none" strike="noStrike" kern="0" cap="none" spc="0" normalizeH="0" baseline="0" noProof="0" dirty="0">
-              <a:ln>
-                <a:noFill/>
-              </a:ln>
-              <a:effectLst/>
-              <a:uLnTx/>
-              <a:uFillTx/>
-              <a:latin typeface="微软雅黑" panose="020B0503020204020204" pitchFamily="34" charset="-122"/>
-              <a:ea typeface="微软雅黑" panose="020B0503020204020204" pitchFamily="34" charset="-122"/>
-              <a:cs typeface="+mn-cs"/>
-            </a:endParaRPr>
           </a:p>
         </p:txBody>
       </p:sp>
@@ -29076,6 +29079,12 @@
     <a:masterClrMapping/>
   </p:clrMapOvr>
 </p:sld>
+</file>
+
+<file path=ppt/tags/tag1.xml><?xml version="1.0" encoding="utf-8"?>
+<p:tagLst xmlns:p="http://schemas.openxmlformats.org/presentationml/2006/main">
+  <p:tag name="KSO_WM_UNIT_TABLE_BEAUTIFY" val="smartTable{0f15f95f-09af-40e1-822b-563483c9b9f4}"/>
+</p:tagLst>
 </file>
 
 <file path=ppt/theme/theme1.xml><?xml version="1.0" encoding="utf-8"?>
